--- a/Lessons/Introduction.pptx
+++ b/Lessons/Introduction.pptx
@@ -5,14 +5,17 @@
     <p:sldMasterId id="2147483648" r:id="rId1"/>
   </p:sldMasterIdLst>
   <p:notesMasterIdLst>
-    <p:notesMasterId r:id="rId7"/>
+    <p:notesMasterId r:id="rId10"/>
   </p:notesMasterIdLst>
   <p:sldIdLst>
     <p:sldId id="256" r:id="rId2"/>
     <p:sldId id="259" r:id="rId3"/>
     <p:sldId id="257" r:id="rId4"/>
     <p:sldId id="258" r:id="rId5"/>
-    <p:sldId id="260" r:id="rId6"/>
+    <p:sldId id="261" r:id="rId6"/>
+    <p:sldId id="260" r:id="rId7"/>
+    <p:sldId id="263" r:id="rId8"/>
+    <p:sldId id="262" r:id="rId9"/>
   </p:sldIdLst>
   <p:sldSz cx="12192000" cy="6858000"/>
   <p:notesSz cx="6858000" cy="9144000"/>
@@ -111,6 +114,11 @@
       </a:defRPr>
     </a:lvl9pPr>
   </p:defaultTextStyle>
+  <p:extLst>
+    <p:ext uri="{EFAFB233-063F-42B5-8137-9DF3F51BA10A}">
+      <p15:sldGuideLst xmlns:p15="http://schemas.microsoft.com/office/powerpoint/2012/main"/>
+    </p:ext>
+  </p:extLst>
 </p:presentation>
 </file>
 
@@ -196,7 +204,7 @@
           <a:p>
             <a:fld id="{DF0B6E1B-3DE4-4082-8057-FA3E47C40905}" type="datetimeFigureOut">
               <a:rPr lang="en-GB" smtClean="0"/>
-              <a:t>03/07/2019</a:t>
+              <a:t>21/07/2019</a:t>
             </a:fld>
             <a:endParaRPr lang="en-GB"/>
           </a:p>
@@ -973,7 +981,7 @@
           <a:p>
             <a:fld id="{945AE9AA-FFB8-4A6F-835D-DFF20E6952A1}" type="slidenum">
               <a:rPr lang="en-GB" smtClean="0"/>
-              <a:t>5</a:t>
+              <a:t>6</a:t>
             </a:fld>
             <a:endParaRPr lang="en-GB"/>
           </a:p>
@@ -983,6 +991,174 @@
     <p:extLst>
       <p:ext uri="{BB962C8B-B14F-4D97-AF65-F5344CB8AC3E}">
         <p14:creationId xmlns:p14="http://schemas.microsoft.com/office/powerpoint/2010/main" val="1795164507"/>
+      </p:ext>
+    </p:extLst>
+  </p:cSld>
+  <p:clrMapOvr>
+    <a:masterClrMapping/>
+  </p:clrMapOvr>
+</p:notes>
+</file>
+
+<file path=ppt/notesSlides/notesSlide6.xml><?xml version="1.0" encoding="utf-8"?>
+<p:notes xmlns:a="http://schemas.openxmlformats.org/drawingml/2006/main" xmlns:r="http://schemas.openxmlformats.org/officeDocument/2006/relationships" xmlns:p="http://schemas.openxmlformats.org/presentationml/2006/main">
+  <p:cSld>
+    <p:spTree>
+      <p:nvGrpSpPr>
+        <p:cNvPr id="1" name=""/>
+        <p:cNvGrpSpPr/>
+        <p:nvPr/>
+      </p:nvGrpSpPr>
+      <p:grpSpPr>
+        <a:xfrm>
+          <a:off x="0" y="0"/>
+          <a:ext cx="0" cy="0"/>
+          <a:chOff x="0" y="0"/>
+          <a:chExt cx="0" cy="0"/>
+        </a:xfrm>
+      </p:grpSpPr>
+      <p:sp>
+        <p:nvSpPr>
+          <p:cNvPr id="2" name="Slide Image Placeholder 1"/>
+          <p:cNvSpPr>
+            <a:spLocks noGrp="1" noRot="1" noChangeAspect="1"/>
+          </p:cNvSpPr>
+          <p:nvPr>
+            <p:ph type="sldImg"/>
+          </p:nvPr>
+        </p:nvSpPr>
+        <p:spPr/>
+      </p:sp>
+      <p:sp>
+        <p:nvSpPr>
+          <p:cNvPr id="3" name="Notes Placeholder 2"/>
+          <p:cNvSpPr>
+            <a:spLocks noGrp="1"/>
+          </p:cNvSpPr>
+          <p:nvPr>
+            <p:ph type="body" idx="1"/>
+          </p:nvPr>
+        </p:nvSpPr>
+        <p:spPr/>
+        <p:txBody>
+          <a:bodyPr/>
+          <a:lstStyle/>
+          <a:p>
+            <a:endParaRPr lang="en-GB" dirty="0"/>
+          </a:p>
+        </p:txBody>
+      </p:sp>
+      <p:sp>
+        <p:nvSpPr>
+          <p:cNvPr id="4" name="Slide Number Placeholder 3"/>
+          <p:cNvSpPr>
+            <a:spLocks noGrp="1"/>
+          </p:cNvSpPr>
+          <p:nvPr>
+            <p:ph type="sldNum" sz="quarter" idx="5"/>
+          </p:nvPr>
+        </p:nvSpPr>
+        <p:spPr/>
+        <p:txBody>
+          <a:bodyPr/>
+          <a:lstStyle/>
+          <a:p>
+            <a:fld id="{945AE9AA-FFB8-4A6F-835D-DFF20E6952A1}" type="slidenum">
+              <a:rPr lang="en-GB" smtClean="0"/>
+              <a:t>7</a:t>
+            </a:fld>
+            <a:endParaRPr lang="en-GB"/>
+          </a:p>
+        </p:txBody>
+      </p:sp>
+    </p:spTree>
+    <p:extLst>
+      <p:ext uri="{BB962C8B-B14F-4D97-AF65-F5344CB8AC3E}">
+        <p14:creationId xmlns:p14="http://schemas.microsoft.com/office/powerpoint/2010/main" val="3561455561"/>
+      </p:ext>
+    </p:extLst>
+  </p:cSld>
+  <p:clrMapOvr>
+    <a:masterClrMapping/>
+  </p:clrMapOvr>
+</p:notes>
+</file>
+
+<file path=ppt/notesSlides/notesSlide7.xml><?xml version="1.0" encoding="utf-8"?>
+<p:notes xmlns:a="http://schemas.openxmlformats.org/drawingml/2006/main" xmlns:r="http://schemas.openxmlformats.org/officeDocument/2006/relationships" xmlns:p="http://schemas.openxmlformats.org/presentationml/2006/main">
+  <p:cSld>
+    <p:spTree>
+      <p:nvGrpSpPr>
+        <p:cNvPr id="1" name=""/>
+        <p:cNvGrpSpPr/>
+        <p:nvPr/>
+      </p:nvGrpSpPr>
+      <p:grpSpPr>
+        <a:xfrm>
+          <a:off x="0" y="0"/>
+          <a:ext cx="0" cy="0"/>
+          <a:chOff x="0" y="0"/>
+          <a:chExt cx="0" cy="0"/>
+        </a:xfrm>
+      </p:grpSpPr>
+      <p:sp>
+        <p:nvSpPr>
+          <p:cNvPr id="2" name="Slide Image Placeholder 1"/>
+          <p:cNvSpPr>
+            <a:spLocks noGrp="1" noRot="1" noChangeAspect="1"/>
+          </p:cNvSpPr>
+          <p:nvPr>
+            <p:ph type="sldImg"/>
+          </p:nvPr>
+        </p:nvSpPr>
+        <p:spPr/>
+      </p:sp>
+      <p:sp>
+        <p:nvSpPr>
+          <p:cNvPr id="3" name="Notes Placeholder 2"/>
+          <p:cNvSpPr>
+            <a:spLocks noGrp="1"/>
+          </p:cNvSpPr>
+          <p:nvPr>
+            <p:ph type="body" idx="1"/>
+          </p:nvPr>
+        </p:nvSpPr>
+        <p:spPr/>
+        <p:txBody>
+          <a:bodyPr/>
+          <a:lstStyle/>
+          <a:p>
+            <a:endParaRPr lang="en-GB" dirty="0"/>
+          </a:p>
+        </p:txBody>
+      </p:sp>
+      <p:sp>
+        <p:nvSpPr>
+          <p:cNvPr id="4" name="Slide Number Placeholder 3"/>
+          <p:cNvSpPr>
+            <a:spLocks noGrp="1"/>
+          </p:cNvSpPr>
+          <p:nvPr>
+            <p:ph type="sldNum" sz="quarter" idx="5"/>
+          </p:nvPr>
+        </p:nvSpPr>
+        <p:spPr/>
+        <p:txBody>
+          <a:bodyPr/>
+          <a:lstStyle/>
+          <a:p>
+            <a:fld id="{945AE9AA-FFB8-4A6F-835D-DFF20E6952A1}" type="slidenum">
+              <a:rPr lang="en-GB" smtClean="0"/>
+              <a:t>8</a:t>
+            </a:fld>
+            <a:endParaRPr lang="en-GB"/>
+          </a:p>
+        </p:txBody>
+      </p:sp>
+    </p:spTree>
+    <p:extLst>
+      <p:ext uri="{BB962C8B-B14F-4D97-AF65-F5344CB8AC3E}">
+        <p14:creationId xmlns:p14="http://schemas.microsoft.com/office/powerpoint/2010/main" val="4150167473"/>
       </p:ext>
     </p:extLst>
   </p:cSld>
@@ -1141,7 +1317,7 @@
           <a:p>
             <a:fld id="{35DBDC46-661E-48B2-857C-F62253F6C9C2}" type="datetimeFigureOut">
               <a:rPr lang="en-GB" smtClean="0"/>
-              <a:t>03/07/2019</a:t>
+              <a:t>21/07/2019</a:t>
             </a:fld>
             <a:endParaRPr lang="en-GB"/>
           </a:p>
@@ -1341,7 +1517,7 @@
           <a:p>
             <a:fld id="{35DBDC46-661E-48B2-857C-F62253F6C9C2}" type="datetimeFigureOut">
               <a:rPr lang="en-GB" smtClean="0"/>
-              <a:t>03/07/2019</a:t>
+              <a:t>21/07/2019</a:t>
             </a:fld>
             <a:endParaRPr lang="en-GB"/>
           </a:p>
@@ -1551,7 +1727,7 @@
           <a:p>
             <a:fld id="{35DBDC46-661E-48B2-857C-F62253F6C9C2}" type="datetimeFigureOut">
               <a:rPr lang="en-GB" smtClean="0"/>
-              <a:t>03/07/2019</a:t>
+              <a:t>21/07/2019</a:t>
             </a:fld>
             <a:endParaRPr lang="en-GB"/>
           </a:p>
@@ -1751,7 +1927,7 @@
           <a:p>
             <a:fld id="{35DBDC46-661E-48B2-857C-F62253F6C9C2}" type="datetimeFigureOut">
               <a:rPr lang="en-GB" smtClean="0"/>
-              <a:t>03/07/2019</a:t>
+              <a:t>21/07/2019</a:t>
             </a:fld>
             <a:endParaRPr lang="en-GB"/>
           </a:p>
@@ -2027,7 +2203,7 @@
           <a:p>
             <a:fld id="{35DBDC46-661E-48B2-857C-F62253F6C9C2}" type="datetimeFigureOut">
               <a:rPr lang="en-GB" smtClean="0"/>
-              <a:t>03/07/2019</a:t>
+              <a:t>21/07/2019</a:t>
             </a:fld>
             <a:endParaRPr lang="en-GB"/>
           </a:p>
@@ -2295,7 +2471,7 @@
           <a:p>
             <a:fld id="{35DBDC46-661E-48B2-857C-F62253F6C9C2}" type="datetimeFigureOut">
               <a:rPr lang="en-GB" smtClean="0"/>
-              <a:t>03/07/2019</a:t>
+              <a:t>21/07/2019</a:t>
             </a:fld>
             <a:endParaRPr lang="en-GB"/>
           </a:p>
@@ -2710,7 +2886,7 @@
           <a:p>
             <a:fld id="{35DBDC46-661E-48B2-857C-F62253F6C9C2}" type="datetimeFigureOut">
               <a:rPr lang="en-GB" smtClean="0"/>
-              <a:t>03/07/2019</a:t>
+              <a:t>21/07/2019</a:t>
             </a:fld>
             <a:endParaRPr lang="en-GB"/>
           </a:p>
@@ -2852,7 +3028,7 @@
           <a:p>
             <a:fld id="{35DBDC46-661E-48B2-857C-F62253F6C9C2}" type="datetimeFigureOut">
               <a:rPr lang="en-GB" smtClean="0"/>
-              <a:t>03/07/2019</a:t>
+              <a:t>21/07/2019</a:t>
             </a:fld>
             <a:endParaRPr lang="en-GB"/>
           </a:p>
@@ -2965,7 +3141,7 @@
           <a:p>
             <a:fld id="{35DBDC46-661E-48B2-857C-F62253F6C9C2}" type="datetimeFigureOut">
               <a:rPr lang="en-GB" smtClean="0"/>
-              <a:t>03/07/2019</a:t>
+              <a:t>21/07/2019</a:t>
             </a:fld>
             <a:endParaRPr lang="en-GB"/>
           </a:p>
@@ -3278,7 +3454,7 @@
           <a:p>
             <a:fld id="{35DBDC46-661E-48B2-857C-F62253F6C9C2}" type="datetimeFigureOut">
               <a:rPr lang="en-GB" smtClean="0"/>
-              <a:t>03/07/2019</a:t>
+              <a:t>21/07/2019</a:t>
             </a:fld>
             <a:endParaRPr lang="en-GB"/>
           </a:p>
@@ -3567,7 +3743,7 @@
           <a:p>
             <a:fld id="{35DBDC46-661E-48B2-857C-F62253F6C9C2}" type="datetimeFigureOut">
               <a:rPr lang="en-GB" smtClean="0"/>
-              <a:t>03/07/2019</a:t>
+              <a:t>21/07/2019</a:t>
             </a:fld>
             <a:endParaRPr lang="en-GB"/>
           </a:p>
@@ -3810,7 +3986,7 @@
           <a:p>
             <a:fld id="{35DBDC46-661E-48B2-857C-F62253F6C9C2}" type="datetimeFigureOut">
               <a:rPr lang="en-GB" smtClean="0"/>
-              <a:t>03/07/2019</a:t>
+              <a:t>21/07/2019</a:t>
             </a:fld>
             <a:endParaRPr lang="en-GB"/>
           </a:p>
@@ -4363,7 +4539,7 @@
                 </a:solidFill>
                 <a:latin typeface="3ds" panose="02000503020000020004" pitchFamily="2" charset="0"/>
               </a:rPr>
-              <a:t>Internet of Things for Sensing the School Environment Project</a:t>
+              <a:t>Internet of Things for Sensing the School’s Environment Project</a:t>
             </a:r>
           </a:p>
         </p:txBody>
@@ -4607,7 +4783,9 @@
               <a:buAutoNum type="arabicPeriod"/>
             </a:pPr>
             <a:r>
-              <a:rPr lang="en-GB" dirty="0"/>
+              <a:rPr lang="en-GB" dirty="0">
+                <a:latin typeface="HelveticaNeue"/>
+              </a:rPr>
               <a:t>Introduction </a:t>
             </a:r>
           </a:p>
@@ -4617,7 +4795,9 @@
               <a:buAutoNum type="arabicPeriod"/>
             </a:pPr>
             <a:r>
-              <a:rPr lang="en-GB" dirty="0"/>
+              <a:rPr lang="en-GB" dirty="0">
+                <a:latin typeface="HelveticaNeue"/>
+              </a:rPr>
               <a:t>Sensors 101</a:t>
             </a:r>
           </a:p>
@@ -4627,8 +4807,10 @@
               <a:buAutoNum type="arabicPeriod"/>
             </a:pPr>
             <a:r>
-              <a:rPr lang="en-GB" dirty="0"/>
-              <a:t>A</a:t>
+              <a:rPr lang="en-GB" dirty="0">
+                <a:latin typeface="HelveticaNeue"/>
+              </a:rPr>
+              <a:t>Project Sensors</a:t>
             </a:r>
           </a:p>
           <a:p>
@@ -4637,7 +4819,9 @@
               <a:buAutoNum type="arabicPeriod"/>
             </a:pPr>
             <a:r>
-              <a:rPr lang="en-GB" dirty="0"/>
+              <a:rPr lang="en-GB" dirty="0">
+                <a:latin typeface="HelveticaNeue"/>
+              </a:rPr>
               <a:t>B</a:t>
             </a:r>
           </a:p>
@@ -4647,7 +4831,9 @@
               <a:buAutoNum type="arabicPeriod"/>
             </a:pPr>
             <a:r>
-              <a:rPr lang="en-GB" dirty="0"/>
+              <a:rPr lang="en-GB" dirty="0">
+                <a:latin typeface="HelveticaNeue"/>
+              </a:rPr>
               <a:t>C</a:t>
             </a:r>
           </a:p>
@@ -4657,7 +4843,9 @@
               <a:buAutoNum type="arabicPeriod"/>
             </a:pPr>
             <a:r>
-              <a:rPr lang="en-GB" dirty="0"/>
+              <a:rPr lang="en-GB" dirty="0">
+                <a:latin typeface="HelveticaNeue"/>
+              </a:rPr>
               <a:t>D</a:t>
             </a:r>
           </a:p>
@@ -4667,7 +4855,9 @@
               <a:buAutoNum type="arabicPeriod"/>
             </a:pPr>
             <a:r>
-              <a:rPr lang="en-GB" dirty="0"/>
+              <a:rPr lang="en-GB" dirty="0">
+                <a:latin typeface="HelveticaNeue"/>
+              </a:rPr>
               <a:t>E</a:t>
             </a:r>
           </a:p>
@@ -4677,7 +4867,9 @@
               <a:buAutoNum type="arabicPeriod"/>
             </a:pPr>
             <a:r>
-              <a:rPr lang="en-GB" dirty="0"/>
+              <a:rPr lang="en-GB" dirty="0">
+                <a:latin typeface="HelveticaNeue"/>
+              </a:rPr>
               <a:t>F</a:t>
             </a:r>
           </a:p>
@@ -4687,7 +4879,9 @@
               <a:buAutoNum type="arabicPeriod"/>
             </a:pPr>
             <a:r>
-              <a:rPr lang="en-GB" dirty="0"/>
+              <a:rPr lang="en-GB" dirty="0">
+                <a:latin typeface="HelveticaNeue"/>
+              </a:rPr>
               <a:t>G</a:t>
             </a:r>
           </a:p>
@@ -4696,10 +4890,47 @@
               <a:buFont typeface="+mj-lt"/>
               <a:buAutoNum type="arabicPeriod"/>
             </a:pPr>
-            <a:endParaRPr lang="en-GB" dirty="0"/>
-          </a:p>
-        </p:txBody>
-      </p:sp>
+            <a:endParaRPr lang="en-GB" dirty="0">
+              <a:latin typeface="HelveticaNeue"/>
+            </a:endParaRPr>
+          </a:p>
+        </p:txBody>
+      </p:sp>
+      <p:pic>
+        <p:nvPicPr>
+          <p:cNvPr id="6" name="Picture 5" descr="A close up of a logo&#10;&#10;Description automatically generated">
+            <a:extLst>
+              <a:ext uri="{FF2B5EF4-FFF2-40B4-BE49-F238E27FC236}">
+                <a16:creationId xmlns:a16="http://schemas.microsoft.com/office/drawing/2014/main" id="{17311AED-7222-4BF7-AAC2-9A78EA8F5F2C}"/>
+              </a:ext>
+            </a:extLst>
+          </p:cNvPr>
+          <p:cNvPicPr>
+            <a:picLocks noChangeAspect="1"/>
+          </p:cNvPicPr>
+          <p:nvPr/>
+        </p:nvPicPr>
+        <p:blipFill rotWithShape="1">
+          <a:blip r:embed="rId4">
+            <a:extLst>
+              <a:ext uri="{28A0092B-C50C-407E-A947-70E740481C1C}">
+                <a14:useLocalDpi xmlns:a14="http://schemas.microsoft.com/office/drawing/2010/main" val="0"/>
+              </a:ext>
+            </a:extLst>
+          </a:blip>
+          <a:srcRect l="15706" t="11787" r="15492" b="17225"/>
+          <a:stretch/>
+        </p:blipFill>
+        <p:spPr>
+          <a:xfrm>
+            <a:off x="10043185" y="5943599"/>
+            <a:ext cx="1772492" cy="914400"/>
+          </a:xfrm>
+          <a:prstGeom prst="rect">
+            <a:avLst/>
+          </a:prstGeom>
+        </p:spPr>
+      </p:pic>
     </p:spTree>
     <p:extLst>
       <p:ext uri="{BB962C8B-B14F-4D97-AF65-F5344CB8AC3E}">
@@ -4915,15 +5146,21 @@
           <a:lstStyle/>
           <a:p>
             <a:r>
-              <a:rPr lang="en-GB" dirty="0"/>
+              <a:rPr lang="en-GB" dirty="0">
+                <a:latin typeface="HelveticaNeue"/>
+              </a:rPr>
               <a:t>The Internet of Things (IoT) is the connection of sensors and devices connected in a Local Area Network (LAN) (100m</a:t>
             </a:r>
             <a:r>
-              <a:rPr lang="en-GB" baseline="30000" dirty="0"/>
+              <a:rPr lang="en-GB" baseline="30000" dirty="0">
+                <a:latin typeface="HelveticaNeue"/>
+              </a:rPr>
               <a:t>3</a:t>
             </a:r>
             <a:r>
-              <a:rPr lang="en-GB" dirty="0"/>
+              <a:rPr lang="en-GB" dirty="0">
+                <a:latin typeface="HelveticaNeue"/>
+              </a:rPr>
               <a:t> area) using technology such as Bluetooth or WIFI</a:t>
             </a:r>
           </a:p>
@@ -4958,7 +5195,9 @@
           <a:lstStyle/>
           <a:p>
             <a:r>
-              <a:rPr lang="en-GB" dirty="0"/>
+              <a:rPr lang="en-GB" dirty="0">
+                <a:latin typeface="HelveticaNeue"/>
+              </a:rPr>
               <a:t>Sensing in this context is the use of sensors to detect the change in environment they are placed in and send information to other electronics or computing devices.</a:t>
             </a:r>
           </a:p>
@@ -5058,7 +5297,7 @@
         </p:nvSpPr>
         <p:spPr>
           <a:xfrm>
-            <a:off x="3275068" y="5150310"/>
+            <a:off x="3314245" y="5132447"/>
             <a:ext cx="6535272" cy="646331"/>
           </a:xfrm>
           <a:prstGeom prst="rect">
@@ -5073,7 +5312,9 @@
           <a:lstStyle/>
           <a:p>
             <a:r>
-              <a:rPr lang="en-GB" dirty="0"/>
+              <a:rPr lang="en-GB" dirty="0">
+                <a:latin typeface="HelveticaNeue"/>
+              </a:rPr>
               <a:t>The School Environment is the surroundings or conditions in which you, animals and plants live or operate.</a:t>
             </a:r>
           </a:p>
@@ -5109,6 +5350,41 @@
           <a:xfrm>
             <a:off x="9782833" y="4951494"/>
             <a:ext cx="883024" cy="883024"/>
+          </a:xfrm>
+          <a:prstGeom prst="rect">
+            <a:avLst/>
+          </a:prstGeom>
+        </p:spPr>
+      </p:pic>
+      <p:pic>
+        <p:nvPicPr>
+          <p:cNvPr id="12" name="Picture 11" descr="A close up of a logo&#10;&#10;Description automatically generated">
+            <a:extLst>
+              <a:ext uri="{FF2B5EF4-FFF2-40B4-BE49-F238E27FC236}">
+                <a16:creationId xmlns:a16="http://schemas.microsoft.com/office/drawing/2014/main" id="{0E1A0C2B-2419-4D05-ABB1-AD2F3E3E6283}"/>
+              </a:ext>
+            </a:extLst>
+          </p:cNvPr>
+          <p:cNvPicPr>
+            <a:picLocks noChangeAspect="1"/>
+          </p:cNvPicPr>
+          <p:nvPr/>
+        </p:nvPicPr>
+        <p:blipFill rotWithShape="1">
+          <a:blip r:embed="rId7">
+            <a:extLst>
+              <a:ext uri="{28A0092B-C50C-407E-A947-70E740481C1C}">
+                <a14:useLocalDpi xmlns:a14="http://schemas.microsoft.com/office/drawing/2010/main" val="0"/>
+              </a:ext>
+            </a:extLst>
+          </a:blip>
+          <a:srcRect l="15706" t="11787" r="15492" b="17225"/>
+          <a:stretch/>
+        </p:blipFill>
+        <p:spPr>
+          <a:xfrm>
+            <a:off x="10043185" y="5943599"/>
+            <a:ext cx="1772492" cy="914400"/>
           </a:xfrm>
           <a:prstGeom prst="rect">
             <a:avLst/>
@@ -5353,66 +5629,94 @@
           <a:lstStyle/>
           <a:p>
             <a:r>
-              <a:rPr lang="en-GB" dirty="0"/>
+              <a:rPr lang="en-GB" dirty="0">
+                <a:latin typeface="HelveticaNeue"/>
+              </a:rPr>
               <a:t>Expanding on the previous slide, a sensor is a essentially a voltage divider circuit, which is used to measure difference between V</a:t>
             </a:r>
             <a:r>
-              <a:rPr lang="en-GB" baseline="-25000" dirty="0"/>
+              <a:rPr lang="en-GB" baseline="-25000" dirty="0">
+                <a:latin typeface="HelveticaNeue"/>
+              </a:rPr>
               <a:t>in</a:t>
             </a:r>
             <a:r>
-              <a:rPr lang="en-GB" dirty="0"/>
+              <a:rPr lang="en-GB" dirty="0">
+                <a:latin typeface="HelveticaNeue"/>
+              </a:rPr>
               <a:t> and </a:t>
             </a:r>
             <a:r>
-              <a:rPr lang="en-GB" dirty="0" err="1"/>
+              <a:rPr lang="en-GB" dirty="0" err="1">
+                <a:latin typeface="HelveticaNeue"/>
+              </a:rPr>
               <a:t>V</a:t>
             </a:r>
             <a:r>
-              <a:rPr lang="en-GB" sz="1820" baseline="-25000" dirty="0" err="1"/>
+              <a:rPr lang="en-GB" sz="1820" baseline="-25000" dirty="0" err="1">
+                <a:latin typeface="HelveticaNeue"/>
+              </a:rPr>
               <a:t>out</a:t>
             </a:r>
             <a:r>
-              <a:rPr lang="en-GB" sz="1820" dirty="0"/>
+              <a:rPr lang="en-GB" sz="1820" dirty="0">
+                <a:latin typeface="HelveticaNeue"/>
+              </a:rPr>
               <a:t> a typical circuit shown  -&gt; </a:t>
             </a:r>
           </a:p>
           <a:p>
-            <a:endParaRPr lang="en-GB" sz="1820" baseline="-25000" dirty="0"/>
-          </a:p>
-          <a:p>
-            <a:r>
-              <a:rPr lang="en-GB" sz="1820" dirty="0"/>
+            <a:endParaRPr lang="en-GB" sz="1820" baseline="-25000" dirty="0">
+              <a:latin typeface="HelveticaNeue"/>
+            </a:endParaRPr>
+          </a:p>
+          <a:p>
+            <a:r>
+              <a:rPr lang="en-GB" sz="1820" dirty="0">
+                <a:latin typeface="HelveticaNeue"/>
+              </a:rPr>
               <a:t>So by using the known input voltage and the and resistor values the output voltage can be calculated using this formula.</a:t>
             </a:r>
           </a:p>
           <a:p>
-            <a:endParaRPr lang="en-GB" sz="1820" dirty="0"/>
-          </a:p>
-          <a:p>
-            <a:endParaRPr lang="en-GB" sz="1820" dirty="0"/>
-          </a:p>
-          <a:p>
-            <a:endParaRPr lang="en-GB" sz="1820" dirty="0"/>
-          </a:p>
-          <a:p>
-            <a:r>
-              <a:rPr lang="en-GB" sz="1820" dirty="0"/>
+            <a:endParaRPr lang="en-GB" sz="1820" dirty="0">
+              <a:latin typeface="HelveticaNeue"/>
+            </a:endParaRPr>
+          </a:p>
+          <a:p>
+            <a:endParaRPr lang="en-GB" sz="1820" dirty="0">
+              <a:latin typeface="HelveticaNeue"/>
+            </a:endParaRPr>
+          </a:p>
+          <a:p>
+            <a:endParaRPr lang="en-GB" sz="1820" dirty="0">
+              <a:latin typeface="HelveticaNeue"/>
+            </a:endParaRPr>
+          </a:p>
+          <a:p>
+            <a:r>
+              <a:rPr lang="en-GB" sz="1820" dirty="0">
+                <a:latin typeface="HelveticaNeue"/>
+              </a:rPr>
               <a:t>We are measuring the change in resistance (R</a:t>
             </a:r>
             <a:r>
-              <a:rPr lang="en-GB" sz="1820" baseline="-25000" dirty="0"/>
+              <a:rPr lang="en-GB" sz="1820" baseline="-25000" dirty="0">
+                <a:latin typeface="HelveticaNeue"/>
+              </a:rPr>
               <a:t>1</a:t>
             </a:r>
             <a:r>
-              <a:rPr lang="en-GB" sz="1820" dirty="0"/>
+              <a:rPr lang="en-GB" sz="1820" dirty="0">
+                <a:latin typeface="HelveticaNeue"/>
+              </a:rPr>
               <a:t>) from an unknown phenomenon. </a:t>
             </a:r>
           </a:p>
         </p:txBody>
       </p:sp>
-      <mc:AlternateContent xmlns:mc="http://schemas.openxmlformats.org/markup-compatibility/2006">
-        <mc:Choice xmlns:a14="http://schemas.microsoft.com/office/drawing/2010/main" Requires="a14">
+      <mc:AlternateContent xmlns:mc="http://schemas.openxmlformats.org/markup-compatibility/2006" xmlns:a14="http://schemas.microsoft.com/office/drawing/2010/main">
+        <mc:Choice Requires="a14">
           <p:sp>
             <p:nvSpPr>
               <p:cNvPr id="8" name="Rectangle 7">
@@ -5716,7 +6020,7 @@
             </p:txBody>
           </p:sp>
         </mc:Choice>
-        <mc:Fallback>
+        <mc:Fallback xmlns="">
           <p:sp>
             <p:nvSpPr>
               <p:cNvPr id="8" name="Rectangle 7">
@@ -5812,7 +6116,7 @@
         <p:spPr>
           <a:xfrm>
             <a:off x="1474518" y="974817"/>
-            <a:ext cx="5586090" cy="372410"/>
+            <a:ext cx="5586090" cy="652486"/>
           </a:xfrm>
           <a:prstGeom prst="rect">
             <a:avLst/>
@@ -5826,8 +6130,10 @@
           <a:lstStyle/>
           <a:p>
             <a:r>
-              <a:rPr lang="en-GB" sz="1820" dirty="0"/>
-              <a:t>Can you think of any sensors and what is their purposes? </a:t>
+              <a:rPr lang="en-GB" sz="1820" dirty="0">
+                <a:latin typeface="HelveticaNeue"/>
+              </a:rPr>
+              <a:t>Can you think of any sensors and what is their purpose? </a:t>
             </a:r>
           </a:p>
         </p:txBody>
@@ -5869,6 +6175,41 @@
           <a:xfrm>
             <a:off x="7060608" y="51487"/>
             <a:ext cx="923330" cy="923330"/>
+          </a:xfrm>
+          <a:prstGeom prst="rect">
+            <a:avLst/>
+          </a:prstGeom>
+        </p:spPr>
+      </p:pic>
+      <p:pic>
+        <p:nvPicPr>
+          <p:cNvPr id="11" name="Picture 10" descr="A close up of a logo&#10;&#10;Description automatically generated">
+            <a:extLst>
+              <a:ext uri="{FF2B5EF4-FFF2-40B4-BE49-F238E27FC236}">
+                <a16:creationId xmlns:a16="http://schemas.microsoft.com/office/drawing/2014/main" id="{83DC121A-AF54-46EF-BA39-094319F3BD09}"/>
+              </a:ext>
+            </a:extLst>
+          </p:cNvPr>
+          <p:cNvPicPr>
+            <a:picLocks noChangeAspect="1"/>
+          </p:cNvPicPr>
+          <p:nvPr/>
+        </p:nvPicPr>
+        <p:blipFill rotWithShape="1">
+          <a:blip r:embed="rId8">
+            <a:extLst>
+              <a:ext uri="{28A0092B-C50C-407E-A947-70E740481C1C}">
+                <a14:useLocalDpi xmlns:a14="http://schemas.microsoft.com/office/drawing/2010/main" val="0"/>
+              </a:ext>
+            </a:extLst>
+          </a:blip>
+          <a:srcRect l="15706" t="11787" r="15492" b="17225"/>
+          <a:stretch/>
+        </p:blipFill>
+        <p:spPr>
+          <a:xfrm>
+            <a:off x="10043185" y="5943599"/>
+            <a:ext cx="1772492" cy="914400"/>
           </a:xfrm>
           <a:prstGeom prst="rect">
             <a:avLst/>
@@ -5907,10 +6248,10 @@
       </p:grpSpPr>
       <p:pic>
         <p:nvPicPr>
-          <p:cNvPr id="1030" name="Picture 6" descr="IoT Power Management">
-            <a:extLst>
-              <a:ext uri="{FF2B5EF4-FFF2-40B4-BE49-F238E27FC236}">
-                <a16:creationId xmlns:a16="http://schemas.microsoft.com/office/drawing/2014/main" id="{F9844D2D-635D-44A0-B958-1E4C39246144}"/>
+          <p:cNvPr id="4" name="Picture 6" descr="IoT Power Management">
+            <a:extLst>
+              <a:ext uri="{FF2B5EF4-FFF2-40B4-BE49-F238E27FC236}">
+                <a16:creationId xmlns:a16="http://schemas.microsoft.com/office/drawing/2014/main" id="{AB56906E-A5BF-4A43-B5A5-A4D35A10214B}"/>
               </a:ext>
             </a:extLst>
           </p:cNvPr>
@@ -5920,7 +6261,7 @@
           <p:nvPr/>
         </p:nvPicPr>
         <p:blipFill rotWithShape="1">
-          <a:blip r:embed="rId3">
+          <a:blip r:embed="rId2">
             <a:extLst>
               <a:ext uri="{28A0092B-C50C-407E-A947-70E740481C1C}">
                 <a14:useLocalDpi xmlns:a14="http://schemas.microsoft.com/office/drawing/2010/main" val="0"/>
@@ -5952,10 +6293,10 @@
       </p:pic>
       <p:sp>
         <p:nvSpPr>
-          <p:cNvPr id="4" name="Rectangle 3">
-            <a:extLst>
-              <a:ext uri="{FF2B5EF4-FFF2-40B4-BE49-F238E27FC236}">
-                <a16:creationId xmlns:a16="http://schemas.microsoft.com/office/drawing/2014/main" id="{9D476336-A01A-47A0-975E-B9D85496F266}"/>
+          <p:cNvPr id="5" name="Rectangle 4">
+            <a:extLst>
+              <a:ext uri="{FF2B5EF4-FFF2-40B4-BE49-F238E27FC236}">
+                <a16:creationId xmlns:a16="http://schemas.microsoft.com/office/drawing/2014/main" id="{51F822E3-A136-4C05-A248-D51173F93D31}"/>
               </a:ext>
             </a:extLst>
           </p:cNvPr>
@@ -6004,6 +6345,1495 @@
           </a:p>
         </p:txBody>
       </p:sp>
+      <p:pic>
+        <p:nvPicPr>
+          <p:cNvPr id="6" name="Picture 5" descr="A close up of a logo&#10;&#10;Description automatically generated">
+            <a:extLst>
+              <a:ext uri="{FF2B5EF4-FFF2-40B4-BE49-F238E27FC236}">
+                <a16:creationId xmlns:a16="http://schemas.microsoft.com/office/drawing/2014/main" id="{05B0B690-7DB8-4A81-9C49-7C71D05A486D}"/>
+              </a:ext>
+            </a:extLst>
+          </p:cNvPr>
+          <p:cNvPicPr>
+            <a:picLocks noChangeAspect="1"/>
+          </p:cNvPicPr>
+          <p:nvPr/>
+        </p:nvPicPr>
+        <p:blipFill rotWithShape="1">
+          <a:blip r:embed="rId3">
+            <a:extLst>
+              <a:ext uri="{28A0092B-C50C-407E-A947-70E740481C1C}">
+                <a14:useLocalDpi xmlns:a14="http://schemas.microsoft.com/office/drawing/2010/main" val="0"/>
+              </a:ext>
+            </a:extLst>
+          </a:blip>
+          <a:srcRect l="15706" t="11787" r="15492" b="17225"/>
+          <a:stretch/>
+        </p:blipFill>
+        <p:spPr>
+          <a:xfrm>
+            <a:off x="10043185" y="5943599"/>
+            <a:ext cx="1772492" cy="914400"/>
+          </a:xfrm>
+          <a:prstGeom prst="rect">
+            <a:avLst/>
+          </a:prstGeom>
+        </p:spPr>
+      </p:pic>
+      <p:pic>
+        <p:nvPicPr>
+          <p:cNvPr id="8" name="Picture 7" descr="A close up of a device&#10;&#10;Description automatically generated">
+            <a:extLst>
+              <a:ext uri="{FF2B5EF4-FFF2-40B4-BE49-F238E27FC236}">
+                <a16:creationId xmlns:a16="http://schemas.microsoft.com/office/drawing/2014/main" id="{D121135D-650E-48D8-AB3E-73C74192B340}"/>
+              </a:ext>
+            </a:extLst>
+          </p:cNvPr>
+          <p:cNvPicPr>
+            <a:picLocks noChangeAspect="1"/>
+          </p:cNvPicPr>
+          <p:nvPr/>
+        </p:nvPicPr>
+        <p:blipFill>
+          <a:blip r:embed="rId4">
+            <a:extLst>
+              <a:ext uri="{28A0092B-C50C-407E-A947-70E740481C1C}">
+                <a14:useLocalDpi xmlns:a14="http://schemas.microsoft.com/office/drawing/2010/main" val="0"/>
+              </a:ext>
+            </a:extLst>
+          </a:blip>
+          <a:stretch>
+            <a:fillRect/>
+          </a:stretch>
+        </p:blipFill>
+        <p:spPr>
+          <a:xfrm>
+            <a:off x="3622078" y="3698474"/>
+            <a:ext cx="1933575" cy="2181225"/>
+          </a:xfrm>
+          <a:prstGeom prst="rect">
+            <a:avLst/>
+          </a:prstGeom>
+        </p:spPr>
+      </p:pic>
+      <p:pic>
+        <p:nvPicPr>
+          <p:cNvPr id="12" name="Picture 11">
+            <a:extLst>
+              <a:ext uri="{FF2B5EF4-FFF2-40B4-BE49-F238E27FC236}">
+                <a16:creationId xmlns:a16="http://schemas.microsoft.com/office/drawing/2014/main" id="{3E584233-0115-44F7-90ED-7F748B2E404D}"/>
+              </a:ext>
+            </a:extLst>
+          </p:cNvPr>
+          <p:cNvPicPr>
+            <a:picLocks noChangeAspect="1"/>
+          </p:cNvPicPr>
+          <p:nvPr/>
+        </p:nvPicPr>
+        <p:blipFill>
+          <a:blip r:embed="rId5">
+            <a:extLst>
+              <a:ext uri="{28A0092B-C50C-407E-A947-70E740481C1C}">
+                <a14:useLocalDpi xmlns:a14="http://schemas.microsoft.com/office/drawing/2010/main" val="0"/>
+              </a:ext>
+            </a:extLst>
+          </a:blip>
+          <a:stretch>
+            <a:fillRect/>
+          </a:stretch>
+        </p:blipFill>
+        <p:spPr>
+          <a:xfrm rot="5400000">
+            <a:off x="9128476" y="2522973"/>
+            <a:ext cx="1857375" cy="3267075"/>
+          </a:xfrm>
+          <a:prstGeom prst="rect">
+            <a:avLst/>
+          </a:prstGeom>
+        </p:spPr>
+      </p:pic>
+      <p:pic>
+        <p:nvPicPr>
+          <p:cNvPr id="16" name="Picture 15" descr="A close up of a device&#10;&#10;Description automatically generated">
+            <a:extLst>
+              <a:ext uri="{FF2B5EF4-FFF2-40B4-BE49-F238E27FC236}">
+                <a16:creationId xmlns:a16="http://schemas.microsoft.com/office/drawing/2014/main" id="{877B6725-5F56-4A29-999B-D6D8CC1D7B34}"/>
+              </a:ext>
+            </a:extLst>
+          </p:cNvPr>
+          <p:cNvPicPr>
+            <a:picLocks noChangeAspect="1"/>
+          </p:cNvPicPr>
+          <p:nvPr/>
+        </p:nvPicPr>
+        <p:blipFill>
+          <a:blip r:embed="rId6">
+            <a:extLst>
+              <a:ext uri="{28A0092B-C50C-407E-A947-70E740481C1C}">
+                <a14:useLocalDpi xmlns:a14="http://schemas.microsoft.com/office/drawing/2010/main" val="0"/>
+              </a:ext>
+            </a:extLst>
+          </a:blip>
+          <a:stretch>
+            <a:fillRect/>
+          </a:stretch>
+        </p:blipFill>
+        <p:spPr>
+          <a:xfrm>
+            <a:off x="196514" y="771595"/>
+            <a:ext cx="3571862" cy="2783541"/>
+          </a:xfrm>
+          <a:prstGeom prst="rect">
+            <a:avLst/>
+          </a:prstGeom>
+        </p:spPr>
+      </p:pic>
+      <p:pic>
+        <p:nvPicPr>
+          <p:cNvPr id="18" name="Picture 17" descr="A close up of a device&#10;&#10;Description automatically generated">
+            <a:extLst>
+              <a:ext uri="{FF2B5EF4-FFF2-40B4-BE49-F238E27FC236}">
+                <a16:creationId xmlns:a16="http://schemas.microsoft.com/office/drawing/2014/main" id="{EDB71E5F-7FD6-49C3-BCC9-696884EC09DE}"/>
+              </a:ext>
+            </a:extLst>
+          </p:cNvPr>
+          <p:cNvPicPr>
+            <a:picLocks noChangeAspect="1"/>
+          </p:cNvPicPr>
+          <p:nvPr/>
+        </p:nvPicPr>
+        <p:blipFill>
+          <a:blip r:embed="rId7">
+            <a:extLst>
+              <a:ext uri="{28A0092B-C50C-407E-A947-70E740481C1C}">
+                <a14:useLocalDpi xmlns:a14="http://schemas.microsoft.com/office/drawing/2010/main" val="0"/>
+              </a:ext>
+            </a:extLst>
+          </a:blip>
+          <a:stretch>
+            <a:fillRect/>
+          </a:stretch>
+        </p:blipFill>
+        <p:spPr>
+          <a:xfrm>
+            <a:off x="6553676" y="717806"/>
+            <a:ext cx="3048000" cy="2286000"/>
+          </a:xfrm>
+          <a:prstGeom prst="rect">
+            <a:avLst/>
+          </a:prstGeom>
+        </p:spPr>
+      </p:pic>
+      <p:sp>
+        <p:nvSpPr>
+          <p:cNvPr id="19" name="TextBox 18">
+            <a:extLst>
+              <a:ext uri="{FF2B5EF4-FFF2-40B4-BE49-F238E27FC236}">
+                <a16:creationId xmlns:a16="http://schemas.microsoft.com/office/drawing/2014/main" id="{69D8B01E-5EE5-4A5D-8133-805041783EA2}"/>
+              </a:ext>
+            </a:extLst>
+          </p:cNvPr>
+          <p:cNvSpPr txBox="1"/>
+          <p:nvPr/>
+        </p:nvSpPr>
+        <p:spPr>
+          <a:xfrm>
+            <a:off x="3375212" y="197629"/>
+            <a:ext cx="3685397" cy="646331"/>
+          </a:xfrm>
+          <a:prstGeom prst="rect">
+            <a:avLst/>
+          </a:prstGeom>
+          <a:noFill/>
+        </p:spPr>
+        <p:txBody>
+          <a:bodyPr wrap="square" rtlCol="0">
+            <a:spAutoFit/>
+          </a:bodyPr>
+          <a:lstStyle/>
+          <a:p>
+            <a:pPr algn="ctr"/>
+            <a:r>
+              <a:rPr lang="en-GB" sz="3600" dirty="0">
+                <a:solidFill>
+                  <a:schemeClr val="bg2">
+                    <a:lumMod val="25000"/>
+                  </a:schemeClr>
+                </a:solidFill>
+                <a:latin typeface="3ds" panose="02000503020000020004" pitchFamily="2" charset="0"/>
+              </a:rPr>
+              <a:t>Project Sensors</a:t>
+            </a:r>
+          </a:p>
+        </p:txBody>
+      </p:sp>
+      <p:pic>
+        <p:nvPicPr>
+          <p:cNvPr id="20" name="Picture 19" descr="A picture containing object&#10;&#10;Description automatically generated">
+            <a:extLst>
+              <a:ext uri="{FF2B5EF4-FFF2-40B4-BE49-F238E27FC236}">
+                <a16:creationId xmlns:a16="http://schemas.microsoft.com/office/drawing/2014/main" id="{84D6A698-1D8A-4E49-BFE8-C779D4619DB0}"/>
+              </a:ext>
+            </a:extLst>
+          </p:cNvPr>
+          <p:cNvPicPr>
+            <a:picLocks noChangeAspect="1"/>
+          </p:cNvPicPr>
+          <p:nvPr/>
+        </p:nvPicPr>
+        <p:blipFill>
+          <a:blip r:embed="rId8">
+            <a:duotone>
+              <a:prstClr val="black"/>
+              <a:schemeClr val="accent1">
+                <a:tint val="45000"/>
+                <a:satMod val="400000"/>
+              </a:schemeClr>
+            </a:duotone>
+            <a:extLst>
+              <a:ext uri="{28A0092B-C50C-407E-A947-70E740481C1C}">
+                <a14:useLocalDpi xmlns:a14="http://schemas.microsoft.com/office/drawing/2010/main" val="0"/>
+              </a:ext>
+            </a:extLst>
+          </a:blip>
+          <a:stretch>
+            <a:fillRect/>
+          </a:stretch>
+        </p:blipFill>
+        <p:spPr>
+          <a:xfrm>
+            <a:off x="7060608" y="51487"/>
+            <a:ext cx="923330" cy="923330"/>
+          </a:xfrm>
+          <a:prstGeom prst="rect">
+            <a:avLst/>
+          </a:prstGeom>
+        </p:spPr>
+      </p:pic>
+      <p:sp>
+        <p:nvSpPr>
+          <p:cNvPr id="22" name="Rectangle 21">
+            <a:extLst>
+              <a:ext uri="{FF2B5EF4-FFF2-40B4-BE49-F238E27FC236}">
+                <a16:creationId xmlns:a16="http://schemas.microsoft.com/office/drawing/2014/main" id="{4A8A09AA-77BC-4F18-A10E-3602AF130FB6}"/>
+              </a:ext>
+            </a:extLst>
+          </p:cNvPr>
+          <p:cNvSpPr/>
+          <p:nvPr/>
+        </p:nvSpPr>
+        <p:spPr>
+          <a:xfrm>
+            <a:off x="725008" y="3362293"/>
+            <a:ext cx="2720788" cy="646331"/>
+          </a:xfrm>
+          <a:prstGeom prst="rect">
+            <a:avLst/>
+          </a:prstGeom>
+        </p:spPr>
+        <p:txBody>
+          <a:bodyPr wrap="square">
+            <a:spAutoFit/>
+          </a:bodyPr>
+          <a:lstStyle/>
+          <a:p>
+            <a:r>
+              <a:rPr lang="en-GB" dirty="0">
+                <a:latin typeface="HelveticaNeue"/>
+              </a:rPr>
+              <a:t>Dust Concentration Sensor</a:t>
+            </a:r>
+          </a:p>
+        </p:txBody>
+      </p:sp>
+      <p:sp>
+        <p:nvSpPr>
+          <p:cNvPr id="23" name="Rectangle 22">
+            <a:extLst>
+              <a:ext uri="{FF2B5EF4-FFF2-40B4-BE49-F238E27FC236}">
+                <a16:creationId xmlns:a16="http://schemas.microsoft.com/office/drawing/2014/main" id="{553FA097-C6D2-45C2-8865-0066A976590B}"/>
+              </a:ext>
+            </a:extLst>
+          </p:cNvPr>
+          <p:cNvSpPr/>
+          <p:nvPr/>
+        </p:nvSpPr>
+        <p:spPr>
+          <a:xfrm>
+            <a:off x="3445796" y="5865519"/>
+            <a:ext cx="2720788" cy="369332"/>
+          </a:xfrm>
+          <a:prstGeom prst="rect">
+            <a:avLst/>
+          </a:prstGeom>
+        </p:spPr>
+        <p:txBody>
+          <a:bodyPr wrap="square">
+            <a:spAutoFit/>
+          </a:bodyPr>
+          <a:lstStyle/>
+          <a:p>
+            <a:r>
+              <a:rPr lang="en-GB" dirty="0">
+                <a:latin typeface="HelveticaNeue"/>
+              </a:rPr>
+              <a:t>Light Intensity Sensor</a:t>
+            </a:r>
+          </a:p>
+        </p:txBody>
+      </p:sp>
+      <p:sp>
+        <p:nvSpPr>
+          <p:cNvPr id="24" name="Rectangle 23">
+            <a:extLst>
+              <a:ext uri="{FF2B5EF4-FFF2-40B4-BE49-F238E27FC236}">
+                <a16:creationId xmlns:a16="http://schemas.microsoft.com/office/drawing/2014/main" id="{9D9D7BB0-969E-4FE7-B1D4-093837449124}"/>
+              </a:ext>
+            </a:extLst>
+          </p:cNvPr>
+          <p:cNvSpPr/>
+          <p:nvPr/>
+        </p:nvSpPr>
+        <p:spPr>
+          <a:xfrm>
+            <a:off x="6880888" y="2615576"/>
+            <a:ext cx="2720788" cy="369332"/>
+          </a:xfrm>
+          <a:prstGeom prst="rect">
+            <a:avLst/>
+          </a:prstGeom>
+        </p:spPr>
+        <p:txBody>
+          <a:bodyPr wrap="square">
+            <a:spAutoFit/>
+          </a:bodyPr>
+          <a:lstStyle/>
+          <a:p>
+            <a:r>
+              <a:rPr lang="en-GB" dirty="0">
+                <a:latin typeface="HelveticaNeue"/>
+              </a:rPr>
+              <a:t>MQ5 Gas Sensor</a:t>
+            </a:r>
+          </a:p>
+        </p:txBody>
+      </p:sp>
+      <p:sp>
+        <p:nvSpPr>
+          <p:cNvPr id="25" name="Rectangle 24">
+            <a:extLst>
+              <a:ext uri="{FF2B5EF4-FFF2-40B4-BE49-F238E27FC236}">
+                <a16:creationId xmlns:a16="http://schemas.microsoft.com/office/drawing/2014/main" id="{ABE21C56-A126-4BAD-AD20-AC6C54CE4F03}"/>
+              </a:ext>
+            </a:extLst>
+          </p:cNvPr>
+          <p:cNvSpPr/>
+          <p:nvPr/>
+        </p:nvSpPr>
+        <p:spPr>
+          <a:xfrm>
+            <a:off x="8339329" y="5065182"/>
+            <a:ext cx="3905560" cy="646331"/>
+          </a:xfrm>
+          <a:prstGeom prst="rect">
+            <a:avLst/>
+          </a:prstGeom>
+        </p:spPr>
+        <p:txBody>
+          <a:bodyPr wrap="square">
+            <a:spAutoFit/>
+          </a:bodyPr>
+          <a:lstStyle/>
+          <a:p>
+            <a:r>
+              <a:rPr lang="en-GB" dirty="0">
+                <a:latin typeface="HelveticaNeue"/>
+              </a:rPr>
+              <a:t>BME280 Pressure, Humidity and Temperature Sensor</a:t>
+            </a:r>
+          </a:p>
+        </p:txBody>
+      </p:sp>
+    </p:spTree>
+    <p:extLst>
+      <p:ext uri="{BB962C8B-B14F-4D97-AF65-F5344CB8AC3E}">
+        <p14:creationId xmlns:p14="http://schemas.microsoft.com/office/powerpoint/2010/main" val="4045926296"/>
+      </p:ext>
+    </p:extLst>
+  </p:cSld>
+  <p:clrMapOvr>
+    <a:masterClrMapping/>
+  </p:clrMapOvr>
+</p:sld>
+</file>
+
+<file path=ppt/slides/slide6.xml><?xml version="1.0" encoding="utf-8"?>
+<p:sld xmlns:a="http://schemas.openxmlformats.org/drawingml/2006/main" xmlns:r="http://schemas.openxmlformats.org/officeDocument/2006/relationships" xmlns:p="http://schemas.openxmlformats.org/presentationml/2006/main">
+  <p:cSld>
+    <p:spTree>
+      <p:nvGrpSpPr>
+        <p:cNvPr id="1" name=""/>
+        <p:cNvGrpSpPr/>
+        <p:nvPr/>
+      </p:nvGrpSpPr>
+      <p:grpSpPr>
+        <a:xfrm>
+          <a:off x="0" y="0"/>
+          <a:ext cx="0" cy="0"/>
+          <a:chOff x="0" y="0"/>
+          <a:chExt cx="0" cy="0"/>
+        </a:xfrm>
+      </p:grpSpPr>
+      <p:pic>
+        <p:nvPicPr>
+          <p:cNvPr id="1030" name="Picture 6" descr="IoT Power Management">
+            <a:extLst>
+              <a:ext uri="{FF2B5EF4-FFF2-40B4-BE49-F238E27FC236}">
+                <a16:creationId xmlns:a16="http://schemas.microsoft.com/office/drawing/2014/main" id="{F9844D2D-635D-44A0-B958-1E4C39246144}"/>
+              </a:ext>
+            </a:extLst>
+          </p:cNvPr>
+          <p:cNvPicPr>
+            <a:picLocks noChangeAspect="1" noChangeArrowheads="1"/>
+          </p:cNvPicPr>
+          <p:nvPr/>
+        </p:nvPicPr>
+        <p:blipFill rotWithShape="1">
+          <a:blip r:embed="rId3">
+            <a:extLst>
+              <a:ext uri="{28A0092B-C50C-407E-A947-70E740481C1C}">
+                <a14:useLocalDpi xmlns:a14="http://schemas.microsoft.com/office/drawing/2010/main" val="0"/>
+              </a:ext>
+            </a:extLst>
+          </a:blip>
+          <a:srcRect l="17628" t="11071" r="17690" b="10896"/>
+          <a:stretch/>
+        </p:blipFill>
+        <p:spPr bwMode="auto">
+          <a:xfrm>
+            <a:off x="9525" y="5388348"/>
+            <a:ext cx="1469651" cy="1469651"/>
+          </a:xfrm>
+          <a:prstGeom prst="rect">
+            <a:avLst/>
+          </a:prstGeom>
+          <a:noFill/>
+          <a:extLst>
+            <a:ext uri="{909E8E84-426E-40DD-AFC4-6F175D3DCCD1}">
+              <a14:hiddenFill xmlns:a14="http://schemas.microsoft.com/office/drawing/2010/main">
+                <a:solidFill>
+                  <a:srgbClr val="FFFFFF"/>
+                </a:solidFill>
+              </a14:hiddenFill>
+            </a:ext>
+          </a:extLst>
+        </p:spPr>
+      </p:pic>
+      <p:sp>
+        <p:nvSpPr>
+          <p:cNvPr id="4" name="Rectangle 3">
+            <a:extLst>
+              <a:ext uri="{FF2B5EF4-FFF2-40B4-BE49-F238E27FC236}">
+                <a16:creationId xmlns:a16="http://schemas.microsoft.com/office/drawing/2014/main" id="{9D476336-A01A-47A0-975E-B9D85496F266}"/>
+              </a:ext>
+            </a:extLst>
+          </p:cNvPr>
+          <p:cNvSpPr/>
+          <p:nvPr/>
+        </p:nvSpPr>
+        <p:spPr>
+          <a:xfrm rot="5400000">
+            <a:off x="8578368" y="3220641"/>
+            <a:ext cx="6874669" cy="400050"/>
+          </a:xfrm>
+          <a:prstGeom prst="rect">
+            <a:avLst/>
+          </a:prstGeom>
+          <a:solidFill>
+            <a:srgbClr val="194B89"/>
+          </a:solidFill>
+          <a:ln>
+            <a:solidFill>
+              <a:srgbClr val="194B89"/>
+            </a:solidFill>
+          </a:ln>
+        </p:spPr>
+        <p:style>
+          <a:lnRef idx="2">
+            <a:schemeClr val="accent1">
+              <a:shade val="50000"/>
+            </a:schemeClr>
+          </a:lnRef>
+          <a:fillRef idx="1">
+            <a:schemeClr val="accent1"/>
+          </a:fillRef>
+          <a:effectRef idx="0">
+            <a:schemeClr val="accent1"/>
+          </a:effectRef>
+          <a:fontRef idx="minor">
+            <a:schemeClr val="lt1"/>
+          </a:fontRef>
+        </p:style>
+        <p:txBody>
+          <a:bodyPr rtlCol="0" anchor="ctr"/>
+          <a:lstStyle/>
+          <a:p>
+            <a:pPr algn="ctr"/>
+            <a:endParaRPr lang="en-GB"/>
+          </a:p>
+        </p:txBody>
+      </p:sp>
+      <p:pic>
+        <p:nvPicPr>
+          <p:cNvPr id="7" name="Picture 6" descr="A close up of a logo&#10;&#10;Description automatically generated">
+            <a:extLst>
+              <a:ext uri="{FF2B5EF4-FFF2-40B4-BE49-F238E27FC236}">
+                <a16:creationId xmlns:a16="http://schemas.microsoft.com/office/drawing/2014/main" id="{F0BC9BC8-C4B4-4A10-B6DA-96C48E07DF3E}"/>
+              </a:ext>
+            </a:extLst>
+          </p:cNvPr>
+          <p:cNvPicPr>
+            <a:picLocks noChangeAspect="1"/>
+          </p:cNvPicPr>
+          <p:nvPr/>
+        </p:nvPicPr>
+        <p:blipFill rotWithShape="1">
+          <a:blip r:embed="rId4">
+            <a:extLst>
+              <a:ext uri="{28A0092B-C50C-407E-A947-70E740481C1C}">
+                <a14:useLocalDpi xmlns:a14="http://schemas.microsoft.com/office/drawing/2010/main" val="0"/>
+              </a:ext>
+            </a:extLst>
+          </a:blip>
+          <a:srcRect l="15706" t="11787" r="15492" b="17225"/>
+          <a:stretch/>
+        </p:blipFill>
+        <p:spPr>
+          <a:xfrm>
+            <a:off x="10043185" y="5943599"/>
+            <a:ext cx="1772492" cy="914400"/>
+          </a:xfrm>
+          <a:prstGeom prst="rect">
+            <a:avLst/>
+          </a:prstGeom>
+        </p:spPr>
+      </p:pic>
+      <p:sp>
+        <p:nvSpPr>
+          <p:cNvPr id="8" name="TextBox 7">
+            <a:extLst>
+              <a:ext uri="{FF2B5EF4-FFF2-40B4-BE49-F238E27FC236}">
+                <a16:creationId xmlns:a16="http://schemas.microsoft.com/office/drawing/2014/main" id="{24A75D75-D1DC-4ACC-A162-A04A5C0F3B5F}"/>
+              </a:ext>
+            </a:extLst>
+          </p:cNvPr>
+          <p:cNvSpPr txBox="1"/>
+          <p:nvPr/>
+        </p:nvSpPr>
+        <p:spPr>
+          <a:xfrm>
+            <a:off x="3375212" y="197629"/>
+            <a:ext cx="3685397" cy="646331"/>
+          </a:xfrm>
+          <a:prstGeom prst="rect">
+            <a:avLst/>
+          </a:prstGeom>
+          <a:noFill/>
+        </p:spPr>
+        <p:txBody>
+          <a:bodyPr wrap="square" rtlCol="0">
+            <a:spAutoFit/>
+          </a:bodyPr>
+          <a:lstStyle/>
+          <a:p>
+            <a:pPr algn="ctr"/>
+            <a:r>
+              <a:rPr lang="en-GB" sz="3600" dirty="0">
+                <a:solidFill>
+                  <a:schemeClr val="bg2">
+                    <a:lumMod val="25000"/>
+                  </a:schemeClr>
+                </a:solidFill>
+                <a:latin typeface="3ds" panose="02000503020000020004" pitchFamily="2" charset="0"/>
+              </a:rPr>
+              <a:t>Dust Sensor</a:t>
+            </a:r>
+          </a:p>
+        </p:txBody>
+      </p:sp>
+      <p:pic>
+        <p:nvPicPr>
+          <p:cNvPr id="9" name="Picture 8" descr="A picture containing object&#10;&#10;Description automatically generated">
+            <a:extLst>
+              <a:ext uri="{FF2B5EF4-FFF2-40B4-BE49-F238E27FC236}">
+                <a16:creationId xmlns:a16="http://schemas.microsoft.com/office/drawing/2014/main" id="{CCD379EC-9AF2-4339-BC08-EAF2C4B297BF}"/>
+              </a:ext>
+            </a:extLst>
+          </p:cNvPr>
+          <p:cNvPicPr>
+            <a:picLocks noChangeAspect="1"/>
+          </p:cNvPicPr>
+          <p:nvPr/>
+        </p:nvPicPr>
+        <p:blipFill>
+          <a:blip r:embed="rId5">
+            <a:duotone>
+              <a:prstClr val="black"/>
+              <a:schemeClr val="accent1">
+                <a:tint val="45000"/>
+                <a:satMod val="400000"/>
+              </a:schemeClr>
+            </a:duotone>
+            <a:extLst>
+              <a:ext uri="{28A0092B-C50C-407E-A947-70E740481C1C}">
+                <a14:useLocalDpi xmlns:a14="http://schemas.microsoft.com/office/drawing/2010/main" val="0"/>
+              </a:ext>
+            </a:extLst>
+          </a:blip>
+          <a:stretch>
+            <a:fillRect/>
+          </a:stretch>
+        </p:blipFill>
+        <p:spPr>
+          <a:xfrm>
+            <a:off x="7060608" y="51487"/>
+            <a:ext cx="923330" cy="923330"/>
+          </a:xfrm>
+          <a:prstGeom prst="rect">
+            <a:avLst/>
+          </a:prstGeom>
+        </p:spPr>
+      </p:pic>
+      <p:pic>
+        <p:nvPicPr>
+          <p:cNvPr id="10" name="Picture 9" descr="A close up of a device&#10;&#10;Description automatically generated">
+            <a:extLst>
+              <a:ext uri="{FF2B5EF4-FFF2-40B4-BE49-F238E27FC236}">
+                <a16:creationId xmlns:a16="http://schemas.microsoft.com/office/drawing/2014/main" id="{F546824C-964E-4C07-867C-BDF76F6B4EED}"/>
+              </a:ext>
+            </a:extLst>
+          </p:cNvPr>
+          <p:cNvPicPr>
+            <a:picLocks noChangeAspect="1"/>
+          </p:cNvPicPr>
+          <p:nvPr/>
+        </p:nvPicPr>
+        <p:blipFill rotWithShape="1">
+          <a:blip r:embed="rId6">
+            <a:extLst>
+              <a:ext uri="{28A0092B-C50C-407E-A947-70E740481C1C}">
+                <a14:useLocalDpi xmlns:a14="http://schemas.microsoft.com/office/drawing/2010/main" val="0"/>
+              </a:ext>
+            </a:extLst>
+          </a:blip>
+          <a:srcRect l="3579" t="7088" r="5316" b="6634"/>
+          <a:stretch/>
+        </p:blipFill>
+        <p:spPr>
+          <a:xfrm>
+            <a:off x="7839634" y="1011564"/>
+            <a:ext cx="3254189" cy="2401606"/>
+          </a:xfrm>
+          <a:prstGeom prst="rect">
+            <a:avLst/>
+          </a:prstGeom>
+        </p:spPr>
+      </p:pic>
+      <p:sp>
+        <p:nvSpPr>
+          <p:cNvPr id="2" name="Rectangle 1">
+            <a:extLst>
+              <a:ext uri="{FF2B5EF4-FFF2-40B4-BE49-F238E27FC236}">
+                <a16:creationId xmlns:a16="http://schemas.microsoft.com/office/drawing/2014/main" id="{5D6C4503-2E09-4487-BB00-9BE7FDE142D2}"/>
+              </a:ext>
+            </a:extLst>
+          </p:cNvPr>
+          <p:cNvSpPr/>
+          <p:nvPr/>
+        </p:nvSpPr>
+        <p:spPr>
+          <a:xfrm>
+            <a:off x="224118" y="1212425"/>
+            <a:ext cx="5187569" cy="4247317"/>
+          </a:xfrm>
+          <a:prstGeom prst="rect">
+            <a:avLst/>
+          </a:prstGeom>
+        </p:spPr>
+        <p:txBody>
+          <a:bodyPr wrap="square">
+            <a:spAutoFit/>
+          </a:bodyPr>
+          <a:lstStyle/>
+          <a:p>
+            <a:pPr marL="285750" indent="-285750">
+              <a:buFont typeface="Arial" panose="020B0604020202020204" pitchFamily="34" charset="0"/>
+              <a:buChar char="•"/>
+            </a:pPr>
+            <a:r>
+              <a:rPr lang="en-GB" dirty="0">
+                <a:solidFill>
+                  <a:srgbClr val="222222"/>
+                </a:solidFill>
+                <a:latin typeface="HelveticaNeue"/>
+              </a:rPr>
+              <a:t>Good indication of the air quality in an environment by measuring the dust concentration.</a:t>
+            </a:r>
+          </a:p>
+          <a:p>
+            <a:r>
+              <a:rPr lang="en-GB" dirty="0">
+                <a:solidFill>
+                  <a:srgbClr val="222222"/>
+                </a:solidFill>
+                <a:latin typeface="HelveticaNeue"/>
+              </a:rPr>
+              <a:t> </a:t>
+            </a:r>
+          </a:p>
+          <a:p>
+            <a:pPr marL="285750" indent="-285750">
+              <a:buFont typeface="Arial" panose="020B0604020202020204" pitchFamily="34" charset="0"/>
+              <a:buChar char="•"/>
+            </a:pPr>
+            <a:r>
+              <a:rPr lang="en-GB" dirty="0">
+                <a:solidFill>
+                  <a:srgbClr val="222222"/>
+                </a:solidFill>
+                <a:latin typeface="HelveticaNeue"/>
+              </a:rPr>
+              <a:t>The Particulate Matter level (PM level) in the air is measured by counting the Low Pulse Occupancy time (LPO time) in given time unit. </a:t>
+            </a:r>
+          </a:p>
+          <a:p>
+            <a:pPr marL="285750" indent="-285750">
+              <a:buFont typeface="Arial" panose="020B0604020202020204" pitchFamily="34" charset="0"/>
+              <a:buChar char="•"/>
+            </a:pPr>
+            <a:endParaRPr lang="en-GB" dirty="0">
+              <a:solidFill>
+                <a:srgbClr val="222222"/>
+              </a:solidFill>
+              <a:latin typeface="HelveticaNeue"/>
+            </a:endParaRPr>
+          </a:p>
+          <a:p>
+            <a:pPr marL="285750" indent="-285750">
+              <a:buFont typeface="Arial" panose="020B0604020202020204" pitchFamily="34" charset="0"/>
+              <a:buChar char="•"/>
+            </a:pPr>
+            <a:r>
+              <a:rPr lang="en-GB" dirty="0">
+                <a:solidFill>
+                  <a:srgbClr val="222222"/>
+                </a:solidFill>
+                <a:latin typeface="HelveticaNeue"/>
+              </a:rPr>
+              <a:t>LPO time is proportional to PM concentration. This sensor can provide reliable data for air purifier systems; it is responsive to PM of diameter 1μm. </a:t>
+            </a:r>
+          </a:p>
+          <a:p>
+            <a:pPr marL="285750" indent="-285750">
+              <a:buFont typeface="Arial" panose="020B0604020202020204" pitchFamily="34" charset="0"/>
+              <a:buChar char="•"/>
+            </a:pPr>
+            <a:endParaRPr lang="en-GB" dirty="0">
+              <a:solidFill>
+                <a:srgbClr val="222222"/>
+              </a:solidFill>
+              <a:latin typeface="HelveticaNeue"/>
+            </a:endParaRPr>
+          </a:p>
+          <a:p>
+            <a:pPr marL="285750" indent="-285750">
+              <a:buFont typeface="Arial" panose="020B0604020202020204" pitchFamily="34" charset="0"/>
+              <a:buChar char="•"/>
+            </a:pPr>
+            <a:r>
+              <a:rPr lang="en-GB" dirty="0">
+                <a:latin typeface="HelveticaNeue"/>
+              </a:rPr>
+              <a:t>This sensor uses counting method to measure dust concentration, not weighing method</a:t>
+            </a:r>
+          </a:p>
+        </p:txBody>
+      </p:sp>
+      <p:sp>
+        <p:nvSpPr>
+          <p:cNvPr id="3" name="Rectangle 2">
+            <a:extLst>
+              <a:ext uri="{FF2B5EF4-FFF2-40B4-BE49-F238E27FC236}">
+                <a16:creationId xmlns:a16="http://schemas.microsoft.com/office/drawing/2014/main" id="{080254A0-66A7-45E7-A46C-DE1CA7B82896}"/>
+              </a:ext>
+            </a:extLst>
+          </p:cNvPr>
+          <p:cNvSpPr/>
+          <p:nvPr/>
+        </p:nvSpPr>
+        <p:spPr>
+          <a:xfrm>
+            <a:off x="8176974" y="3413172"/>
+            <a:ext cx="2779351" cy="369332"/>
+          </a:xfrm>
+          <a:prstGeom prst="rect">
+            <a:avLst/>
+          </a:prstGeom>
+        </p:spPr>
+        <p:txBody>
+          <a:bodyPr wrap="none">
+            <a:spAutoFit/>
+          </a:bodyPr>
+          <a:lstStyle/>
+          <a:p>
+            <a:r>
+              <a:rPr lang="en-GB" dirty="0">
+                <a:solidFill>
+                  <a:srgbClr val="222222"/>
+                </a:solidFill>
+                <a:latin typeface="HelveticaNeue"/>
+              </a:rPr>
+              <a:t>Unit: pcs/L or pcs/0.01cf. </a:t>
+            </a:r>
+            <a:endParaRPr lang="en-GB" dirty="0"/>
+          </a:p>
+        </p:txBody>
+      </p:sp>
+      <p:pic>
+        <p:nvPicPr>
+          <p:cNvPr id="13" name="Picture 12">
+            <a:extLst>
+              <a:ext uri="{FF2B5EF4-FFF2-40B4-BE49-F238E27FC236}">
+                <a16:creationId xmlns:a16="http://schemas.microsoft.com/office/drawing/2014/main" id="{AC04CA78-D1C7-4CA7-8246-545A6D7ED2B8}"/>
+              </a:ext>
+            </a:extLst>
+          </p:cNvPr>
+          <p:cNvPicPr>
+            <a:picLocks noChangeAspect="1"/>
+          </p:cNvPicPr>
+          <p:nvPr/>
+        </p:nvPicPr>
+        <p:blipFill rotWithShape="1">
+          <a:blip r:embed="rId7"/>
+          <a:srcRect l="5260"/>
+          <a:stretch/>
+        </p:blipFill>
+        <p:spPr>
+          <a:xfrm>
+            <a:off x="5411687" y="3770707"/>
+            <a:ext cx="6403990" cy="1628391"/>
+          </a:xfrm>
+          <a:prstGeom prst="rect">
+            <a:avLst/>
+          </a:prstGeom>
+        </p:spPr>
+      </p:pic>
+      <p:sp>
+        <p:nvSpPr>
+          <p:cNvPr id="14" name="Rectangle 13">
+            <a:extLst>
+              <a:ext uri="{FF2B5EF4-FFF2-40B4-BE49-F238E27FC236}">
+                <a16:creationId xmlns:a16="http://schemas.microsoft.com/office/drawing/2014/main" id="{AE073C41-8BC6-43A6-96C0-081E823C45A1}"/>
+              </a:ext>
+            </a:extLst>
+          </p:cNvPr>
+          <p:cNvSpPr/>
+          <p:nvPr/>
+        </p:nvSpPr>
+        <p:spPr>
+          <a:xfrm>
+            <a:off x="5626280" y="5382949"/>
+            <a:ext cx="6096000" cy="646331"/>
+          </a:xfrm>
+          <a:prstGeom prst="rect">
+            <a:avLst/>
+          </a:prstGeom>
+        </p:spPr>
+        <p:txBody>
+          <a:bodyPr>
+            <a:spAutoFit/>
+          </a:bodyPr>
+          <a:lstStyle/>
+          <a:p>
+            <a:r>
+              <a:rPr lang="en-GB" dirty="0">
+                <a:solidFill>
+                  <a:srgbClr val="222222"/>
+                </a:solidFill>
+                <a:latin typeface="HelveticaNeue"/>
+              </a:rPr>
+              <a:t>We can see the concentration of dust is very low in the evening, but it is higher in the afternoon</a:t>
+            </a:r>
+            <a:endParaRPr lang="en-GB" dirty="0"/>
+          </a:p>
+        </p:txBody>
+      </p:sp>
+    </p:spTree>
+    <p:extLst>
+      <p:ext uri="{BB962C8B-B14F-4D97-AF65-F5344CB8AC3E}">
+        <p14:creationId xmlns:p14="http://schemas.microsoft.com/office/powerpoint/2010/main" val="1077324652"/>
+      </p:ext>
+    </p:extLst>
+  </p:cSld>
+  <p:clrMapOvr>
+    <a:masterClrMapping/>
+  </p:clrMapOvr>
+</p:sld>
+</file>
+
+<file path=ppt/slides/slide7.xml><?xml version="1.0" encoding="utf-8"?>
+<p:sld xmlns:a="http://schemas.openxmlformats.org/drawingml/2006/main" xmlns:r="http://schemas.openxmlformats.org/officeDocument/2006/relationships" xmlns:p="http://schemas.openxmlformats.org/presentationml/2006/main">
+  <p:cSld>
+    <p:spTree>
+      <p:nvGrpSpPr>
+        <p:cNvPr id="1" name=""/>
+        <p:cNvGrpSpPr/>
+        <p:nvPr/>
+      </p:nvGrpSpPr>
+      <p:grpSpPr>
+        <a:xfrm>
+          <a:off x="0" y="0"/>
+          <a:ext cx="0" cy="0"/>
+          <a:chOff x="0" y="0"/>
+          <a:chExt cx="0" cy="0"/>
+        </a:xfrm>
+      </p:grpSpPr>
+      <p:pic>
+        <p:nvPicPr>
+          <p:cNvPr id="1030" name="Picture 6" descr="IoT Power Management">
+            <a:extLst>
+              <a:ext uri="{FF2B5EF4-FFF2-40B4-BE49-F238E27FC236}">
+                <a16:creationId xmlns:a16="http://schemas.microsoft.com/office/drawing/2014/main" id="{F9844D2D-635D-44A0-B958-1E4C39246144}"/>
+              </a:ext>
+            </a:extLst>
+          </p:cNvPr>
+          <p:cNvPicPr>
+            <a:picLocks noChangeAspect="1" noChangeArrowheads="1"/>
+          </p:cNvPicPr>
+          <p:nvPr/>
+        </p:nvPicPr>
+        <p:blipFill rotWithShape="1">
+          <a:blip r:embed="rId3">
+            <a:extLst>
+              <a:ext uri="{28A0092B-C50C-407E-A947-70E740481C1C}">
+                <a14:useLocalDpi xmlns:a14="http://schemas.microsoft.com/office/drawing/2010/main" val="0"/>
+              </a:ext>
+            </a:extLst>
+          </a:blip>
+          <a:srcRect l="17628" t="11071" r="17690" b="10896"/>
+          <a:stretch/>
+        </p:blipFill>
+        <p:spPr bwMode="auto">
+          <a:xfrm>
+            <a:off x="9525" y="5388348"/>
+            <a:ext cx="1469651" cy="1469651"/>
+          </a:xfrm>
+          <a:prstGeom prst="rect">
+            <a:avLst/>
+          </a:prstGeom>
+          <a:noFill/>
+          <a:extLst>
+            <a:ext uri="{909E8E84-426E-40DD-AFC4-6F175D3DCCD1}">
+              <a14:hiddenFill xmlns:a14="http://schemas.microsoft.com/office/drawing/2010/main">
+                <a:solidFill>
+                  <a:srgbClr val="FFFFFF"/>
+                </a:solidFill>
+              </a14:hiddenFill>
+            </a:ext>
+          </a:extLst>
+        </p:spPr>
+      </p:pic>
+      <p:sp>
+        <p:nvSpPr>
+          <p:cNvPr id="4" name="Rectangle 3">
+            <a:extLst>
+              <a:ext uri="{FF2B5EF4-FFF2-40B4-BE49-F238E27FC236}">
+                <a16:creationId xmlns:a16="http://schemas.microsoft.com/office/drawing/2014/main" id="{9D476336-A01A-47A0-975E-B9D85496F266}"/>
+              </a:ext>
+            </a:extLst>
+          </p:cNvPr>
+          <p:cNvSpPr/>
+          <p:nvPr/>
+        </p:nvSpPr>
+        <p:spPr>
+          <a:xfrm rot="5400000">
+            <a:off x="8578368" y="3220641"/>
+            <a:ext cx="6874669" cy="400050"/>
+          </a:xfrm>
+          <a:prstGeom prst="rect">
+            <a:avLst/>
+          </a:prstGeom>
+          <a:solidFill>
+            <a:srgbClr val="194B89"/>
+          </a:solidFill>
+          <a:ln>
+            <a:solidFill>
+              <a:srgbClr val="194B89"/>
+            </a:solidFill>
+          </a:ln>
+        </p:spPr>
+        <p:style>
+          <a:lnRef idx="2">
+            <a:schemeClr val="accent1">
+              <a:shade val="50000"/>
+            </a:schemeClr>
+          </a:lnRef>
+          <a:fillRef idx="1">
+            <a:schemeClr val="accent1"/>
+          </a:fillRef>
+          <a:effectRef idx="0">
+            <a:schemeClr val="accent1"/>
+          </a:effectRef>
+          <a:fontRef idx="minor">
+            <a:schemeClr val="lt1"/>
+          </a:fontRef>
+        </p:style>
+        <p:txBody>
+          <a:bodyPr rtlCol="0" anchor="ctr"/>
+          <a:lstStyle/>
+          <a:p>
+            <a:pPr algn="ctr"/>
+            <a:endParaRPr lang="en-GB"/>
+          </a:p>
+        </p:txBody>
+      </p:sp>
+      <p:pic>
+        <p:nvPicPr>
+          <p:cNvPr id="7" name="Picture 6" descr="A close up of a logo&#10;&#10;Description automatically generated">
+            <a:extLst>
+              <a:ext uri="{FF2B5EF4-FFF2-40B4-BE49-F238E27FC236}">
+                <a16:creationId xmlns:a16="http://schemas.microsoft.com/office/drawing/2014/main" id="{F0BC9BC8-C4B4-4A10-B6DA-96C48E07DF3E}"/>
+              </a:ext>
+            </a:extLst>
+          </p:cNvPr>
+          <p:cNvPicPr>
+            <a:picLocks noChangeAspect="1"/>
+          </p:cNvPicPr>
+          <p:nvPr/>
+        </p:nvPicPr>
+        <p:blipFill rotWithShape="1">
+          <a:blip r:embed="rId4">
+            <a:extLst>
+              <a:ext uri="{28A0092B-C50C-407E-A947-70E740481C1C}">
+                <a14:useLocalDpi xmlns:a14="http://schemas.microsoft.com/office/drawing/2010/main" val="0"/>
+              </a:ext>
+            </a:extLst>
+          </a:blip>
+          <a:srcRect l="15706" t="11787" r="15492" b="17225"/>
+          <a:stretch/>
+        </p:blipFill>
+        <p:spPr>
+          <a:xfrm>
+            <a:off x="10043185" y="5943599"/>
+            <a:ext cx="1772492" cy="914400"/>
+          </a:xfrm>
+          <a:prstGeom prst="rect">
+            <a:avLst/>
+          </a:prstGeom>
+        </p:spPr>
+      </p:pic>
+      <p:sp>
+        <p:nvSpPr>
+          <p:cNvPr id="8" name="TextBox 7">
+            <a:extLst>
+              <a:ext uri="{FF2B5EF4-FFF2-40B4-BE49-F238E27FC236}">
+                <a16:creationId xmlns:a16="http://schemas.microsoft.com/office/drawing/2014/main" id="{24A75D75-D1DC-4ACC-A162-A04A5C0F3B5F}"/>
+              </a:ext>
+            </a:extLst>
+          </p:cNvPr>
+          <p:cNvSpPr txBox="1"/>
+          <p:nvPr/>
+        </p:nvSpPr>
+        <p:spPr>
+          <a:xfrm>
+            <a:off x="3375212" y="197629"/>
+            <a:ext cx="3685397" cy="646331"/>
+          </a:xfrm>
+          <a:prstGeom prst="rect">
+            <a:avLst/>
+          </a:prstGeom>
+          <a:noFill/>
+        </p:spPr>
+        <p:txBody>
+          <a:bodyPr wrap="square" rtlCol="0">
+            <a:spAutoFit/>
+          </a:bodyPr>
+          <a:lstStyle/>
+          <a:p>
+            <a:pPr algn="ctr"/>
+            <a:r>
+              <a:rPr lang="en-GB" sz="3600" dirty="0">
+                <a:solidFill>
+                  <a:schemeClr val="bg2">
+                    <a:lumMod val="25000"/>
+                  </a:schemeClr>
+                </a:solidFill>
+                <a:latin typeface="3ds" panose="02000503020000020004" pitchFamily="2" charset="0"/>
+              </a:rPr>
+              <a:t>MQ5 Gas Sensor</a:t>
+            </a:r>
+          </a:p>
+        </p:txBody>
+      </p:sp>
+      <p:pic>
+        <p:nvPicPr>
+          <p:cNvPr id="9" name="Picture 8" descr="A picture containing object&#10;&#10;Description automatically generated">
+            <a:extLst>
+              <a:ext uri="{FF2B5EF4-FFF2-40B4-BE49-F238E27FC236}">
+                <a16:creationId xmlns:a16="http://schemas.microsoft.com/office/drawing/2014/main" id="{CCD379EC-9AF2-4339-BC08-EAF2C4B297BF}"/>
+              </a:ext>
+            </a:extLst>
+          </p:cNvPr>
+          <p:cNvPicPr>
+            <a:picLocks noChangeAspect="1"/>
+          </p:cNvPicPr>
+          <p:nvPr/>
+        </p:nvPicPr>
+        <p:blipFill>
+          <a:blip r:embed="rId5">
+            <a:duotone>
+              <a:prstClr val="black"/>
+              <a:schemeClr val="accent1">
+                <a:tint val="45000"/>
+                <a:satMod val="400000"/>
+              </a:schemeClr>
+            </a:duotone>
+            <a:extLst>
+              <a:ext uri="{28A0092B-C50C-407E-A947-70E740481C1C}">
+                <a14:useLocalDpi xmlns:a14="http://schemas.microsoft.com/office/drawing/2010/main" val="0"/>
+              </a:ext>
+            </a:extLst>
+          </a:blip>
+          <a:stretch>
+            <a:fillRect/>
+          </a:stretch>
+        </p:blipFill>
+        <p:spPr>
+          <a:xfrm>
+            <a:off x="7060608" y="51487"/>
+            <a:ext cx="923330" cy="923330"/>
+          </a:xfrm>
+          <a:prstGeom prst="rect">
+            <a:avLst/>
+          </a:prstGeom>
+        </p:spPr>
+      </p:pic>
+      <p:sp>
+        <p:nvSpPr>
+          <p:cNvPr id="2" name="Rectangle 1">
+            <a:extLst>
+              <a:ext uri="{FF2B5EF4-FFF2-40B4-BE49-F238E27FC236}">
+                <a16:creationId xmlns:a16="http://schemas.microsoft.com/office/drawing/2014/main" id="{5D6C4503-2E09-4487-BB00-9BE7FDE142D2}"/>
+              </a:ext>
+            </a:extLst>
+          </p:cNvPr>
+          <p:cNvSpPr/>
+          <p:nvPr/>
+        </p:nvSpPr>
+        <p:spPr>
+          <a:xfrm>
+            <a:off x="224118" y="1212425"/>
+            <a:ext cx="5781128" cy="3416320"/>
+          </a:xfrm>
+          <a:prstGeom prst="rect">
+            <a:avLst/>
+          </a:prstGeom>
+        </p:spPr>
+        <p:txBody>
+          <a:bodyPr wrap="square">
+            <a:spAutoFit/>
+          </a:bodyPr>
+          <a:lstStyle/>
+          <a:p>
+            <a:pPr marL="285750" indent="-285750">
+              <a:buFont typeface="Arial" panose="020B0604020202020204" pitchFamily="34" charset="0"/>
+              <a:buChar char="•"/>
+            </a:pPr>
+            <a:r>
+              <a:rPr lang="en-GB" dirty="0">
+                <a:latin typeface="HelveticaNeue"/>
+              </a:rPr>
+              <a:t>The Grove - Gas Sensor(MQ5) module is useful for gas leakage detection (in home and industry). </a:t>
+            </a:r>
+          </a:p>
+          <a:p>
+            <a:endParaRPr lang="en-GB" dirty="0">
+              <a:latin typeface="HelveticaNeue"/>
+            </a:endParaRPr>
+          </a:p>
+          <a:p>
+            <a:pPr marL="285750" indent="-285750">
+              <a:buFont typeface="Arial" panose="020B0604020202020204" pitchFamily="34" charset="0"/>
+              <a:buChar char="•"/>
+            </a:pPr>
+            <a:r>
+              <a:rPr lang="en-GB" dirty="0">
+                <a:latin typeface="HelveticaNeue"/>
+              </a:rPr>
+              <a:t>It is suitable for detecting H2, LPG, CH4, CO,</a:t>
+            </a:r>
+          </a:p>
+          <a:p>
+            <a:pPr marL="742950" lvl="1" indent="-285750">
+              <a:buFont typeface="Arial" panose="020B0604020202020204" pitchFamily="34" charset="0"/>
+              <a:buChar char="•"/>
+            </a:pPr>
+            <a:r>
+              <a:rPr lang="en-GB" dirty="0">
+                <a:latin typeface="HelveticaNeue"/>
+              </a:rPr>
+              <a:t>Hydrogen (H2), Liquid Petroleum Gas (LPG), Methane (CH4), Carbon-dioxide (C0) and ethanol/methanol. </a:t>
+            </a:r>
+          </a:p>
+          <a:p>
+            <a:pPr marL="285750" indent="-285750">
+              <a:buFont typeface="Arial" panose="020B0604020202020204" pitchFamily="34" charset="0"/>
+              <a:buChar char="•"/>
+            </a:pPr>
+            <a:endParaRPr lang="en-GB" dirty="0">
+              <a:latin typeface="HelveticaNeue"/>
+            </a:endParaRPr>
+          </a:p>
+          <a:p>
+            <a:pPr marL="285750" indent="-285750">
+              <a:buFont typeface="Arial" panose="020B0604020202020204" pitchFamily="34" charset="0"/>
+              <a:buChar char="•"/>
+            </a:pPr>
+            <a:r>
+              <a:rPr lang="en-GB" dirty="0">
+                <a:latin typeface="HelveticaNeue"/>
+              </a:rPr>
+              <a:t>The sensitivity of the sensor can be adjusted by using the potentiometer.</a:t>
+            </a:r>
+          </a:p>
+          <a:p>
+            <a:pPr marL="285750" indent="-285750">
+              <a:buFont typeface="Arial" panose="020B0604020202020204" pitchFamily="34" charset="0"/>
+              <a:buChar char="•"/>
+            </a:pPr>
+            <a:endParaRPr lang="en-GB" dirty="0">
+              <a:latin typeface="HelveticaNeue"/>
+            </a:endParaRPr>
+          </a:p>
+          <a:p>
+            <a:pPr marL="285750" indent="-285750">
+              <a:buFont typeface="Arial" panose="020B0604020202020204" pitchFamily="34" charset="0"/>
+              <a:buChar char="•"/>
+            </a:pPr>
+            <a:r>
+              <a:rPr lang="en-GB" dirty="0">
+                <a:latin typeface="HelveticaNeue"/>
+              </a:rPr>
+              <a:t>Approximation</a:t>
+            </a:r>
+          </a:p>
+        </p:txBody>
+      </p:sp>
+      <p:pic>
+        <p:nvPicPr>
+          <p:cNvPr id="11" name="Picture 10" descr="A close up of a device&#10;&#10;Description automatically generated">
+            <a:extLst>
+              <a:ext uri="{FF2B5EF4-FFF2-40B4-BE49-F238E27FC236}">
+                <a16:creationId xmlns:a16="http://schemas.microsoft.com/office/drawing/2014/main" id="{15C161DC-19D3-4BE4-B2B4-EAC338FDD9B5}"/>
+              </a:ext>
+            </a:extLst>
+          </p:cNvPr>
+          <p:cNvPicPr>
+            <a:picLocks noChangeAspect="1"/>
+          </p:cNvPicPr>
+          <p:nvPr/>
+        </p:nvPicPr>
+        <p:blipFill>
+          <a:blip r:embed="rId6">
+            <a:extLst>
+              <a:ext uri="{28A0092B-C50C-407E-A947-70E740481C1C}">
+                <a14:useLocalDpi xmlns:a14="http://schemas.microsoft.com/office/drawing/2010/main" val="0"/>
+              </a:ext>
+            </a:extLst>
+          </a:blip>
+          <a:stretch>
+            <a:fillRect/>
+          </a:stretch>
+        </p:blipFill>
+        <p:spPr>
+          <a:xfrm>
+            <a:off x="7252137" y="1010197"/>
+            <a:ext cx="3048000" cy="2286000"/>
+          </a:xfrm>
+          <a:prstGeom prst="rect">
+            <a:avLst/>
+          </a:prstGeom>
+        </p:spPr>
+      </p:pic>
+      <p:sp>
+        <p:nvSpPr>
+          <p:cNvPr id="3" name="Rectangle 2">
+            <a:extLst>
+              <a:ext uri="{FF2B5EF4-FFF2-40B4-BE49-F238E27FC236}">
+                <a16:creationId xmlns:a16="http://schemas.microsoft.com/office/drawing/2014/main" id="{080254A0-66A7-45E7-A46C-DE1CA7B82896}"/>
+              </a:ext>
+            </a:extLst>
+          </p:cNvPr>
+          <p:cNvSpPr/>
+          <p:nvPr/>
+        </p:nvSpPr>
+        <p:spPr>
+          <a:xfrm>
+            <a:off x="7520786" y="2850141"/>
+            <a:ext cx="2779351" cy="369332"/>
+          </a:xfrm>
+          <a:prstGeom prst="rect">
+            <a:avLst/>
+          </a:prstGeom>
+        </p:spPr>
+        <p:txBody>
+          <a:bodyPr wrap="none">
+            <a:spAutoFit/>
+          </a:bodyPr>
+          <a:lstStyle/>
+          <a:p>
+            <a:r>
+              <a:rPr lang="en-GB" dirty="0">
+                <a:solidFill>
+                  <a:srgbClr val="222222"/>
+                </a:solidFill>
+                <a:latin typeface="HelveticaNeue"/>
+              </a:rPr>
+              <a:t>Unit: pcs/L or pcs/0.01cf. </a:t>
+            </a:r>
+            <a:endParaRPr lang="en-GB" dirty="0"/>
+          </a:p>
+        </p:txBody>
+      </p:sp>
+    </p:spTree>
+    <p:extLst>
+      <p:ext uri="{BB962C8B-B14F-4D97-AF65-F5344CB8AC3E}">
+        <p14:creationId xmlns:p14="http://schemas.microsoft.com/office/powerpoint/2010/main" val="1949126489"/>
+      </p:ext>
+    </p:extLst>
+  </p:cSld>
+  <p:clrMapOvr>
+    <a:masterClrMapping/>
+  </p:clrMapOvr>
+</p:sld>
+</file>
+
+<file path=ppt/slides/slide8.xml><?xml version="1.0" encoding="utf-8"?>
+<p:sld xmlns:a="http://schemas.openxmlformats.org/drawingml/2006/main" xmlns:r="http://schemas.openxmlformats.org/officeDocument/2006/relationships" xmlns:p="http://schemas.openxmlformats.org/presentationml/2006/main">
+  <p:cSld>
+    <p:spTree>
+      <p:nvGrpSpPr>
+        <p:cNvPr id="1" name=""/>
+        <p:cNvGrpSpPr/>
+        <p:nvPr/>
+      </p:nvGrpSpPr>
+      <p:grpSpPr>
+        <a:xfrm>
+          <a:off x="0" y="0"/>
+          <a:ext cx="0" cy="0"/>
+          <a:chOff x="0" y="0"/>
+          <a:chExt cx="0" cy="0"/>
+        </a:xfrm>
+      </p:grpSpPr>
+      <p:pic>
+        <p:nvPicPr>
+          <p:cNvPr id="1030" name="Picture 6" descr="IoT Power Management">
+            <a:extLst>
+              <a:ext uri="{FF2B5EF4-FFF2-40B4-BE49-F238E27FC236}">
+                <a16:creationId xmlns:a16="http://schemas.microsoft.com/office/drawing/2014/main" id="{F9844D2D-635D-44A0-B958-1E4C39246144}"/>
+              </a:ext>
+            </a:extLst>
+          </p:cNvPr>
+          <p:cNvPicPr>
+            <a:picLocks noChangeAspect="1" noChangeArrowheads="1"/>
+          </p:cNvPicPr>
+          <p:nvPr/>
+        </p:nvPicPr>
+        <p:blipFill rotWithShape="1">
+          <a:blip r:embed="rId3">
+            <a:extLst>
+              <a:ext uri="{28A0092B-C50C-407E-A947-70E740481C1C}">
+                <a14:useLocalDpi xmlns:a14="http://schemas.microsoft.com/office/drawing/2010/main" val="0"/>
+              </a:ext>
+            </a:extLst>
+          </a:blip>
+          <a:srcRect l="17628" t="11071" r="17690" b="10896"/>
+          <a:stretch/>
+        </p:blipFill>
+        <p:spPr bwMode="auto">
+          <a:xfrm>
+            <a:off x="9525" y="5388348"/>
+            <a:ext cx="1469651" cy="1469651"/>
+          </a:xfrm>
+          <a:prstGeom prst="rect">
+            <a:avLst/>
+          </a:prstGeom>
+          <a:noFill/>
+          <a:extLst>
+            <a:ext uri="{909E8E84-426E-40DD-AFC4-6F175D3DCCD1}">
+              <a14:hiddenFill xmlns:a14="http://schemas.microsoft.com/office/drawing/2010/main">
+                <a:solidFill>
+                  <a:srgbClr val="FFFFFF"/>
+                </a:solidFill>
+              </a14:hiddenFill>
+            </a:ext>
+          </a:extLst>
+        </p:spPr>
+      </p:pic>
+      <p:sp>
+        <p:nvSpPr>
+          <p:cNvPr id="4" name="Rectangle 3">
+            <a:extLst>
+              <a:ext uri="{FF2B5EF4-FFF2-40B4-BE49-F238E27FC236}">
+                <a16:creationId xmlns:a16="http://schemas.microsoft.com/office/drawing/2014/main" id="{9D476336-A01A-47A0-975E-B9D85496F266}"/>
+              </a:ext>
+            </a:extLst>
+          </p:cNvPr>
+          <p:cNvSpPr/>
+          <p:nvPr/>
+        </p:nvSpPr>
+        <p:spPr>
+          <a:xfrm rot="5400000">
+            <a:off x="8578368" y="3220641"/>
+            <a:ext cx="6874669" cy="400050"/>
+          </a:xfrm>
+          <a:prstGeom prst="rect">
+            <a:avLst/>
+          </a:prstGeom>
+          <a:solidFill>
+            <a:srgbClr val="194B89"/>
+          </a:solidFill>
+          <a:ln>
+            <a:solidFill>
+              <a:srgbClr val="194B89"/>
+            </a:solidFill>
+          </a:ln>
+        </p:spPr>
+        <p:style>
+          <a:lnRef idx="2">
+            <a:schemeClr val="accent1">
+              <a:shade val="50000"/>
+            </a:schemeClr>
+          </a:lnRef>
+          <a:fillRef idx="1">
+            <a:schemeClr val="accent1"/>
+          </a:fillRef>
+          <a:effectRef idx="0">
+            <a:schemeClr val="accent1"/>
+          </a:effectRef>
+          <a:fontRef idx="minor">
+            <a:schemeClr val="lt1"/>
+          </a:fontRef>
+        </p:style>
+        <p:txBody>
+          <a:bodyPr rtlCol="0" anchor="ctr"/>
+          <a:lstStyle/>
+          <a:p>
+            <a:pPr algn="ctr"/>
+            <a:endParaRPr lang="en-GB"/>
+          </a:p>
+        </p:txBody>
+      </p:sp>
       <p:sp>
         <p:nvSpPr>
           <p:cNvPr id="5" name="TextBox 4">
@@ -6084,7 +7914,7 @@
     </p:spTree>
     <p:extLst>
       <p:ext uri="{BB962C8B-B14F-4D97-AF65-F5344CB8AC3E}">
-        <p14:creationId xmlns:p14="http://schemas.microsoft.com/office/powerpoint/2010/main" val="1077324652"/>
+        <p14:creationId xmlns:p14="http://schemas.microsoft.com/office/powerpoint/2010/main" val="1512998547"/>
       </p:ext>
     </p:extLst>
   </p:cSld>

--- a/Lessons/Introduction.pptx
+++ b/Lessons/Introduction.pptx
@@ -5,17 +5,12 @@
     <p:sldMasterId id="2147483648" r:id="rId1"/>
   </p:sldMasterIdLst>
   <p:notesMasterIdLst>
-    <p:notesMasterId r:id="rId10"/>
+    <p:notesMasterId r:id="rId5"/>
   </p:notesMasterIdLst>
   <p:sldIdLst>
     <p:sldId id="256" r:id="rId2"/>
     <p:sldId id="259" r:id="rId3"/>
     <p:sldId id="257" r:id="rId4"/>
-    <p:sldId id="258" r:id="rId5"/>
-    <p:sldId id="261" r:id="rId6"/>
-    <p:sldId id="260" r:id="rId7"/>
-    <p:sldId id="263" r:id="rId8"/>
-    <p:sldId id="262" r:id="rId9"/>
   </p:sldIdLst>
   <p:sldSz cx="12192000" cy="6858000"/>
   <p:notesSz cx="6858000" cy="9144000"/>
@@ -204,7 +199,7 @@
           <a:p>
             <a:fld id="{DF0B6E1B-3DE4-4082-8057-FA3E47C40905}" type="datetimeFigureOut">
               <a:rPr lang="en-GB" smtClean="0"/>
-              <a:t>21/07/2019</a:t>
+              <a:t>17/08/2019</a:t>
             </a:fld>
             <a:endParaRPr lang="en-GB"/>
           </a:p>
@@ -778,396 +773,6 @@
 </p:notes>
 </file>
 
-<file path=ppt/notesSlides/notesSlide4.xml><?xml version="1.0" encoding="utf-8"?>
-<p:notes xmlns:a="http://schemas.openxmlformats.org/drawingml/2006/main" xmlns:r="http://schemas.openxmlformats.org/officeDocument/2006/relationships" xmlns:p="http://schemas.openxmlformats.org/presentationml/2006/main">
-  <p:cSld>
-    <p:spTree>
-      <p:nvGrpSpPr>
-        <p:cNvPr id="1" name=""/>
-        <p:cNvGrpSpPr/>
-        <p:nvPr/>
-      </p:nvGrpSpPr>
-      <p:grpSpPr>
-        <a:xfrm>
-          <a:off x="0" y="0"/>
-          <a:ext cx="0" cy="0"/>
-          <a:chOff x="0" y="0"/>
-          <a:chExt cx="0" cy="0"/>
-        </a:xfrm>
-      </p:grpSpPr>
-      <p:sp>
-        <p:nvSpPr>
-          <p:cNvPr id="2" name="Slide Image Placeholder 1"/>
-          <p:cNvSpPr>
-            <a:spLocks noGrp="1" noRot="1" noChangeAspect="1"/>
-          </p:cNvSpPr>
-          <p:nvPr>
-            <p:ph type="sldImg"/>
-          </p:nvPr>
-        </p:nvSpPr>
-        <p:spPr/>
-      </p:sp>
-      <p:sp>
-        <p:nvSpPr>
-          <p:cNvPr id="3" name="Notes Placeholder 2"/>
-          <p:cNvSpPr>
-            <a:spLocks noGrp="1"/>
-          </p:cNvSpPr>
-          <p:nvPr>
-            <p:ph type="body" idx="1"/>
-          </p:nvPr>
-        </p:nvSpPr>
-        <p:spPr/>
-        <p:txBody>
-          <a:bodyPr/>
-          <a:lstStyle/>
-          <a:p>
-            <a:pPr marL="171450" indent="-171450">
-              <a:buFont typeface="Arial" panose="020B0604020202020204" pitchFamily="34" charset="0"/>
-              <a:buChar char="•"/>
-            </a:pPr>
-            <a:r>
-              <a:rPr lang="en-GB" sz="1200" b="0" i="0" u="none" strike="noStrike" kern="1200" dirty="0">
-                <a:solidFill>
-                  <a:schemeClr val="tx1"/>
-                </a:solidFill>
-                <a:effectLst/>
-                <a:latin typeface="+mn-lt"/>
-                <a:ea typeface="+mn-ea"/>
-                <a:cs typeface="+mn-cs"/>
-              </a:rPr>
-              <a:t>This project aims to provide you with a thorough introduction to IoT. </a:t>
-            </a:r>
-          </a:p>
-          <a:p>
-            <a:pPr marL="171450" indent="-171450">
-              <a:buFont typeface="Arial" panose="020B0604020202020204" pitchFamily="34" charset="0"/>
-              <a:buChar char="•"/>
-            </a:pPr>
-            <a:r>
-              <a:rPr lang="en-GB" sz="1200" b="0" i="0" u="none" strike="noStrike" kern="1200" dirty="0">
-                <a:solidFill>
-                  <a:schemeClr val="tx1"/>
-                </a:solidFill>
-                <a:effectLst/>
-                <a:latin typeface="+mn-lt"/>
-                <a:ea typeface="+mn-ea"/>
-                <a:cs typeface="+mn-cs"/>
-              </a:rPr>
-              <a:t>It introduces the key concepts of IoT, necessary in using and deploying IoT systems.</a:t>
-            </a:r>
-          </a:p>
-          <a:p>
-            <a:pPr marL="171450" indent="-171450">
-              <a:buFont typeface="Arial" panose="020B0604020202020204" pitchFamily="34" charset="0"/>
-              <a:buChar char="•"/>
-            </a:pPr>
-            <a:r>
-              <a:rPr lang="en-GB" sz="1200" b="0" i="0" u="none" strike="noStrike" kern="1200" dirty="0">
-                <a:solidFill>
-                  <a:schemeClr val="tx1"/>
-                </a:solidFill>
-                <a:effectLst/>
-                <a:latin typeface="+mn-lt"/>
-                <a:ea typeface="+mn-ea"/>
-                <a:cs typeface="+mn-cs"/>
-              </a:rPr>
-              <a:t>Furthermore, the application of physical computing to sense the environment around you</a:t>
-            </a:r>
-          </a:p>
-          <a:p>
-            <a:endParaRPr lang="en-GB" dirty="0"/>
-          </a:p>
-        </p:txBody>
-      </p:sp>
-      <p:sp>
-        <p:nvSpPr>
-          <p:cNvPr id="4" name="Slide Number Placeholder 3"/>
-          <p:cNvSpPr>
-            <a:spLocks noGrp="1"/>
-          </p:cNvSpPr>
-          <p:nvPr>
-            <p:ph type="sldNum" sz="quarter" idx="5"/>
-          </p:nvPr>
-        </p:nvSpPr>
-        <p:spPr/>
-        <p:txBody>
-          <a:bodyPr/>
-          <a:lstStyle/>
-          <a:p>
-            <a:fld id="{945AE9AA-FFB8-4A6F-835D-DFF20E6952A1}" type="slidenum">
-              <a:rPr lang="en-GB" smtClean="0"/>
-              <a:t>4</a:t>
-            </a:fld>
-            <a:endParaRPr lang="en-GB"/>
-          </a:p>
-        </p:txBody>
-      </p:sp>
-    </p:spTree>
-    <p:extLst>
-      <p:ext uri="{BB962C8B-B14F-4D97-AF65-F5344CB8AC3E}">
-        <p14:creationId xmlns:p14="http://schemas.microsoft.com/office/powerpoint/2010/main" val="449180595"/>
-      </p:ext>
-    </p:extLst>
-  </p:cSld>
-  <p:clrMapOvr>
-    <a:masterClrMapping/>
-  </p:clrMapOvr>
-</p:notes>
-</file>
-
-<file path=ppt/notesSlides/notesSlide5.xml><?xml version="1.0" encoding="utf-8"?>
-<p:notes xmlns:a="http://schemas.openxmlformats.org/drawingml/2006/main" xmlns:r="http://schemas.openxmlformats.org/officeDocument/2006/relationships" xmlns:p="http://schemas.openxmlformats.org/presentationml/2006/main">
-  <p:cSld>
-    <p:spTree>
-      <p:nvGrpSpPr>
-        <p:cNvPr id="1" name=""/>
-        <p:cNvGrpSpPr/>
-        <p:nvPr/>
-      </p:nvGrpSpPr>
-      <p:grpSpPr>
-        <a:xfrm>
-          <a:off x="0" y="0"/>
-          <a:ext cx="0" cy="0"/>
-          <a:chOff x="0" y="0"/>
-          <a:chExt cx="0" cy="0"/>
-        </a:xfrm>
-      </p:grpSpPr>
-      <p:sp>
-        <p:nvSpPr>
-          <p:cNvPr id="2" name="Slide Image Placeholder 1"/>
-          <p:cNvSpPr>
-            <a:spLocks noGrp="1" noRot="1" noChangeAspect="1"/>
-          </p:cNvSpPr>
-          <p:nvPr>
-            <p:ph type="sldImg"/>
-          </p:nvPr>
-        </p:nvSpPr>
-        <p:spPr/>
-      </p:sp>
-      <p:sp>
-        <p:nvSpPr>
-          <p:cNvPr id="3" name="Notes Placeholder 2"/>
-          <p:cNvSpPr>
-            <a:spLocks noGrp="1"/>
-          </p:cNvSpPr>
-          <p:nvPr>
-            <p:ph type="body" idx="1"/>
-          </p:nvPr>
-        </p:nvSpPr>
-        <p:spPr/>
-        <p:txBody>
-          <a:bodyPr/>
-          <a:lstStyle/>
-          <a:p>
-            <a:endParaRPr lang="en-GB" dirty="0"/>
-          </a:p>
-        </p:txBody>
-      </p:sp>
-      <p:sp>
-        <p:nvSpPr>
-          <p:cNvPr id="4" name="Slide Number Placeholder 3"/>
-          <p:cNvSpPr>
-            <a:spLocks noGrp="1"/>
-          </p:cNvSpPr>
-          <p:nvPr>
-            <p:ph type="sldNum" sz="quarter" idx="5"/>
-          </p:nvPr>
-        </p:nvSpPr>
-        <p:spPr/>
-        <p:txBody>
-          <a:bodyPr/>
-          <a:lstStyle/>
-          <a:p>
-            <a:fld id="{945AE9AA-FFB8-4A6F-835D-DFF20E6952A1}" type="slidenum">
-              <a:rPr lang="en-GB" smtClean="0"/>
-              <a:t>6</a:t>
-            </a:fld>
-            <a:endParaRPr lang="en-GB"/>
-          </a:p>
-        </p:txBody>
-      </p:sp>
-    </p:spTree>
-    <p:extLst>
-      <p:ext uri="{BB962C8B-B14F-4D97-AF65-F5344CB8AC3E}">
-        <p14:creationId xmlns:p14="http://schemas.microsoft.com/office/powerpoint/2010/main" val="1795164507"/>
-      </p:ext>
-    </p:extLst>
-  </p:cSld>
-  <p:clrMapOvr>
-    <a:masterClrMapping/>
-  </p:clrMapOvr>
-</p:notes>
-</file>
-
-<file path=ppt/notesSlides/notesSlide6.xml><?xml version="1.0" encoding="utf-8"?>
-<p:notes xmlns:a="http://schemas.openxmlformats.org/drawingml/2006/main" xmlns:r="http://schemas.openxmlformats.org/officeDocument/2006/relationships" xmlns:p="http://schemas.openxmlformats.org/presentationml/2006/main">
-  <p:cSld>
-    <p:spTree>
-      <p:nvGrpSpPr>
-        <p:cNvPr id="1" name=""/>
-        <p:cNvGrpSpPr/>
-        <p:nvPr/>
-      </p:nvGrpSpPr>
-      <p:grpSpPr>
-        <a:xfrm>
-          <a:off x="0" y="0"/>
-          <a:ext cx="0" cy="0"/>
-          <a:chOff x="0" y="0"/>
-          <a:chExt cx="0" cy="0"/>
-        </a:xfrm>
-      </p:grpSpPr>
-      <p:sp>
-        <p:nvSpPr>
-          <p:cNvPr id="2" name="Slide Image Placeholder 1"/>
-          <p:cNvSpPr>
-            <a:spLocks noGrp="1" noRot="1" noChangeAspect="1"/>
-          </p:cNvSpPr>
-          <p:nvPr>
-            <p:ph type="sldImg"/>
-          </p:nvPr>
-        </p:nvSpPr>
-        <p:spPr/>
-      </p:sp>
-      <p:sp>
-        <p:nvSpPr>
-          <p:cNvPr id="3" name="Notes Placeholder 2"/>
-          <p:cNvSpPr>
-            <a:spLocks noGrp="1"/>
-          </p:cNvSpPr>
-          <p:nvPr>
-            <p:ph type="body" idx="1"/>
-          </p:nvPr>
-        </p:nvSpPr>
-        <p:spPr/>
-        <p:txBody>
-          <a:bodyPr/>
-          <a:lstStyle/>
-          <a:p>
-            <a:endParaRPr lang="en-GB" dirty="0"/>
-          </a:p>
-        </p:txBody>
-      </p:sp>
-      <p:sp>
-        <p:nvSpPr>
-          <p:cNvPr id="4" name="Slide Number Placeholder 3"/>
-          <p:cNvSpPr>
-            <a:spLocks noGrp="1"/>
-          </p:cNvSpPr>
-          <p:nvPr>
-            <p:ph type="sldNum" sz="quarter" idx="5"/>
-          </p:nvPr>
-        </p:nvSpPr>
-        <p:spPr/>
-        <p:txBody>
-          <a:bodyPr/>
-          <a:lstStyle/>
-          <a:p>
-            <a:fld id="{945AE9AA-FFB8-4A6F-835D-DFF20E6952A1}" type="slidenum">
-              <a:rPr lang="en-GB" smtClean="0"/>
-              <a:t>7</a:t>
-            </a:fld>
-            <a:endParaRPr lang="en-GB"/>
-          </a:p>
-        </p:txBody>
-      </p:sp>
-    </p:spTree>
-    <p:extLst>
-      <p:ext uri="{BB962C8B-B14F-4D97-AF65-F5344CB8AC3E}">
-        <p14:creationId xmlns:p14="http://schemas.microsoft.com/office/powerpoint/2010/main" val="3561455561"/>
-      </p:ext>
-    </p:extLst>
-  </p:cSld>
-  <p:clrMapOvr>
-    <a:masterClrMapping/>
-  </p:clrMapOvr>
-</p:notes>
-</file>
-
-<file path=ppt/notesSlides/notesSlide7.xml><?xml version="1.0" encoding="utf-8"?>
-<p:notes xmlns:a="http://schemas.openxmlformats.org/drawingml/2006/main" xmlns:r="http://schemas.openxmlformats.org/officeDocument/2006/relationships" xmlns:p="http://schemas.openxmlformats.org/presentationml/2006/main">
-  <p:cSld>
-    <p:spTree>
-      <p:nvGrpSpPr>
-        <p:cNvPr id="1" name=""/>
-        <p:cNvGrpSpPr/>
-        <p:nvPr/>
-      </p:nvGrpSpPr>
-      <p:grpSpPr>
-        <a:xfrm>
-          <a:off x="0" y="0"/>
-          <a:ext cx="0" cy="0"/>
-          <a:chOff x="0" y="0"/>
-          <a:chExt cx="0" cy="0"/>
-        </a:xfrm>
-      </p:grpSpPr>
-      <p:sp>
-        <p:nvSpPr>
-          <p:cNvPr id="2" name="Slide Image Placeholder 1"/>
-          <p:cNvSpPr>
-            <a:spLocks noGrp="1" noRot="1" noChangeAspect="1"/>
-          </p:cNvSpPr>
-          <p:nvPr>
-            <p:ph type="sldImg"/>
-          </p:nvPr>
-        </p:nvSpPr>
-        <p:spPr/>
-      </p:sp>
-      <p:sp>
-        <p:nvSpPr>
-          <p:cNvPr id="3" name="Notes Placeholder 2"/>
-          <p:cNvSpPr>
-            <a:spLocks noGrp="1"/>
-          </p:cNvSpPr>
-          <p:nvPr>
-            <p:ph type="body" idx="1"/>
-          </p:nvPr>
-        </p:nvSpPr>
-        <p:spPr/>
-        <p:txBody>
-          <a:bodyPr/>
-          <a:lstStyle/>
-          <a:p>
-            <a:endParaRPr lang="en-GB" dirty="0"/>
-          </a:p>
-        </p:txBody>
-      </p:sp>
-      <p:sp>
-        <p:nvSpPr>
-          <p:cNvPr id="4" name="Slide Number Placeholder 3"/>
-          <p:cNvSpPr>
-            <a:spLocks noGrp="1"/>
-          </p:cNvSpPr>
-          <p:nvPr>
-            <p:ph type="sldNum" sz="quarter" idx="5"/>
-          </p:nvPr>
-        </p:nvSpPr>
-        <p:spPr/>
-        <p:txBody>
-          <a:bodyPr/>
-          <a:lstStyle/>
-          <a:p>
-            <a:fld id="{945AE9AA-FFB8-4A6F-835D-DFF20E6952A1}" type="slidenum">
-              <a:rPr lang="en-GB" smtClean="0"/>
-              <a:t>8</a:t>
-            </a:fld>
-            <a:endParaRPr lang="en-GB"/>
-          </a:p>
-        </p:txBody>
-      </p:sp>
-    </p:spTree>
-    <p:extLst>
-      <p:ext uri="{BB962C8B-B14F-4D97-AF65-F5344CB8AC3E}">
-        <p14:creationId xmlns:p14="http://schemas.microsoft.com/office/powerpoint/2010/main" val="4150167473"/>
-      </p:ext>
-    </p:extLst>
-  </p:cSld>
-  <p:clrMapOvr>
-    <a:masterClrMapping/>
-  </p:clrMapOvr>
-</p:notes>
-</file>
-
 <file path=ppt/slideLayouts/slideLayout1.xml><?xml version="1.0" encoding="utf-8"?>
 <p:sldLayout xmlns:a="http://schemas.openxmlformats.org/drawingml/2006/main" xmlns:r="http://schemas.openxmlformats.org/officeDocument/2006/relationships" xmlns:p="http://schemas.openxmlformats.org/presentationml/2006/main" type="title" preserve="1">
   <p:cSld name="Title Slide">
@@ -1317,7 +922,7 @@
           <a:p>
             <a:fld id="{35DBDC46-661E-48B2-857C-F62253F6C9C2}" type="datetimeFigureOut">
               <a:rPr lang="en-GB" smtClean="0"/>
-              <a:t>21/07/2019</a:t>
+              <a:t>17/08/2019</a:t>
             </a:fld>
             <a:endParaRPr lang="en-GB"/>
           </a:p>
@@ -1517,7 +1122,7 @@
           <a:p>
             <a:fld id="{35DBDC46-661E-48B2-857C-F62253F6C9C2}" type="datetimeFigureOut">
               <a:rPr lang="en-GB" smtClean="0"/>
-              <a:t>21/07/2019</a:t>
+              <a:t>17/08/2019</a:t>
             </a:fld>
             <a:endParaRPr lang="en-GB"/>
           </a:p>
@@ -1727,7 +1332,7 @@
           <a:p>
             <a:fld id="{35DBDC46-661E-48B2-857C-F62253F6C9C2}" type="datetimeFigureOut">
               <a:rPr lang="en-GB" smtClean="0"/>
-              <a:t>21/07/2019</a:t>
+              <a:t>17/08/2019</a:t>
             </a:fld>
             <a:endParaRPr lang="en-GB"/>
           </a:p>
@@ -1927,7 +1532,7 @@
           <a:p>
             <a:fld id="{35DBDC46-661E-48B2-857C-F62253F6C9C2}" type="datetimeFigureOut">
               <a:rPr lang="en-GB" smtClean="0"/>
-              <a:t>21/07/2019</a:t>
+              <a:t>17/08/2019</a:t>
             </a:fld>
             <a:endParaRPr lang="en-GB"/>
           </a:p>
@@ -2203,7 +1808,7 @@
           <a:p>
             <a:fld id="{35DBDC46-661E-48B2-857C-F62253F6C9C2}" type="datetimeFigureOut">
               <a:rPr lang="en-GB" smtClean="0"/>
-              <a:t>21/07/2019</a:t>
+              <a:t>17/08/2019</a:t>
             </a:fld>
             <a:endParaRPr lang="en-GB"/>
           </a:p>
@@ -2471,7 +2076,7 @@
           <a:p>
             <a:fld id="{35DBDC46-661E-48B2-857C-F62253F6C9C2}" type="datetimeFigureOut">
               <a:rPr lang="en-GB" smtClean="0"/>
-              <a:t>21/07/2019</a:t>
+              <a:t>17/08/2019</a:t>
             </a:fld>
             <a:endParaRPr lang="en-GB"/>
           </a:p>
@@ -2886,7 +2491,7 @@
           <a:p>
             <a:fld id="{35DBDC46-661E-48B2-857C-F62253F6C9C2}" type="datetimeFigureOut">
               <a:rPr lang="en-GB" smtClean="0"/>
-              <a:t>21/07/2019</a:t>
+              <a:t>17/08/2019</a:t>
             </a:fld>
             <a:endParaRPr lang="en-GB"/>
           </a:p>
@@ -3028,7 +2633,7 @@
           <a:p>
             <a:fld id="{35DBDC46-661E-48B2-857C-F62253F6C9C2}" type="datetimeFigureOut">
               <a:rPr lang="en-GB" smtClean="0"/>
-              <a:t>21/07/2019</a:t>
+              <a:t>17/08/2019</a:t>
             </a:fld>
             <a:endParaRPr lang="en-GB"/>
           </a:p>
@@ -3141,7 +2746,7 @@
           <a:p>
             <a:fld id="{35DBDC46-661E-48B2-857C-F62253F6C9C2}" type="datetimeFigureOut">
               <a:rPr lang="en-GB" smtClean="0"/>
-              <a:t>21/07/2019</a:t>
+              <a:t>17/08/2019</a:t>
             </a:fld>
             <a:endParaRPr lang="en-GB"/>
           </a:p>
@@ -3454,7 +3059,7 @@
           <a:p>
             <a:fld id="{35DBDC46-661E-48B2-857C-F62253F6C9C2}" type="datetimeFigureOut">
               <a:rPr lang="en-GB" smtClean="0"/>
-              <a:t>21/07/2019</a:t>
+              <a:t>17/08/2019</a:t>
             </a:fld>
             <a:endParaRPr lang="en-GB"/>
           </a:p>
@@ -3743,7 +3348,7 @@
           <a:p>
             <a:fld id="{35DBDC46-661E-48B2-857C-F62253F6C9C2}" type="datetimeFigureOut">
               <a:rPr lang="en-GB" smtClean="0"/>
-              <a:t>21/07/2019</a:t>
+              <a:t>17/08/2019</a:t>
             </a:fld>
             <a:endParaRPr lang="en-GB"/>
           </a:p>
@@ -3986,7 +3591,7 @@
           <a:p>
             <a:fld id="{35DBDC46-661E-48B2-857C-F62253F6C9C2}" type="datetimeFigureOut">
               <a:rPr lang="en-GB" smtClean="0"/>
-              <a:t>21/07/2019</a:t>
+              <a:t>17/08/2019</a:t>
             </a:fld>
             <a:endParaRPr lang="en-GB"/>
           </a:p>
@@ -4516,8 +4121,8 @@
         </p:nvSpPr>
         <p:spPr>
           <a:xfrm>
-            <a:off x="2547938" y="2228671"/>
-            <a:ext cx="7096124" cy="1200329"/>
+            <a:off x="23727" y="1986624"/>
+            <a:ext cx="12192001" cy="1754326"/>
           </a:xfrm>
           <a:prstGeom prst="rect">
             <a:avLst/>
@@ -4539,7 +4144,30 @@
                 </a:solidFill>
                 <a:latin typeface="3ds" panose="02000503020000020004" pitchFamily="2" charset="0"/>
               </a:rPr>
-              <a:t>Internet of Things for Sensing the School’s Environment Project</a:t>
+              <a:t>Internet of Things for Sensing the School’s Environment</a:t>
+            </a:r>
+          </a:p>
+          <a:p>
+            <a:endParaRPr lang="en-GB" sz="3600" dirty="0">
+              <a:solidFill>
+                <a:schemeClr val="bg2">
+                  <a:lumMod val="25000"/>
+                </a:schemeClr>
+              </a:solidFill>
+              <a:latin typeface="3ds" panose="02000503020000020004" pitchFamily="2" charset="0"/>
+            </a:endParaRPr>
+          </a:p>
+          <a:p>
+            <a:r>
+              <a:rPr lang="en-GB" sz="3600" dirty="0">
+                <a:solidFill>
+                  <a:schemeClr val="bg2">
+                    <a:lumMod val="25000"/>
+                  </a:schemeClr>
+                </a:solidFill>
+                <a:latin typeface="3ds" panose="02000503020000020004" pitchFamily="2" charset="0"/>
+              </a:rPr>
+              <a:t>					What is the IoT?</a:t>
             </a:r>
           </a:p>
         </p:txBody>
@@ -4625,6 +4253,13 @@
         </p:nvPicPr>
         <p:blipFill rotWithShape="1">
           <a:blip r:embed="rId3">
+            <a:duotone>
+              <a:schemeClr val="accent6">
+                <a:shade val="45000"/>
+                <a:satMod val="135000"/>
+              </a:schemeClr>
+              <a:prstClr val="white"/>
+            </a:duotone>
             <a:extLst>
               <a:ext uri="{28A0092B-C50C-407E-A947-70E740481C1C}">
                 <a14:useLocalDpi xmlns:a14="http://schemas.microsoft.com/office/drawing/2010/main" val="0"/>
@@ -4765,7 +4400,7 @@
         <p:spPr>
           <a:xfrm>
             <a:off x="1949824" y="1640541"/>
-            <a:ext cx="8189258" cy="2862322"/>
+            <a:ext cx="8189258" cy="369332"/>
           </a:xfrm>
           <a:prstGeom prst="rect">
             <a:avLst/>
@@ -4786,113 +4421,8 @@
               <a:rPr lang="en-GB" dirty="0">
                 <a:latin typeface="HelveticaNeue"/>
               </a:rPr>
-              <a:t>Introduction </a:t>
-            </a:r>
-          </a:p>
-          <a:p>
-            <a:pPr marL="342900" indent="-342900">
-              <a:buFont typeface="+mj-lt"/>
-              <a:buAutoNum type="arabicPeriod"/>
-            </a:pPr>
-            <a:r>
-              <a:rPr lang="en-GB" dirty="0">
-                <a:latin typeface="HelveticaNeue"/>
-              </a:rPr>
-              <a:t>Sensors 101</a:t>
-            </a:r>
-          </a:p>
-          <a:p>
-            <a:pPr marL="342900" indent="-342900">
-              <a:buFont typeface="+mj-lt"/>
-              <a:buAutoNum type="arabicPeriod"/>
-            </a:pPr>
-            <a:r>
-              <a:rPr lang="en-GB" dirty="0">
-                <a:latin typeface="HelveticaNeue"/>
-              </a:rPr>
-              <a:t>Project Sensors</a:t>
-            </a:r>
-          </a:p>
-          <a:p>
-            <a:pPr marL="342900" indent="-342900">
-              <a:buFont typeface="+mj-lt"/>
-              <a:buAutoNum type="arabicPeriod"/>
-            </a:pPr>
-            <a:r>
-              <a:rPr lang="en-GB" dirty="0">
-                <a:latin typeface="HelveticaNeue"/>
-              </a:rPr>
-              <a:t>B</a:t>
-            </a:r>
-          </a:p>
-          <a:p>
-            <a:pPr marL="342900" indent="-342900">
-              <a:buFont typeface="+mj-lt"/>
-              <a:buAutoNum type="arabicPeriod"/>
-            </a:pPr>
-            <a:r>
-              <a:rPr lang="en-GB" dirty="0">
-                <a:latin typeface="HelveticaNeue"/>
-              </a:rPr>
-              <a:t>C</a:t>
-            </a:r>
-          </a:p>
-          <a:p>
-            <a:pPr marL="342900" indent="-342900">
-              <a:buFont typeface="+mj-lt"/>
-              <a:buAutoNum type="arabicPeriod"/>
-            </a:pPr>
-            <a:r>
-              <a:rPr lang="en-GB" dirty="0">
-                <a:latin typeface="HelveticaNeue"/>
-              </a:rPr>
-              <a:t>D</a:t>
-            </a:r>
-          </a:p>
-          <a:p>
-            <a:pPr marL="342900" indent="-342900">
-              <a:buFont typeface="+mj-lt"/>
-              <a:buAutoNum type="arabicPeriod"/>
-            </a:pPr>
-            <a:r>
-              <a:rPr lang="en-GB" dirty="0">
-                <a:latin typeface="HelveticaNeue"/>
-              </a:rPr>
-              <a:t>E</a:t>
-            </a:r>
-          </a:p>
-          <a:p>
-            <a:pPr marL="342900" indent="-342900">
-              <a:buFont typeface="+mj-lt"/>
-              <a:buAutoNum type="arabicPeriod"/>
-            </a:pPr>
-            <a:r>
-              <a:rPr lang="en-GB" dirty="0">
-                <a:latin typeface="HelveticaNeue"/>
-              </a:rPr>
-              <a:t>F</a:t>
-            </a:r>
-          </a:p>
-          <a:p>
-            <a:pPr marL="342900" indent="-342900">
-              <a:buFont typeface="+mj-lt"/>
-              <a:buAutoNum type="arabicPeriod"/>
-            </a:pPr>
-            <a:r>
-              <a:rPr lang="en-GB" dirty="0">
-                <a:latin typeface="HelveticaNeue"/>
-              </a:rPr>
-              <a:t>G</a:t>
-            </a:r>
-          </a:p>
-          <a:p>
-            <a:pPr marL="342900" indent="-342900">
-              <a:buFont typeface="+mj-lt"/>
-              <a:buAutoNum type="arabicPeriod"/>
-            </a:pPr>
-            <a:endParaRPr lang="en-GB" dirty="0">
-              <a:latin typeface="HelveticaNeue"/>
-            </a:endParaRPr>
+              <a:t>What is the IoT?</a:t>
+            </a:r>
           </a:p>
         </p:txBody>
       </p:sp>
@@ -5395,2526 +4925,6 @@
     <p:extLst>
       <p:ext uri="{BB962C8B-B14F-4D97-AF65-F5344CB8AC3E}">
         <p14:creationId xmlns:p14="http://schemas.microsoft.com/office/powerpoint/2010/main" val="3159704944"/>
-      </p:ext>
-    </p:extLst>
-  </p:cSld>
-  <p:clrMapOvr>
-    <a:masterClrMapping/>
-  </p:clrMapOvr>
-</p:sld>
-</file>
-
-<file path=ppt/slides/slide4.xml><?xml version="1.0" encoding="utf-8"?>
-<p:sld xmlns:a="http://schemas.openxmlformats.org/drawingml/2006/main" xmlns:r="http://schemas.openxmlformats.org/officeDocument/2006/relationships" xmlns:p="http://schemas.openxmlformats.org/presentationml/2006/main">
-  <p:cSld>
-    <p:spTree>
-      <p:nvGrpSpPr>
-        <p:cNvPr id="1" name=""/>
-        <p:cNvGrpSpPr/>
-        <p:nvPr/>
-      </p:nvGrpSpPr>
-      <p:grpSpPr>
-        <a:xfrm>
-          <a:off x="0" y="0"/>
-          <a:ext cx="0" cy="0"/>
-          <a:chOff x="0" y="0"/>
-          <a:chExt cx="0" cy="0"/>
-        </a:xfrm>
-      </p:grpSpPr>
-      <p:pic>
-        <p:nvPicPr>
-          <p:cNvPr id="1030" name="Picture 6" descr="IoT Power Management">
-            <a:extLst>
-              <a:ext uri="{FF2B5EF4-FFF2-40B4-BE49-F238E27FC236}">
-                <a16:creationId xmlns:a16="http://schemas.microsoft.com/office/drawing/2014/main" id="{F9844D2D-635D-44A0-B958-1E4C39246144}"/>
-              </a:ext>
-            </a:extLst>
-          </p:cNvPr>
-          <p:cNvPicPr>
-            <a:picLocks noChangeAspect="1" noChangeArrowheads="1"/>
-          </p:cNvPicPr>
-          <p:nvPr/>
-        </p:nvPicPr>
-        <p:blipFill rotWithShape="1">
-          <a:blip r:embed="rId3">
-            <a:extLst>
-              <a:ext uri="{28A0092B-C50C-407E-A947-70E740481C1C}">
-                <a14:useLocalDpi xmlns:a14="http://schemas.microsoft.com/office/drawing/2010/main" val="0"/>
-              </a:ext>
-            </a:extLst>
-          </a:blip>
-          <a:srcRect l="17628" t="11071" r="17690" b="10896"/>
-          <a:stretch/>
-        </p:blipFill>
-        <p:spPr bwMode="auto">
-          <a:xfrm>
-            <a:off x="9525" y="5393006"/>
-            <a:ext cx="1464993" cy="1464993"/>
-          </a:xfrm>
-          <a:prstGeom prst="rect">
-            <a:avLst/>
-          </a:prstGeom>
-          <a:noFill/>
-          <a:extLst>
-            <a:ext uri="{909E8E84-426E-40DD-AFC4-6F175D3DCCD1}">
-              <a14:hiddenFill xmlns:a14="http://schemas.microsoft.com/office/drawing/2010/main">
-                <a:solidFill>
-                  <a:srgbClr val="FFFFFF"/>
-                </a:solidFill>
-              </a14:hiddenFill>
-            </a:ext>
-          </a:extLst>
-        </p:spPr>
-      </p:pic>
-      <p:sp>
-        <p:nvSpPr>
-          <p:cNvPr id="4" name="Rectangle 3">
-            <a:extLst>
-              <a:ext uri="{FF2B5EF4-FFF2-40B4-BE49-F238E27FC236}">
-                <a16:creationId xmlns:a16="http://schemas.microsoft.com/office/drawing/2014/main" id="{9D476336-A01A-47A0-975E-B9D85496F266}"/>
-              </a:ext>
-            </a:extLst>
-          </p:cNvPr>
-          <p:cNvSpPr/>
-          <p:nvPr/>
-        </p:nvSpPr>
-        <p:spPr>
-          <a:xfrm rot="5400000">
-            <a:off x="8578368" y="3220641"/>
-            <a:ext cx="6874669" cy="400050"/>
-          </a:xfrm>
-          <a:prstGeom prst="rect">
-            <a:avLst/>
-          </a:prstGeom>
-          <a:solidFill>
-            <a:srgbClr val="194B89"/>
-          </a:solidFill>
-          <a:ln>
-            <a:solidFill>
-              <a:srgbClr val="194B89"/>
-            </a:solidFill>
-          </a:ln>
-        </p:spPr>
-        <p:style>
-          <a:lnRef idx="2">
-            <a:schemeClr val="accent1">
-              <a:shade val="50000"/>
-            </a:schemeClr>
-          </a:lnRef>
-          <a:fillRef idx="1">
-            <a:schemeClr val="accent1"/>
-          </a:fillRef>
-          <a:effectRef idx="0">
-            <a:schemeClr val="accent1"/>
-          </a:effectRef>
-          <a:fontRef idx="minor">
-            <a:schemeClr val="lt1"/>
-          </a:fontRef>
-        </p:style>
-        <p:txBody>
-          <a:bodyPr rtlCol="0" anchor="ctr"/>
-          <a:lstStyle/>
-          <a:p>
-            <a:pPr algn="ctr"/>
-            <a:endParaRPr lang="en-GB"/>
-          </a:p>
-        </p:txBody>
-      </p:sp>
-      <p:sp>
-        <p:nvSpPr>
-          <p:cNvPr id="5" name="TextBox 4">
-            <a:extLst>
-              <a:ext uri="{FF2B5EF4-FFF2-40B4-BE49-F238E27FC236}">
-                <a16:creationId xmlns:a16="http://schemas.microsoft.com/office/drawing/2014/main" id="{DFBF54CF-F8EF-476F-941C-A4D2002C5A47}"/>
-              </a:ext>
-            </a:extLst>
-          </p:cNvPr>
-          <p:cNvSpPr txBox="1"/>
-          <p:nvPr/>
-        </p:nvSpPr>
-        <p:spPr>
-          <a:xfrm>
-            <a:off x="4061013" y="197629"/>
-            <a:ext cx="2999596" cy="646331"/>
-          </a:xfrm>
-          <a:prstGeom prst="rect">
-            <a:avLst/>
-          </a:prstGeom>
-          <a:noFill/>
-        </p:spPr>
-        <p:txBody>
-          <a:bodyPr wrap="square" rtlCol="0">
-            <a:spAutoFit/>
-          </a:bodyPr>
-          <a:lstStyle/>
-          <a:p>
-            <a:pPr algn="ctr"/>
-            <a:r>
-              <a:rPr lang="en-GB" sz="3600" dirty="0">
-                <a:solidFill>
-                  <a:schemeClr val="bg2">
-                    <a:lumMod val="25000"/>
-                  </a:schemeClr>
-                </a:solidFill>
-                <a:latin typeface="3ds" panose="02000503020000020004" pitchFamily="2" charset="0"/>
-              </a:rPr>
-              <a:t>Sensors 101</a:t>
-            </a:r>
-          </a:p>
-        </p:txBody>
-      </p:sp>
-      <p:sp>
-        <p:nvSpPr>
-          <p:cNvPr id="6" name="Rectangle 5">
-            <a:extLst>
-              <a:ext uri="{FF2B5EF4-FFF2-40B4-BE49-F238E27FC236}">
-                <a16:creationId xmlns:a16="http://schemas.microsoft.com/office/drawing/2014/main" id="{287AB6C8-58F1-4211-86EF-56D84A7454F8}"/>
-              </a:ext>
-            </a:extLst>
-          </p:cNvPr>
-          <p:cNvSpPr/>
-          <p:nvPr/>
-        </p:nvSpPr>
-        <p:spPr>
-          <a:xfrm>
-            <a:off x="7336317" y="2255083"/>
-            <a:ext cx="4459234" cy="369332"/>
-          </a:xfrm>
-          <a:prstGeom prst="rect">
-            <a:avLst/>
-          </a:prstGeom>
-        </p:spPr>
-        <p:txBody>
-          <a:bodyPr wrap="none">
-            <a:spAutoFit/>
-          </a:bodyPr>
-          <a:lstStyle/>
-          <a:p>
-            <a:r>
-              <a:rPr lang="en-GB" dirty="0">
-                <a:hlinkClick r:id="rId4"/>
-              </a:rPr>
-              <a:t>https://en.wikipedia.org/wiki/List_of_sensors</a:t>
-            </a:r>
-            <a:endParaRPr lang="en-GB" dirty="0"/>
-          </a:p>
-        </p:txBody>
-      </p:sp>
-      <p:sp>
-        <p:nvSpPr>
-          <p:cNvPr id="12" name="TextBox 11">
-            <a:extLst>
-              <a:ext uri="{FF2B5EF4-FFF2-40B4-BE49-F238E27FC236}">
-                <a16:creationId xmlns:a16="http://schemas.microsoft.com/office/drawing/2014/main" id="{92E5278B-20BA-44C3-B14B-E0B10F9BBACD}"/>
-              </a:ext>
-            </a:extLst>
-          </p:cNvPr>
-          <p:cNvSpPr txBox="1"/>
-          <p:nvPr/>
-        </p:nvSpPr>
-        <p:spPr>
-          <a:xfrm>
-            <a:off x="1474518" y="3119732"/>
-            <a:ext cx="8646460" cy="2516586"/>
-          </a:xfrm>
-          <a:prstGeom prst="rect">
-            <a:avLst/>
-          </a:prstGeom>
-          <a:noFill/>
-        </p:spPr>
-        <p:txBody>
-          <a:bodyPr wrap="square" rtlCol="0">
-            <a:spAutoFit/>
-          </a:bodyPr>
-          <a:lstStyle/>
-          <a:p>
-            <a:r>
-              <a:rPr lang="en-GB" dirty="0">
-                <a:latin typeface="HelveticaNeue"/>
-              </a:rPr>
-              <a:t>Expanding on the previous slide, a sensor is a essentially a voltage divider circuit, which is used to measure difference between V</a:t>
-            </a:r>
-            <a:r>
-              <a:rPr lang="en-GB" baseline="-25000" dirty="0">
-                <a:latin typeface="HelveticaNeue"/>
-              </a:rPr>
-              <a:t>in</a:t>
-            </a:r>
-            <a:r>
-              <a:rPr lang="en-GB" dirty="0">
-                <a:latin typeface="HelveticaNeue"/>
-              </a:rPr>
-              <a:t> and </a:t>
-            </a:r>
-            <a:r>
-              <a:rPr lang="en-GB" dirty="0" err="1">
-                <a:latin typeface="HelveticaNeue"/>
-              </a:rPr>
-              <a:t>V</a:t>
-            </a:r>
-            <a:r>
-              <a:rPr lang="en-GB" sz="1820" baseline="-25000" dirty="0" err="1">
-                <a:latin typeface="HelveticaNeue"/>
-              </a:rPr>
-              <a:t>out</a:t>
-            </a:r>
-            <a:r>
-              <a:rPr lang="en-GB" sz="1820" dirty="0">
-                <a:latin typeface="HelveticaNeue"/>
-              </a:rPr>
-              <a:t> a typical circuit shown  -&gt; </a:t>
-            </a:r>
-          </a:p>
-          <a:p>
-            <a:endParaRPr lang="en-GB" sz="1820" baseline="-25000" dirty="0">
-              <a:latin typeface="HelveticaNeue"/>
-            </a:endParaRPr>
-          </a:p>
-          <a:p>
-            <a:r>
-              <a:rPr lang="en-GB" sz="1820" dirty="0">
-                <a:latin typeface="HelveticaNeue"/>
-              </a:rPr>
-              <a:t>So by using the known input voltage and the and resistor values the output voltage can be calculated using this formula.</a:t>
-            </a:r>
-          </a:p>
-          <a:p>
-            <a:endParaRPr lang="en-GB" sz="1820" dirty="0">
-              <a:latin typeface="HelveticaNeue"/>
-            </a:endParaRPr>
-          </a:p>
-          <a:p>
-            <a:endParaRPr lang="en-GB" sz="1820" dirty="0">
-              <a:latin typeface="HelveticaNeue"/>
-            </a:endParaRPr>
-          </a:p>
-          <a:p>
-            <a:endParaRPr lang="en-GB" sz="1820" dirty="0">
-              <a:latin typeface="HelveticaNeue"/>
-            </a:endParaRPr>
-          </a:p>
-          <a:p>
-            <a:r>
-              <a:rPr lang="en-GB" sz="1820" dirty="0">
-                <a:latin typeface="HelveticaNeue"/>
-              </a:rPr>
-              <a:t>We are measuring the change in resistance (R</a:t>
-            </a:r>
-            <a:r>
-              <a:rPr lang="en-GB" sz="1820" baseline="-25000" dirty="0">
-                <a:latin typeface="HelveticaNeue"/>
-              </a:rPr>
-              <a:t>1</a:t>
-            </a:r>
-            <a:r>
-              <a:rPr lang="en-GB" sz="1820" dirty="0">
-                <a:latin typeface="HelveticaNeue"/>
-              </a:rPr>
-              <a:t>) from an unknown phenomenon. </a:t>
-            </a:r>
-          </a:p>
-        </p:txBody>
-      </p:sp>
-      <mc:AlternateContent xmlns:mc="http://schemas.openxmlformats.org/markup-compatibility/2006" xmlns:a14="http://schemas.microsoft.com/office/drawing/2010/main">
-        <mc:Choice Requires="a14">
-          <p:sp>
-            <p:nvSpPr>
-              <p:cNvPr id="8" name="Rectangle 7">
-                <a:extLst>
-                  <a:ext uri="{FF2B5EF4-FFF2-40B4-BE49-F238E27FC236}">
-                    <a16:creationId xmlns:a16="http://schemas.microsoft.com/office/drawing/2014/main" id="{422701D9-34D5-4B3E-9753-69B2AE7AD272}"/>
-                  </a:ext>
-                </a:extLst>
-              </p:cNvPr>
-              <p:cNvSpPr/>
-              <p:nvPr/>
-            </p:nvSpPr>
-            <p:spPr>
-              <a:xfrm>
-                <a:off x="2159453" y="4527915"/>
-                <a:ext cx="6528262" cy="518475"/>
-              </a:xfrm>
-              <a:prstGeom prst="rect">
-                <a:avLst/>
-              </a:prstGeom>
-            </p:spPr>
-            <p:txBody>
-              <a:bodyPr wrap="none">
-                <a:spAutoFit/>
-              </a:bodyPr>
-              <a:lstStyle/>
-              <a:p>
-                <a14:m>
-                  <m:oMath xmlns:m="http://schemas.openxmlformats.org/officeDocument/2006/math">
-                    <m:sSub>
-                      <m:sSubPr>
-                        <m:ctrlPr>
-                          <a:rPr lang="en-GB" i="1" smtClean="0">
-                            <a:latin typeface="Cambria Math" panose="02040503050406030204" pitchFamily="18" charset="0"/>
-                          </a:rPr>
-                        </m:ctrlPr>
-                      </m:sSubPr>
-                      <m:e>
-                        <m:r>
-                          <a:rPr lang="en-GB" i="1">
-                            <a:latin typeface="Cambria Math" panose="02040503050406030204" pitchFamily="18" charset="0"/>
-                          </a:rPr>
-                          <m:t>𝑉</m:t>
-                        </m:r>
-                      </m:e>
-                      <m:sub>
-                        <m:r>
-                          <a:rPr lang="en-GB" i="1">
-                            <a:latin typeface="Cambria Math" panose="02040503050406030204" pitchFamily="18" charset="0"/>
-                          </a:rPr>
-                          <m:t>𝑜𝑢𝑡</m:t>
-                        </m:r>
-                      </m:sub>
-                    </m:sSub>
-                    <m:r>
-                      <a:rPr lang="en-GB" i="1">
-                        <a:latin typeface="Cambria Math" panose="02040503050406030204" pitchFamily="18" charset="0"/>
-                      </a:rPr>
-                      <m:t>= </m:t>
-                    </m:r>
-                    <m:sSub>
-                      <m:sSubPr>
-                        <m:ctrlPr>
-                          <a:rPr lang="en-GB" i="1">
-                            <a:latin typeface="Cambria Math" panose="02040503050406030204" pitchFamily="18" charset="0"/>
-                          </a:rPr>
-                        </m:ctrlPr>
-                      </m:sSubPr>
-                      <m:e>
-                        <m:r>
-                          <a:rPr lang="en-GB" i="1">
-                            <a:latin typeface="Cambria Math" panose="02040503050406030204" pitchFamily="18" charset="0"/>
-                          </a:rPr>
-                          <m:t>𝑉</m:t>
-                        </m:r>
-                      </m:e>
-                      <m:sub>
-                        <m:r>
-                          <a:rPr lang="en-GB" i="1">
-                            <a:latin typeface="Cambria Math" panose="02040503050406030204" pitchFamily="18" charset="0"/>
-                          </a:rPr>
-                          <m:t>𝑖𝑛</m:t>
-                        </m:r>
-                      </m:sub>
-                    </m:sSub>
-                    <m:r>
-                      <a:rPr lang="en-GB" i="1">
-                        <a:latin typeface="Cambria Math" panose="02040503050406030204" pitchFamily="18" charset="0"/>
-                      </a:rPr>
-                      <m:t> ∗ </m:t>
-                    </m:r>
-                    <m:f>
-                      <m:fPr>
-                        <m:ctrlPr>
-                          <a:rPr lang="en-GB" i="1">
-                            <a:latin typeface="Cambria Math" panose="02040503050406030204" pitchFamily="18" charset="0"/>
-                          </a:rPr>
-                        </m:ctrlPr>
-                      </m:fPr>
-                      <m:num>
-                        <m:sSub>
-                          <m:sSubPr>
-                            <m:ctrlPr>
-                              <a:rPr lang="en-GB" i="1">
-                                <a:latin typeface="Cambria Math" panose="02040503050406030204" pitchFamily="18" charset="0"/>
-                              </a:rPr>
-                            </m:ctrlPr>
-                          </m:sSubPr>
-                          <m:e>
-                            <m:r>
-                              <a:rPr lang="en-GB" i="1">
-                                <a:latin typeface="Cambria Math" panose="02040503050406030204" pitchFamily="18" charset="0"/>
-                              </a:rPr>
-                              <m:t>𝑅</m:t>
-                            </m:r>
-                          </m:e>
-                          <m:sub>
-                            <m:r>
-                              <a:rPr lang="en-GB" b="0" i="1" smtClean="0">
-                                <a:latin typeface="Cambria Math" panose="02040503050406030204" pitchFamily="18" charset="0"/>
-                              </a:rPr>
-                              <m:t>2</m:t>
-                            </m:r>
-                          </m:sub>
-                        </m:sSub>
-                      </m:num>
-                      <m:den>
-                        <m:sSub>
-                          <m:sSubPr>
-                            <m:ctrlPr>
-                              <a:rPr lang="en-GB" i="1">
-                                <a:latin typeface="Cambria Math" panose="02040503050406030204" pitchFamily="18" charset="0"/>
-                              </a:rPr>
-                            </m:ctrlPr>
-                          </m:sSubPr>
-                          <m:e>
-                            <m:r>
-                              <a:rPr lang="en-GB" i="1">
-                                <a:latin typeface="Cambria Math" panose="02040503050406030204" pitchFamily="18" charset="0"/>
-                              </a:rPr>
-                              <m:t>𝑅</m:t>
-                            </m:r>
-                          </m:e>
-                          <m:sub>
-                            <m:r>
-                              <a:rPr lang="en-GB" i="1">
-                                <a:latin typeface="Cambria Math" panose="02040503050406030204" pitchFamily="18" charset="0"/>
-                              </a:rPr>
-                              <m:t>1</m:t>
-                            </m:r>
-                          </m:sub>
-                        </m:sSub>
-                        <m:r>
-                          <a:rPr lang="en-GB" i="1">
-                            <a:latin typeface="Cambria Math" panose="02040503050406030204" pitchFamily="18" charset="0"/>
-                          </a:rPr>
-                          <m:t>+</m:t>
-                        </m:r>
-                        <m:sSub>
-                          <m:sSubPr>
-                            <m:ctrlPr>
-                              <a:rPr lang="en-GB" i="1">
-                                <a:latin typeface="Cambria Math" panose="02040503050406030204" pitchFamily="18" charset="0"/>
-                              </a:rPr>
-                            </m:ctrlPr>
-                          </m:sSubPr>
-                          <m:e>
-                            <m:r>
-                              <a:rPr lang="en-GB" i="1">
-                                <a:latin typeface="Cambria Math" panose="02040503050406030204" pitchFamily="18" charset="0"/>
-                              </a:rPr>
-                              <m:t>𝑅</m:t>
-                            </m:r>
-                          </m:e>
-                          <m:sub>
-                            <m:r>
-                              <a:rPr lang="en-GB" i="1">
-                                <a:latin typeface="Cambria Math" panose="02040503050406030204" pitchFamily="18" charset="0"/>
-                              </a:rPr>
-                              <m:t>2</m:t>
-                            </m:r>
-                          </m:sub>
-                        </m:sSub>
-                      </m:den>
-                    </m:f>
-                  </m:oMath>
-                </a14:m>
-                <a:r>
-                  <a:rPr lang="en-GB" dirty="0"/>
-                  <a:t>                 or             </a:t>
-                </a:r>
-                <a14:m>
-                  <m:oMath xmlns:m="http://schemas.openxmlformats.org/officeDocument/2006/math">
-                    <m:r>
-                      <a:rPr lang="en-GB" b="0" i="1" smtClean="0">
-                        <a:latin typeface="Cambria Math" panose="02040503050406030204" pitchFamily="18" charset="0"/>
-                      </a:rPr>
-                      <m:t>4.45</m:t>
-                    </m:r>
-                    <m:r>
-                      <a:rPr lang="en-GB" b="0" i="1" smtClean="0">
-                        <a:latin typeface="Cambria Math" panose="02040503050406030204" pitchFamily="18" charset="0"/>
-                      </a:rPr>
-                      <m:t>𝑣</m:t>
-                    </m:r>
-                    <m:r>
-                      <a:rPr lang="en-GB" i="1">
-                        <a:latin typeface="Cambria Math" panose="02040503050406030204" pitchFamily="18" charset="0"/>
-                      </a:rPr>
-                      <m:t>=</m:t>
-                    </m:r>
-                    <m:r>
-                      <a:rPr lang="en-GB" b="0" i="1" smtClean="0">
-                        <a:latin typeface="Cambria Math" panose="02040503050406030204" pitchFamily="18" charset="0"/>
-                      </a:rPr>
-                      <m:t>5</m:t>
-                    </m:r>
-                    <m:r>
-                      <a:rPr lang="en-GB" b="0" i="1" smtClean="0">
-                        <a:latin typeface="Cambria Math" panose="02040503050406030204" pitchFamily="18" charset="0"/>
-                      </a:rPr>
-                      <m:t>𝑣</m:t>
-                    </m:r>
-                    <m:r>
-                      <a:rPr lang="en-GB" i="1">
-                        <a:latin typeface="Cambria Math" panose="02040503050406030204" pitchFamily="18" charset="0"/>
-                      </a:rPr>
-                      <m:t>∗ </m:t>
-                    </m:r>
-                    <m:f>
-                      <m:fPr>
-                        <m:ctrlPr>
-                          <a:rPr lang="en-GB" i="1">
-                            <a:latin typeface="Cambria Math" panose="02040503050406030204" pitchFamily="18" charset="0"/>
-                          </a:rPr>
-                        </m:ctrlPr>
-                      </m:fPr>
-                      <m:num>
-                        <m:r>
-                          <a:rPr lang="en-GB" b="0" i="1" smtClean="0">
-                            <a:latin typeface="Cambria Math" panose="02040503050406030204" pitchFamily="18" charset="0"/>
-                          </a:rPr>
-                          <m:t>1000</m:t>
-                        </m:r>
-                        <m:r>
-                          <m:rPr>
-                            <m:sty m:val="p"/>
-                          </m:rPr>
-                          <a:rPr lang="el-GR" b="0" i="1" smtClean="0">
-                            <a:latin typeface="Cambria Math" panose="02040503050406030204" pitchFamily="18" charset="0"/>
-                          </a:rPr>
-                          <m:t>Ω</m:t>
-                        </m:r>
-                      </m:num>
-                      <m:den>
-                        <m:r>
-                          <a:rPr lang="en-GB" b="0" i="1" smtClean="0">
-                            <a:latin typeface="Cambria Math" panose="02040503050406030204" pitchFamily="18" charset="0"/>
-                          </a:rPr>
-                          <m:t>100</m:t>
-                        </m:r>
-                        <m:r>
-                          <m:rPr>
-                            <m:sty m:val="p"/>
-                          </m:rPr>
-                          <a:rPr lang="el-GR" b="0" i="1" smtClean="0">
-                            <a:latin typeface="Cambria Math" panose="02040503050406030204" pitchFamily="18" charset="0"/>
-                          </a:rPr>
-                          <m:t>Ω</m:t>
-                        </m:r>
-                        <m:r>
-                          <a:rPr lang="en-GB" i="1">
-                            <a:latin typeface="Cambria Math" panose="02040503050406030204" pitchFamily="18" charset="0"/>
-                          </a:rPr>
-                          <m:t>+</m:t>
-                        </m:r>
-                        <m:r>
-                          <a:rPr lang="en-GB" b="0" i="1" smtClean="0">
-                            <a:latin typeface="Cambria Math" panose="02040503050406030204" pitchFamily="18" charset="0"/>
-                          </a:rPr>
-                          <m:t>1000</m:t>
-                        </m:r>
-                        <m:r>
-                          <m:rPr>
-                            <m:sty m:val="p"/>
-                          </m:rPr>
-                          <a:rPr lang="el-GR" b="0" i="1" smtClean="0">
-                            <a:latin typeface="Cambria Math" panose="02040503050406030204" pitchFamily="18" charset="0"/>
-                          </a:rPr>
-                          <m:t>Ω</m:t>
-                        </m:r>
-                      </m:den>
-                    </m:f>
-                  </m:oMath>
-                </a14:m>
-                <a:r>
-                  <a:rPr lang="en-GB" dirty="0"/>
-                  <a:t> </a:t>
-                </a:r>
-              </a:p>
-            </p:txBody>
-          </p:sp>
-        </mc:Choice>
-        <mc:Fallback xmlns="">
-          <p:sp>
-            <p:nvSpPr>
-              <p:cNvPr id="8" name="Rectangle 7">
-                <a:extLst>
-                  <a:ext uri="{FF2B5EF4-FFF2-40B4-BE49-F238E27FC236}">
-                    <a16:creationId xmlns:a16="http://schemas.microsoft.com/office/drawing/2014/main" id="{422701D9-34D5-4B3E-9753-69B2AE7AD272}"/>
-                  </a:ext>
-                </a:extLst>
-              </p:cNvPr>
-              <p:cNvSpPr>
-                <a:spLocks noRot="1" noChangeAspect="1" noMove="1" noResize="1" noEditPoints="1" noAdjustHandles="1" noChangeArrowheads="1" noChangeShapeType="1" noTextEdit="1"/>
-              </p:cNvSpPr>
-              <p:nvPr/>
-            </p:nvSpPr>
-            <p:spPr>
-              <a:xfrm>
-                <a:off x="2159453" y="4527915"/>
-                <a:ext cx="6528262" cy="518475"/>
-              </a:xfrm>
-              <a:prstGeom prst="rect">
-                <a:avLst/>
-              </a:prstGeom>
-              <a:blipFill>
-                <a:blip r:embed="rId5"/>
-                <a:stretch>
-                  <a:fillRect b="-1176"/>
-                </a:stretch>
-              </a:blipFill>
-            </p:spPr>
-            <p:txBody>
-              <a:bodyPr/>
-              <a:lstStyle/>
-              <a:p>
-                <a:r>
-                  <a:rPr lang="en-GB">
-                    <a:noFill/>
-                  </a:rPr>
-                  <a:t> </a:t>
-                </a:r>
-              </a:p>
-            </p:txBody>
-          </p:sp>
-        </mc:Fallback>
-      </mc:AlternateContent>
-      <p:pic>
-        <p:nvPicPr>
-          <p:cNvPr id="16" name="Picture 15" descr="A star in the background&#10;&#10;Description automatically generated">
-            <a:extLst>
-              <a:ext uri="{FF2B5EF4-FFF2-40B4-BE49-F238E27FC236}">
-                <a16:creationId xmlns:a16="http://schemas.microsoft.com/office/drawing/2014/main" id="{F20CDA0E-DB7E-4E79-A072-095CDADD4955}"/>
-              </a:ext>
-            </a:extLst>
-          </p:cNvPr>
-          <p:cNvPicPr>
-            <a:picLocks noChangeAspect="1"/>
-          </p:cNvPicPr>
-          <p:nvPr/>
-        </p:nvPicPr>
-        <p:blipFill>
-          <a:blip r:embed="rId6">
-            <a:extLst>
-              <a:ext uri="{28A0092B-C50C-407E-A947-70E740481C1C}">
-                <a14:useLocalDpi xmlns:a14="http://schemas.microsoft.com/office/drawing/2010/main" val="0"/>
-              </a:ext>
-            </a:extLst>
-          </a:blip>
-          <a:stretch>
-            <a:fillRect/>
-          </a:stretch>
-        </p:blipFill>
-        <p:spPr>
-          <a:xfrm>
-            <a:off x="10120978" y="3148642"/>
-            <a:ext cx="1654446" cy="2126196"/>
-          </a:xfrm>
-          <a:prstGeom prst="rect">
-            <a:avLst/>
-          </a:prstGeom>
-        </p:spPr>
-      </p:pic>
-      <p:sp>
-        <p:nvSpPr>
-          <p:cNvPr id="18" name="TextBox 17">
-            <a:extLst>
-              <a:ext uri="{FF2B5EF4-FFF2-40B4-BE49-F238E27FC236}">
-                <a16:creationId xmlns:a16="http://schemas.microsoft.com/office/drawing/2014/main" id="{97B0B36F-07AE-499E-BF91-9E6F5368C15F}"/>
-              </a:ext>
-            </a:extLst>
-          </p:cNvPr>
-          <p:cNvSpPr txBox="1"/>
-          <p:nvPr/>
-        </p:nvSpPr>
-        <p:spPr>
-          <a:xfrm>
-            <a:off x="1474518" y="974817"/>
-            <a:ext cx="5586090" cy="652486"/>
-          </a:xfrm>
-          <a:prstGeom prst="rect">
-            <a:avLst/>
-          </a:prstGeom>
-          <a:noFill/>
-        </p:spPr>
-        <p:txBody>
-          <a:bodyPr wrap="square" rtlCol="0">
-            <a:spAutoFit/>
-          </a:bodyPr>
-          <a:lstStyle/>
-          <a:p>
-            <a:r>
-              <a:rPr lang="en-GB" sz="1820" dirty="0">
-                <a:latin typeface="HelveticaNeue"/>
-              </a:rPr>
-              <a:t>Can you think of any sensors and what is their purpose? </a:t>
-            </a:r>
-          </a:p>
-        </p:txBody>
-      </p:sp>
-      <p:pic>
-        <p:nvPicPr>
-          <p:cNvPr id="19" name="Picture 18" descr="A picture containing object&#10;&#10;Description automatically generated">
-            <a:extLst>
-              <a:ext uri="{FF2B5EF4-FFF2-40B4-BE49-F238E27FC236}">
-                <a16:creationId xmlns:a16="http://schemas.microsoft.com/office/drawing/2014/main" id="{AD853EF7-B4AC-4628-97FA-3553F23E642C}"/>
-              </a:ext>
-            </a:extLst>
-          </p:cNvPr>
-          <p:cNvPicPr>
-            <a:picLocks noChangeAspect="1"/>
-          </p:cNvPicPr>
-          <p:nvPr/>
-        </p:nvPicPr>
-        <p:blipFill>
-          <a:blip r:embed="rId7">
-            <a:duotone>
-              <a:prstClr val="black"/>
-              <a:schemeClr val="accent1">
-                <a:tint val="45000"/>
-                <a:satMod val="400000"/>
-              </a:schemeClr>
-            </a:duotone>
-            <a:extLst>
-              <a:ext uri="{28A0092B-C50C-407E-A947-70E740481C1C}">
-                <a14:useLocalDpi xmlns:a14="http://schemas.microsoft.com/office/drawing/2010/main" val="0"/>
-              </a:ext>
-            </a:extLst>
-          </a:blip>
-          <a:stretch>
-            <a:fillRect/>
-          </a:stretch>
-        </p:blipFill>
-        <p:spPr>
-          <a:xfrm>
-            <a:off x="7060608" y="51487"/>
-            <a:ext cx="923330" cy="923330"/>
-          </a:xfrm>
-          <a:prstGeom prst="rect">
-            <a:avLst/>
-          </a:prstGeom>
-        </p:spPr>
-      </p:pic>
-      <p:pic>
-        <p:nvPicPr>
-          <p:cNvPr id="11" name="Picture 10" descr="A close up of a logo&#10;&#10;Description automatically generated">
-            <a:extLst>
-              <a:ext uri="{FF2B5EF4-FFF2-40B4-BE49-F238E27FC236}">
-                <a16:creationId xmlns:a16="http://schemas.microsoft.com/office/drawing/2014/main" id="{83DC121A-AF54-46EF-BA39-094319F3BD09}"/>
-              </a:ext>
-            </a:extLst>
-          </p:cNvPr>
-          <p:cNvPicPr>
-            <a:picLocks noChangeAspect="1"/>
-          </p:cNvPicPr>
-          <p:nvPr/>
-        </p:nvPicPr>
-        <p:blipFill rotWithShape="1">
-          <a:blip r:embed="rId8">
-            <a:extLst>
-              <a:ext uri="{28A0092B-C50C-407E-A947-70E740481C1C}">
-                <a14:useLocalDpi xmlns:a14="http://schemas.microsoft.com/office/drawing/2010/main" val="0"/>
-              </a:ext>
-            </a:extLst>
-          </a:blip>
-          <a:srcRect l="15706" t="11787" r="15492" b="17225"/>
-          <a:stretch/>
-        </p:blipFill>
-        <p:spPr>
-          <a:xfrm>
-            <a:off x="10043185" y="5943599"/>
-            <a:ext cx="1772492" cy="914400"/>
-          </a:xfrm>
-          <a:prstGeom prst="rect">
-            <a:avLst/>
-          </a:prstGeom>
-        </p:spPr>
-      </p:pic>
-    </p:spTree>
-    <p:extLst>
-      <p:ext uri="{BB962C8B-B14F-4D97-AF65-F5344CB8AC3E}">
-        <p14:creationId xmlns:p14="http://schemas.microsoft.com/office/powerpoint/2010/main" val="671770890"/>
-      </p:ext>
-    </p:extLst>
-  </p:cSld>
-  <p:clrMapOvr>
-    <a:masterClrMapping/>
-  </p:clrMapOvr>
-</p:sld>
-</file>
-
-<file path=ppt/slides/slide5.xml><?xml version="1.0" encoding="utf-8"?>
-<p:sld xmlns:a="http://schemas.openxmlformats.org/drawingml/2006/main" xmlns:r="http://schemas.openxmlformats.org/officeDocument/2006/relationships" xmlns:p="http://schemas.openxmlformats.org/presentationml/2006/main">
-  <p:cSld>
-    <p:spTree>
-      <p:nvGrpSpPr>
-        <p:cNvPr id="1" name=""/>
-        <p:cNvGrpSpPr/>
-        <p:nvPr/>
-      </p:nvGrpSpPr>
-      <p:grpSpPr>
-        <a:xfrm>
-          <a:off x="0" y="0"/>
-          <a:ext cx="0" cy="0"/>
-          <a:chOff x="0" y="0"/>
-          <a:chExt cx="0" cy="0"/>
-        </a:xfrm>
-      </p:grpSpPr>
-      <p:pic>
-        <p:nvPicPr>
-          <p:cNvPr id="4" name="Picture 6" descr="IoT Power Management">
-            <a:extLst>
-              <a:ext uri="{FF2B5EF4-FFF2-40B4-BE49-F238E27FC236}">
-                <a16:creationId xmlns:a16="http://schemas.microsoft.com/office/drawing/2014/main" id="{AB56906E-A5BF-4A43-B5A5-A4D35A10214B}"/>
-              </a:ext>
-            </a:extLst>
-          </p:cNvPr>
-          <p:cNvPicPr>
-            <a:picLocks noChangeAspect="1" noChangeArrowheads="1"/>
-          </p:cNvPicPr>
-          <p:nvPr/>
-        </p:nvPicPr>
-        <p:blipFill rotWithShape="1">
-          <a:blip r:embed="rId2">
-            <a:extLst>
-              <a:ext uri="{28A0092B-C50C-407E-A947-70E740481C1C}">
-                <a14:useLocalDpi xmlns:a14="http://schemas.microsoft.com/office/drawing/2010/main" val="0"/>
-              </a:ext>
-            </a:extLst>
-          </a:blip>
-          <a:srcRect l="17628" t="11071" r="17690" b="10896"/>
-          <a:stretch/>
-        </p:blipFill>
-        <p:spPr bwMode="auto">
-          <a:xfrm>
-            <a:off x="9525" y="5388348"/>
-            <a:ext cx="1469651" cy="1469651"/>
-          </a:xfrm>
-          <a:prstGeom prst="rect">
-            <a:avLst/>
-          </a:prstGeom>
-          <a:noFill/>
-          <a:extLst>
-            <a:ext uri="{909E8E84-426E-40DD-AFC4-6F175D3DCCD1}">
-              <a14:hiddenFill xmlns:a14="http://schemas.microsoft.com/office/drawing/2010/main">
-                <a:solidFill>
-                  <a:srgbClr val="FFFFFF"/>
-                </a:solidFill>
-              </a14:hiddenFill>
-            </a:ext>
-          </a:extLst>
-        </p:spPr>
-      </p:pic>
-      <p:sp>
-        <p:nvSpPr>
-          <p:cNvPr id="5" name="Rectangle 4">
-            <a:extLst>
-              <a:ext uri="{FF2B5EF4-FFF2-40B4-BE49-F238E27FC236}">
-                <a16:creationId xmlns:a16="http://schemas.microsoft.com/office/drawing/2014/main" id="{51F822E3-A136-4C05-A248-D51173F93D31}"/>
-              </a:ext>
-            </a:extLst>
-          </p:cNvPr>
-          <p:cNvSpPr/>
-          <p:nvPr/>
-        </p:nvSpPr>
-        <p:spPr>
-          <a:xfrm rot="5400000">
-            <a:off x="8578368" y="3220641"/>
-            <a:ext cx="6874669" cy="400050"/>
-          </a:xfrm>
-          <a:prstGeom prst="rect">
-            <a:avLst/>
-          </a:prstGeom>
-          <a:solidFill>
-            <a:srgbClr val="194B89"/>
-          </a:solidFill>
-          <a:ln>
-            <a:solidFill>
-              <a:srgbClr val="194B89"/>
-            </a:solidFill>
-          </a:ln>
-        </p:spPr>
-        <p:style>
-          <a:lnRef idx="2">
-            <a:schemeClr val="accent1">
-              <a:shade val="50000"/>
-            </a:schemeClr>
-          </a:lnRef>
-          <a:fillRef idx="1">
-            <a:schemeClr val="accent1"/>
-          </a:fillRef>
-          <a:effectRef idx="0">
-            <a:schemeClr val="accent1"/>
-          </a:effectRef>
-          <a:fontRef idx="minor">
-            <a:schemeClr val="lt1"/>
-          </a:fontRef>
-        </p:style>
-        <p:txBody>
-          <a:bodyPr rtlCol="0" anchor="ctr"/>
-          <a:lstStyle/>
-          <a:p>
-            <a:pPr algn="ctr"/>
-            <a:endParaRPr lang="en-GB"/>
-          </a:p>
-        </p:txBody>
-      </p:sp>
-      <p:pic>
-        <p:nvPicPr>
-          <p:cNvPr id="6" name="Picture 5" descr="A close up of a logo&#10;&#10;Description automatically generated">
-            <a:extLst>
-              <a:ext uri="{FF2B5EF4-FFF2-40B4-BE49-F238E27FC236}">
-                <a16:creationId xmlns:a16="http://schemas.microsoft.com/office/drawing/2014/main" id="{05B0B690-7DB8-4A81-9C49-7C71D05A486D}"/>
-              </a:ext>
-            </a:extLst>
-          </p:cNvPr>
-          <p:cNvPicPr>
-            <a:picLocks noChangeAspect="1"/>
-          </p:cNvPicPr>
-          <p:nvPr/>
-        </p:nvPicPr>
-        <p:blipFill rotWithShape="1">
-          <a:blip r:embed="rId3">
-            <a:extLst>
-              <a:ext uri="{28A0092B-C50C-407E-A947-70E740481C1C}">
-                <a14:useLocalDpi xmlns:a14="http://schemas.microsoft.com/office/drawing/2010/main" val="0"/>
-              </a:ext>
-            </a:extLst>
-          </a:blip>
-          <a:srcRect l="15706" t="11787" r="15492" b="17225"/>
-          <a:stretch/>
-        </p:blipFill>
-        <p:spPr>
-          <a:xfrm>
-            <a:off x="10043185" y="5943599"/>
-            <a:ext cx="1772492" cy="914400"/>
-          </a:xfrm>
-          <a:prstGeom prst="rect">
-            <a:avLst/>
-          </a:prstGeom>
-        </p:spPr>
-      </p:pic>
-      <p:pic>
-        <p:nvPicPr>
-          <p:cNvPr id="8" name="Picture 7" descr="A close up of a device&#10;&#10;Description automatically generated">
-            <a:extLst>
-              <a:ext uri="{FF2B5EF4-FFF2-40B4-BE49-F238E27FC236}">
-                <a16:creationId xmlns:a16="http://schemas.microsoft.com/office/drawing/2014/main" id="{D121135D-650E-48D8-AB3E-73C74192B340}"/>
-              </a:ext>
-            </a:extLst>
-          </p:cNvPr>
-          <p:cNvPicPr>
-            <a:picLocks noChangeAspect="1"/>
-          </p:cNvPicPr>
-          <p:nvPr/>
-        </p:nvPicPr>
-        <p:blipFill>
-          <a:blip r:embed="rId4">
-            <a:extLst>
-              <a:ext uri="{28A0092B-C50C-407E-A947-70E740481C1C}">
-                <a14:useLocalDpi xmlns:a14="http://schemas.microsoft.com/office/drawing/2010/main" val="0"/>
-              </a:ext>
-            </a:extLst>
-          </a:blip>
-          <a:stretch>
-            <a:fillRect/>
-          </a:stretch>
-        </p:blipFill>
-        <p:spPr>
-          <a:xfrm>
-            <a:off x="3622078" y="3698474"/>
-            <a:ext cx="1933575" cy="2181225"/>
-          </a:xfrm>
-          <a:prstGeom prst="rect">
-            <a:avLst/>
-          </a:prstGeom>
-        </p:spPr>
-      </p:pic>
-      <p:pic>
-        <p:nvPicPr>
-          <p:cNvPr id="12" name="Picture 11">
-            <a:extLst>
-              <a:ext uri="{FF2B5EF4-FFF2-40B4-BE49-F238E27FC236}">
-                <a16:creationId xmlns:a16="http://schemas.microsoft.com/office/drawing/2014/main" id="{3E584233-0115-44F7-90ED-7F748B2E404D}"/>
-              </a:ext>
-            </a:extLst>
-          </p:cNvPr>
-          <p:cNvPicPr>
-            <a:picLocks noChangeAspect="1"/>
-          </p:cNvPicPr>
-          <p:nvPr/>
-        </p:nvPicPr>
-        <p:blipFill>
-          <a:blip r:embed="rId5">
-            <a:extLst>
-              <a:ext uri="{28A0092B-C50C-407E-A947-70E740481C1C}">
-                <a14:useLocalDpi xmlns:a14="http://schemas.microsoft.com/office/drawing/2010/main" val="0"/>
-              </a:ext>
-            </a:extLst>
-          </a:blip>
-          <a:stretch>
-            <a:fillRect/>
-          </a:stretch>
-        </p:blipFill>
-        <p:spPr>
-          <a:xfrm rot="5400000">
-            <a:off x="9128476" y="2522973"/>
-            <a:ext cx="1857375" cy="3267075"/>
-          </a:xfrm>
-          <a:prstGeom prst="rect">
-            <a:avLst/>
-          </a:prstGeom>
-        </p:spPr>
-      </p:pic>
-      <p:pic>
-        <p:nvPicPr>
-          <p:cNvPr id="16" name="Picture 15" descr="A close up of a device&#10;&#10;Description automatically generated">
-            <a:extLst>
-              <a:ext uri="{FF2B5EF4-FFF2-40B4-BE49-F238E27FC236}">
-                <a16:creationId xmlns:a16="http://schemas.microsoft.com/office/drawing/2014/main" id="{877B6725-5F56-4A29-999B-D6D8CC1D7B34}"/>
-              </a:ext>
-            </a:extLst>
-          </p:cNvPr>
-          <p:cNvPicPr>
-            <a:picLocks noChangeAspect="1"/>
-          </p:cNvPicPr>
-          <p:nvPr/>
-        </p:nvPicPr>
-        <p:blipFill>
-          <a:blip r:embed="rId6">
-            <a:extLst>
-              <a:ext uri="{28A0092B-C50C-407E-A947-70E740481C1C}">
-                <a14:useLocalDpi xmlns:a14="http://schemas.microsoft.com/office/drawing/2010/main" val="0"/>
-              </a:ext>
-            </a:extLst>
-          </a:blip>
-          <a:stretch>
-            <a:fillRect/>
-          </a:stretch>
-        </p:blipFill>
-        <p:spPr>
-          <a:xfrm>
-            <a:off x="196514" y="771595"/>
-            <a:ext cx="3571862" cy="2783541"/>
-          </a:xfrm>
-          <a:prstGeom prst="rect">
-            <a:avLst/>
-          </a:prstGeom>
-        </p:spPr>
-      </p:pic>
-      <p:pic>
-        <p:nvPicPr>
-          <p:cNvPr id="18" name="Picture 17" descr="A close up of a device&#10;&#10;Description automatically generated">
-            <a:extLst>
-              <a:ext uri="{FF2B5EF4-FFF2-40B4-BE49-F238E27FC236}">
-                <a16:creationId xmlns:a16="http://schemas.microsoft.com/office/drawing/2014/main" id="{EDB71E5F-7FD6-49C3-BCC9-696884EC09DE}"/>
-              </a:ext>
-            </a:extLst>
-          </p:cNvPr>
-          <p:cNvPicPr>
-            <a:picLocks noChangeAspect="1"/>
-          </p:cNvPicPr>
-          <p:nvPr/>
-        </p:nvPicPr>
-        <p:blipFill>
-          <a:blip r:embed="rId7">
-            <a:extLst>
-              <a:ext uri="{28A0092B-C50C-407E-A947-70E740481C1C}">
-                <a14:useLocalDpi xmlns:a14="http://schemas.microsoft.com/office/drawing/2010/main" val="0"/>
-              </a:ext>
-            </a:extLst>
-          </a:blip>
-          <a:stretch>
-            <a:fillRect/>
-          </a:stretch>
-        </p:blipFill>
-        <p:spPr>
-          <a:xfrm>
-            <a:off x="6553676" y="717806"/>
-            <a:ext cx="3048000" cy="2286000"/>
-          </a:xfrm>
-          <a:prstGeom prst="rect">
-            <a:avLst/>
-          </a:prstGeom>
-        </p:spPr>
-      </p:pic>
-      <p:sp>
-        <p:nvSpPr>
-          <p:cNvPr id="19" name="TextBox 18">
-            <a:extLst>
-              <a:ext uri="{FF2B5EF4-FFF2-40B4-BE49-F238E27FC236}">
-                <a16:creationId xmlns:a16="http://schemas.microsoft.com/office/drawing/2014/main" id="{69D8B01E-5EE5-4A5D-8133-805041783EA2}"/>
-              </a:ext>
-            </a:extLst>
-          </p:cNvPr>
-          <p:cNvSpPr txBox="1"/>
-          <p:nvPr/>
-        </p:nvSpPr>
-        <p:spPr>
-          <a:xfrm>
-            <a:off x="3375212" y="197629"/>
-            <a:ext cx="3685397" cy="646331"/>
-          </a:xfrm>
-          <a:prstGeom prst="rect">
-            <a:avLst/>
-          </a:prstGeom>
-          <a:noFill/>
-        </p:spPr>
-        <p:txBody>
-          <a:bodyPr wrap="square" rtlCol="0">
-            <a:spAutoFit/>
-          </a:bodyPr>
-          <a:lstStyle/>
-          <a:p>
-            <a:pPr algn="ctr"/>
-            <a:r>
-              <a:rPr lang="en-GB" sz="3600" dirty="0">
-                <a:solidFill>
-                  <a:schemeClr val="bg2">
-                    <a:lumMod val="25000"/>
-                  </a:schemeClr>
-                </a:solidFill>
-                <a:latin typeface="3ds" panose="02000503020000020004" pitchFamily="2" charset="0"/>
-              </a:rPr>
-              <a:t>Project Sensors</a:t>
-            </a:r>
-          </a:p>
-        </p:txBody>
-      </p:sp>
-      <p:pic>
-        <p:nvPicPr>
-          <p:cNvPr id="20" name="Picture 19" descr="A picture containing object&#10;&#10;Description automatically generated">
-            <a:extLst>
-              <a:ext uri="{FF2B5EF4-FFF2-40B4-BE49-F238E27FC236}">
-                <a16:creationId xmlns:a16="http://schemas.microsoft.com/office/drawing/2014/main" id="{84D6A698-1D8A-4E49-BFE8-C779D4619DB0}"/>
-              </a:ext>
-            </a:extLst>
-          </p:cNvPr>
-          <p:cNvPicPr>
-            <a:picLocks noChangeAspect="1"/>
-          </p:cNvPicPr>
-          <p:nvPr/>
-        </p:nvPicPr>
-        <p:blipFill>
-          <a:blip r:embed="rId8">
-            <a:duotone>
-              <a:prstClr val="black"/>
-              <a:schemeClr val="accent1">
-                <a:tint val="45000"/>
-                <a:satMod val="400000"/>
-              </a:schemeClr>
-            </a:duotone>
-            <a:extLst>
-              <a:ext uri="{28A0092B-C50C-407E-A947-70E740481C1C}">
-                <a14:useLocalDpi xmlns:a14="http://schemas.microsoft.com/office/drawing/2010/main" val="0"/>
-              </a:ext>
-            </a:extLst>
-          </a:blip>
-          <a:stretch>
-            <a:fillRect/>
-          </a:stretch>
-        </p:blipFill>
-        <p:spPr>
-          <a:xfrm>
-            <a:off x="7060608" y="51487"/>
-            <a:ext cx="923330" cy="923330"/>
-          </a:xfrm>
-          <a:prstGeom prst="rect">
-            <a:avLst/>
-          </a:prstGeom>
-        </p:spPr>
-      </p:pic>
-      <p:sp>
-        <p:nvSpPr>
-          <p:cNvPr id="22" name="Rectangle 21">
-            <a:extLst>
-              <a:ext uri="{FF2B5EF4-FFF2-40B4-BE49-F238E27FC236}">
-                <a16:creationId xmlns:a16="http://schemas.microsoft.com/office/drawing/2014/main" id="{4A8A09AA-77BC-4F18-A10E-3602AF130FB6}"/>
-              </a:ext>
-            </a:extLst>
-          </p:cNvPr>
-          <p:cNvSpPr/>
-          <p:nvPr/>
-        </p:nvSpPr>
-        <p:spPr>
-          <a:xfrm>
-            <a:off x="725008" y="3362293"/>
-            <a:ext cx="2720788" cy="646331"/>
-          </a:xfrm>
-          <a:prstGeom prst="rect">
-            <a:avLst/>
-          </a:prstGeom>
-        </p:spPr>
-        <p:txBody>
-          <a:bodyPr wrap="square">
-            <a:spAutoFit/>
-          </a:bodyPr>
-          <a:lstStyle/>
-          <a:p>
-            <a:r>
-              <a:rPr lang="en-GB" dirty="0">
-                <a:latin typeface="HelveticaNeue"/>
-              </a:rPr>
-              <a:t>Dust Concentration Sensor</a:t>
-            </a:r>
-          </a:p>
-        </p:txBody>
-      </p:sp>
-      <p:sp>
-        <p:nvSpPr>
-          <p:cNvPr id="23" name="Rectangle 22">
-            <a:extLst>
-              <a:ext uri="{FF2B5EF4-FFF2-40B4-BE49-F238E27FC236}">
-                <a16:creationId xmlns:a16="http://schemas.microsoft.com/office/drawing/2014/main" id="{553FA097-C6D2-45C2-8865-0066A976590B}"/>
-              </a:ext>
-            </a:extLst>
-          </p:cNvPr>
-          <p:cNvSpPr/>
-          <p:nvPr/>
-        </p:nvSpPr>
-        <p:spPr>
-          <a:xfrm>
-            <a:off x="3445796" y="5865519"/>
-            <a:ext cx="2720788" cy="369332"/>
-          </a:xfrm>
-          <a:prstGeom prst="rect">
-            <a:avLst/>
-          </a:prstGeom>
-        </p:spPr>
-        <p:txBody>
-          <a:bodyPr wrap="square">
-            <a:spAutoFit/>
-          </a:bodyPr>
-          <a:lstStyle/>
-          <a:p>
-            <a:r>
-              <a:rPr lang="en-GB" dirty="0">
-                <a:latin typeface="HelveticaNeue"/>
-              </a:rPr>
-              <a:t>Light Intensity Sensor</a:t>
-            </a:r>
-          </a:p>
-        </p:txBody>
-      </p:sp>
-      <p:sp>
-        <p:nvSpPr>
-          <p:cNvPr id="24" name="Rectangle 23">
-            <a:extLst>
-              <a:ext uri="{FF2B5EF4-FFF2-40B4-BE49-F238E27FC236}">
-                <a16:creationId xmlns:a16="http://schemas.microsoft.com/office/drawing/2014/main" id="{9D9D7BB0-969E-4FE7-B1D4-093837449124}"/>
-              </a:ext>
-            </a:extLst>
-          </p:cNvPr>
-          <p:cNvSpPr/>
-          <p:nvPr/>
-        </p:nvSpPr>
-        <p:spPr>
-          <a:xfrm>
-            <a:off x="6880888" y="2615576"/>
-            <a:ext cx="2720788" cy="369332"/>
-          </a:xfrm>
-          <a:prstGeom prst="rect">
-            <a:avLst/>
-          </a:prstGeom>
-        </p:spPr>
-        <p:txBody>
-          <a:bodyPr wrap="square">
-            <a:spAutoFit/>
-          </a:bodyPr>
-          <a:lstStyle/>
-          <a:p>
-            <a:r>
-              <a:rPr lang="en-GB" dirty="0">
-                <a:latin typeface="HelveticaNeue"/>
-              </a:rPr>
-              <a:t>MQ5 Gas Sensor</a:t>
-            </a:r>
-          </a:p>
-        </p:txBody>
-      </p:sp>
-      <p:sp>
-        <p:nvSpPr>
-          <p:cNvPr id="25" name="Rectangle 24">
-            <a:extLst>
-              <a:ext uri="{FF2B5EF4-FFF2-40B4-BE49-F238E27FC236}">
-                <a16:creationId xmlns:a16="http://schemas.microsoft.com/office/drawing/2014/main" id="{ABE21C56-A126-4BAD-AD20-AC6C54CE4F03}"/>
-              </a:ext>
-            </a:extLst>
-          </p:cNvPr>
-          <p:cNvSpPr/>
-          <p:nvPr/>
-        </p:nvSpPr>
-        <p:spPr>
-          <a:xfrm>
-            <a:off x="8339329" y="5065182"/>
-            <a:ext cx="3905560" cy="646331"/>
-          </a:xfrm>
-          <a:prstGeom prst="rect">
-            <a:avLst/>
-          </a:prstGeom>
-        </p:spPr>
-        <p:txBody>
-          <a:bodyPr wrap="square">
-            <a:spAutoFit/>
-          </a:bodyPr>
-          <a:lstStyle/>
-          <a:p>
-            <a:r>
-              <a:rPr lang="en-GB" dirty="0">
-                <a:latin typeface="HelveticaNeue"/>
-              </a:rPr>
-              <a:t>BME280 Pressure, Humidity and Temperature Sensor</a:t>
-            </a:r>
-          </a:p>
-        </p:txBody>
-      </p:sp>
-    </p:spTree>
-    <p:extLst>
-      <p:ext uri="{BB962C8B-B14F-4D97-AF65-F5344CB8AC3E}">
-        <p14:creationId xmlns:p14="http://schemas.microsoft.com/office/powerpoint/2010/main" val="4045926296"/>
-      </p:ext>
-    </p:extLst>
-  </p:cSld>
-  <p:clrMapOvr>
-    <a:masterClrMapping/>
-  </p:clrMapOvr>
-</p:sld>
-</file>
-
-<file path=ppt/slides/slide6.xml><?xml version="1.0" encoding="utf-8"?>
-<p:sld xmlns:a="http://schemas.openxmlformats.org/drawingml/2006/main" xmlns:r="http://schemas.openxmlformats.org/officeDocument/2006/relationships" xmlns:p="http://schemas.openxmlformats.org/presentationml/2006/main">
-  <p:cSld>
-    <p:spTree>
-      <p:nvGrpSpPr>
-        <p:cNvPr id="1" name=""/>
-        <p:cNvGrpSpPr/>
-        <p:nvPr/>
-      </p:nvGrpSpPr>
-      <p:grpSpPr>
-        <a:xfrm>
-          <a:off x="0" y="0"/>
-          <a:ext cx="0" cy="0"/>
-          <a:chOff x="0" y="0"/>
-          <a:chExt cx="0" cy="0"/>
-        </a:xfrm>
-      </p:grpSpPr>
-      <p:pic>
-        <p:nvPicPr>
-          <p:cNvPr id="1030" name="Picture 6" descr="IoT Power Management">
-            <a:extLst>
-              <a:ext uri="{FF2B5EF4-FFF2-40B4-BE49-F238E27FC236}">
-                <a16:creationId xmlns:a16="http://schemas.microsoft.com/office/drawing/2014/main" id="{F9844D2D-635D-44A0-B958-1E4C39246144}"/>
-              </a:ext>
-            </a:extLst>
-          </p:cNvPr>
-          <p:cNvPicPr>
-            <a:picLocks noChangeAspect="1" noChangeArrowheads="1"/>
-          </p:cNvPicPr>
-          <p:nvPr/>
-        </p:nvPicPr>
-        <p:blipFill rotWithShape="1">
-          <a:blip r:embed="rId3">
-            <a:extLst>
-              <a:ext uri="{28A0092B-C50C-407E-A947-70E740481C1C}">
-                <a14:useLocalDpi xmlns:a14="http://schemas.microsoft.com/office/drawing/2010/main" val="0"/>
-              </a:ext>
-            </a:extLst>
-          </a:blip>
-          <a:srcRect l="17628" t="11071" r="17690" b="10896"/>
-          <a:stretch/>
-        </p:blipFill>
-        <p:spPr bwMode="auto">
-          <a:xfrm>
-            <a:off x="9525" y="5388348"/>
-            <a:ext cx="1469651" cy="1469651"/>
-          </a:xfrm>
-          <a:prstGeom prst="rect">
-            <a:avLst/>
-          </a:prstGeom>
-          <a:noFill/>
-          <a:extLst>
-            <a:ext uri="{909E8E84-426E-40DD-AFC4-6F175D3DCCD1}">
-              <a14:hiddenFill xmlns:a14="http://schemas.microsoft.com/office/drawing/2010/main">
-                <a:solidFill>
-                  <a:srgbClr val="FFFFFF"/>
-                </a:solidFill>
-              </a14:hiddenFill>
-            </a:ext>
-          </a:extLst>
-        </p:spPr>
-      </p:pic>
-      <p:sp>
-        <p:nvSpPr>
-          <p:cNvPr id="4" name="Rectangle 3">
-            <a:extLst>
-              <a:ext uri="{FF2B5EF4-FFF2-40B4-BE49-F238E27FC236}">
-                <a16:creationId xmlns:a16="http://schemas.microsoft.com/office/drawing/2014/main" id="{9D476336-A01A-47A0-975E-B9D85496F266}"/>
-              </a:ext>
-            </a:extLst>
-          </p:cNvPr>
-          <p:cNvSpPr/>
-          <p:nvPr/>
-        </p:nvSpPr>
-        <p:spPr>
-          <a:xfrm rot="5400000">
-            <a:off x="8578368" y="3220641"/>
-            <a:ext cx="6874669" cy="400050"/>
-          </a:xfrm>
-          <a:prstGeom prst="rect">
-            <a:avLst/>
-          </a:prstGeom>
-          <a:solidFill>
-            <a:srgbClr val="194B89"/>
-          </a:solidFill>
-          <a:ln>
-            <a:solidFill>
-              <a:srgbClr val="194B89"/>
-            </a:solidFill>
-          </a:ln>
-        </p:spPr>
-        <p:style>
-          <a:lnRef idx="2">
-            <a:schemeClr val="accent1">
-              <a:shade val="50000"/>
-            </a:schemeClr>
-          </a:lnRef>
-          <a:fillRef idx="1">
-            <a:schemeClr val="accent1"/>
-          </a:fillRef>
-          <a:effectRef idx="0">
-            <a:schemeClr val="accent1"/>
-          </a:effectRef>
-          <a:fontRef idx="minor">
-            <a:schemeClr val="lt1"/>
-          </a:fontRef>
-        </p:style>
-        <p:txBody>
-          <a:bodyPr rtlCol="0" anchor="ctr"/>
-          <a:lstStyle/>
-          <a:p>
-            <a:pPr algn="ctr"/>
-            <a:endParaRPr lang="en-GB"/>
-          </a:p>
-        </p:txBody>
-      </p:sp>
-      <p:pic>
-        <p:nvPicPr>
-          <p:cNvPr id="7" name="Picture 6" descr="A close up of a logo&#10;&#10;Description automatically generated">
-            <a:extLst>
-              <a:ext uri="{FF2B5EF4-FFF2-40B4-BE49-F238E27FC236}">
-                <a16:creationId xmlns:a16="http://schemas.microsoft.com/office/drawing/2014/main" id="{F0BC9BC8-C4B4-4A10-B6DA-96C48E07DF3E}"/>
-              </a:ext>
-            </a:extLst>
-          </p:cNvPr>
-          <p:cNvPicPr>
-            <a:picLocks noChangeAspect="1"/>
-          </p:cNvPicPr>
-          <p:nvPr/>
-        </p:nvPicPr>
-        <p:blipFill rotWithShape="1">
-          <a:blip r:embed="rId4">
-            <a:extLst>
-              <a:ext uri="{28A0092B-C50C-407E-A947-70E740481C1C}">
-                <a14:useLocalDpi xmlns:a14="http://schemas.microsoft.com/office/drawing/2010/main" val="0"/>
-              </a:ext>
-            </a:extLst>
-          </a:blip>
-          <a:srcRect l="15706" t="11787" r="15492" b="17225"/>
-          <a:stretch/>
-        </p:blipFill>
-        <p:spPr>
-          <a:xfrm>
-            <a:off x="10043185" y="5943599"/>
-            <a:ext cx="1772492" cy="914400"/>
-          </a:xfrm>
-          <a:prstGeom prst="rect">
-            <a:avLst/>
-          </a:prstGeom>
-        </p:spPr>
-      </p:pic>
-      <p:sp>
-        <p:nvSpPr>
-          <p:cNvPr id="8" name="TextBox 7">
-            <a:extLst>
-              <a:ext uri="{FF2B5EF4-FFF2-40B4-BE49-F238E27FC236}">
-                <a16:creationId xmlns:a16="http://schemas.microsoft.com/office/drawing/2014/main" id="{24A75D75-D1DC-4ACC-A162-A04A5C0F3B5F}"/>
-              </a:ext>
-            </a:extLst>
-          </p:cNvPr>
-          <p:cNvSpPr txBox="1"/>
-          <p:nvPr/>
-        </p:nvSpPr>
-        <p:spPr>
-          <a:xfrm>
-            <a:off x="3375212" y="197629"/>
-            <a:ext cx="3685397" cy="646331"/>
-          </a:xfrm>
-          <a:prstGeom prst="rect">
-            <a:avLst/>
-          </a:prstGeom>
-          <a:noFill/>
-        </p:spPr>
-        <p:txBody>
-          <a:bodyPr wrap="square" rtlCol="0">
-            <a:spAutoFit/>
-          </a:bodyPr>
-          <a:lstStyle/>
-          <a:p>
-            <a:pPr algn="ctr"/>
-            <a:r>
-              <a:rPr lang="en-GB" sz="3600" dirty="0">
-                <a:solidFill>
-                  <a:schemeClr val="bg2">
-                    <a:lumMod val="25000"/>
-                  </a:schemeClr>
-                </a:solidFill>
-                <a:latin typeface="3ds" panose="02000503020000020004" pitchFamily="2" charset="0"/>
-              </a:rPr>
-              <a:t>Dust Sensor</a:t>
-            </a:r>
-          </a:p>
-        </p:txBody>
-      </p:sp>
-      <p:pic>
-        <p:nvPicPr>
-          <p:cNvPr id="9" name="Picture 8" descr="A picture containing object&#10;&#10;Description automatically generated">
-            <a:extLst>
-              <a:ext uri="{FF2B5EF4-FFF2-40B4-BE49-F238E27FC236}">
-                <a16:creationId xmlns:a16="http://schemas.microsoft.com/office/drawing/2014/main" id="{CCD379EC-9AF2-4339-BC08-EAF2C4B297BF}"/>
-              </a:ext>
-            </a:extLst>
-          </p:cNvPr>
-          <p:cNvPicPr>
-            <a:picLocks noChangeAspect="1"/>
-          </p:cNvPicPr>
-          <p:nvPr/>
-        </p:nvPicPr>
-        <p:blipFill>
-          <a:blip r:embed="rId5">
-            <a:duotone>
-              <a:prstClr val="black"/>
-              <a:schemeClr val="accent1">
-                <a:tint val="45000"/>
-                <a:satMod val="400000"/>
-              </a:schemeClr>
-            </a:duotone>
-            <a:extLst>
-              <a:ext uri="{28A0092B-C50C-407E-A947-70E740481C1C}">
-                <a14:useLocalDpi xmlns:a14="http://schemas.microsoft.com/office/drawing/2010/main" val="0"/>
-              </a:ext>
-            </a:extLst>
-          </a:blip>
-          <a:stretch>
-            <a:fillRect/>
-          </a:stretch>
-        </p:blipFill>
-        <p:spPr>
-          <a:xfrm>
-            <a:off x="7060608" y="51487"/>
-            <a:ext cx="923330" cy="923330"/>
-          </a:xfrm>
-          <a:prstGeom prst="rect">
-            <a:avLst/>
-          </a:prstGeom>
-        </p:spPr>
-      </p:pic>
-      <p:pic>
-        <p:nvPicPr>
-          <p:cNvPr id="10" name="Picture 9" descr="A close up of a device&#10;&#10;Description automatically generated">
-            <a:extLst>
-              <a:ext uri="{FF2B5EF4-FFF2-40B4-BE49-F238E27FC236}">
-                <a16:creationId xmlns:a16="http://schemas.microsoft.com/office/drawing/2014/main" id="{F546824C-964E-4C07-867C-BDF76F6B4EED}"/>
-              </a:ext>
-            </a:extLst>
-          </p:cNvPr>
-          <p:cNvPicPr>
-            <a:picLocks noChangeAspect="1"/>
-          </p:cNvPicPr>
-          <p:nvPr/>
-        </p:nvPicPr>
-        <p:blipFill rotWithShape="1">
-          <a:blip r:embed="rId6">
-            <a:extLst>
-              <a:ext uri="{28A0092B-C50C-407E-A947-70E740481C1C}">
-                <a14:useLocalDpi xmlns:a14="http://schemas.microsoft.com/office/drawing/2010/main" val="0"/>
-              </a:ext>
-            </a:extLst>
-          </a:blip>
-          <a:srcRect l="3579" t="7088" r="5316" b="6634"/>
-          <a:stretch/>
-        </p:blipFill>
-        <p:spPr>
-          <a:xfrm>
-            <a:off x="7839634" y="1011564"/>
-            <a:ext cx="3254189" cy="2401606"/>
-          </a:xfrm>
-          <a:prstGeom prst="rect">
-            <a:avLst/>
-          </a:prstGeom>
-        </p:spPr>
-      </p:pic>
-      <p:sp>
-        <p:nvSpPr>
-          <p:cNvPr id="2" name="Rectangle 1">
-            <a:extLst>
-              <a:ext uri="{FF2B5EF4-FFF2-40B4-BE49-F238E27FC236}">
-                <a16:creationId xmlns:a16="http://schemas.microsoft.com/office/drawing/2014/main" id="{5D6C4503-2E09-4487-BB00-9BE7FDE142D2}"/>
-              </a:ext>
-            </a:extLst>
-          </p:cNvPr>
-          <p:cNvSpPr/>
-          <p:nvPr/>
-        </p:nvSpPr>
-        <p:spPr>
-          <a:xfrm>
-            <a:off x="224118" y="1212425"/>
-            <a:ext cx="5187569" cy="4247317"/>
-          </a:xfrm>
-          <a:prstGeom prst="rect">
-            <a:avLst/>
-          </a:prstGeom>
-        </p:spPr>
-        <p:txBody>
-          <a:bodyPr wrap="square">
-            <a:spAutoFit/>
-          </a:bodyPr>
-          <a:lstStyle/>
-          <a:p>
-            <a:pPr marL="285750" indent="-285750">
-              <a:buFont typeface="Arial" panose="020B0604020202020204" pitchFamily="34" charset="0"/>
-              <a:buChar char="•"/>
-            </a:pPr>
-            <a:r>
-              <a:rPr lang="en-GB" dirty="0">
-                <a:solidFill>
-                  <a:srgbClr val="222222"/>
-                </a:solidFill>
-                <a:latin typeface="HelveticaNeue"/>
-              </a:rPr>
-              <a:t>Good indication of the air quality in an environment by measuring the dust concentration.</a:t>
-            </a:r>
-          </a:p>
-          <a:p>
-            <a:r>
-              <a:rPr lang="en-GB" dirty="0">
-                <a:solidFill>
-                  <a:srgbClr val="222222"/>
-                </a:solidFill>
-                <a:latin typeface="HelveticaNeue"/>
-              </a:rPr>
-              <a:t> </a:t>
-            </a:r>
-          </a:p>
-          <a:p>
-            <a:pPr marL="285750" indent="-285750">
-              <a:buFont typeface="Arial" panose="020B0604020202020204" pitchFamily="34" charset="0"/>
-              <a:buChar char="•"/>
-            </a:pPr>
-            <a:r>
-              <a:rPr lang="en-GB" dirty="0">
-                <a:solidFill>
-                  <a:srgbClr val="222222"/>
-                </a:solidFill>
-                <a:latin typeface="HelveticaNeue"/>
-              </a:rPr>
-              <a:t>The Particulate Matter level (PM level) in the air is measured by counting the Low Pulse Occupancy time (LPO time) in given time unit. </a:t>
-            </a:r>
-          </a:p>
-          <a:p>
-            <a:pPr marL="285750" indent="-285750">
-              <a:buFont typeface="Arial" panose="020B0604020202020204" pitchFamily="34" charset="0"/>
-              <a:buChar char="•"/>
-            </a:pPr>
-            <a:endParaRPr lang="en-GB" dirty="0">
-              <a:solidFill>
-                <a:srgbClr val="222222"/>
-              </a:solidFill>
-              <a:latin typeface="HelveticaNeue"/>
-            </a:endParaRPr>
-          </a:p>
-          <a:p>
-            <a:pPr marL="285750" indent="-285750">
-              <a:buFont typeface="Arial" panose="020B0604020202020204" pitchFamily="34" charset="0"/>
-              <a:buChar char="•"/>
-            </a:pPr>
-            <a:r>
-              <a:rPr lang="en-GB" dirty="0">
-                <a:solidFill>
-                  <a:srgbClr val="222222"/>
-                </a:solidFill>
-                <a:latin typeface="HelveticaNeue"/>
-              </a:rPr>
-              <a:t>LPO time is proportional to PM concentration. This sensor can provide reliable data for air purifier systems; it is responsive to PM of diameter 1μm. </a:t>
-            </a:r>
-          </a:p>
-          <a:p>
-            <a:pPr marL="285750" indent="-285750">
-              <a:buFont typeface="Arial" panose="020B0604020202020204" pitchFamily="34" charset="0"/>
-              <a:buChar char="•"/>
-            </a:pPr>
-            <a:endParaRPr lang="en-GB" dirty="0">
-              <a:solidFill>
-                <a:srgbClr val="222222"/>
-              </a:solidFill>
-              <a:latin typeface="HelveticaNeue"/>
-            </a:endParaRPr>
-          </a:p>
-          <a:p>
-            <a:pPr marL="285750" indent="-285750">
-              <a:buFont typeface="Arial" panose="020B0604020202020204" pitchFamily="34" charset="0"/>
-              <a:buChar char="•"/>
-            </a:pPr>
-            <a:r>
-              <a:rPr lang="en-GB" dirty="0">
-                <a:latin typeface="HelveticaNeue"/>
-              </a:rPr>
-              <a:t>This sensor uses counting method to measure dust concentration, not weighing method</a:t>
-            </a:r>
-          </a:p>
-        </p:txBody>
-      </p:sp>
-      <p:sp>
-        <p:nvSpPr>
-          <p:cNvPr id="3" name="Rectangle 2">
-            <a:extLst>
-              <a:ext uri="{FF2B5EF4-FFF2-40B4-BE49-F238E27FC236}">
-                <a16:creationId xmlns:a16="http://schemas.microsoft.com/office/drawing/2014/main" id="{080254A0-66A7-45E7-A46C-DE1CA7B82896}"/>
-              </a:ext>
-            </a:extLst>
-          </p:cNvPr>
-          <p:cNvSpPr/>
-          <p:nvPr/>
-        </p:nvSpPr>
-        <p:spPr>
-          <a:xfrm>
-            <a:off x="8176974" y="3413172"/>
-            <a:ext cx="2779351" cy="369332"/>
-          </a:xfrm>
-          <a:prstGeom prst="rect">
-            <a:avLst/>
-          </a:prstGeom>
-        </p:spPr>
-        <p:txBody>
-          <a:bodyPr wrap="none">
-            <a:spAutoFit/>
-          </a:bodyPr>
-          <a:lstStyle/>
-          <a:p>
-            <a:r>
-              <a:rPr lang="en-GB" dirty="0">
-                <a:solidFill>
-                  <a:srgbClr val="222222"/>
-                </a:solidFill>
-                <a:latin typeface="HelveticaNeue"/>
-              </a:rPr>
-              <a:t>Unit: pcs/L or pcs/0.01cf. </a:t>
-            </a:r>
-            <a:endParaRPr lang="en-GB" dirty="0"/>
-          </a:p>
-        </p:txBody>
-      </p:sp>
-      <p:pic>
-        <p:nvPicPr>
-          <p:cNvPr id="13" name="Picture 12">
-            <a:extLst>
-              <a:ext uri="{FF2B5EF4-FFF2-40B4-BE49-F238E27FC236}">
-                <a16:creationId xmlns:a16="http://schemas.microsoft.com/office/drawing/2014/main" id="{AC04CA78-D1C7-4CA7-8246-545A6D7ED2B8}"/>
-              </a:ext>
-            </a:extLst>
-          </p:cNvPr>
-          <p:cNvPicPr>
-            <a:picLocks noChangeAspect="1"/>
-          </p:cNvPicPr>
-          <p:nvPr/>
-        </p:nvPicPr>
-        <p:blipFill rotWithShape="1">
-          <a:blip r:embed="rId7"/>
-          <a:srcRect l="5260"/>
-          <a:stretch/>
-        </p:blipFill>
-        <p:spPr>
-          <a:xfrm>
-            <a:off x="5411687" y="3770707"/>
-            <a:ext cx="6403990" cy="1628391"/>
-          </a:xfrm>
-          <a:prstGeom prst="rect">
-            <a:avLst/>
-          </a:prstGeom>
-        </p:spPr>
-      </p:pic>
-      <p:sp>
-        <p:nvSpPr>
-          <p:cNvPr id="14" name="Rectangle 13">
-            <a:extLst>
-              <a:ext uri="{FF2B5EF4-FFF2-40B4-BE49-F238E27FC236}">
-                <a16:creationId xmlns:a16="http://schemas.microsoft.com/office/drawing/2014/main" id="{AE073C41-8BC6-43A6-96C0-081E823C45A1}"/>
-              </a:ext>
-            </a:extLst>
-          </p:cNvPr>
-          <p:cNvSpPr/>
-          <p:nvPr/>
-        </p:nvSpPr>
-        <p:spPr>
-          <a:xfrm>
-            <a:off x="5626280" y="5382949"/>
-            <a:ext cx="6096000" cy="646331"/>
-          </a:xfrm>
-          <a:prstGeom prst="rect">
-            <a:avLst/>
-          </a:prstGeom>
-        </p:spPr>
-        <p:txBody>
-          <a:bodyPr>
-            <a:spAutoFit/>
-          </a:bodyPr>
-          <a:lstStyle/>
-          <a:p>
-            <a:r>
-              <a:rPr lang="en-GB" dirty="0">
-                <a:solidFill>
-                  <a:srgbClr val="222222"/>
-                </a:solidFill>
-                <a:latin typeface="HelveticaNeue"/>
-              </a:rPr>
-              <a:t>We can see the concentration of dust is very low in the evening, but it is higher in the afternoon</a:t>
-            </a:r>
-            <a:endParaRPr lang="en-GB" dirty="0"/>
-          </a:p>
-        </p:txBody>
-      </p:sp>
-    </p:spTree>
-    <p:extLst>
-      <p:ext uri="{BB962C8B-B14F-4D97-AF65-F5344CB8AC3E}">
-        <p14:creationId xmlns:p14="http://schemas.microsoft.com/office/powerpoint/2010/main" val="1077324652"/>
-      </p:ext>
-    </p:extLst>
-  </p:cSld>
-  <p:clrMapOvr>
-    <a:masterClrMapping/>
-  </p:clrMapOvr>
-</p:sld>
-</file>
-
-<file path=ppt/slides/slide7.xml><?xml version="1.0" encoding="utf-8"?>
-<p:sld xmlns:a="http://schemas.openxmlformats.org/drawingml/2006/main" xmlns:r="http://schemas.openxmlformats.org/officeDocument/2006/relationships" xmlns:p="http://schemas.openxmlformats.org/presentationml/2006/main">
-  <p:cSld>
-    <p:spTree>
-      <p:nvGrpSpPr>
-        <p:cNvPr id="1" name=""/>
-        <p:cNvGrpSpPr/>
-        <p:nvPr/>
-      </p:nvGrpSpPr>
-      <p:grpSpPr>
-        <a:xfrm>
-          <a:off x="0" y="0"/>
-          <a:ext cx="0" cy="0"/>
-          <a:chOff x="0" y="0"/>
-          <a:chExt cx="0" cy="0"/>
-        </a:xfrm>
-      </p:grpSpPr>
-      <p:pic>
-        <p:nvPicPr>
-          <p:cNvPr id="1030" name="Picture 6" descr="IoT Power Management">
-            <a:extLst>
-              <a:ext uri="{FF2B5EF4-FFF2-40B4-BE49-F238E27FC236}">
-                <a16:creationId xmlns:a16="http://schemas.microsoft.com/office/drawing/2014/main" id="{F9844D2D-635D-44A0-B958-1E4C39246144}"/>
-              </a:ext>
-            </a:extLst>
-          </p:cNvPr>
-          <p:cNvPicPr>
-            <a:picLocks noChangeAspect="1" noChangeArrowheads="1"/>
-          </p:cNvPicPr>
-          <p:nvPr/>
-        </p:nvPicPr>
-        <p:blipFill rotWithShape="1">
-          <a:blip r:embed="rId3">
-            <a:extLst>
-              <a:ext uri="{28A0092B-C50C-407E-A947-70E740481C1C}">
-                <a14:useLocalDpi xmlns:a14="http://schemas.microsoft.com/office/drawing/2010/main" val="0"/>
-              </a:ext>
-            </a:extLst>
-          </a:blip>
-          <a:srcRect l="17628" t="11071" r="17690" b="10896"/>
-          <a:stretch/>
-        </p:blipFill>
-        <p:spPr bwMode="auto">
-          <a:xfrm>
-            <a:off x="9525" y="5388348"/>
-            <a:ext cx="1469651" cy="1469651"/>
-          </a:xfrm>
-          <a:prstGeom prst="rect">
-            <a:avLst/>
-          </a:prstGeom>
-          <a:noFill/>
-          <a:extLst>
-            <a:ext uri="{909E8E84-426E-40DD-AFC4-6F175D3DCCD1}">
-              <a14:hiddenFill xmlns:a14="http://schemas.microsoft.com/office/drawing/2010/main">
-                <a:solidFill>
-                  <a:srgbClr val="FFFFFF"/>
-                </a:solidFill>
-              </a14:hiddenFill>
-            </a:ext>
-          </a:extLst>
-        </p:spPr>
-      </p:pic>
-      <p:sp>
-        <p:nvSpPr>
-          <p:cNvPr id="4" name="Rectangle 3">
-            <a:extLst>
-              <a:ext uri="{FF2B5EF4-FFF2-40B4-BE49-F238E27FC236}">
-                <a16:creationId xmlns:a16="http://schemas.microsoft.com/office/drawing/2014/main" id="{9D476336-A01A-47A0-975E-B9D85496F266}"/>
-              </a:ext>
-            </a:extLst>
-          </p:cNvPr>
-          <p:cNvSpPr/>
-          <p:nvPr/>
-        </p:nvSpPr>
-        <p:spPr>
-          <a:xfrm rot="5400000">
-            <a:off x="8578368" y="3220641"/>
-            <a:ext cx="6874669" cy="400050"/>
-          </a:xfrm>
-          <a:prstGeom prst="rect">
-            <a:avLst/>
-          </a:prstGeom>
-          <a:solidFill>
-            <a:srgbClr val="194B89"/>
-          </a:solidFill>
-          <a:ln>
-            <a:solidFill>
-              <a:srgbClr val="194B89"/>
-            </a:solidFill>
-          </a:ln>
-        </p:spPr>
-        <p:style>
-          <a:lnRef idx="2">
-            <a:schemeClr val="accent1">
-              <a:shade val="50000"/>
-            </a:schemeClr>
-          </a:lnRef>
-          <a:fillRef idx="1">
-            <a:schemeClr val="accent1"/>
-          </a:fillRef>
-          <a:effectRef idx="0">
-            <a:schemeClr val="accent1"/>
-          </a:effectRef>
-          <a:fontRef idx="minor">
-            <a:schemeClr val="lt1"/>
-          </a:fontRef>
-        </p:style>
-        <p:txBody>
-          <a:bodyPr rtlCol="0" anchor="ctr"/>
-          <a:lstStyle/>
-          <a:p>
-            <a:pPr algn="ctr"/>
-            <a:endParaRPr lang="en-GB"/>
-          </a:p>
-        </p:txBody>
-      </p:sp>
-      <p:pic>
-        <p:nvPicPr>
-          <p:cNvPr id="7" name="Picture 6" descr="A close up of a logo&#10;&#10;Description automatically generated">
-            <a:extLst>
-              <a:ext uri="{FF2B5EF4-FFF2-40B4-BE49-F238E27FC236}">
-                <a16:creationId xmlns:a16="http://schemas.microsoft.com/office/drawing/2014/main" id="{F0BC9BC8-C4B4-4A10-B6DA-96C48E07DF3E}"/>
-              </a:ext>
-            </a:extLst>
-          </p:cNvPr>
-          <p:cNvPicPr>
-            <a:picLocks noChangeAspect="1"/>
-          </p:cNvPicPr>
-          <p:nvPr/>
-        </p:nvPicPr>
-        <p:blipFill rotWithShape="1">
-          <a:blip r:embed="rId4">
-            <a:extLst>
-              <a:ext uri="{28A0092B-C50C-407E-A947-70E740481C1C}">
-                <a14:useLocalDpi xmlns:a14="http://schemas.microsoft.com/office/drawing/2010/main" val="0"/>
-              </a:ext>
-            </a:extLst>
-          </a:blip>
-          <a:srcRect l="15706" t="11787" r="15492" b="17225"/>
-          <a:stretch/>
-        </p:blipFill>
-        <p:spPr>
-          <a:xfrm>
-            <a:off x="10043185" y="5943599"/>
-            <a:ext cx="1772492" cy="914400"/>
-          </a:xfrm>
-          <a:prstGeom prst="rect">
-            <a:avLst/>
-          </a:prstGeom>
-        </p:spPr>
-      </p:pic>
-      <p:sp>
-        <p:nvSpPr>
-          <p:cNvPr id="8" name="TextBox 7">
-            <a:extLst>
-              <a:ext uri="{FF2B5EF4-FFF2-40B4-BE49-F238E27FC236}">
-                <a16:creationId xmlns:a16="http://schemas.microsoft.com/office/drawing/2014/main" id="{24A75D75-D1DC-4ACC-A162-A04A5C0F3B5F}"/>
-              </a:ext>
-            </a:extLst>
-          </p:cNvPr>
-          <p:cNvSpPr txBox="1"/>
-          <p:nvPr/>
-        </p:nvSpPr>
-        <p:spPr>
-          <a:xfrm>
-            <a:off x="3375212" y="197629"/>
-            <a:ext cx="3685397" cy="646331"/>
-          </a:xfrm>
-          <a:prstGeom prst="rect">
-            <a:avLst/>
-          </a:prstGeom>
-          <a:noFill/>
-        </p:spPr>
-        <p:txBody>
-          <a:bodyPr wrap="square" rtlCol="0">
-            <a:spAutoFit/>
-          </a:bodyPr>
-          <a:lstStyle/>
-          <a:p>
-            <a:pPr algn="ctr"/>
-            <a:r>
-              <a:rPr lang="en-GB" sz="3600" dirty="0">
-                <a:solidFill>
-                  <a:schemeClr val="bg2">
-                    <a:lumMod val="25000"/>
-                  </a:schemeClr>
-                </a:solidFill>
-                <a:latin typeface="3ds" panose="02000503020000020004" pitchFamily="2" charset="0"/>
-              </a:rPr>
-              <a:t>MQ5 Gas Sensor</a:t>
-            </a:r>
-          </a:p>
-        </p:txBody>
-      </p:sp>
-      <p:pic>
-        <p:nvPicPr>
-          <p:cNvPr id="9" name="Picture 8" descr="A picture containing object&#10;&#10;Description automatically generated">
-            <a:extLst>
-              <a:ext uri="{FF2B5EF4-FFF2-40B4-BE49-F238E27FC236}">
-                <a16:creationId xmlns:a16="http://schemas.microsoft.com/office/drawing/2014/main" id="{CCD379EC-9AF2-4339-BC08-EAF2C4B297BF}"/>
-              </a:ext>
-            </a:extLst>
-          </p:cNvPr>
-          <p:cNvPicPr>
-            <a:picLocks noChangeAspect="1"/>
-          </p:cNvPicPr>
-          <p:nvPr/>
-        </p:nvPicPr>
-        <p:blipFill>
-          <a:blip r:embed="rId5">
-            <a:duotone>
-              <a:prstClr val="black"/>
-              <a:schemeClr val="accent1">
-                <a:tint val="45000"/>
-                <a:satMod val="400000"/>
-              </a:schemeClr>
-            </a:duotone>
-            <a:extLst>
-              <a:ext uri="{28A0092B-C50C-407E-A947-70E740481C1C}">
-                <a14:useLocalDpi xmlns:a14="http://schemas.microsoft.com/office/drawing/2010/main" val="0"/>
-              </a:ext>
-            </a:extLst>
-          </a:blip>
-          <a:stretch>
-            <a:fillRect/>
-          </a:stretch>
-        </p:blipFill>
-        <p:spPr>
-          <a:xfrm>
-            <a:off x="7060608" y="51487"/>
-            <a:ext cx="923330" cy="923330"/>
-          </a:xfrm>
-          <a:prstGeom prst="rect">
-            <a:avLst/>
-          </a:prstGeom>
-        </p:spPr>
-      </p:pic>
-      <p:sp>
-        <p:nvSpPr>
-          <p:cNvPr id="2" name="Rectangle 1">
-            <a:extLst>
-              <a:ext uri="{FF2B5EF4-FFF2-40B4-BE49-F238E27FC236}">
-                <a16:creationId xmlns:a16="http://schemas.microsoft.com/office/drawing/2014/main" id="{5D6C4503-2E09-4487-BB00-9BE7FDE142D2}"/>
-              </a:ext>
-            </a:extLst>
-          </p:cNvPr>
-          <p:cNvSpPr/>
-          <p:nvPr/>
-        </p:nvSpPr>
-        <p:spPr>
-          <a:xfrm>
-            <a:off x="224118" y="1212425"/>
-            <a:ext cx="5781128" cy="3416320"/>
-          </a:xfrm>
-          <a:prstGeom prst="rect">
-            <a:avLst/>
-          </a:prstGeom>
-        </p:spPr>
-        <p:txBody>
-          <a:bodyPr wrap="square">
-            <a:spAutoFit/>
-          </a:bodyPr>
-          <a:lstStyle/>
-          <a:p>
-            <a:pPr marL="285750" indent="-285750">
-              <a:buFont typeface="Arial" panose="020B0604020202020204" pitchFamily="34" charset="0"/>
-              <a:buChar char="•"/>
-            </a:pPr>
-            <a:r>
-              <a:rPr lang="en-GB" dirty="0">
-                <a:latin typeface="HelveticaNeue"/>
-              </a:rPr>
-              <a:t>The Grove - Gas Sensor(MQ5) module is useful for gas leakage detection (in home and industry). </a:t>
-            </a:r>
-          </a:p>
-          <a:p>
-            <a:endParaRPr lang="en-GB" dirty="0">
-              <a:latin typeface="HelveticaNeue"/>
-            </a:endParaRPr>
-          </a:p>
-          <a:p>
-            <a:pPr marL="285750" indent="-285750">
-              <a:buFont typeface="Arial" panose="020B0604020202020204" pitchFamily="34" charset="0"/>
-              <a:buChar char="•"/>
-            </a:pPr>
-            <a:r>
-              <a:rPr lang="en-GB" dirty="0">
-                <a:latin typeface="HelveticaNeue"/>
-              </a:rPr>
-              <a:t>It is suitable for detecting H2, LPG, CH4, CO,</a:t>
-            </a:r>
-          </a:p>
-          <a:p>
-            <a:pPr marL="742950" lvl="1" indent="-285750">
-              <a:buFont typeface="Arial" panose="020B0604020202020204" pitchFamily="34" charset="0"/>
-              <a:buChar char="•"/>
-            </a:pPr>
-            <a:r>
-              <a:rPr lang="en-GB" dirty="0">
-                <a:latin typeface="HelveticaNeue"/>
-              </a:rPr>
-              <a:t>Hydrogen (H2), Liquid Petroleum Gas (LPG), Methane (CH4), Carbon-dioxide (C0) and ethanol/methanol. </a:t>
-            </a:r>
-          </a:p>
-          <a:p>
-            <a:pPr marL="285750" indent="-285750">
-              <a:buFont typeface="Arial" panose="020B0604020202020204" pitchFamily="34" charset="0"/>
-              <a:buChar char="•"/>
-            </a:pPr>
-            <a:endParaRPr lang="en-GB" dirty="0">
-              <a:latin typeface="HelveticaNeue"/>
-            </a:endParaRPr>
-          </a:p>
-          <a:p>
-            <a:pPr marL="285750" indent="-285750">
-              <a:buFont typeface="Arial" panose="020B0604020202020204" pitchFamily="34" charset="0"/>
-              <a:buChar char="•"/>
-            </a:pPr>
-            <a:r>
-              <a:rPr lang="en-GB" dirty="0">
-                <a:latin typeface="HelveticaNeue"/>
-              </a:rPr>
-              <a:t>The sensitivity of the sensor can be adjusted by using the potentiometer.</a:t>
-            </a:r>
-          </a:p>
-          <a:p>
-            <a:pPr marL="285750" indent="-285750">
-              <a:buFont typeface="Arial" panose="020B0604020202020204" pitchFamily="34" charset="0"/>
-              <a:buChar char="•"/>
-            </a:pPr>
-            <a:endParaRPr lang="en-GB" dirty="0">
-              <a:latin typeface="HelveticaNeue"/>
-            </a:endParaRPr>
-          </a:p>
-          <a:p>
-            <a:pPr marL="285750" indent="-285750">
-              <a:buFont typeface="Arial" panose="020B0604020202020204" pitchFamily="34" charset="0"/>
-              <a:buChar char="•"/>
-            </a:pPr>
-            <a:r>
-              <a:rPr lang="en-GB" dirty="0">
-                <a:latin typeface="HelveticaNeue"/>
-              </a:rPr>
-              <a:t>Approximation</a:t>
-            </a:r>
-          </a:p>
-        </p:txBody>
-      </p:sp>
-      <p:pic>
-        <p:nvPicPr>
-          <p:cNvPr id="11" name="Picture 10" descr="A close up of a device&#10;&#10;Description automatically generated">
-            <a:extLst>
-              <a:ext uri="{FF2B5EF4-FFF2-40B4-BE49-F238E27FC236}">
-                <a16:creationId xmlns:a16="http://schemas.microsoft.com/office/drawing/2014/main" id="{15C161DC-19D3-4BE4-B2B4-EAC338FDD9B5}"/>
-              </a:ext>
-            </a:extLst>
-          </p:cNvPr>
-          <p:cNvPicPr>
-            <a:picLocks noChangeAspect="1"/>
-          </p:cNvPicPr>
-          <p:nvPr/>
-        </p:nvPicPr>
-        <p:blipFill>
-          <a:blip r:embed="rId6">
-            <a:extLst>
-              <a:ext uri="{28A0092B-C50C-407E-A947-70E740481C1C}">
-                <a14:useLocalDpi xmlns:a14="http://schemas.microsoft.com/office/drawing/2010/main" val="0"/>
-              </a:ext>
-            </a:extLst>
-          </a:blip>
-          <a:stretch>
-            <a:fillRect/>
-          </a:stretch>
-        </p:blipFill>
-        <p:spPr>
-          <a:xfrm>
-            <a:off x="7252137" y="1010197"/>
-            <a:ext cx="3048000" cy="2286000"/>
-          </a:xfrm>
-          <a:prstGeom prst="rect">
-            <a:avLst/>
-          </a:prstGeom>
-        </p:spPr>
-      </p:pic>
-      <p:sp>
-        <p:nvSpPr>
-          <p:cNvPr id="3" name="Rectangle 2">
-            <a:extLst>
-              <a:ext uri="{FF2B5EF4-FFF2-40B4-BE49-F238E27FC236}">
-                <a16:creationId xmlns:a16="http://schemas.microsoft.com/office/drawing/2014/main" id="{080254A0-66A7-45E7-A46C-DE1CA7B82896}"/>
-              </a:ext>
-            </a:extLst>
-          </p:cNvPr>
-          <p:cNvSpPr/>
-          <p:nvPr/>
-        </p:nvSpPr>
-        <p:spPr>
-          <a:xfrm>
-            <a:off x="7520786" y="2850141"/>
-            <a:ext cx="2779351" cy="369332"/>
-          </a:xfrm>
-          <a:prstGeom prst="rect">
-            <a:avLst/>
-          </a:prstGeom>
-        </p:spPr>
-        <p:txBody>
-          <a:bodyPr wrap="none">
-            <a:spAutoFit/>
-          </a:bodyPr>
-          <a:lstStyle/>
-          <a:p>
-            <a:r>
-              <a:rPr lang="en-GB" dirty="0">
-                <a:solidFill>
-                  <a:srgbClr val="222222"/>
-                </a:solidFill>
-                <a:latin typeface="HelveticaNeue"/>
-              </a:rPr>
-              <a:t>Unit: pcs/L or pcs/0.01cf. </a:t>
-            </a:r>
-            <a:endParaRPr lang="en-GB" dirty="0"/>
-          </a:p>
-        </p:txBody>
-      </p:sp>
-    </p:spTree>
-    <p:extLst>
-      <p:ext uri="{BB962C8B-B14F-4D97-AF65-F5344CB8AC3E}">
-        <p14:creationId xmlns:p14="http://schemas.microsoft.com/office/powerpoint/2010/main" val="1949126489"/>
-      </p:ext>
-    </p:extLst>
-  </p:cSld>
-  <p:clrMapOvr>
-    <a:masterClrMapping/>
-  </p:clrMapOvr>
-</p:sld>
-</file>
-
-<file path=ppt/slides/slide8.xml><?xml version="1.0" encoding="utf-8"?>
-<p:sld xmlns:a="http://schemas.openxmlformats.org/drawingml/2006/main" xmlns:r="http://schemas.openxmlformats.org/officeDocument/2006/relationships" xmlns:p="http://schemas.openxmlformats.org/presentationml/2006/main">
-  <p:cSld>
-    <p:spTree>
-      <p:nvGrpSpPr>
-        <p:cNvPr id="1" name=""/>
-        <p:cNvGrpSpPr/>
-        <p:nvPr/>
-      </p:nvGrpSpPr>
-      <p:grpSpPr>
-        <a:xfrm>
-          <a:off x="0" y="0"/>
-          <a:ext cx="0" cy="0"/>
-          <a:chOff x="0" y="0"/>
-          <a:chExt cx="0" cy="0"/>
-        </a:xfrm>
-      </p:grpSpPr>
-      <p:pic>
-        <p:nvPicPr>
-          <p:cNvPr id="1030" name="Picture 6" descr="IoT Power Management">
-            <a:extLst>
-              <a:ext uri="{FF2B5EF4-FFF2-40B4-BE49-F238E27FC236}">
-                <a16:creationId xmlns:a16="http://schemas.microsoft.com/office/drawing/2014/main" id="{F9844D2D-635D-44A0-B958-1E4C39246144}"/>
-              </a:ext>
-            </a:extLst>
-          </p:cNvPr>
-          <p:cNvPicPr>
-            <a:picLocks noChangeAspect="1" noChangeArrowheads="1"/>
-          </p:cNvPicPr>
-          <p:nvPr/>
-        </p:nvPicPr>
-        <p:blipFill rotWithShape="1">
-          <a:blip r:embed="rId3">
-            <a:extLst>
-              <a:ext uri="{28A0092B-C50C-407E-A947-70E740481C1C}">
-                <a14:useLocalDpi xmlns:a14="http://schemas.microsoft.com/office/drawing/2010/main" val="0"/>
-              </a:ext>
-            </a:extLst>
-          </a:blip>
-          <a:srcRect l="17628" t="11071" r="17690" b="10896"/>
-          <a:stretch/>
-        </p:blipFill>
-        <p:spPr bwMode="auto">
-          <a:xfrm>
-            <a:off x="9525" y="5388348"/>
-            <a:ext cx="1469651" cy="1469651"/>
-          </a:xfrm>
-          <a:prstGeom prst="rect">
-            <a:avLst/>
-          </a:prstGeom>
-          <a:noFill/>
-          <a:extLst>
-            <a:ext uri="{909E8E84-426E-40DD-AFC4-6F175D3DCCD1}">
-              <a14:hiddenFill xmlns:a14="http://schemas.microsoft.com/office/drawing/2010/main">
-                <a:solidFill>
-                  <a:srgbClr val="FFFFFF"/>
-                </a:solidFill>
-              </a14:hiddenFill>
-            </a:ext>
-          </a:extLst>
-        </p:spPr>
-      </p:pic>
-      <p:sp>
-        <p:nvSpPr>
-          <p:cNvPr id="4" name="Rectangle 3">
-            <a:extLst>
-              <a:ext uri="{FF2B5EF4-FFF2-40B4-BE49-F238E27FC236}">
-                <a16:creationId xmlns:a16="http://schemas.microsoft.com/office/drawing/2014/main" id="{9D476336-A01A-47A0-975E-B9D85496F266}"/>
-              </a:ext>
-            </a:extLst>
-          </p:cNvPr>
-          <p:cNvSpPr/>
-          <p:nvPr/>
-        </p:nvSpPr>
-        <p:spPr>
-          <a:xfrm rot="5400000">
-            <a:off x="8578368" y="3220641"/>
-            <a:ext cx="6874669" cy="400050"/>
-          </a:xfrm>
-          <a:prstGeom prst="rect">
-            <a:avLst/>
-          </a:prstGeom>
-          <a:solidFill>
-            <a:srgbClr val="194B89"/>
-          </a:solidFill>
-          <a:ln>
-            <a:solidFill>
-              <a:srgbClr val="194B89"/>
-            </a:solidFill>
-          </a:ln>
-        </p:spPr>
-        <p:style>
-          <a:lnRef idx="2">
-            <a:schemeClr val="accent1">
-              <a:shade val="50000"/>
-            </a:schemeClr>
-          </a:lnRef>
-          <a:fillRef idx="1">
-            <a:schemeClr val="accent1"/>
-          </a:fillRef>
-          <a:effectRef idx="0">
-            <a:schemeClr val="accent1"/>
-          </a:effectRef>
-          <a:fontRef idx="minor">
-            <a:schemeClr val="lt1"/>
-          </a:fontRef>
-        </p:style>
-        <p:txBody>
-          <a:bodyPr rtlCol="0" anchor="ctr"/>
-          <a:lstStyle/>
-          <a:p>
-            <a:pPr algn="ctr"/>
-            <a:endParaRPr lang="en-GB"/>
-          </a:p>
-        </p:txBody>
-      </p:sp>
-      <p:sp>
-        <p:nvSpPr>
-          <p:cNvPr id="5" name="TextBox 4">
-            <a:extLst>
-              <a:ext uri="{FF2B5EF4-FFF2-40B4-BE49-F238E27FC236}">
-                <a16:creationId xmlns:a16="http://schemas.microsoft.com/office/drawing/2014/main" id="{DFBF54CF-F8EF-476F-941C-A4D2002C5A47}"/>
-              </a:ext>
-            </a:extLst>
-          </p:cNvPr>
-          <p:cNvSpPr txBox="1"/>
-          <p:nvPr/>
-        </p:nvSpPr>
-        <p:spPr>
-          <a:xfrm>
-            <a:off x="2547938" y="2228671"/>
-            <a:ext cx="7096124" cy="1200329"/>
-          </a:xfrm>
-          <a:prstGeom prst="rect">
-            <a:avLst/>
-          </a:prstGeom>
-          <a:noFill/>
-        </p:spPr>
-        <p:txBody>
-          <a:bodyPr wrap="square" rtlCol="0">
-            <a:spAutoFit/>
-          </a:bodyPr>
-          <a:lstStyle/>
-          <a:p>
-            <a:r>
-              <a:rPr lang="en-GB" sz="3600" dirty="0">
-                <a:solidFill>
-                  <a:schemeClr val="bg2">
-                    <a:lumMod val="25000"/>
-                  </a:schemeClr>
-                </a:solidFill>
-                <a:latin typeface="3ds" panose="02000503020000020004" pitchFamily="2" charset="0"/>
-              </a:rPr>
-              <a:t>Internet of Things for Sensing the School Environment Project</a:t>
-            </a:r>
-          </a:p>
-        </p:txBody>
-      </p:sp>
-      <p:pic>
-        <p:nvPicPr>
-          <p:cNvPr id="7" name="Picture 6" descr="A close up of a logo&#10;&#10;Description automatically generated">
-            <a:extLst>
-              <a:ext uri="{FF2B5EF4-FFF2-40B4-BE49-F238E27FC236}">
-                <a16:creationId xmlns:a16="http://schemas.microsoft.com/office/drawing/2014/main" id="{F0BC9BC8-C4B4-4A10-B6DA-96C48E07DF3E}"/>
-              </a:ext>
-            </a:extLst>
-          </p:cNvPr>
-          <p:cNvPicPr>
-            <a:picLocks noChangeAspect="1"/>
-          </p:cNvPicPr>
-          <p:nvPr/>
-        </p:nvPicPr>
-        <p:blipFill rotWithShape="1">
-          <a:blip r:embed="rId4">
-            <a:extLst>
-              <a:ext uri="{28A0092B-C50C-407E-A947-70E740481C1C}">
-                <a14:useLocalDpi xmlns:a14="http://schemas.microsoft.com/office/drawing/2010/main" val="0"/>
-              </a:ext>
-            </a:extLst>
-          </a:blip>
-          <a:srcRect l="15706" t="11787" r="15492" b="17225"/>
-          <a:stretch/>
-        </p:blipFill>
-        <p:spPr>
-          <a:xfrm>
-            <a:off x="10043185" y="5943599"/>
-            <a:ext cx="1772492" cy="914400"/>
-          </a:xfrm>
-          <a:prstGeom prst="rect">
-            <a:avLst/>
-          </a:prstGeom>
-        </p:spPr>
-      </p:pic>
-    </p:spTree>
-    <p:extLst>
-      <p:ext uri="{BB962C8B-B14F-4D97-AF65-F5344CB8AC3E}">
-        <p14:creationId xmlns:p14="http://schemas.microsoft.com/office/powerpoint/2010/main" val="1512998547"/>
       </p:ext>
     </p:extLst>
   </p:cSld>

--- a/Lessons/Introduction.pptx
+++ b/Lessons/Introduction.pptx
@@ -5,12 +5,16 @@
     <p:sldMasterId id="2147483648" r:id="rId1"/>
   </p:sldMasterIdLst>
   <p:notesMasterIdLst>
-    <p:notesMasterId r:id="rId5"/>
+    <p:notesMasterId r:id="rId9"/>
   </p:notesMasterIdLst>
   <p:sldIdLst>
     <p:sldId id="256" r:id="rId2"/>
     <p:sldId id="259" r:id="rId3"/>
-    <p:sldId id="257" r:id="rId4"/>
+    <p:sldId id="260" r:id="rId4"/>
+    <p:sldId id="261" r:id="rId5"/>
+    <p:sldId id="262" r:id="rId6"/>
+    <p:sldId id="263" r:id="rId7"/>
+    <p:sldId id="257" r:id="rId8"/>
   </p:sldIdLst>
   <p:sldSz cx="12192000" cy="6858000"/>
   <p:notesSz cx="6858000" cy="9144000"/>
@@ -199,7 +203,7 @@
           <a:p>
             <a:fld id="{DF0B6E1B-3DE4-4082-8057-FA3E47C40905}" type="datetimeFigureOut">
               <a:rPr lang="en-GB" smtClean="0"/>
-              <a:t>17/08/2019</a:t>
+              <a:t>01/09/2019</a:t>
             </a:fld>
             <a:endParaRPr lang="en-GB"/>
           </a:p>
@@ -679,6 +683,342 @@
           <a:bodyPr/>
           <a:lstStyle/>
           <a:p>
+            <a:endParaRPr lang="en-GB" dirty="0"/>
+          </a:p>
+        </p:txBody>
+      </p:sp>
+      <p:sp>
+        <p:nvSpPr>
+          <p:cNvPr id="4" name="Slide Number Placeholder 3"/>
+          <p:cNvSpPr>
+            <a:spLocks noGrp="1"/>
+          </p:cNvSpPr>
+          <p:nvPr>
+            <p:ph type="sldNum" sz="quarter" idx="5"/>
+          </p:nvPr>
+        </p:nvSpPr>
+        <p:spPr/>
+        <p:txBody>
+          <a:bodyPr/>
+          <a:lstStyle/>
+          <a:p>
+            <a:fld id="{945AE9AA-FFB8-4A6F-835D-DFF20E6952A1}" type="slidenum">
+              <a:rPr lang="en-GB" smtClean="0"/>
+              <a:t>3</a:t>
+            </a:fld>
+            <a:endParaRPr lang="en-GB"/>
+          </a:p>
+        </p:txBody>
+      </p:sp>
+    </p:spTree>
+    <p:extLst>
+      <p:ext uri="{BB962C8B-B14F-4D97-AF65-F5344CB8AC3E}">
+        <p14:creationId xmlns:p14="http://schemas.microsoft.com/office/powerpoint/2010/main" val="3024750894"/>
+      </p:ext>
+    </p:extLst>
+  </p:cSld>
+  <p:clrMapOvr>
+    <a:masterClrMapping/>
+  </p:clrMapOvr>
+</p:notes>
+</file>
+
+<file path=ppt/notesSlides/notesSlide4.xml><?xml version="1.0" encoding="utf-8"?>
+<p:notes xmlns:a="http://schemas.openxmlformats.org/drawingml/2006/main" xmlns:r="http://schemas.openxmlformats.org/officeDocument/2006/relationships" xmlns:p="http://schemas.openxmlformats.org/presentationml/2006/main">
+  <p:cSld>
+    <p:spTree>
+      <p:nvGrpSpPr>
+        <p:cNvPr id="1" name=""/>
+        <p:cNvGrpSpPr/>
+        <p:nvPr/>
+      </p:nvGrpSpPr>
+      <p:grpSpPr>
+        <a:xfrm>
+          <a:off x="0" y="0"/>
+          <a:ext cx="0" cy="0"/>
+          <a:chOff x="0" y="0"/>
+          <a:chExt cx="0" cy="0"/>
+        </a:xfrm>
+      </p:grpSpPr>
+      <p:sp>
+        <p:nvSpPr>
+          <p:cNvPr id="2" name="Slide Image Placeholder 1"/>
+          <p:cNvSpPr>
+            <a:spLocks noGrp="1" noRot="1" noChangeAspect="1"/>
+          </p:cNvSpPr>
+          <p:nvPr>
+            <p:ph type="sldImg"/>
+          </p:nvPr>
+        </p:nvSpPr>
+        <p:spPr/>
+      </p:sp>
+      <p:sp>
+        <p:nvSpPr>
+          <p:cNvPr id="3" name="Notes Placeholder 2"/>
+          <p:cNvSpPr>
+            <a:spLocks noGrp="1"/>
+          </p:cNvSpPr>
+          <p:nvPr>
+            <p:ph type="body" idx="1"/>
+          </p:nvPr>
+        </p:nvSpPr>
+        <p:spPr/>
+        <p:txBody>
+          <a:bodyPr/>
+          <a:lstStyle/>
+          <a:p>
+            <a:endParaRPr lang="en-GB" dirty="0"/>
+          </a:p>
+        </p:txBody>
+      </p:sp>
+      <p:sp>
+        <p:nvSpPr>
+          <p:cNvPr id="4" name="Slide Number Placeholder 3"/>
+          <p:cNvSpPr>
+            <a:spLocks noGrp="1"/>
+          </p:cNvSpPr>
+          <p:nvPr>
+            <p:ph type="sldNum" sz="quarter" idx="5"/>
+          </p:nvPr>
+        </p:nvSpPr>
+        <p:spPr/>
+        <p:txBody>
+          <a:bodyPr/>
+          <a:lstStyle/>
+          <a:p>
+            <a:fld id="{945AE9AA-FFB8-4A6F-835D-DFF20E6952A1}" type="slidenum">
+              <a:rPr lang="en-GB" smtClean="0"/>
+              <a:t>4</a:t>
+            </a:fld>
+            <a:endParaRPr lang="en-GB"/>
+          </a:p>
+        </p:txBody>
+      </p:sp>
+    </p:spTree>
+    <p:extLst>
+      <p:ext uri="{BB962C8B-B14F-4D97-AF65-F5344CB8AC3E}">
+        <p14:creationId xmlns:p14="http://schemas.microsoft.com/office/powerpoint/2010/main" val="3908718078"/>
+      </p:ext>
+    </p:extLst>
+  </p:cSld>
+  <p:clrMapOvr>
+    <a:masterClrMapping/>
+  </p:clrMapOvr>
+</p:notes>
+</file>
+
+<file path=ppt/notesSlides/notesSlide5.xml><?xml version="1.0" encoding="utf-8"?>
+<p:notes xmlns:a="http://schemas.openxmlformats.org/drawingml/2006/main" xmlns:r="http://schemas.openxmlformats.org/officeDocument/2006/relationships" xmlns:p="http://schemas.openxmlformats.org/presentationml/2006/main">
+  <p:cSld>
+    <p:spTree>
+      <p:nvGrpSpPr>
+        <p:cNvPr id="1" name=""/>
+        <p:cNvGrpSpPr/>
+        <p:nvPr/>
+      </p:nvGrpSpPr>
+      <p:grpSpPr>
+        <a:xfrm>
+          <a:off x="0" y="0"/>
+          <a:ext cx="0" cy="0"/>
+          <a:chOff x="0" y="0"/>
+          <a:chExt cx="0" cy="0"/>
+        </a:xfrm>
+      </p:grpSpPr>
+      <p:sp>
+        <p:nvSpPr>
+          <p:cNvPr id="2" name="Slide Image Placeholder 1"/>
+          <p:cNvSpPr>
+            <a:spLocks noGrp="1" noRot="1" noChangeAspect="1"/>
+          </p:cNvSpPr>
+          <p:nvPr>
+            <p:ph type="sldImg"/>
+          </p:nvPr>
+        </p:nvSpPr>
+        <p:spPr/>
+      </p:sp>
+      <p:sp>
+        <p:nvSpPr>
+          <p:cNvPr id="3" name="Notes Placeholder 2"/>
+          <p:cNvSpPr>
+            <a:spLocks noGrp="1"/>
+          </p:cNvSpPr>
+          <p:nvPr>
+            <p:ph type="body" idx="1"/>
+          </p:nvPr>
+        </p:nvSpPr>
+        <p:spPr/>
+        <p:txBody>
+          <a:bodyPr/>
+          <a:lstStyle/>
+          <a:p>
+            <a:endParaRPr lang="en-GB" dirty="0"/>
+          </a:p>
+        </p:txBody>
+      </p:sp>
+      <p:sp>
+        <p:nvSpPr>
+          <p:cNvPr id="4" name="Slide Number Placeholder 3"/>
+          <p:cNvSpPr>
+            <a:spLocks noGrp="1"/>
+          </p:cNvSpPr>
+          <p:nvPr>
+            <p:ph type="sldNum" sz="quarter" idx="5"/>
+          </p:nvPr>
+        </p:nvSpPr>
+        <p:spPr/>
+        <p:txBody>
+          <a:bodyPr/>
+          <a:lstStyle/>
+          <a:p>
+            <a:fld id="{945AE9AA-FFB8-4A6F-835D-DFF20E6952A1}" type="slidenum">
+              <a:rPr lang="en-GB" smtClean="0"/>
+              <a:t>5</a:t>
+            </a:fld>
+            <a:endParaRPr lang="en-GB"/>
+          </a:p>
+        </p:txBody>
+      </p:sp>
+    </p:spTree>
+    <p:extLst>
+      <p:ext uri="{BB962C8B-B14F-4D97-AF65-F5344CB8AC3E}">
+        <p14:creationId xmlns:p14="http://schemas.microsoft.com/office/powerpoint/2010/main" val="3826721406"/>
+      </p:ext>
+    </p:extLst>
+  </p:cSld>
+  <p:clrMapOvr>
+    <a:masterClrMapping/>
+  </p:clrMapOvr>
+</p:notes>
+</file>
+
+<file path=ppt/notesSlides/notesSlide6.xml><?xml version="1.0" encoding="utf-8"?>
+<p:notes xmlns:a="http://schemas.openxmlformats.org/drawingml/2006/main" xmlns:r="http://schemas.openxmlformats.org/officeDocument/2006/relationships" xmlns:p="http://schemas.openxmlformats.org/presentationml/2006/main">
+  <p:cSld>
+    <p:spTree>
+      <p:nvGrpSpPr>
+        <p:cNvPr id="1" name=""/>
+        <p:cNvGrpSpPr/>
+        <p:nvPr/>
+      </p:nvGrpSpPr>
+      <p:grpSpPr>
+        <a:xfrm>
+          <a:off x="0" y="0"/>
+          <a:ext cx="0" cy="0"/>
+          <a:chOff x="0" y="0"/>
+          <a:chExt cx="0" cy="0"/>
+        </a:xfrm>
+      </p:grpSpPr>
+      <p:sp>
+        <p:nvSpPr>
+          <p:cNvPr id="2" name="Slide Image Placeholder 1"/>
+          <p:cNvSpPr>
+            <a:spLocks noGrp="1" noRot="1" noChangeAspect="1"/>
+          </p:cNvSpPr>
+          <p:nvPr>
+            <p:ph type="sldImg"/>
+          </p:nvPr>
+        </p:nvSpPr>
+        <p:spPr/>
+      </p:sp>
+      <p:sp>
+        <p:nvSpPr>
+          <p:cNvPr id="3" name="Notes Placeholder 2"/>
+          <p:cNvSpPr>
+            <a:spLocks noGrp="1"/>
+          </p:cNvSpPr>
+          <p:nvPr>
+            <p:ph type="body" idx="1"/>
+          </p:nvPr>
+        </p:nvSpPr>
+        <p:spPr/>
+        <p:txBody>
+          <a:bodyPr/>
+          <a:lstStyle/>
+          <a:p>
+            <a:endParaRPr lang="en-GB" dirty="0"/>
+          </a:p>
+        </p:txBody>
+      </p:sp>
+      <p:sp>
+        <p:nvSpPr>
+          <p:cNvPr id="4" name="Slide Number Placeholder 3"/>
+          <p:cNvSpPr>
+            <a:spLocks noGrp="1"/>
+          </p:cNvSpPr>
+          <p:nvPr>
+            <p:ph type="sldNum" sz="quarter" idx="5"/>
+          </p:nvPr>
+        </p:nvSpPr>
+        <p:spPr/>
+        <p:txBody>
+          <a:bodyPr/>
+          <a:lstStyle/>
+          <a:p>
+            <a:fld id="{945AE9AA-FFB8-4A6F-835D-DFF20E6952A1}" type="slidenum">
+              <a:rPr lang="en-GB" smtClean="0"/>
+              <a:t>6</a:t>
+            </a:fld>
+            <a:endParaRPr lang="en-GB"/>
+          </a:p>
+        </p:txBody>
+      </p:sp>
+    </p:spTree>
+    <p:extLst>
+      <p:ext uri="{BB962C8B-B14F-4D97-AF65-F5344CB8AC3E}">
+        <p14:creationId xmlns:p14="http://schemas.microsoft.com/office/powerpoint/2010/main" val="4046984703"/>
+      </p:ext>
+    </p:extLst>
+  </p:cSld>
+  <p:clrMapOvr>
+    <a:masterClrMapping/>
+  </p:clrMapOvr>
+</p:notes>
+</file>
+
+<file path=ppt/notesSlides/notesSlide7.xml><?xml version="1.0" encoding="utf-8"?>
+<p:notes xmlns:a="http://schemas.openxmlformats.org/drawingml/2006/main" xmlns:r="http://schemas.openxmlformats.org/officeDocument/2006/relationships" xmlns:p="http://schemas.openxmlformats.org/presentationml/2006/main">
+  <p:cSld>
+    <p:spTree>
+      <p:nvGrpSpPr>
+        <p:cNvPr id="1" name=""/>
+        <p:cNvGrpSpPr/>
+        <p:nvPr/>
+      </p:nvGrpSpPr>
+      <p:grpSpPr>
+        <a:xfrm>
+          <a:off x="0" y="0"/>
+          <a:ext cx="0" cy="0"/>
+          <a:chOff x="0" y="0"/>
+          <a:chExt cx="0" cy="0"/>
+        </a:xfrm>
+      </p:grpSpPr>
+      <p:sp>
+        <p:nvSpPr>
+          <p:cNvPr id="2" name="Slide Image Placeholder 1"/>
+          <p:cNvSpPr>
+            <a:spLocks noGrp="1" noRot="1" noChangeAspect="1"/>
+          </p:cNvSpPr>
+          <p:nvPr>
+            <p:ph type="sldImg"/>
+          </p:nvPr>
+        </p:nvSpPr>
+        <p:spPr/>
+      </p:sp>
+      <p:sp>
+        <p:nvSpPr>
+          <p:cNvPr id="3" name="Notes Placeholder 2"/>
+          <p:cNvSpPr>
+            <a:spLocks noGrp="1"/>
+          </p:cNvSpPr>
+          <p:nvPr>
+            <p:ph type="body" idx="1"/>
+          </p:nvPr>
+        </p:nvSpPr>
+        <p:spPr/>
+        <p:txBody>
+          <a:bodyPr/>
+          <a:lstStyle/>
+          <a:p>
             <a:pPr marL="171450" indent="-171450">
               <a:buFont typeface="Arial" panose="020B0604020202020204" pitchFamily="34" charset="0"/>
               <a:buChar char="•"/>
@@ -754,7 +1094,7 @@
           <a:p>
             <a:fld id="{945AE9AA-FFB8-4A6F-835D-DFF20E6952A1}" type="slidenum">
               <a:rPr lang="en-GB" smtClean="0"/>
-              <a:t>3</a:t>
+              <a:t>7</a:t>
             </a:fld>
             <a:endParaRPr lang="en-GB"/>
           </a:p>
@@ -922,7 +1262,7 @@
           <a:p>
             <a:fld id="{35DBDC46-661E-48B2-857C-F62253F6C9C2}" type="datetimeFigureOut">
               <a:rPr lang="en-GB" smtClean="0"/>
-              <a:t>17/08/2019</a:t>
+              <a:t>01/09/2019</a:t>
             </a:fld>
             <a:endParaRPr lang="en-GB"/>
           </a:p>
@@ -1122,7 +1462,7 @@
           <a:p>
             <a:fld id="{35DBDC46-661E-48B2-857C-F62253F6C9C2}" type="datetimeFigureOut">
               <a:rPr lang="en-GB" smtClean="0"/>
-              <a:t>17/08/2019</a:t>
+              <a:t>01/09/2019</a:t>
             </a:fld>
             <a:endParaRPr lang="en-GB"/>
           </a:p>
@@ -1332,7 +1672,7 @@
           <a:p>
             <a:fld id="{35DBDC46-661E-48B2-857C-F62253F6C9C2}" type="datetimeFigureOut">
               <a:rPr lang="en-GB" smtClean="0"/>
-              <a:t>17/08/2019</a:t>
+              <a:t>01/09/2019</a:t>
             </a:fld>
             <a:endParaRPr lang="en-GB"/>
           </a:p>
@@ -1532,7 +1872,7 @@
           <a:p>
             <a:fld id="{35DBDC46-661E-48B2-857C-F62253F6C9C2}" type="datetimeFigureOut">
               <a:rPr lang="en-GB" smtClean="0"/>
-              <a:t>17/08/2019</a:t>
+              <a:t>01/09/2019</a:t>
             </a:fld>
             <a:endParaRPr lang="en-GB"/>
           </a:p>
@@ -1808,7 +2148,7 @@
           <a:p>
             <a:fld id="{35DBDC46-661E-48B2-857C-F62253F6C9C2}" type="datetimeFigureOut">
               <a:rPr lang="en-GB" smtClean="0"/>
-              <a:t>17/08/2019</a:t>
+              <a:t>01/09/2019</a:t>
             </a:fld>
             <a:endParaRPr lang="en-GB"/>
           </a:p>
@@ -2076,7 +2416,7 @@
           <a:p>
             <a:fld id="{35DBDC46-661E-48B2-857C-F62253F6C9C2}" type="datetimeFigureOut">
               <a:rPr lang="en-GB" smtClean="0"/>
-              <a:t>17/08/2019</a:t>
+              <a:t>01/09/2019</a:t>
             </a:fld>
             <a:endParaRPr lang="en-GB"/>
           </a:p>
@@ -2491,7 +2831,7 @@
           <a:p>
             <a:fld id="{35DBDC46-661E-48B2-857C-F62253F6C9C2}" type="datetimeFigureOut">
               <a:rPr lang="en-GB" smtClean="0"/>
-              <a:t>17/08/2019</a:t>
+              <a:t>01/09/2019</a:t>
             </a:fld>
             <a:endParaRPr lang="en-GB"/>
           </a:p>
@@ -2633,7 +2973,7 @@
           <a:p>
             <a:fld id="{35DBDC46-661E-48B2-857C-F62253F6C9C2}" type="datetimeFigureOut">
               <a:rPr lang="en-GB" smtClean="0"/>
-              <a:t>17/08/2019</a:t>
+              <a:t>01/09/2019</a:t>
             </a:fld>
             <a:endParaRPr lang="en-GB"/>
           </a:p>
@@ -2746,7 +3086,7 @@
           <a:p>
             <a:fld id="{35DBDC46-661E-48B2-857C-F62253F6C9C2}" type="datetimeFigureOut">
               <a:rPr lang="en-GB" smtClean="0"/>
-              <a:t>17/08/2019</a:t>
+              <a:t>01/09/2019</a:t>
             </a:fld>
             <a:endParaRPr lang="en-GB"/>
           </a:p>
@@ -3059,7 +3399,7 @@
           <a:p>
             <a:fld id="{35DBDC46-661E-48B2-857C-F62253F6C9C2}" type="datetimeFigureOut">
               <a:rPr lang="en-GB" smtClean="0"/>
-              <a:t>17/08/2019</a:t>
+              <a:t>01/09/2019</a:t>
             </a:fld>
             <a:endParaRPr lang="en-GB"/>
           </a:p>
@@ -3348,7 +3688,7 @@
           <a:p>
             <a:fld id="{35DBDC46-661E-48B2-857C-F62253F6C9C2}" type="datetimeFigureOut">
               <a:rPr lang="en-GB" smtClean="0"/>
-              <a:t>17/08/2019</a:t>
+              <a:t>01/09/2019</a:t>
             </a:fld>
             <a:endParaRPr lang="en-GB"/>
           </a:p>
@@ -3591,7 +3931,7 @@
           <a:p>
             <a:fld id="{35DBDC46-661E-48B2-857C-F62253F6C9C2}" type="datetimeFigureOut">
               <a:rPr lang="en-GB" smtClean="0"/>
-              <a:t>17/08/2019</a:t>
+              <a:t>01/09/2019</a:t>
             </a:fld>
             <a:endParaRPr lang="en-GB"/>
           </a:p>
@@ -4148,16 +4488,6 @@
             </a:r>
           </a:p>
           <a:p>
-            <a:endParaRPr lang="en-GB" sz="3600" dirty="0">
-              <a:solidFill>
-                <a:schemeClr val="bg2">
-                  <a:lumMod val="25000"/>
-                </a:schemeClr>
-              </a:solidFill>
-              <a:latin typeface="3ds" panose="02000503020000020004" pitchFamily="2" charset="0"/>
-            </a:endParaRPr>
-          </a:p>
-          <a:p>
             <a:r>
               <a:rPr lang="en-GB" sz="3600" dirty="0">
                 <a:solidFill>
@@ -4167,17 +4497,30 @@
                 </a:solidFill>
                 <a:latin typeface="3ds" panose="02000503020000020004" pitchFamily="2" charset="0"/>
               </a:rPr>
-              <a:t>					What is the IoT?</a:t>
+              <a:t>					</a:t>
+            </a:r>
+          </a:p>
+          <a:p>
+            <a:r>
+              <a:rPr lang="en-GB" sz="3600" dirty="0">
+                <a:solidFill>
+                  <a:schemeClr val="bg2">
+                    <a:lumMod val="25000"/>
+                  </a:schemeClr>
+                </a:solidFill>
+                <a:latin typeface="3ds" panose="02000503020000020004" pitchFamily="2" charset="0"/>
+              </a:rPr>
+              <a:t>What is the IoT?</a:t>
             </a:r>
           </a:p>
         </p:txBody>
       </p:sp>
       <p:pic>
         <p:nvPicPr>
-          <p:cNvPr id="7" name="Picture 6" descr="A close up of a logo&#10;&#10;Description automatically generated">
-            <a:extLst>
-              <a:ext uri="{FF2B5EF4-FFF2-40B4-BE49-F238E27FC236}">
-                <a16:creationId xmlns:a16="http://schemas.microsoft.com/office/drawing/2014/main" id="{F0BC9BC8-C4B4-4A10-B6DA-96C48E07DF3E}"/>
+          <p:cNvPr id="3" name="Picture 2">
+            <a:extLst>
+              <a:ext uri="{FF2B5EF4-FFF2-40B4-BE49-F238E27FC236}">
+                <a16:creationId xmlns:a16="http://schemas.microsoft.com/office/drawing/2014/main" id="{6F318126-4E75-422F-9BFA-E5FAFDBDB3C2}"/>
               </a:ext>
             </a:extLst>
           </p:cNvPr>
@@ -4186,7 +4529,7 @@
           </p:cNvPicPr>
           <p:nvPr/>
         </p:nvPicPr>
-        <p:blipFill rotWithShape="1">
+        <p:blipFill>
           <a:blip r:embed="rId4">
             <a:extLst>
               <a:ext uri="{28A0092B-C50C-407E-A947-70E740481C1C}">
@@ -4194,13 +4537,14 @@
               </a:ext>
             </a:extLst>
           </a:blip>
-          <a:srcRect l="15706" t="11787" r="15492" b="17225"/>
-          <a:stretch/>
+          <a:stretch>
+            <a:fillRect/>
+          </a:stretch>
         </p:blipFill>
         <p:spPr>
           <a:xfrm>
-            <a:off x="10043185" y="5943599"/>
-            <a:ext cx="1772492" cy="914400"/>
+            <a:off x="9968410" y="6010630"/>
+            <a:ext cx="1847267" cy="847370"/>
           </a:xfrm>
           <a:prstGeom prst="rect">
             <a:avLst/>
@@ -4400,7 +4744,7 @@
         <p:spPr>
           <a:xfrm>
             <a:off x="1949824" y="1640541"/>
-            <a:ext cx="8189258" cy="369332"/>
+            <a:ext cx="8189258" cy="1754326"/>
           </a:xfrm>
           <a:prstGeom prst="rect">
             <a:avLst/>
@@ -4424,14 +4768,67 @@
               <a:t>What is the IoT?</a:t>
             </a:r>
           </a:p>
+          <a:p>
+            <a:pPr marL="342900" indent="-342900">
+              <a:buFont typeface="+mj-lt"/>
+              <a:buAutoNum type="arabicPeriod"/>
+            </a:pPr>
+            <a:r>
+              <a:rPr lang="en-GB" dirty="0">
+                <a:latin typeface="HelveticaNeue"/>
+              </a:rPr>
+              <a:t>Why IoT?</a:t>
+            </a:r>
+          </a:p>
+          <a:p>
+            <a:pPr marL="342900" indent="-342900">
+              <a:buFont typeface="+mj-lt"/>
+              <a:buAutoNum type="arabicPeriod"/>
+            </a:pPr>
+            <a:r>
+              <a:rPr lang="en-GB" dirty="0">
+                <a:latin typeface="HelveticaNeue"/>
+              </a:rPr>
+              <a:t>How many devices?</a:t>
+            </a:r>
+          </a:p>
+          <a:p>
+            <a:pPr marL="342900" indent="-342900">
+              <a:buFont typeface="+mj-lt"/>
+              <a:buAutoNum type="arabicPeriod"/>
+            </a:pPr>
+            <a:r>
+              <a:rPr lang="en-GB" dirty="0">
+                <a:latin typeface="HelveticaNeue"/>
+              </a:rPr>
+              <a:t>Applications</a:t>
+            </a:r>
+          </a:p>
+          <a:p>
+            <a:pPr marL="342900" indent="-342900">
+              <a:buFont typeface="+mj-lt"/>
+              <a:buAutoNum type="arabicPeriod"/>
+            </a:pPr>
+            <a:r>
+              <a:rPr lang="en-GB" dirty="0">
+                <a:latin typeface="HelveticaNeue"/>
+              </a:rPr>
+              <a:t>Examples of IoT</a:t>
+            </a:r>
+          </a:p>
+          <a:p>
+            <a:endParaRPr lang="en-GB" dirty="0">
+              <a:latin typeface="HelveticaNeue"/>
+            </a:endParaRPr>
+          </a:p>
         </p:txBody>
       </p:sp>
       <p:pic>
         <p:nvPicPr>
-          <p:cNvPr id="6" name="Picture 5" descr="A close up of a logo&#10;&#10;Description automatically generated">
-            <a:extLst>
-              <a:ext uri="{FF2B5EF4-FFF2-40B4-BE49-F238E27FC236}">
-                <a16:creationId xmlns:a16="http://schemas.microsoft.com/office/drawing/2014/main" id="{17311AED-7222-4BF7-AAC2-9A78EA8F5F2C}"/>
+          <p:cNvPr id="7" name="Picture 6">
+            <a:extLst>
+              <a:ext uri="{FF2B5EF4-FFF2-40B4-BE49-F238E27FC236}">
+                <a16:creationId xmlns:a16="http://schemas.microsoft.com/office/drawing/2014/main" id="{71D3B9A1-27CF-4E31-9333-C95F542DE9E4}"/>
               </a:ext>
             </a:extLst>
           </p:cNvPr>
@@ -4440,7 +4837,7 @@
           </p:cNvPicPr>
           <p:nvPr/>
         </p:nvPicPr>
-        <p:blipFill rotWithShape="1">
+        <p:blipFill>
           <a:blip r:embed="rId4">
             <a:extLst>
               <a:ext uri="{28A0092B-C50C-407E-A947-70E740481C1C}">
@@ -4448,13 +4845,14 @@
               </a:ext>
             </a:extLst>
           </a:blip>
-          <a:srcRect l="15706" t="11787" r="15492" b="17225"/>
-          <a:stretch/>
+          <a:stretch>
+            <a:fillRect/>
+          </a:stretch>
         </p:blipFill>
         <p:spPr>
           <a:xfrm>
-            <a:off x="10043185" y="5943599"/>
-            <a:ext cx="1772492" cy="914400"/>
+            <a:off x="9968410" y="6010630"/>
+            <a:ext cx="1847267" cy="847370"/>
           </a:xfrm>
           <a:prstGeom prst="rect">
             <a:avLst/>
@@ -4507,6 +4905,13 @@
         </p:nvPicPr>
         <p:blipFill rotWithShape="1">
           <a:blip r:embed="rId3">
+            <a:duotone>
+              <a:prstClr val="black"/>
+              <a:schemeClr val="accent5">
+                <a:tint val="45000"/>
+                <a:satMod val="400000"/>
+              </a:schemeClr>
+            </a:duotone>
             <a:extLst>
               <a:ext uri="{28A0092B-C50C-407E-A947-70E740481C1C}">
                 <a14:useLocalDpi xmlns:a14="http://schemas.microsoft.com/office/drawing/2010/main" val="0"/>
@@ -4518,8 +4923,8 @@
         </p:blipFill>
         <p:spPr bwMode="auto">
           <a:xfrm>
-            <a:off x="9525" y="5393006"/>
-            <a:ext cx="1464993" cy="1464993"/>
+            <a:off x="9525" y="5388348"/>
+            <a:ext cx="1469651" cy="1469651"/>
           </a:xfrm>
           <a:prstGeom prst="rect">
             <a:avLst/>
@@ -4604,6 +5009,2380 @@
         </p:nvSpPr>
         <p:spPr>
           <a:xfrm>
+            <a:off x="1660432" y="292294"/>
+            <a:ext cx="8189258" cy="646331"/>
+          </a:xfrm>
+          <a:prstGeom prst="rect">
+            <a:avLst/>
+          </a:prstGeom>
+          <a:noFill/>
+        </p:spPr>
+        <p:txBody>
+          <a:bodyPr wrap="square" rtlCol="0">
+            <a:spAutoFit/>
+          </a:bodyPr>
+          <a:lstStyle/>
+          <a:p>
+            <a:pPr algn="ctr"/>
+            <a:r>
+              <a:rPr lang="en-GB" sz="3600" dirty="0">
+                <a:solidFill>
+                  <a:schemeClr val="bg2">
+                    <a:lumMod val="25000"/>
+                  </a:schemeClr>
+                </a:solidFill>
+                <a:latin typeface="3ds" panose="02000503020000020004" pitchFamily="2" charset="0"/>
+              </a:rPr>
+              <a:t>What is IoT?</a:t>
+            </a:r>
+          </a:p>
+        </p:txBody>
+      </p:sp>
+      <p:sp>
+        <p:nvSpPr>
+          <p:cNvPr id="2" name="TextBox 1">
+            <a:extLst>
+              <a:ext uri="{FF2B5EF4-FFF2-40B4-BE49-F238E27FC236}">
+                <a16:creationId xmlns:a16="http://schemas.microsoft.com/office/drawing/2014/main" id="{262E5A7B-B940-4ED6-9F56-FDBE55B0A1D8}"/>
+              </a:ext>
+            </a:extLst>
+          </p:cNvPr>
+          <p:cNvSpPr txBox="1"/>
+          <p:nvPr/>
+        </p:nvSpPr>
+        <p:spPr>
+          <a:xfrm>
+            <a:off x="1949824" y="1640541"/>
+            <a:ext cx="8189258" cy="3139321"/>
+          </a:xfrm>
+          <a:prstGeom prst="rect">
+            <a:avLst/>
+          </a:prstGeom>
+          <a:noFill/>
+        </p:spPr>
+        <p:txBody>
+          <a:bodyPr wrap="square" rtlCol="0">
+            <a:spAutoFit/>
+          </a:bodyPr>
+          <a:lstStyle/>
+          <a:p>
+            <a:pPr marL="285750" indent="-285750">
+              <a:buClr>
+                <a:schemeClr val="tx1"/>
+              </a:buClr>
+              <a:buFont typeface="Wingdings" panose="05000000000000000000" pitchFamily="2" charset="2"/>
+              <a:buChar char="q"/>
+            </a:pPr>
+            <a:r>
+              <a:rPr lang="en-GB" dirty="0">
+                <a:solidFill>
+                  <a:srgbClr val="0070C0"/>
+                </a:solidFill>
+                <a:latin typeface="HelveticaNeue"/>
+              </a:rPr>
+              <a:t>Internet of Things (IoT) </a:t>
+            </a:r>
+            <a:r>
+              <a:rPr lang="en-GB" dirty="0">
+                <a:latin typeface="HelveticaNeue"/>
+              </a:rPr>
+              <a:t>is a system of devices connected to the </a:t>
+            </a:r>
+            <a:r>
+              <a:rPr lang="en-GB" dirty="0">
+                <a:solidFill>
+                  <a:schemeClr val="accent5">
+                    <a:lumMod val="75000"/>
+                  </a:schemeClr>
+                </a:solidFill>
+                <a:latin typeface="HelveticaNeue"/>
+              </a:rPr>
+              <a:t>Internet</a:t>
+            </a:r>
+            <a:r>
+              <a:rPr lang="en-GB" dirty="0">
+                <a:latin typeface="HelveticaNeue"/>
+              </a:rPr>
+              <a:t> with the ability to collect and exchange data from users or the environment with no </a:t>
+            </a:r>
+            <a:r>
+              <a:rPr lang="en-GB" dirty="0">
+                <a:solidFill>
+                  <a:schemeClr val="accent5">
+                    <a:lumMod val="75000"/>
+                  </a:schemeClr>
+                </a:solidFill>
+                <a:latin typeface="HelveticaNeue"/>
+              </a:rPr>
+              <a:t>human intervention</a:t>
+            </a:r>
+            <a:r>
+              <a:rPr lang="en-GB" dirty="0">
+                <a:latin typeface="HelveticaNeue"/>
+              </a:rPr>
+              <a:t>.</a:t>
+            </a:r>
+          </a:p>
+          <a:p>
+            <a:pPr marL="285750" indent="-285750">
+              <a:buFont typeface="Wingdings" panose="05000000000000000000" pitchFamily="2" charset="2"/>
+              <a:buChar char="q"/>
+            </a:pPr>
+            <a:endParaRPr lang="en-GB" dirty="0">
+              <a:latin typeface="HelveticaNeue"/>
+            </a:endParaRPr>
+          </a:p>
+          <a:p>
+            <a:endParaRPr lang="en-GB" dirty="0">
+              <a:latin typeface="HelveticaNeue"/>
+            </a:endParaRPr>
+          </a:p>
+          <a:p>
+            <a:endParaRPr lang="en-GB" dirty="0">
+              <a:latin typeface="HelveticaNeue"/>
+            </a:endParaRPr>
+          </a:p>
+          <a:p>
+            <a:endParaRPr lang="en-GB" dirty="0">
+              <a:latin typeface="HelveticaNeue"/>
+            </a:endParaRPr>
+          </a:p>
+          <a:p>
+            <a:pPr marL="285750" indent="-285750">
+              <a:buFont typeface="Wingdings" panose="05000000000000000000" pitchFamily="2" charset="2"/>
+              <a:buChar char="q"/>
+            </a:pPr>
+            <a:r>
+              <a:rPr lang="en-GB" dirty="0">
+                <a:latin typeface="HelveticaNeue"/>
+              </a:rPr>
+              <a:t>The device or the `thing` in the IoT could be any device embedded with </a:t>
+            </a:r>
+            <a:r>
+              <a:rPr lang="en-GB" dirty="0">
+                <a:solidFill>
+                  <a:schemeClr val="accent5">
+                    <a:lumMod val="75000"/>
+                  </a:schemeClr>
+                </a:solidFill>
+                <a:latin typeface="HelveticaNeue"/>
+              </a:rPr>
+              <a:t>electronics, software and a sensor</a:t>
+            </a:r>
+            <a:r>
+              <a:rPr lang="en-GB" dirty="0">
+                <a:latin typeface="HelveticaNeue"/>
+              </a:rPr>
+              <a:t> like a; smart refrigerator, a smart air conditioner, household light system, connected security system or even a person with a heart monitor or an automobile.</a:t>
+            </a:r>
+          </a:p>
+        </p:txBody>
+      </p:sp>
+      <p:pic>
+        <p:nvPicPr>
+          <p:cNvPr id="7" name="Picture 6">
+            <a:extLst>
+              <a:ext uri="{FF2B5EF4-FFF2-40B4-BE49-F238E27FC236}">
+                <a16:creationId xmlns:a16="http://schemas.microsoft.com/office/drawing/2014/main" id="{71D3B9A1-27CF-4E31-9333-C95F542DE9E4}"/>
+              </a:ext>
+            </a:extLst>
+          </p:cNvPr>
+          <p:cNvPicPr>
+            <a:picLocks noChangeAspect="1"/>
+          </p:cNvPicPr>
+          <p:nvPr/>
+        </p:nvPicPr>
+        <p:blipFill>
+          <a:blip r:embed="rId4">
+            <a:extLst>
+              <a:ext uri="{28A0092B-C50C-407E-A947-70E740481C1C}">
+                <a14:useLocalDpi xmlns:a14="http://schemas.microsoft.com/office/drawing/2010/main" val="0"/>
+              </a:ext>
+            </a:extLst>
+          </a:blip>
+          <a:stretch>
+            <a:fillRect/>
+          </a:stretch>
+        </p:blipFill>
+        <p:spPr>
+          <a:xfrm>
+            <a:off x="9968410" y="6010630"/>
+            <a:ext cx="1847267" cy="847370"/>
+          </a:xfrm>
+          <a:prstGeom prst="rect">
+            <a:avLst/>
+          </a:prstGeom>
+        </p:spPr>
+      </p:pic>
+      <p:pic>
+        <p:nvPicPr>
+          <p:cNvPr id="8" name="Picture 7">
+            <a:extLst>
+              <a:ext uri="{FF2B5EF4-FFF2-40B4-BE49-F238E27FC236}">
+                <a16:creationId xmlns:a16="http://schemas.microsoft.com/office/drawing/2014/main" id="{F0E95E69-D321-4C11-B081-5B452E60E631}"/>
+              </a:ext>
+            </a:extLst>
+          </p:cNvPr>
+          <p:cNvPicPr>
+            <a:picLocks noChangeAspect="1"/>
+          </p:cNvPicPr>
+          <p:nvPr/>
+        </p:nvPicPr>
+        <p:blipFill>
+          <a:blip r:embed="rId5">
+            <a:alphaModFix amt="85000"/>
+            <a:extLst>
+              <a:ext uri="{28A0092B-C50C-407E-A947-70E740481C1C}">
+                <a14:useLocalDpi xmlns:a14="http://schemas.microsoft.com/office/drawing/2010/main" val="0"/>
+              </a:ext>
+            </a:extLst>
+          </a:blip>
+          <a:stretch>
+            <a:fillRect/>
+          </a:stretch>
+        </p:blipFill>
+        <p:spPr>
+          <a:xfrm>
+            <a:off x="606689" y="1721223"/>
+            <a:ext cx="872487" cy="872487"/>
+          </a:xfrm>
+          <a:prstGeom prst="rect">
+            <a:avLst/>
+          </a:prstGeom>
+        </p:spPr>
+      </p:pic>
+      <p:pic>
+        <p:nvPicPr>
+          <p:cNvPr id="9" name="Picture 8" descr="A picture containing object&#10;&#10;Description automatically generated">
+            <a:extLst>
+              <a:ext uri="{FF2B5EF4-FFF2-40B4-BE49-F238E27FC236}">
+                <a16:creationId xmlns:a16="http://schemas.microsoft.com/office/drawing/2014/main" id="{038B5F9F-E736-4E4E-85D5-39C5280B11C2}"/>
+              </a:ext>
+            </a:extLst>
+          </p:cNvPr>
+          <p:cNvPicPr>
+            <a:picLocks noChangeAspect="1"/>
+          </p:cNvPicPr>
+          <p:nvPr/>
+        </p:nvPicPr>
+        <p:blipFill>
+          <a:blip r:embed="rId6">
+            <a:duotone>
+              <a:prstClr val="black"/>
+              <a:schemeClr val="accent1">
+                <a:tint val="45000"/>
+                <a:satMod val="400000"/>
+              </a:schemeClr>
+            </a:duotone>
+            <a:extLst>
+              <a:ext uri="{28A0092B-C50C-407E-A947-70E740481C1C}">
+                <a14:useLocalDpi xmlns:a14="http://schemas.microsoft.com/office/drawing/2010/main" val="0"/>
+              </a:ext>
+            </a:extLst>
+          </a:blip>
+          <a:stretch>
+            <a:fillRect/>
+          </a:stretch>
+        </p:blipFill>
+        <p:spPr>
+          <a:xfrm>
+            <a:off x="10242176" y="3666017"/>
+            <a:ext cx="923330" cy="923330"/>
+          </a:xfrm>
+          <a:prstGeom prst="rect">
+            <a:avLst/>
+          </a:prstGeom>
+        </p:spPr>
+      </p:pic>
+    </p:spTree>
+    <p:extLst>
+      <p:ext uri="{BB962C8B-B14F-4D97-AF65-F5344CB8AC3E}">
+        <p14:creationId xmlns:p14="http://schemas.microsoft.com/office/powerpoint/2010/main" val="1758400830"/>
+      </p:ext>
+    </p:extLst>
+  </p:cSld>
+  <p:clrMapOvr>
+    <a:masterClrMapping/>
+  </p:clrMapOvr>
+</p:sld>
+</file>
+
+<file path=ppt/slides/slide4.xml><?xml version="1.0" encoding="utf-8"?>
+<p:sld xmlns:a="http://schemas.openxmlformats.org/drawingml/2006/main" xmlns:r="http://schemas.openxmlformats.org/officeDocument/2006/relationships" xmlns:p="http://schemas.openxmlformats.org/presentationml/2006/main">
+  <p:cSld>
+    <p:spTree>
+      <p:nvGrpSpPr>
+        <p:cNvPr id="1" name=""/>
+        <p:cNvGrpSpPr/>
+        <p:nvPr/>
+      </p:nvGrpSpPr>
+      <p:grpSpPr>
+        <a:xfrm>
+          <a:off x="0" y="0"/>
+          <a:ext cx="0" cy="0"/>
+          <a:chOff x="0" y="0"/>
+          <a:chExt cx="0" cy="0"/>
+        </a:xfrm>
+      </p:grpSpPr>
+      <p:pic>
+        <p:nvPicPr>
+          <p:cNvPr id="1030" name="Picture 6" descr="IoT Power Management">
+            <a:extLst>
+              <a:ext uri="{FF2B5EF4-FFF2-40B4-BE49-F238E27FC236}">
+                <a16:creationId xmlns:a16="http://schemas.microsoft.com/office/drawing/2014/main" id="{F9844D2D-635D-44A0-B958-1E4C39246144}"/>
+              </a:ext>
+            </a:extLst>
+          </p:cNvPr>
+          <p:cNvPicPr>
+            <a:picLocks noChangeAspect="1" noChangeArrowheads="1"/>
+          </p:cNvPicPr>
+          <p:nvPr/>
+        </p:nvPicPr>
+        <p:blipFill rotWithShape="1">
+          <a:blip r:embed="rId3">
+            <a:duotone>
+              <a:prstClr val="black"/>
+              <a:schemeClr val="accent5">
+                <a:tint val="45000"/>
+                <a:satMod val="400000"/>
+              </a:schemeClr>
+            </a:duotone>
+            <a:extLst>
+              <a:ext uri="{28A0092B-C50C-407E-A947-70E740481C1C}">
+                <a14:useLocalDpi xmlns:a14="http://schemas.microsoft.com/office/drawing/2010/main" val="0"/>
+              </a:ext>
+            </a:extLst>
+          </a:blip>
+          <a:srcRect l="17628" t="11071" r="17690" b="10896"/>
+          <a:stretch/>
+        </p:blipFill>
+        <p:spPr bwMode="auto">
+          <a:xfrm>
+            <a:off x="9525" y="5388348"/>
+            <a:ext cx="1469651" cy="1469651"/>
+          </a:xfrm>
+          <a:prstGeom prst="rect">
+            <a:avLst/>
+          </a:prstGeom>
+          <a:noFill/>
+          <a:extLst>
+            <a:ext uri="{909E8E84-426E-40DD-AFC4-6F175D3DCCD1}">
+              <a14:hiddenFill xmlns:a14="http://schemas.microsoft.com/office/drawing/2010/main">
+                <a:solidFill>
+                  <a:srgbClr val="FFFFFF"/>
+                </a:solidFill>
+              </a14:hiddenFill>
+            </a:ext>
+          </a:extLst>
+        </p:spPr>
+      </p:pic>
+      <p:sp>
+        <p:nvSpPr>
+          <p:cNvPr id="4" name="Rectangle 3">
+            <a:extLst>
+              <a:ext uri="{FF2B5EF4-FFF2-40B4-BE49-F238E27FC236}">
+                <a16:creationId xmlns:a16="http://schemas.microsoft.com/office/drawing/2014/main" id="{9D476336-A01A-47A0-975E-B9D85496F266}"/>
+              </a:ext>
+            </a:extLst>
+          </p:cNvPr>
+          <p:cNvSpPr/>
+          <p:nvPr/>
+        </p:nvSpPr>
+        <p:spPr>
+          <a:xfrm rot="5400000">
+            <a:off x="8578368" y="3220641"/>
+            <a:ext cx="6874669" cy="400050"/>
+          </a:xfrm>
+          <a:prstGeom prst="rect">
+            <a:avLst/>
+          </a:prstGeom>
+          <a:solidFill>
+            <a:srgbClr val="194B89"/>
+          </a:solidFill>
+          <a:ln>
+            <a:solidFill>
+              <a:srgbClr val="194B89"/>
+            </a:solidFill>
+          </a:ln>
+        </p:spPr>
+        <p:style>
+          <a:lnRef idx="2">
+            <a:schemeClr val="accent1">
+              <a:shade val="50000"/>
+            </a:schemeClr>
+          </a:lnRef>
+          <a:fillRef idx="1">
+            <a:schemeClr val="accent1"/>
+          </a:fillRef>
+          <a:effectRef idx="0">
+            <a:schemeClr val="accent1"/>
+          </a:effectRef>
+          <a:fontRef idx="minor">
+            <a:schemeClr val="lt1"/>
+          </a:fontRef>
+        </p:style>
+        <p:txBody>
+          <a:bodyPr rtlCol="0" anchor="ctr"/>
+          <a:lstStyle/>
+          <a:p>
+            <a:pPr algn="ctr"/>
+            <a:endParaRPr lang="en-GB"/>
+          </a:p>
+        </p:txBody>
+      </p:sp>
+      <p:sp>
+        <p:nvSpPr>
+          <p:cNvPr id="5" name="TextBox 4">
+            <a:extLst>
+              <a:ext uri="{FF2B5EF4-FFF2-40B4-BE49-F238E27FC236}">
+                <a16:creationId xmlns:a16="http://schemas.microsoft.com/office/drawing/2014/main" id="{DFBF54CF-F8EF-476F-941C-A4D2002C5A47}"/>
+              </a:ext>
+            </a:extLst>
+          </p:cNvPr>
+          <p:cNvSpPr txBox="1"/>
+          <p:nvPr/>
+        </p:nvSpPr>
+        <p:spPr>
+          <a:xfrm>
+            <a:off x="1660432" y="292294"/>
+            <a:ext cx="8189258" cy="646331"/>
+          </a:xfrm>
+          <a:prstGeom prst="rect">
+            <a:avLst/>
+          </a:prstGeom>
+          <a:noFill/>
+        </p:spPr>
+        <p:txBody>
+          <a:bodyPr wrap="square" rtlCol="0">
+            <a:spAutoFit/>
+          </a:bodyPr>
+          <a:lstStyle/>
+          <a:p>
+            <a:pPr algn="ctr"/>
+            <a:r>
+              <a:rPr lang="en-GB" sz="3600" dirty="0">
+                <a:solidFill>
+                  <a:schemeClr val="bg2">
+                    <a:lumMod val="25000"/>
+                  </a:schemeClr>
+                </a:solidFill>
+                <a:latin typeface="3ds" panose="02000503020000020004" pitchFamily="2" charset="0"/>
+              </a:rPr>
+              <a:t>Why IoT?</a:t>
+            </a:r>
+          </a:p>
+        </p:txBody>
+      </p:sp>
+      <p:sp>
+        <p:nvSpPr>
+          <p:cNvPr id="2" name="TextBox 1">
+            <a:extLst>
+              <a:ext uri="{FF2B5EF4-FFF2-40B4-BE49-F238E27FC236}">
+                <a16:creationId xmlns:a16="http://schemas.microsoft.com/office/drawing/2014/main" id="{262E5A7B-B940-4ED6-9F56-FDBE55B0A1D8}"/>
+              </a:ext>
+            </a:extLst>
+          </p:cNvPr>
+          <p:cNvSpPr txBox="1"/>
+          <p:nvPr/>
+        </p:nvSpPr>
+        <p:spPr>
+          <a:xfrm>
+            <a:off x="3326443" y="2157466"/>
+            <a:ext cx="4639235" cy="3139321"/>
+          </a:xfrm>
+          <a:prstGeom prst="rect">
+            <a:avLst/>
+          </a:prstGeom>
+          <a:noFill/>
+        </p:spPr>
+        <p:txBody>
+          <a:bodyPr wrap="square" rtlCol="0">
+            <a:spAutoFit/>
+          </a:bodyPr>
+          <a:lstStyle/>
+          <a:p>
+            <a:pPr marL="285750" indent="-285750">
+              <a:buClr>
+                <a:schemeClr val="tx1"/>
+              </a:buClr>
+              <a:buFont typeface="Wingdings" panose="05000000000000000000" pitchFamily="2" charset="2"/>
+              <a:buChar char="q"/>
+            </a:pPr>
+            <a:r>
+              <a:rPr lang="en-GB" dirty="0">
+                <a:latin typeface="HelveticaNeue"/>
+              </a:rPr>
+              <a:t>We are </a:t>
+            </a:r>
+            <a:r>
+              <a:rPr lang="en-GB" dirty="0">
+                <a:solidFill>
+                  <a:srgbClr val="0070C0"/>
+                </a:solidFill>
+                <a:latin typeface="HelveticaNeue"/>
+              </a:rPr>
+              <a:t>lazy</a:t>
+            </a:r>
+          </a:p>
+          <a:p>
+            <a:pPr>
+              <a:buClr>
+                <a:schemeClr val="tx1"/>
+              </a:buClr>
+            </a:pPr>
+            <a:endParaRPr lang="en-GB" dirty="0">
+              <a:solidFill>
+                <a:srgbClr val="0070C0"/>
+              </a:solidFill>
+              <a:latin typeface="HelveticaNeue"/>
+            </a:endParaRPr>
+          </a:p>
+          <a:p>
+            <a:pPr>
+              <a:buClr>
+                <a:schemeClr val="tx1"/>
+              </a:buClr>
+            </a:pPr>
+            <a:endParaRPr lang="en-GB" dirty="0">
+              <a:latin typeface="HelveticaNeue"/>
+            </a:endParaRPr>
+          </a:p>
+          <a:p>
+            <a:pPr marL="285750" indent="-285750">
+              <a:buClr>
+                <a:schemeClr val="tx1"/>
+              </a:buClr>
+              <a:buFont typeface="Wingdings" panose="05000000000000000000" pitchFamily="2" charset="2"/>
+              <a:buChar char="q"/>
+            </a:pPr>
+            <a:r>
+              <a:rPr lang="en-GB" dirty="0">
+                <a:latin typeface="HelveticaNeue"/>
+              </a:rPr>
+              <a:t>We want to </a:t>
+            </a:r>
+            <a:r>
+              <a:rPr lang="en-GB" dirty="0">
+                <a:solidFill>
+                  <a:srgbClr val="0070C0"/>
+                </a:solidFill>
+                <a:latin typeface="HelveticaNeue"/>
+              </a:rPr>
+              <a:t>automate</a:t>
+            </a:r>
+            <a:r>
+              <a:rPr lang="en-GB" dirty="0">
+                <a:latin typeface="HelveticaNeue"/>
+              </a:rPr>
+              <a:t> everything</a:t>
+            </a:r>
+          </a:p>
+          <a:p>
+            <a:pPr>
+              <a:buClr>
+                <a:schemeClr val="tx1"/>
+              </a:buClr>
+            </a:pPr>
+            <a:endParaRPr lang="en-GB" dirty="0">
+              <a:latin typeface="HelveticaNeue"/>
+            </a:endParaRPr>
+          </a:p>
+          <a:p>
+            <a:pPr>
+              <a:buClr>
+                <a:schemeClr val="tx1"/>
+              </a:buClr>
+            </a:pPr>
+            <a:endParaRPr lang="en-GB" dirty="0">
+              <a:latin typeface="HelveticaNeue"/>
+            </a:endParaRPr>
+          </a:p>
+          <a:p>
+            <a:pPr marL="285750" indent="-285750">
+              <a:buClr>
+                <a:schemeClr val="tx1"/>
+              </a:buClr>
+              <a:buFont typeface="Wingdings" panose="05000000000000000000" pitchFamily="2" charset="2"/>
+              <a:buChar char="q"/>
+            </a:pPr>
+            <a:r>
+              <a:rPr lang="en-GB" dirty="0">
+                <a:latin typeface="HelveticaNeue"/>
+              </a:rPr>
+              <a:t>We want to </a:t>
+            </a:r>
+            <a:r>
+              <a:rPr lang="en-GB" dirty="0">
+                <a:solidFill>
+                  <a:srgbClr val="0070C0"/>
+                </a:solidFill>
+                <a:latin typeface="HelveticaNeue"/>
+              </a:rPr>
+              <a:t>control</a:t>
+            </a:r>
+            <a:r>
+              <a:rPr lang="en-GB" dirty="0">
+                <a:latin typeface="HelveticaNeue"/>
+              </a:rPr>
+              <a:t> everything remotely</a:t>
+            </a:r>
+          </a:p>
+          <a:p>
+            <a:pPr>
+              <a:buClr>
+                <a:schemeClr val="tx1"/>
+              </a:buClr>
+            </a:pPr>
+            <a:endParaRPr lang="en-GB" dirty="0">
+              <a:latin typeface="HelveticaNeue"/>
+            </a:endParaRPr>
+          </a:p>
+          <a:p>
+            <a:pPr>
+              <a:buClr>
+                <a:schemeClr val="tx1"/>
+              </a:buClr>
+            </a:pPr>
+            <a:endParaRPr lang="en-GB" dirty="0">
+              <a:latin typeface="HelveticaNeue"/>
+            </a:endParaRPr>
+          </a:p>
+          <a:p>
+            <a:pPr marL="285750" indent="-285750">
+              <a:buClr>
+                <a:schemeClr val="tx1"/>
+              </a:buClr>
+              <a:buFont typeface="Wingdings" panose="05000000000000000000" pitchFamily="2" charset="2"/>
+              <a:buChar char="q"/>
+            </a:pPr>
+            <a:r>
+              <a:rPr lang="en-GB" dirty="0">
+                <a:latin typeface="HelveticaNeue"/>
+              </a:rPr>
+              <a:t>We want to see </a:t>
+            </a:r>
+            <a:r>
+              <a:rPr lang="en-GB" dirty="0">
+                <a:solidFill>
+                  <a:srgbClr val="0070C0"/>
+                </a:solidFill>
+                <a:latin typeface="HelveticaNeue"/>
+              </a:rPr>
+              <a:t>data in ‘</a:t>
+            </a:r>
+            <a:r>
+              <a:rPr lang="en-GB" i="1" dirty="0">
+                <a:solidFill>
+                  <a:srgbClr val="0070C0"/>
+                </a:solidFill>
+                <a:latin typeface="HelveticaNeue"/>
+              </a:rPr>
+              <a:t>real-time</a:t>
+            </a:r>
+            <a:r>
+              <a:rPr lang="en-GB" dirty="0">
+                <a:solidFill>
+                  <a:srgbClr val="0070C0"/>
+                </a:solidFill>
+                <a:latin typeface="HelveticaNeue"/>
+              </a:rPr>
+              <a:t>’</a:t>
+            </a:r>
+          </a:p>
+          <a:p>
+            <a:endParaRPr lang="en-GB" dirty="0">
+              <a:latin typeface="HelveticaNeue"/>
+            </a:endParaRPr>
+          </a:p>
+        </p:txBody>
+      </p:sp>
+      <p:pic>
+        <p:nvPicPr>
+          <p:cNvPr id="7" name="Picture 6">
+            <a:extLst>
+              <a:ext uri="{FF2B5EF4-FFF2-40B4-BE49-F238E27FC236}">
+                <a16:creationId xmlns:a16="http://schemas.microsoft.com/office/drawing/2014/main" id="{71D3B9A1-27CF-4E31-9333-C95F542DE9E4}"/>
+              </a:ext>
+            </a:extLst>
+          </p:cNvPr>
+          <p:cNvPicPr>
+            <a:picLocks noChangeAspect="1"/>
+          </p:cNvPicPr>
+          <p:nvPr/>
+        </p:nvPicPr>
+        <p:blipFill>
+          <a:blip r:embed="rId4">
+            <a:extLst>
+              <a:ext uri="{28A0092B-C50C-407E-A947-70E740481C1C}">
+                <a14:useLocalDpi xmlns:a14="http://schemas.microsoft.com/office/drawing/2010/main" val="0"/>
+              </a:ext>
+            </a:extLst>
+          </a:blip>
+          <a:stretch>
+            <a:fillRect/>
+          </a:stretch>
+        </p:blipFill>
+        <p:spPr>
+          <a:xfrm>
+            <a:off x="9968410" y="6010630"/>
+            <a:ext cx="1847267" cy="847370"/>
+          </a:xfrm>
+          <a:prstGeom prst="rect">
+            <a:avLst/>
+          </a:prstGeom>
+        </p:spPr>
+      </p:pic>
+      <p:pic>
+        <p:nvPicPr>
+          <p:cNvPr id="6" name="Picture 5">
+            <a:extLst>
+              <a:ext uri="{FF2B5EF4-FFF2-40B4-BE49-F238E27FC236}">
+                <a16:creationId xmlns:a16="http://schemas.microsoft.com/office/drawing/2014/main" id="{C0BAC5A1-7FCC-446A-9D7E-251E1D39B927}"/>
+              </a:ext>
+            </a:extLst>
+          </p:cNvPr>
+          <p:cNvPicPr>
+            <a:picLocks noChangeAspect="1"/>
+          </p:cNvPicPr>
+          <p:nvPr/>
+        </p:nvPicPr>
+        <p:blipFill>
+          <a:blip r:embed="rId5">
+            <a:duotone>
+              <a:schemeClr val="accent5">
+                <a:shade val="45000"/>
+                <a:satMod val="135000"/>
+              </a:schemeClr>
+              <a:prstClr val="white"/>
+            </a:duotone>
+            <a:extLst>
+              <a:ext uri="{28A0092B-C50C-407E-A947-70E740481C1C}">
+                <a14:useLocalDpi xmlns:a14="http://schemas.microsoft.com/office/drawing/2010/main" val="0"/>
+              </a:ext>
+            </a:extLst>
+          </a:blip>
+          <a:stretch>
+            <a:fillRect/>
+          </a:stretch>
+        </p:blipFill>
+        <p:spPr>
+          <a:xfrm>
+            <a:off x="1638660" y="1851171"/>
+            <a:ext cx="1186600" cy="764801"/>
+          </a:xfrm>
+          <a:prstGeom prst="rect">
+            <a:avLst/>
+          </a:prstGeom>
+        </p:spPr>
+      </p:pic>
+      <p:pic>
+        <p:nvPicPr>
+          <p:cNvPr id="11" name="Picture 10" descr="A close up of a logo&#10;&#10;Description automatically generated">
+            <a:extLst>
+              <a:ext uri="{FF2B5EF4-FFF2-40B4-BE49-F238E27FC236}">
+                <a16:creationId xmlns:a16="http://schemas.microsoft.com/office/drawing/2014/main" id="{8B2FEE19-89ED-4247-BC5F-4BACD5C9D41A}"/>
+              </a:ext>
+            </a:extLst>
+          </p:cNvPr>
+          <p:cNvPicPr>
+            <a:picLocks noChangeAspect="1"/>
+          </p:cNvPicPr>
+          <p:nvPr/>
+        </p:nvPicPr>
+        <p:blipFill rotWithShape="1">
+          <a:blip r:embed="rId6">
+            <a:duotone>
+              <a:schemeClr val="accent1">
+                <a:shade val="45000"/>
+                <a:satMod val="135000"/>
+              </a:schemeClr>
+              <a:prstClr val="white"/>
+            </a:duotone>
+            <a:extLst>
+              <a:ext uri="{BEBA8EAE-BF5A-486C-A8C5-ECC9F3942E4B}">
+                <a14:imgProps xmlns:a14="http://schemas.microsoft.com/office/drawing/2010/main">
+                  <a14:imgLayer r:embed="rId7">
+                    <a14:imgEffect>
+                      <a14:colorTemperature colorTemp="11500"/>
+                    </a14:imgEffect>
+                    <a14:imgEffect>
+                      <a14:saturation sat="400000"/>
+                    </a14:imgEffect>
+                    <a14:imgEffect>
+                      <a14:brightnessContrast contrast="100000"/>
+                    </a14:imgEffect>
+                  </a14:imgLayer>
+                </a14:imgProps>
+              </a:ext>
+              <a:ext uri="{28A0092B-C50C-407E-A947-70E740481C1C}">
+                <a14:useLocalDpi xmlns:a14="http://schemas.microsoft.com/office/drawing/2010/main" val="0"/>
+              </a:ext>
+            </a:extLst>
+          </a:blip>
+          <a:srcRect b="16201"/>
+          <a:stretch/>
+        </p:blipFill>
+        <p:spPr>
+          <a:xfrm>
+            <a:off x="7818617" y="2370672"/>
+            <a:ext cx="1594682" cy="1336325"/>
+          </a:xfrm>
+          <a:prstGeom prst="rect">
+            <a:avLst/>
+          </a:prstGeom>
+        </p:spPr>
+      </p:pic>
+      <p:pic>
+        <p:nvPicPr>
+          <p:cNvPr id="13" name="Picture 12">
+            <a:extLst>
+              <a:ext uri="{FF2B5EF4-FFF2-40B4-BE49-F238E27FC236}">
+                <a16:creationId xmlns:a16="http://schemas.microsoft.com/office/drawing/2014/main" id="{E3907F2C-C390-465F-A724-BE69FCE4C73D}"/>
+              </a:ext>
+            </a:extLst>
+          </p:cNvPr>
+          <p:cNvPicPr>
+            <a:picLocks noChangeAspect="1"/>
+          </p:cNvPicPr>
+          <p:nvPr/>
+        </p:nvPicPr>
+        <p:blipFill>
+          <a:blip r:embed="rId8">
+            <a:duotone>
+              <a:schemeClr val="accent1">
+                <a:shade val="45000"/>
+                <a:satMod val="135000"/>
+              </a:schemeClr>
+              <a:prstClr val="white"/>
+            </a:duotone>
+            <a:extLst>
+              <a:ext uri="{28A0092B-C50C-407E-A947-70E740481C1C}">
+                <a14:useLocalDpi xmlns:a14="http://schemas.microsoft.com/office/drawing/2010/main" val="0"/>
+              </a:ext>
+            </a:extLst>
+          </a:blip>
+          <a:stretch>
+            <a:fillRect/>
+          </a:stretch>
+        </p:blipFill>
+        <p:spPr>
+          <a:xfrm>
+            <a:off x="1690571" y="3528518"/>
+            <a:ext cx="990600" cy="990600"/>
+          </a:xfrm>
+          <a:prstGeom prst="rect">
+            <a:avLst/>
+          </a:prstGeom>
+        </p:spPr>
+      </p:pic>
+      <p:pic>
+        <p:nvPicPr>
+          <p:cNvPr id="1026" name="Picture 2" descr="See the source image">
+            <a:extLst>
+              <a:ext uri="{FF2B5EF4-FFF2-40B4-BE49-F238E27FC236}">
+                <a16:creationId xmlns:a16="http://schemas.microsoft.com/office/drawing/2014/main" id="{5A7C4FF0-10E2-4B2B-8A54-70F79B851AE8}"/>
+              </a:ext>
+            </a:extLst>
+          </p:cNvPr>
+          <p:cNvPicPr>
+            <a:picLocks noChangeAspect="1" noChangeArrowheads="1"/>
+          </p:cNvPicPr>
+          <p:nvPr/>
+        </p:nvPicPr>
+        <p:blipFill>
+          <a:blip r:embed="rId9">
+            <a:duotone>
+              <a:schemeClr val="accent5">
+                <a:shade val="45000"/>
+                <a:satMod val="135000"/>
+              </a:schemeClr>
+              <a:prstClr val="white"/>
+            </a:duotone>
+            <a:extLst>
+              <a:ext uri="{28A0092B-C50C-407E-A947-70E740481C1C}">
+                <a14:useLocalDpi xmlns:a14="http://schemas.microsoft.com/office/drawing/2010/main" val="0"/>
+              </a:ext>
+            </a:extLst>
+          </a:blip>
+          <a:srcRect/>
+          <a:stretch>
+            <a:fillRect/>
+          </a:stretch>
+        </p:blipFill>
+        <p:spPr bwMode="auto">
+          <a:xfrm>
+            <a:off x="7986199" y="4316418"/>
+            <a:ext cx="1259518" cy="1071930"/>
+          </a:xfrm>
+          <a:prstGeom prst="rect">
+            <a:avLst/>
+          </a:prstGeom>
+          <a:noFill/>
+          <a:extLst>
+            <a:ext uri="{909E8E84-426E-40DD-AFC4-6F175D3DCCD1}">
+              <a14:hiddenFill xmlns:a14="http://schemas.microsoft.com/office/drawing/2010/main">
+                <a:solidFill>
+                  <a:srgbClr val="FFFFFF"/>
+                </a:solidFill>
+              </a14:hiddenFill>
+            </a:ext>
+          </a:extLst>
+        </p:spPr>
+      </p:pic>
+    </p:spTree>
+    <p:extLst>
+      <p:ext uri="{BB962C8B-B14F-4D97-AF65-F5344CB8AC3E}">
+        <p14:creationId xmlns:p14="http://schemas.microsoft.com/office/powerpoint/2010/main" val="586618278"/>
+      </p:ext>
+    </p:extLst>
+  </p:cSld>
+  <p:clrMapOvr>
+    <a:masterClrMapping/>
+  </p:clrMapOvr>
+</p:sld>
+</file>
+
+<file path=ppt/slides/slide5.xml><?xml version="1.0" encoding="utf-8"?>
+<p:sld xmlns:a="http://schemas.openxmlformats.org/drawingml/2006/main" xmlns:r="http://schemas.openxmlformats.org/officeDocument/2006/relationships" xmlns:p="http://schemas.openxmlformats.org/presentationml/2006/main">
+  <p:cSld>
+    <p:spTree>
+      <p:nvGrpSpPr>
+        <p:cNvPr id="1" name=""/>
+        <p:cNvGrpSpPr/>
+        <p:nvPr/>
+      </p:nvGrpSpPr>
+      <p:grpSpPr>
+        <a:xfrm>
+          <a:off x="0" y="0"/>
+          <a:ext cx="0" cy="0"/>
+          <a:chOff x="0" y="0"/>
+          <a:chExt cx="0" cy="0"/>
+        </a:xfrm>
+      </p:grpSpPr>
+      <p:pic>
+        <p:nvPicPr>
+          <p:cNvPr id="1030" name="Picture 6" descr="IoT Power Management">
+            <a:extLst>
+              <a:ext uri="{FF2B5EF4-FFF2-40B4-BE49-F238E27FC236}">
+                <a16:creationId xmlns:a16="http://schemas.microsoft.com/office/drawing/2014/main" id="{F9844D2D-635D-44A0-B958-1E4C39246144}"/>
+              </a:ext>
+            </a:extLst>
+          </p:cNvPr>
+          <p:cNvPicPr>
+            <a:picLocks noChangeAspect="1" noChangeArrowheads="1"/>
+          </p:cNvPicPr>
+          <p:nvPr/>
+        </p:nvPicPr>
+        <p:blipFill rotWithShape="1">
+          <a:blip r:embed="rId3">
+            <a:duotone>
+              <a:prstClr val="black"/>
+              <a:schemeClr val="accent5">
+                <a:tint val="45000"/>
+                <a:satMod val="400000"/>
+              </a:schemeClr>
+            </a:duotone>
+            <a:extLst>
+              <a:ext uri="{28A0092B-C50C-407E-A947-70E740481C1C}">
+                <a14:useLocalDpi xmlns:a14="http://schemas.microsoft.com/office/drawing/2010/main" val="0"/>
+              </a:ext>
+            </a:extLst>
+          </a:blip>
+          <a:srcRect l="17628" t="11071" r="17690" b="10896"/>
+          <a:stretch/>
+        </p:blipFill>
+        <p:spPr bwMode="auto">
+          <a:xfrm>
+            <a:off x="9525" y="5388348"/>
+            <a:ext cx="1469651" cy="1469651"/>
+          </a:xfrm>
+          <a:prstGeom prst="rect">
+            <a:avLst/>
+          </a:prstGeom>
+          <a:noFill/>
+          <a:extLst>
+            <a:ext uri="{909E8E84-426E-40DD-AFC4-6F175D3DCCD1}">
+              <a14:hiddenFill xmlns:a14="http://schemas.microsoft.com/office/drawing/2010/main">
+                <a:solidFill>
+                  <a:srgbClr val="FFFFFF"/>
+                </a:solidFill>
+              </a14:hiddenFill>
+            </a:ext>
+          </a:extLst>
+        </p:spPr>
+      </p:pic>
+      <p:sp>
+        <p:nvSpPr>
+          <p:cNvPr id="4" name="Rectangle 3">
+            <a:extLst>
+              <a:ext uri="{FF2B5EF4-FFF2-40B4-BE49-F238E27FC236}">
+                <a16:creationId xmlns:a16="http://schemas.microsoft.com/office/drawing/2014/main" id="{9D476336-A01A-47A0-975E-B9D85496F266}"/>
+              </a:ext>
+            </a:extLst>
+          </p:cNvPr>
+          <p:cNvSpPr/>
+          <p:nvPr/>
+        </p:nvSpPr>
+        <p:spPr>
+          <a:xfrm rot="5400000">
+            <a:off x="8578368" y="3220641"/>
+            <a:ext cx="6874669" cy="400050"/>
+          </a:xfrm>
+          <a:prstGeom prst="rect">
+            <a:avLst/>
+          </a:prstGeom>
+          <a:solidFill>
+            <a:srgbClr val="194B89"/>
+          </a:solidFill>
+          <a:ln>
+            <a:solidFill>
+              <a:srgbClr val="194B89"/>
+            </a:solidFill>
+          </a:ln>
+        </p:spPr>
+        <p:style>
+          <a:lnRef idx="2">
+            <a:schemeClr val="accent1">
+              <a:shade val="50000"/>
+            </a:schemeClr>
+          </a:lnRef>
+          <a:fillRef idx="1">
+            <a:schemeClr val="accent1"/>
+          </a:fillRef>
+          <a:effectRef idx="0">
+            <a:schemeClr val="accent1"/>
+          </a:effectRef>
+          <a:fontRef idx="minor">
+            <a:schemeClr val="lt1"/>
+          </a:fontRef>
+        </p:style>
+        <p:txBody>
+          <a:bodyPr rtlCol="0" anchor="ctr"/>
+          <a:lstStyle/>
+          <a:p>
+            <a:pPr algn="ctr"/>
+            <a:endParaRPr lang="en-GB"/>
+          </a:p>
+        </p:txBody>
+      </p:sp>
+      <p:sp>
+        <p:nvSpPr>
+          <p:cNvPr id="5" name="TextBox 4">
+            <a:extLst>
+              <a:ext uri="{FF2B5EF4-FFF2-40B4-BE49-F238E27FC236}">
+                <a16:creationId xmlns:a16="http://schemas.microsoft.com/office/drawing/2014/main" id="{DFBF54CF-F8EF-476F-941C-A4D2002C5A47}"/>
+              </a:ext>
+            </a:extLst>
+          </p:cNvPr>
+          <p:cNvSpPr txBox="1"/>
+          <p:nvPr/>
+        </p:nvSpPr>
+        <p:spPr>
+          <a:xfrm>
+            <a:off x="2001371" y="8659"/>
+            <a:ext cx="8189258" cy="646331"/>
+          </a:xfrm>
+          <a:prstGeom prst="rect">
+            <a:avLst/>
+          </a:prstGeom>
+          <a:noFill/>
+        </p:spPr>
+        <p:txBody>
+          <a:bodyPr wrap="square" rtlCol="0">
+            <a:spAutoFit/>
+          </a:bodyPr>
+          <a:lstStyle/>
+          <a:p>
+            <a:pPr algn="ctr"/>
+            <a:r>
+              <a:rPr lang="en-GB" sz="3600" dirty="0">
+                <a:solidFill>
+                  <a:schemeClr val="bg2">
+                    <a:lumMod val="25000"/>
+                  </a:schemeClr>
+                </a:solidFill>
+                <a:latin typeface="3ds" panose="02000503020000020004" pitchFamily="2" charset="0"/>
+              </a:rPr>
+              <a:t>How many devices?</a:t>
+            </a:r>
+          </a:p>
+        </p:txBody>
+      </p:sp>
+      <p:sp>
+        <p:nvSpPr>
+          <p:cNvPr id="2" name="TextBox 1">
+            <a:extLst>
+              <a:ext uri="{FF2B5EF4-FFF2-40B4-BE49-F238E27FC236}">
+                <a16:creationId xmlns:a16="http://schemas.microsoft.com/office/drawing/2014/main" id="{262E5A7B-B940-4ED6-9F56-FDBE55B0A1D8}"/>
+              </a:ext>
+            </a:extLst>
+          </p:cNvPr>
+          <p:cNvSpPr txBox="1"/>
+          <p:nvPr/>
+        </p:nvSpPr>
+        <p:spPr>
+          <a:xfrm>
+            <a:off x="841665" y="751584"/>
+            <a:ext cx="9126745" cy="923330"/>
+          </a:xfrm>
+          <a:prstGeom prst="rect">
+            <a:avLst/>
+          </a:prstGeom>
+          <a:noFill/>
+        </p:spPr>
+        <p:txBody>
+          <a:bodyPr wrap="square" rtlCol="0">
+            <a:spAutoFit/>
+          </a:bodyPr>
+          <a:lstStyle/>
+          <a:p>
+            <a:pPr marL="285750" indent="-285750">
+              <a:buClr>
+                <a:schemeClr val="tx1"/>
+              </a:buClr>
+              <a:buFont typeface="Arial" panose="020B0604020202020204" pitchFamily="34" charset="0"/>
+              <a:buChar char="•"/>
+            </a:pPr>
+            <a:r>
+              <a:rPr lang="en-GB" dirty="0">
+                <a:latin typeface="HelveticaNeue"/>
+              </a:rPr>
+              <a:t>We are only going to be using one device with multiple sensors, but in 2020 it is estimated that there will be the equivalent of 8 devices per person.</a:t>
+            </a:r>
+          </a:p>
+          <a:p>
+            <a:pPr>
+              <a:buClr>
+                <a:schemeClr val="tx1"/>
+              </a:buClr>
+            </a:pPr>
+            <a:endParaRPr lang="en-GB" dirty="0">
+              <a:latin typeface="HelveticaNeue"/>
+            </a:endParaRPr>
+          </a:p>
+        </p:txBody>
+      </p:sp>
+      <p:pic>
+        <p:nvPicPr>
+          <p:cNvPr id="7" name="Picture 6">
+            <a:extLst>
+              <a:ext uri="{FF2B5EF4-FFF2-40B4-BE49-F238E27FC236}">
+                <a16:creationId xmlns:a16="http://schemas.microsoft.com/office/drawing/2014/main" id="{71D3B9A1-27CF-4E31-9333-C95F542DE9E4}"/>
+              </a:ext>
+            </a:extLst>
+          </p:cNvPr>
+          <p:cNvPicPr>
+            <a:picLocks noChangeAspect="1"/>
+          </p:cNvPicPr>
+          <p:nvPr/>
+        </p:nvPicPr>
+        <p:blipFill>
+          <a:blip r:embed="rId4">
+            <a:extLst>
+              <a:ext uri="{28A0092B-C50C-407E-A947-70E740481C1C}">
+                <a14:useLocalDpi xmlns:a14="http://schemas.microsoft.com/office/drawing/2010/main" val="0"/>
+              </a:ext>
+            </a:extLst>
+          </a:blip>
+          <a:stretch>
+            <a:fillRect/>
+          </a:stretch>
+        </p:blipFill>
+        <p:spPr>
+          <a:xfrm>
+            <a:off x="9968410" y="6010630"/>
+            <a:ext cx="1847267" cy="847370"/>
+          </a:xfrm>
+          <a:prstGeom prst="rect">
+            <a:avLst/>
+          </a:prstGeom>
+        </p:spPr>
+      </p:pic>
+      <p:pic>
+        <p:nvPicPr>
+          <p:cNvPr id="14" name="Picture 13">
+            <a:extLst>
+              <a:ext uri="{FF2B5EF4-FFF2-40B4-BE49-F238E27FC236}">
+                <a16:creationId xmlns:a16="http://schemas.microsoft.com/office/drawing/2014/main" id="{361E921F-AEC6-4892-B984-A3C5219D8A77}"/>
+              </a:ext>
+            </a:extLst>
+          </p:cNvPr>
+          <p:cNvPicPr>
+            <a:picLocks noChangeAspect="1"/>
+          </p:cNvPicPr>
+          <p:nvPr/>
+        </p:nvPicPr>
+        <p:blipFill rotWithShape="1">
+          <a:blip r:embed="rId5">
+            <a:duotone>
+              <a:schemeClr val="accent1">
+                <a:shade val="45000"/>
+                <a:satMod val="135000"/>
+              </a:schemeClr>
+              <a:prstClr val="white"/>
+            </a:duotone>
+            <a:extLst>
+              <a:ext uri="{BEBA8EAE-BF5A-486C-A8C5-ECC9F3942E4B}">
+                <a14:imgProps xmlns:a14="http://schemas.microsoft.com/office/drawing/2010/main">
+                  <a14:imgLayer r:embed="rId6">
+                    <a14:imgEffect>
+                      <a14:sharpenSoften amount="100000"/>
+                    </a14:imgEffect>
+                    <a14:imgEffect>
+                      <a14:brightnessContrast contrast="-37000"/>
+                    </a14:imgEffect>
+                  </a14:imgLayer>
+                </a14:imgProps>
+              </a:ext>
+            </a:extLst>
+          </a:blip>
+          <a:srcRect l="53393" t="17759" r="3293" b="44485"/>
+          <a:stretch/>
+        </p:blipFill>
+        <p:spPr>
+          <a:xfrm>
+            <a:off x="9711856" y="629662"/>
+            <a:ext cx="2066925" cy="978165"/>
+          </a:xfrm>
+          <a:prstGeom prst="rect">
+            <a:avLst/>
+          </a:prstGeom>
+        </p:spPr>
+      </p:pic>
+      <p:pic>
+        <p:nvPicPr>
+          <p:cNvPr id="16" name="Picture 15" descr="A close up of a logo&#10;&#10;Description automatically generated">
+            <a:extLst>
+              <a:ext uri="{FF2B5EF4-FFF2-40B4-BE49-F238E27FC236}">
+                <a16:creationId xmlns:a16="http://schemas.microsoft.com/office/drawing/2014/main" id="{873A2208-6369-45BB-9401-080D8394A05F}"/>
+              </a:ext>
+            </a:extLst>
+          </p:cNvPr>
+          <p:cNvPicPr>
+            <a:picLocks noChangeAspect="1"/>
+          </p:cNvPicPr>
+          <p:nvPr/>
+        </p:nvPicPr>
+        <p:blipFill>
+          <a:blip r:embed="rId7">
+            <a:duotone>
+              <a:schemeClr val="accent1">
+                <a:shade val="45000"/>
+                <a:satMod val="135000"/>
+              </a:schemeClr>
+              <a:prstClr val="white"/>
+            </a:duotone>
+            <a:extLst>
+              <a:ext uri="{BEBA8EAE-BF5A-486C-A8C5-ECC9F3942E4B}">
+                <a14:imgProps xmlns:a14="http://schemas.microsoft.com/office/drawing/2010/main">
+                  <a14:imgLayer r:embed="rId8">
+                    <a14:imgEffect>
+                      <a14:sharpenSoften amount="100000"/>
+                    </a14:imgEffect>
+                  </a14:imgLayer>
+                </a14:imgProps>
+              </a:ext>
+              <a:ext uri="{28A0092B-C50C-407E-A947-70E740481C1C}">
+                <a14:useLocalDpi xmlns:a14="http://schemas.microsoft.com/office/drawing/2010/main" val="0"/>
+              </a:ext>
+            </a:extLst>
+          </a:blip>
+          <a:stretch>
+            <a:fillRect/>
+          </a:stretch>
+        </p:blipFill>
+        <p:spPr>
+          <a:xfrm>
+            <a:off x="10461548" y="2939917"/>
+            <a:ext cx="978166" cy="978166"/>
+          </a:xfrm>
+          <a:prstGeom prst="rect">
+            <a:avLst/>
+          </a:prstGeom>
+        </p:spPr>
+      </p:pic>
+      <mc:AlternateContent xmlns:mc="http://schemas.openxmlformats.org/markup-compatibility/2006">
+        <mc:Choice xmlns:a14="http://schemas.microsoft.com/office/drawing/2010/main" Requires="a14">
+          <p:sp>
+            <p:nvSpPr>
+              <p:cNvPr id="17" name="Rectangle 16">
+                <a:extLst>
+                  <a:ext uri="{FF2B5EF4-FFF2-40B4-BE49-F238E27FC236}">
+                    <a16:creationId xmlns:a16="http://schemas.microsoft.com/office/drawing/2014/main" id="{B28472AD-8D0A-49DD-8F18-248E146E293F}"/>
+                  </a:ext>
+                </a:extLst>
+              </p:cNvPr>
+              <p:cNvSpPr/>
+              <p:nvPr/>
+            </p:nvSpPr>
+            <p:spPr>
+              <a:xfrm>
+                <a:off x="841665" y="1607828"/>
+                <a:ext cx="11114137" cy="5644750"/>
+              </a:xfrm>
+              <a:prstGeom prst="rect">
+                <a:avLst/>
+              </a:prstGeom>
+            </p:spPr>
+            <p:txBody>
+              <a:bodyPr wrap="square">
+                <a:spAutoFit/>
+              </a:bodyPr>
+              <a:lstStyle/>
+              <a:p>
+                <a:pPr marL="285750" indent="-285750">
+                  <a:buClr>
+                    <a:schemeClr val="tx1"/>
+                  </a:buClr>
+                  <a:buFont typeface="Arial" panose="020B0604020202020204" pitchFamily="34" charset="0"/>
+                  <a:buChar char="•"/>
+                </a:pPr>
+                <a:r>
+                  <a:rPr lang="en-GB" dirty="0">
+                    <a:latin typeface="HelveticaNeue"/>
+                  </a:rPr>
+                  <a:t>Internet Protocol is a way of addressing these devices, there are two main standards, </a:t>
+                </a:r>
+                <a:r>
+                  <a:rPr lang="en-GB" dirty="0">
+                    <a:solidFill>
+                      <a:srgbClr val="0070C0"/>
+                    </a:solidFill>
+                    <a:latin typeface="HelveticaNeue"/>
+                  </a:rPr>
+                  <a:t>IPv4</a:t>
+                </a:r>
+                <a:r>
+                  <a:rPr lang="en-GB" dirty="0">
+                    <a:latin typeface="HelveticaNeue"/>
+                  </a:rPr>
+                  <a:t> and </a:t>
+                </a:r>
+                <a:r>
+                  <a:rPr lang="en-GB" dirty="0">
+                    <a:solidFill>
+                      <a:srgbClr val="0070C0"/>
+                    </a:solidFill>
+                    <a:latin typeface="HelveticaNeue"/>
+                  </a:rPr>
+                  <a:t>IPv6</a:t>
+                </a:r>
+                <a:r>
+                  <a:rPr lang="en-GB" dirty="0">
+                    <a:latin typeface="HelveticaNeue"/>
+                  </a:rPr>
+                  <a:t>,</a:t>
+                </a:r>
+              </a:p>
+              <a:p>
+                <a:pPr>
+                  <a:buClr>
+                    <a:schemeClr val="tx1"/>
+                  </a:buClr>
+                </a:pPr>
+                <a:r>
+                  <a:rPr lang="en-GB" dirty="0">
+                    <a:latin typeface="HelveticaNeue"/>
+                  </a:rPr>
+                  <a:t>    v for version. IPv4 has </a:t>
+                </a:r>
+                <a14:m>
+                  <m:oMath xmlns:m="http://schemas.openxmlformats.org/officeDocument/2006/math">
+                    <m:sSup>
+                      <m:sSupPr>
+                        <m:ctrlPr>
+                          <a:rPr lang="en-GB" b="1" i="1" smtClean="0">
+                            <a:solidFill>
+                              <a:srgbClr val="0070C0"/>
+                            </a:solidFill>
+                            <a:latin typeface="Cambria Math" panose="02040503050406030204" pitchFamily="18" charset="0"/>
+                          </a:rPr>
+                        </m:ctrlPr>
+                      </m:sSupPr>
+                      <m:e>
+                        <m:r>
+                          <a:rPr lang="en-GB" b="1" i="1" smtClean="0">
+                            <a:solidFill>
+                              <a:srgbClr val="0070C0"/>
+                            </a:solidFill>
+                            <a:latin typeface="Cambria Math" panose="02040503050406030204" pitchFamily="18" charset="0"/>
+                          </a:rPr>
+                          <m:t>𝟐</m:t>
+                        </m:r>
+                      </m:e>
+                      <m:sup>
+                        <m:r>
+                          <a:rPr lang="en-GB" b="1" i="1" smtClean="0">
+                            <a:solidFill>
+                              <a:srgbClr val="0070C0"/>
+                            </a:solidFill>
+                            <a:latin typeface="Cambria Math" panose="02040503050406030204" pitchFamily="18" charset="0"/>
+                          </a:rPr>
+                          <m:t>𝟑𝟐</m:t>
+                        </m:r>
+                      </m:sup>
+                    </m:sSup>
+                  </m:oMath>
+                </a14:m>
+                <a:r>
+                  <a:rPr lang="en-GB" b="1" dirty="0">
+                    <a:latin typeface="HelveticaNeue"/>
+                  </a:rPr>
+                  <a:t> </a:t>
+                </a:r>
+                <a:r>
+                  <a:rPr lang="en-GB" dirty="0">
+                    <a:latin typeface="HelveticaNeue"/>
+                  </a:rPr>
+                  <a:t>or 4.3 </a:t>
+                </a:r>
+                <a:r>
+                  <a:rPr lang="en-GB" dirty="0">
+                    <a:solidFill>
+                      <a:srgbClr val="0070C0"/>
+                    </a:solidFill>
+                    <a:latin typeface="HelveticaNeue"/>
+                  </a:rPr>
+                  <a:t>Billion</a:t>
+                </a:r>
+                <a:r>
+                  <a:rPr lang="en-GB" b="1" dirty="0">
+                    <a:solidFill>
+                      <a:srgbClr val="0070C0"/>
+                    </a:solidFill>
+                    <a:latin typeface="HelveticaNeue"/>
+                  </a:rPr>
+                  <a:t> </a:t>
+                </a:r>
+                <a:r>
+                  <a:rPr lang="en-GB" dirty="0">
+                    <a:solidFill>
+                      <a:srgbClr val="0070C0"/>
+                    </a:solidFill>
+                    <a:latin typeface="HelveticaNeue"/>
+                  </a:rPr>
+                  <a:t>addresses </a:t>
+                </a:r>
+                <a:r>
+                  <a:rPr lang="en-GB" dirty="0">
+                    <a:latin typeface="HelveticaNeue"/>
+                  </a:rPr>
+                  <a:t>and we are running out of space. </a:t>
+                </a:r>
+                <a:r>
+                  <a:rPr lang="en-GB" dirty="0">
+                    <a:solidFill>
+                      <a:srgbClr val="0070C0"/>
+                    </a:solidFill>
+                    <a:latin typeface="HelveticaNeue"/>
+                  </a:rPr>
+                  <a:t>IPv6</a:t>
+                </a:r>
+                <a:r>
+                  <a:rPr lang="en-GB" dirty="0">
+                    <a:latin typeface="HelveticaNeue"/>
+                  </a:rPr>
+                  <a:t> is the successor with </a:t>
+                </a:r>
+                <a14:m>
+                  <m:oMath xmlns:m="http://schemas.openxmlformats.org/officeDocument/2006/math">
+                    <m:sSup>
+                      <m:sSupPr>
+                        <m:ctrlPr>
+                          <a:rPr lang="en-GB" b="1" i="1" smtClean="0">
+                            <a:solidFill>
+                              <a:srgbClr val="0070C0"/>
+                            </a:solidFill>
+                            <a:latin typeface="Cambria Math" panose="02040503050406030204" pitchFamily="18" charset="0"/>
+                          </a:rPr>
+                        </m:ctrlPr>
+                      </m:sSupPr>
+                      <m:e>
+                        <m:r>
+                          <a:rPr lang="en-GB" b="1" i="1">
+                            <a:solidFill>
+                              <a:srgbClr val="0070C0"/>
+                            </a:solidFill>
+                            <a:latin typeface="Cambria Math" panose="02040503050406030204" pitchFamily="18" charset="0"/>
+                          </a:rPr>
+                          <m:t>𝟐</m:t>
+                        </m:r>
+                      </m:e>
+                      <m:sup>
+                        <m:r>
+                          <a:rPr lang="en-GB" b="1" i="1" smtClean="0">
+                            <a:solidFill>
+                              <a:srgbClr val="0070C0"/>
+                            </a:solidFill>
+                            <a:latin typeface="Cambria Math" panose="02040503050406030204" pitchFamily="18" charset="0"/>
+                          </a:rPr>
+                          <m:t>𝟏𝟐𝟖</m:t>
+                        </m:r>
+                      </m:sup>
+                    </m:sSup>
+                  </m:oMath>
+                </a14:m>
+                <a:r>
+                  <a:rPr lang="en-GB" dirty="0">
+                    <a:solidFill>
+                      <a:srgbClr val="0070C0"/>
+                    </a:solidFill>
+                    <a:latin typeface="HelveticaNeue"/>
+                  </a:rPr>
+                  <a:t> </a:t>
+                </a:r>
+                <a:r>
+                  <a:rPr lang="en-GB" dirty="0">
+                    <a:latin typeface="HelveticaNeue"/>
+                  </a:rPr>
+                  <a:t>addresses (scientific notation for a very large number using base 2)</a:t>
+                </a:r>
+              </a:p>
+              <a:p>
+                <a:pPr algn="ctr">
+                  <a:buClr>
+                    <a:schemeClr val="tx1"/>
+                  </a:buClr>
+                </a:pPr>
+                <a:endParaRPr lang="en-GB" b="1" u="sng" dirty="0">
+                  <a:solidFill>
+                    <a:srgbClr val="0070C0"/>
+                  </a:solidFill>
+                  <a:latin typeface="HelveticaNeue"/>
+                </a:endParaRPr>
+              </a:p>
+              <a:p>
+                <a:pPr algn="ctr">
+                  <a:buClr>
+                    <a:schemeClr val="tx1"/>
+                  </a:buClr>
+                </a:pPr>
+                <a:r>
+                  <a:rPr lang="en-GB" b="1" u="sng" dirty="0">
+                    <a:solidFill>
+                      <a:srgbClr val="0070C0"/>
+                    </a:solidFill>
+                    <a:latin typeface="HelveticaNeue"/>
+                  </a:rPr>
+                  <a:t>As a number</a:t>
+                </a:r>
+              </a:p>
+              <a:p>
+                <a:pPr algn="ctr">
+                  <a:buClr>
+                    <a:schemeClr val="tx1"/>
+                  </a:buClr>
+                </a:pPr>
+                <a:endParaRPr lang="en-GB" dirty="0">
+                  <a:latin typeface="HelveticaNeue"/>
+                </a:endParaRPr>
+              </a:p>
+              <a:p>
+                <a:pPr algn="ctr">
+                  <a:buClr>
+                    <a:schemeClr val="tx1"/>
+                  </a:buClr>
+                </a:pPr>
+                <a:r>
+                  <a:rPr lang="en-GB" dirty="0">
+                    <a:latin typeface="HelveticaNeue"/>
+                  </a:rPr>
+                  <a:t>340,282,366,920,938,463,463,374,607,431,768,211,456 </a:t>
+                </a:r>
+              </a:p>
+              <a:p>
+                <a:pPr algn="ctr">
+                  <a:buClr>
+                    <a:schemeClr val="tx1"/>
+                  </a:buClr>
+                </a:pPr>
+                <a:endParaRPr lang="en-GB" b="1" u="sng" dirty="0">
+                  <a:solidFill>
+                    <a:srgbClr val="0070C0"/>
+                  </a:solidFill>
+                  <a:latin typeface="HelveticaNeue"/>
+                </a:endParaRPr>
+              </a:p>
+              <a:p>
+                <a:pPr algn="ctr">
+                  <a:buClr>
+                    <a:schemeClr val="tx1"/>
+                  </a:buClr>
+                </a:pPr>
+                <a:r>
+                  <a:rPr lang="en-GB" b="1" u="sng" dirty="0">
+                    <a:solidFill>
+                      <a:srgbClr val="0070C0"/>
+                    </a:solidFill>
+                    <a:latin typeface="HelveticaNeue"/>
+                  </a:rPr>
+                  <a:t>In words;</a:t>
+                </a:r>
+              </a:p>
+              <a:p>
+                <a:pPr algn="ctr">
+                  <a:buClr>
+                    <a:schemeClr val="tx1"/>
+                  </a:buClr>
+                </a:pPr>
+                <a:endParaRPr lang="en-GB" dirty="0">
+                  <a:latin typeface="HelveticaNeue"/>
+                </a:endParaRPr>
+              </a:p>
+              <a:p>
+                <a:pPr algn="ctr">
+                  <a:buClr>
+                    <a:schemeClr val="tx1"/>
+                  </a:buClr>
+                </a:pPr>
+                <a:r>
+                  <a:rPr lang="en-GB" dirty="0">
+                    <a:latin typeface="HelveticaNeue"/>
+                  </a:rPr>
+                  <a:t>Three hundred and forty </a:t>
+                </a:r>
+                <a:r>
+                  <a:rPr lang="en-GB" dirty="0">
+                    <a:solidFill>
+                      <a:srgbClr val="0070C0"/>
+                    </a:solidFill>
+                    <a:latin typeface="HelveticaNeue"/>
+                  </a:rPr>
+                  <a:t>undecillion</a:t>
+                </a:r>
+                <a:r>
+                  <a:rPr lang="en-GB" dirty="0">
+                    <a:latin typeface="HelveticaNeue"/>
+                  </a:rPr>
+                  <a:t>, two hundred and eighty-two </a:t>
+                </a:r>
+                <a:r>
+                  <a:rPr lang="en-GB" dirty="0">
+                    <a:solidFill>
+                      <a:srgbClr val="0070C0"/>
+                    </a:solidFill>
+                    <a:latin typeface="HelveticaNeue"/>
+                  </a:rPr>
+                  <a:t>decillion</a:t>
+                </a:r>
+                <a:r>
+                  <a:rPr lang="en-GB" dirty="0">
+                    <a:latin typeface="HelveticaNeue"/>
+                  </a:rPr>
+                  <a:t>, three hundred and sixty-six </a:t>
+                </a:r>
+                <a:r>
+                  <a:rPr lang="en-GB" dirty="0">
+                    <a:solidFill>
+                      <a:srgbClr val="0070C0"/>
+                    </a:solidFill>
+                    <a:latin typeface="HelveticaNeue"/>
+                  </a:rPr>
+                  <a:t>nonillion</a:t>
+                </a:r>
+                <a:r>
+                  <a:rPr lang="en-GB" dirty="0">
+                    <a:latin typeface="HelveticaNeue"/>
+                  </a:rPr>
+                  <a:t>, nine hundred and twenty </a:t>
+                </a:r>
+                <a:r>
+                  <a:rPr lang="en-GB" dirty="0">
+                    <a:solidFill>
+                      <a:srgbClr val="0070C0"/>
+                    </a:solidFill>
+                    <a:latin typeface="HelveticaNeue"/>
+                  </a:rPr>
+                  <a:t>octillion</a:t>
+                </a:r>
+                <a:r>
+                  <a:rPr lang="en-GB" dirty="0">
+                    <a:latin typeface="HelveticaNeue"/>
+                  </a:rPr>
+                  <a:t>, nine hundred and thirty-eight </a:t>
+                </a:r>
+                <a:r>
+                  <a:rPr lang="en-GB" dirty="0">
+                    <a:solidFill>
+                      <a:srgbClr val="0070C0"/>
+                    </a:solidFill>
+                    <a:latin typeface="HelveticaNeue"/>
+                  </a:rPr>
+                  <a:t>septillion</a:t>
+                </a:r>
+                <a:r>
+                  <a:rPr lang="en-GB" dirty="0">
+                    <a:latin typeface="HelveticaNeue"/>
+                  </a:rPr>
+                  <a:t>, four hundred and </a:t>
+                </a:r>
+              </a:p>
+              <a:p>
+                <a:pPr algn="ctr">
+                  <a:buClr>
+                    <a:schemeClr val="tx1"/>
+                  </a:buClr>
+                </a:pPr>
+                <a:r>
+                  <a:rPr lang="en-GB" dirty="0">
+                    <a:latin typeface="HelveticaNeue"/>
+                  </a:rPr>
+                  <a:t>sixty-three </a:t>
+                </a:r>
+                <a:r>
+                  <a:rPr lang="en-GB" dirty="0">
+                    <a:solidFill>
+                      <a:srgbClr val="0070C0"/>
+                    </a:solidFill>
+                    <a:latin typeface="HelveticaNeue"/>
+                  </a:rPr>
+                  <a:t>sextillion</a:t>
+                </a:r>
+                <a:r>
+                  <a:rPr lang="en-GB" dirty="0">
+                    <a:latin typeface="HelveticaNeue"/>
+                  </a:rPr>
+                  <a:t>, four hundred and sixty-three </a:t>
+                </a:r>
+                <a:r>
+                  <a:rPr lang="en-GB" dirty="0">
+                    <a:solidFill>
+                      <a:srgbClr val="0070C0"/>
+                    </a:solidFill>
+                    <a:latin typeface="HelveticaNeue"/>
+                  </a:rPr>
+                  <a:t>quintillion</a:t>
+                </a:r>
+                <a:r>
+                  <a:rPr lang="en-GB" dirty="0">
+                    <a:latin typeface="HelveticaNeue"/>
+                  </a:rPr>
+                  <a:t>, three hundred and seventy-four </a:t>
+                </a:r>
+                <a:r>
+                  <a:rPr lang="en-GB" dirty="0">
+                    <a:solidFill>
+                      <a:srgbClr val="0070C0"/>
+                    </a:solidFill>
+                    <a:latin typeface="HelveticaNeue"/>
+                  </a:rPr>
+                  <a:t>quadrillion</a:t>
+                </a:r>
+                <a:r>
+                  <a:rPr lang="en-GB" dirty="0">
+                    <a:latin typeface="HelveticaNeue"/>
+                  </a:rPr>
+                  <a:t>, </a:t>
+                </a:r>
+              </a:p>
+              <a:p>
+                <a:pPr algn="ctr">
+                  <a:buClr>
+                    <a:schemeClr val="tx1"/>
+                  </a:buClr>
+                </a:pPr>
+                <a:r>
+                  <a:rPr lang="en-GB" dirty="0">
+                    <a:latin typeface="HelveticaNeue"/>
+                  </a:rPr>
+                  <a:t>six hundred and seven </a:t>
+                </a:r>
+                <a:r>
+                  <a:rPr lang="en-GB" dirty="0">
+                    <a:solidFill>
+                      <a:srgbClr val="0070C0"/>
+                    </a:solidFill>
+                    <a:latin typeface="HelveticaNeue"/>
+                  </a:rPr>
+                  <a:t>trillion</a:t>
+                </a:r>
+                <a:r>
+                  <a:rPr lang="en-GB" dirty="0">
+                    <a:latin typeface="HelveticaNeue"/>
+                  </a:rPr>
+                  <a:t>, four hundred and thirty-one</a:t>
+                </a:r>
+                <a:r>
+                  <a:rPr lang="en-GB" dirty="0">
+                    <a:solidFill>
+                      <a:srgbClr val="0070C0"/>
+                    </a:solidFill>
+                    <a:latin typeface="HelveticaNeue"/>
+                  </a:rPr>
+                  <a:t> billion</a:t>
+                </a:r>
+                <a:r>
+                  <a:rPr lang="en-GB" dirty="0">
+                    <a:latin typeface="HelveticaNeue"/>
+                  </a:rPr>
+                  <a:t>, seven hundred and sixty-eight </a:t>
+                </a:r>
+                <a:r>
+                  <a:rPr lang="en-GB" dirty="0">
+                    <a:solidFill>
+                      <a:srgbClr val="0070C0"/>
+                    </a:solidFill>
+                    <a:latin typeface="HelveticaNeue"/>
+                  </a:rPr>
+                  <a:t>million</a:t>
+                </a:r>
+                <a:r>
+                  <a:rPr lang="en-GB" dirty="0">
+                    <a:latin typeface="HelveticaNeue"/>
+                  </a:rPr>
+                  <a:t>, </a:t>
+                </a:r>
+              </a:p>
+              <a:p>
+                <a:pPr algn="ctr">
+                  <a:buClr>
+                    <a:schemeClr val="tx1"/>
+                  </a:buClr>
+                </a:pPr>
+                <a:r>
+                  <a:rPr lang="en-GB" dirty="0">
+                    <a:latin typeface="HelveticaNeue"/>
+                  </a:rPr>
+                  <a:t>two hundred and eleven </a:t>
+                </a:r>
+                <a:r>
+                  <a:rPr lang="en-GB" dirty="0">
+                    <a:solidFill>
+                      <a:srgbClr val="0070C0"/>
+                    </a:solidFill>
+                    <a:latin typeface="HelveticaNeue"/>
+                  </a:rPr>
+                  <a:t>thousand</a:t>
+                </a:r>
+                <a:r>
+                  <a:rPr lang="en-GB" dirty="0">
+                    <a:latin typeface="HelveticaNeue"/>
+                  </a:rPr>
+                  <a:t>, four </a:t>
+                </a:r>
+                <a:r>
+                  <a:rPr lang="en-GB" dirty="0">
+                    <a:solidFill>
+                      <a:srgbClr val="0070C0"/>
+                    </a:solidFill>
+                    <a:latin typeface="HelveticaNeue"/>
+                  </a:rPr>
+                  <a:t>hundred</a:t>
+                </a:r>
+                <a:r>
+                  <a:rPr lang="en-GB" dirty="0">
+                    <a:latin typeface="HelveticaNeue"/>
+                  </a:rPr>
+                  <a:t> and fifty-six.</a:t>
+                </a:r>
+              </a:p>
+              <a:p>
+                <a:pPr>
+                  <a:buClr>
+                    <a:schemeClr val="tx1"/>
+                  </a:buClr>
+                </a:pPr>
+                <a:endParaRPr lang="en-GB" dirty="0">
+                  <a:latin typeface="HelveticaNeue"/>
+                </a:endParaRPr>
+              </a:p>
+              <a:p>
+                <a:pPr algn="ctr">
+                  <a:buClr>
+                    <a:schemeClr val="tx1"/>
+                  </a:buClr>
+                </a:pPr>
+                <a:r>
+                  <a:rPr lang="en-GB" dirty="0">
+                    <a:latin typeface="HelveticaNeue"/>
+                  </a:rPr>
+                  <a:t>Perspective:  There are an estimated </a:t>
+                </a:r>
+                <a:r>
+                  <a:rPr lang="en-GB" dirty="0">
+                    <a:solidFill>
+                      <a:srgbClr val="0070C0"/>
+                    </a:solidFill>
+                    <a:latin typeface="HelveticaNeue"/>
+                  </a:rPr>
+                  <a:t>100 Billion stars</a:t>
+                </a:r>
+                <a:r>
+                  <a:rPr lang="en-GB" dirty="0">
+                    <a:latin typeface="HelveticaNeue"/>
+                  </a:rPr>
+                  <a:t> in the known universe</a:t>
+                </a:r>
+              </a:p>
+              <a:p>
+                <a:pPr marL="285750" indent="-285750">
+                  <a:buClr>
+                    <a:schemeClr val="tx1"/>
+                  </a:buClr>
+                  <a:buFont typeface="Arial" panose="020B0604020202020204" pitchFamily="34" charset="0"/>
+                  <a:buChar char="•"/>
+                </a:pPr>
+                <a:endParaRPr lang="en-GB" dirty="0">
+                  <a:latin typeface="HelveticaNeue"/>
+                </a:endParaRPr>
+              </a:p>
+              <a:p>
+                <a:pPr marL="285750" indent="-285750">
+                  <a:buClr>
+                    <a:schemeClr val="tx1"/>
+                  </a:buClr>
+                  <a:buFont typeface="Arial" panose="020B0604020202020204" pitchFamily="34" charset="0"/>
+                  <a:buChar char="•"/>
+                </a:pPr>
+                <a:endParaRPr lang="en-GB" dirty="0">
+                  <a:latin typeface="HelveticaNeue"/>
+                </a:endParaRPr>
+              </a:p>
+              <a:p>
+                <a:pPr>
+                  <a:buClr>
+                    <a:schemeClr val="tx1"/>
+                  </a:buClr>
+                </a:pPr>
+                <a:endParaRPr lang="en-GB" dirty="0">
+                  <a:latin typeface="HelveticaNeue"/>
+                </a:endParaRPr>
+              </a:p>
+            </p:txBody>
+          </p:sp>
+        </mc:Choice>
+        <mc:Fallback>
+          <p:sp>
+            <p:nvSpPr>
+              <p:cNvPr id="17" name="Rectangle 16">
+                <a:extLst>
+                  <a:ext uri="{FF2B5EF4-FFF2-40B4-BE49-F238E27FC236}">
+                    <a16:creationId xmlns:a16="http://schemas.microsoft.com/office/drawing/2014/main" id="{B28472AD-8D0A-49DD-8F18-248E146E293F}"/>
+                  </a:ext>
+                </a:extLst>
+              </p:cNvPr>
+              <p:cNvSpPr>
+                <a:spLocks noRot="1" noChangeAspect="1" noMove="1" noResize="1" noEditPoints="1" noAdjustHandles="1" noChangeArrowheads="1" noChangeShapeType="1" noTextEdit="1"/>
+              </p:cNvSpPr>
+              <p:nvPr/>
+            </p:nvSpPr>
+            <p:spPr>
+              <a:xfrm>
+                <a:off x="841665" y="1607828"/>
+                <a:ext cx="11114137" cy="5644750"/>
+              </a:xfrm>
+              <a:prstGeom prst="rect">
+                <a:avLst/>
+              </a:prstGeom>
+              <a:blipFill>
+                <a:blip r:embed="rId9"/>
+                <a:stretch>
+                  <a:fillRect l="-439" t="-648"/>
+                </a:stretch>
+              </a:blipFill>
+            </p:spPr>
+            <p:txBody>
+              <a:bodyPr/>
+              <a:lstStyle/>
+              <a:p>
+                <a:r>
+                  <a:rPr lang="en-GB">
+                    <a:noFill/>
+                  </a:rPr>
+                  <a:t> </a:t>
+                </a:r>
+              </a:p>
+            </p:txBody>
+          </p:sp>
+        </mc:Fallback>
+      </mc:AlternateContent>
+    </p:spTree>
+    <p:extLst>
+      <p:ext uri="{BB962C8B-B14F-4D97-AF65-F5344CB8AC3E}">
+        <p14:creationId xmlns:p14="http://schemas.microsoft.com/office/powerpoint/2010/main" val="1164797763"/>
+      </p:ext>
+    </p:extLst>
+  </p:cSld>
+  <p:clrMapOvr>
+    <a:masterClrMapping/>
+  </p:clrMapOvr>
+</p:sld>
+</file>
+
+<file path=ppt/slides/slide6.xml><?xml version="1.0" encoding="utf-8"?>
+<p:sld xmlns:a="http://schemas.openxmlformats.org/drawingml/2006/main" xmlns:r="http://schemas.openxmlformats.org/officeDocument/2006/relationships" xmlns:p="http://schemas.openxmlformats.org/presentationml/2006/main">
+  <p:cSld>
+    <p:spTree>
+      <p:nvGrpSpPr>
+        <p:cNvPr id="1" name=""/>
+        <p:cNvGrpSpPr/>
+        <p:nvPr/>
+      </p:nvGrpSpPr>
+      <p:grpSpPr>
+        <a:xfrm>
+          <a:off x="0" y="0"/>
+          <a:ext cx="0" cy="0"/>
+          <a:chOff x="0" y="0"/>
+          <a:chExt cx="0" cy="0"/>
+        </a:xfrm>
+      </p:grpSpPr>
+      <p:pic>
+        <p:nvPicPr>
+          <p:cNvPr id="1030" name="Picture 6" descr="IoT Power Management">
+            <a:extLst>
+              <a:ext uri="{FF2B5EF4-FFF2-40B4-BE49-F238E27FC236}">
+                <a16:creationId xmlns:a16="http://schemas.microsoft.com/office/drawing/2014/main" id="{F9844D2D-635D-44A0-B958-1E4C39246144}"/>
+              </a:ext>
+            </a:extLst>
+          </p:cNvPr>
+          <p:cNvPicPr>
+            <a:picLocks noChangeAspect="1" noChangeArrowheads="1"/>
+          </p:cNvPicPr>
+          <p:nvPr/>
+        </p:nvPicPr>
+        <p:blipFill rotWithShape="1">
+          <a:blip r:embed="rId3">
+            <a:duotone>
+              <a:prstClr val="black"/>
+              <a:schemeClr val="accent5">
+                <a:tint val="45000"/>
+                <a:satMod val="400000"/>
+              </a:schemeClr>
+            </a:duotone>
+            <a:extLst>
+              <a:ext uri="{28A0092B-C50C-407E-A947-70E740481C1C}">
+                <a14:useLocalDpi xmlns:a14="http://schemas.microsoft.com/office/drawing/2010/main" val="0"/>
+              </a:ext>
+            </a:extLst>
+          </a:blip>
+          <a:srcRect l="17628" t="11071" r="17690" b="10896"/>
+          <a:stretch/>
+        </p:blipFill>
+        <p:spPr bwMode="auto">
+          <a:xfrm>
+            <a:off x="9525" y="5388348"/>
+            <a:ext cx="1469651" cy="1469651"/>
+          </a:xfrm>
+          <a:prstGeom prst="rect">
+            <a:avLst/>
+          </a:prstGeom>
+          <a:noFill/>
+          <a:extLst>
+            <a:ext uri="{909E8E84-426E-40DD-AFC4-6F175D3DCCD1}">
+              <a14:hiddenFill xmlns:a14="http://schemas.microsoft.com/office/drawing/2010/main">
+                <a:solidFill>
+                  <a:srgbClr val="FFFFFF"/>
+                </a:solidFill>
+              </a14:hiddenFill>
+            </a:ext>
+          </a:extLst>
+        </p:spPr>
+      </p:pic>
+      <p:sp>
+        <p:nvSpPr>
+          <p:cNvPr id="4" name="Rectangle 3">
+            <a:extLst>
+              <a:ext uri="{FF2B5EF4-FFF2-40B4-BE49-F238E27FC236}">
+                <a16:creationId xmlns:a16="http://schemas.microsoft.com/office/drawing/2014/main" id="{9D476336-A01A-47A0-975E-B9D85496F266}"/>
+              </a:ext>
+            </a:extLst>
+          </p:cNvPr>
+          <p:cNvSpPr/>
+          <p:nvPr/>
+        </p:nvSpPr>
+        <p:spPr>
+          <a:xfrm rot="5400000">
+            <a:off x="8578368" y="3220641"/>
+            <a:ext cx="6874669" cy="400050"/>
+          </a:xfrm>
+          <a:prstGeom prst="rect">
+            <a:avLst/>
+          </a:prstGeom>
+          <a:solidFill>
+            <a:srgbClr val="194B89"/>
+          </a:solidFill>
+          <a:ln>
+            <a:solidFill>
+              <a:srgbClr val="194B89"/>
+            </a:solidFill>
+          </a:ln>
+        </p:spPr>
+        <p:style>
+          <a:lnRef idx="2">
+            <a:schemeClr val="accent1">
+              <a:shade val="50000"/>
+            </a:schemeClr>
+          </a:lnRef>
+          <a:fillRef idx="1">
+            <a:schemeClr val="accent1"/>
+          </a:fillRef>
+          <a:effectRef idx="0">
+            <a:schemeClr val="accent1"/>
+          </a:effectRef>
+          <a:fontRef idx="minor">
+            <a:schemeClr val="lt1"/>
+          </a:fontRef>
+        </p:style>
+        <p:txBody>
+          <a:bodyPr rtlCol="0" anchor="ctr"/>
+          <a:lstStyle/>
+          <a:p>
+            <a:pPr algn="ctr"/>
+            <a:endParaRPr lang="en-GB"/>
+          </a:p>
+        </p:txBody>
+      </p:sp>
+      <p:sp>
+        <p:nvSpPr>
+          <p:cNvPr id="5" name="TextBox 4">
+            <a:extLst>
+              <a:ext uri="{FF2B5EF4-FFF2-40B4-BE49-F238E27FC236}">
+                <a16:creationId xmlns:a16="http://schemas.microsoft.com/office/drawing/2014/main" id="{DFBF54CF-F8EF-476F-941C-A4D2002C5A47}"/>
+              </a:ext>
+            </a:extLst>
+          </p:cNvPr>
+          <p:cNvSpPr txBox="1"/>
+          <p:nvPr/>
+        </p:nvSpPr>
+        <p:spPr>
+          <a:xfrm>
+            <a:off x="1814933" y="265400"/>
+            <a:ext cx="8189258" cy="646331"/>
+          </a:xfrm>
+          <a:prstGeom prst="rect">
+            <a:avLst/>
+          </a:prstGeom>
+          <a:noFill/>
+        </p:spPr>
+        <p:txBody>
+          <a:bodyPr wrap="square" rtlCol="0">
+            <a:spAutoFit/>
+          </a:bodyPr>
+          <a:lstStyle/>
+          <a:p>
+            <a:pPr algn="ctr"/>
+            <a:r>
+              <a:rPr lang="en-GB" sz="3600" dirty="0">
+                <a:solidFill>
+                  <a:schemeClr val="bg2">
+                    <a:lumMod val="25000"/>
+                  </a:schemeClr>
+                </a:solidFill>
+                <a:latin typeface="3ds" panose="02000503020000020004" pitchFamily="2" charset="0"/>
+              </a:rPr>
+              <a:t>Applications</a:t>
+            </a:r>
+          </a:p>
+        </p:txBody>
+      </p:sp>
+      <p:pic>
+        <p:nvPicPr>
+          <p:cNvPr id="7" name="Picture 6">
+            <a:extLst>
+              <a:ext uri="{FF2B5EF4-FFF2-40B4-BE49-F238E27FC236}">
+                <a16:creationId xmlns:a16="http://schemas.microsoft.com/office/drawing/2014/main" id="{71D3B9A1-27CF-4E31-9333-C95F542DE9E4}"/>
+              </a:ext>
+            </a:extLst>
+          </p:cNvPr>
+          <p:cNvPicPr>
+            <a:picLocks noChangeAspect="1"/>
+          </p:cNvPicPr>
+          <p:nvPr/>
+        </p:nvPicPr>
+        <p:blipFill>
+          <a:blip r:embed="rId4">
+            <a:extLst>
+              <a:ext uri="{28A0092B-C50C-407E-A947-70E740481C1C}">
+                <a14:useLocalDpi xmlns:a14="http://schemas.microsoft.com/office/drawing/2010/main" val="0"/>
+              </a:ext>
+            </a:extLst>
+          </a:blip>
+          <a:stretch>
+            <a:fillRect/>
+          </a:stretch>
+        </p:blipFill>
+        <p:spPr>
+          <a:xfrm>
+            <a:off x="9968410" y="6010630"/>
+            <a:ext cx="1847267" cy="847370"/>
+          </a:xfrm>
+          <a:prstGeom prst="rect">
+            <a:avLst/>
+          </a:prstGeom>
+        </p:spPr>
+      </p:pic>
+      <p:pic>
+        <p:nvPicPr>
+          <p:cNvPr id="6" name="Picture 5">
+            <a:extLst>
+              <a:ext uri="{FF2B5EF4-FFF2-40B4-BE49-F238E27FC236}">
+                <a16:creationId xmlns:a16="http://schemas.microsoft.com/office/drawing/2014/main" id="{1C468270-C95B-4FBD-8BCD-D9DE593C75E9}"/>
+              </a:ext>
+            </a:extLst>
+          </p:cNvPr>
+          <p:cNvPicPr>
+            <a:picLocks noChangeAspect="1"/>
+          </p:cNvPicPr>
+          <p:nvPr/>
+        </p:nvPicPr>
+        <p:blipFill rotWithShape="1">
+          <a:blip r:embed="rId5"/>
+          <a:srcRect t="14297" b="1809"/>
+          <a:stretch/>
+        </p:blipFill>
+        <p:spPr>
+          <a:xfrm>
+            <a:off x="1660432" y="1139253"/>
+            <a:ext cx="8498261" cy="5295062"/>
+          </a:xfrm>
+          <a:prstGeom prst="rect">
+            <a:avLst/>
+          </a:prstGeom>
+        </p:spPr>
+      </p:pic>
+    </p:spTree>
+    <p:extLst>
+      <p:ext uri="{BB962C8B-B14F-4D97-AF65-F5344CB8AC3E}">
+        <p14:creationId xmlns:p14="http://schemas.microsoft.com/office/powerpoint/2010/main" val="3220262349"/>
+      </p:ext>
+    </p:extLst>
+  </p:cSld>
+  <p:clrMapOvr>
+    <a:masterClrMapping/>
+  </p:clrMapOvr>
+</p:sld>
+</file>
+
+<file path=ppt/slides/slide7.xml><?xml version="1.0" encoding="utf-8"?>
+<p:sld xmlns:a="http://schemas.openxmlformats.org/drawingml/2006/main" xmlns:r="http://schemas.openxmlformats.org/officeDocument/2006/relationships" xmlns:p="http://schemas.openxmlformats.org/presentationml/2006/main">
+  <p:cSld>
+    <p:spTree>
+      <p:nvGrpSpPr>
+        <p:cNvPr id="1" name=""/>
+        <p:cNvGrpSpPr/>
+        <p:nvPr/>
+      </p:nvGrpSpPr>
+      <p:grpSpPr>
+        <a:xfrm>
+          <a:off x="0" y="0"/>
+          <a:ext cx="0" cy="0"/>
+          <a:chOff x="0" y="0"/>
+          <a:chExt cx="0" cy="0"/>
+        </a:xfrm>
+      </p:grpSpPr>
+      <p:pic>
+        <p:nvPicPr>
+          <p:cNvPr id="1030" name="Picture 6" descr="IoT Power Management">
+            <a:extLst>
+              <a:ext uri="{FF2B5EF4-FFF2-40B4-BE49-F238E27FC236}">
+                <a16:creationId xmlns:a16="http://schemas.microsoft.com/office/drawing/2014/main" id="{F9844D2D-635D-44A0-B958-1E4C39246144}"/>
+              </a:ext>
+            </a:extLst>
+          </p:cNvPr>
+          <p:cNvPicPr>
+            <a:picLocks noChangeAspect="1" noChangeArrowheads="1"/>
+          </p:cNvPicPr>
+          <p:nvPr/>
+        </p:nvPicPr>
+        <p:blipFill rotWithShape="1">
+          <a:blip r:embed="rId3">
+            <a:extLst>
+              <a:ext uri="{28A0092B-C50C-407E-A947-70E740481C1C}">
+                <a14:useLocalDpi xmlns:a14="http://schemas.microsoft.com/office/drawing/2010/main" val="0"/>
+              </a:ext>
+            </a:extLst>
+          </a:blip>
+          <a:srcRect l="17628" t="11071" r="17690" b="10896"/>
+          <a:stretch/>
+        </p:blipFill>
+        <p:spPr bwMode="auto">
+          <a:xfrm>
+            <a:off x="9525" y="5393006"/>
+            <a:ext cx="1464993" cy="1464993"/>
+          </a:xfrm>
+          <a:prstGeom prst="rect">
+            <a:avLst/>
+          </a:prstGeom>
+          <a:noFill/>
+          <a:extLst>
+            <a:ext uri="{909E8E84-426E-40DD-AFC4-6F175D3DCCD1}">
+              <a14:hiddenFill xmlns:a14="http://schemas.microsoft.com/office/drawing/2010/main">
+                <a:solidFill>
+                  <a:srgbClr val="FFFFFF"/>
+                </a:solidFill>
+              </a14:hiddenFill>
+            </a:ext>
+          </a:extLst>
+        </p:spPr>
+      </p:pic>
+      <p:sp>
+        <p:nvSpPr>
+          <p:cNvPr id="4" name="Rectangle 3">
+            <a:extLst>
+              <a:ext uri="{FF2B5EF4-FFF2-40B4-BE49-F238E27FC236}">
+                <a16:creationId xmlns:a16="http://schemas.microsoft.com/office/drawing/2014/main" id="{9D476336-A01A-47A0-975E-B9D85496F266}"/>
+              </a:ext>
+            </a:extLst>
+          </p:cNvPr>
+          <p:cNvSpPr/>
+          <p:nvPr/>
+        </p:nvSpPr>
+        <p:spPr>
+          <a:xfrm rot="5400000">
+            <a:off x="8578368" y="3220641"/>
+            <a:ext cx="6874669" cy="400050"/>
+          </a:xfrm>
+          <a:prstGeom prst="rect">
+            <a:avLst/>
+          </a:prstGeom>
+          <a:solidFill>
+            <a:srgbClr val="194B89"/>
+          </a:solidFill>
+          <a:ln>
+            <a:solidFill>
+              <a:srgbClr val="194B89"/>
+            </a:solidFill>
+          </a:ln>
+        </p:spPr>
+        <p:style>
+          <a:lnRef idx="2">
+            <a:schemeClr val="accent1">
+              <a:shade val="50000"/>
+            </a:schemeClr>
+          </a:lnRef>
+          <a:fillRef idx="1">
+            <a:schemeClr val="accent1"/>
+          </a:fillRef>
+          <a:effectRef idx="0">
+            <a:schemeClr val="accent1"/>
+          </a:effectRef>
+          <a:fontRef idx="minor">
+            <a:schemeClr val="lt1"/>
+          </a:fontRef>
+        </p:style>
+        <p:txBody>
+          <a:bodyPr rtlCol="0" anchor="ctr"/>
+          <a:lstStyle/>
+          <a:p>
+            <a:pPr algn="ctr"/>
+            <a:endParaRPr lang="en-GB"/>
+          </a:p>
+        </p:txBody>
+      </p:sp>
+      <p:sp>
+        <p:nvSpPr>
+          <p:cNvPr id="5" name="TextBox 4">
+            <a:extLst>
+              <a:ext uri="{FF2B5EF4-FFF2-40B4-BE49-F238E27FC236}">
+                <a16:creationId xmlns:a16="http://schemas.microsoft.com/office/drawing/2014/main" id="{DFBF54CF-F8EF-476F-941C-A4D2002C5A47}"/>
+              </a:ext>
+            </a:extLst>
+          </p:cNvPr>
+          <p:cNvSpPr txBox="1"/>
+          <p:nvPr/>
+        </p:nvSpPr>
+        <p:spPr>
+          <a:xfrm>
             <a:off x="1237697" y="127795"/>
             <a:ext cx="9716606" cy="1015663"/>
           </a:xfrm>
@@ -4628,7 +7407,7 @@
                 </a:solidFill>
                 <a:latin typeface="3ds" panose="02000503020000020004" pitchFamily="2" charset="0"/>
               </a:rPr>
-              <a:t>So what does that wordy title mean?</a:t>
+              <a:t>Summary</a:t>
             </a:r>
           </a:p>
           <a:p>
@@ -4888,10 +7667,10 @@
       </p:pic>
       <p:pic>
         <p:nvPicPr>
-          <p:cNvPr id="12" name="Picture 11" descr="A close up of a logo&#10;&#10;Description automatically generated">
-            <a:extLst>
-              <a:ext uri="{FF2B5EF4-FFF2-40B4-BE49-F238E27FC236}">
-                <a16:creationId xmlns:a16="http://schemas.microsoft.com/office/drawing/2014/main" id="{0E1A0C2B-2419-4D05-ABB1-AD2F3E3E6283}"/>
+          <p:cNvPr id="15" name="Picture 14">
+            <a:extLst>
+              <a:ext uri="{FF2B5EF4-FFF2-40B4-BE49-F238E27FC236}">
+                <a16:creationId xmlns:a16="http://schemas.microsoft.com/office/drawing/2014/main" id="{89ACFB85-2453-4EE6-BEEA-25F48E4D79D1}"/>
               </a:ext>
             </a:extLst>
           </p:cNvPr>
@@ -4900,7 +7679,7 @@
           </p:cNvPicPr>
           <p:nvPr/>
         </p:nvPicPr>
-        <p:blipFill rotWithShape="1">
+        <p:blipFill>
           <a:blip r:embed="rId7">
             <a:extLst>
               <a:ext uri="{28A0092B-C50C-407E-A947-70E740481C1C}">
@@ -4908,13 +7687,14 @@
               </a:ext>
             </a:extLst>
           </a:blip>
-          <a:srcRect l="15706" t="11787" r="15492" b="17225"/>
-          <a:stretch/>
+          <a:stretch>
+            <a:fillRect/>
+          </a:stretch>
         </p:blipFill>
         <p:spPr>
           <a:xfrm>
-            <a:off x="10043185" y="5943599"/>
-            <a:ext cx="1772492" cy="914400"/>
+            <a:off x="9968410" y="6010630"/>
+            <a:ext cx="1847267" cy="847370"/>
           </a:xfrm>
           <a:prstGeom prst="rect">
             <a:avLst/>

--- a/Lessons/Introduction.pptx
+++ b/Lessons/Introduction.pptx
@@ -203,7 +203,7 @@
           <a:p>
             <a:fld id="{DF0B6E1B-3DE4-4082-8057-FA3E47C40905}" type="datetimeFigureOut">
               <a:rPr lang="en-GB" smtClean="0"/>
-              <a:t>01/09/2019</a:t>
+              <a:t>02/09/2019</a:t>
             </a:fld>
             <a:endParaRPr lang="en-GB"/>
           </a:p>
@@ -683,6 +683,94 @@
           <a:bodyPr/>
           <a:lstStyle/>
           <a:p>
+            <a:r>
+              <a:rPr lang="en-GB" sz="1200" b="0" i="0" u="none" strike="noStrike" kern="1200" dirty="0">
+                <a:solidFill>
+                  <a:schemeClr val="tx1"/>
+                </a:solidFill>
+                <a:effectLst/>
+                <a:latin typeface="+mn-lt"/>
+                <a:ea typeface="+mn-ea"/>
+                <a:cs typeface="+mn-cs"/>
+              </a:rPr>
+              <a:t>* The internet of things was first coined by </a:t>
+            </a:r>
+            <a:r>
+              <a:rPr lang="en-GB" sz="1200" b="1" i="0" u="none" strike="noStrike" kern="1200" dirty="0">
+                <a:solidFill>
+                  <a:schemeClr val="tx1"/>
+                </a:solidFill>
+                <a:effectLst/>
+                <a:latin typeface="+mn-lt"/>
+                <a:ea typeface="+mn-ea"/>
+                <a:cs typeface="+mn-cs"/>
+              </a:rPr>
+              <a:t>British</a:t>
+            </a:r>
+            <a:r>
+              <a:rPr lang="en-GB" sz="1200" b="0" i="0" u="none" strike="noStrike" kern="1200" dirty="0">
+                <a:solidFill>
+                  <a:schemeClr val="tx1"/>
+                </a:solidFill>
+                <a:effectLst/>
+                <a:latin typeface="+mn-lt"/>
+                <a:ea typeface="+mn-ea"/>
+                <a:cs typeface="+mn-cs"/>
+              </a:rPr>
+              <a:t> visionary Kevin Ashton in 1999. This term pronounced a system where the Internet connects to the actuality via a global network of data sensors.</a:t>
+            </a:r>
+          </a:p>
+          <a:p>
+            <a:endParaRPr lang="en-GB" sz="1200" b="0" i="0" u="none" strike="noStrike" kern="1200" dirty="0">
+              <a:solidFill>
+                <a:schemeClr val="tx1"/>
+              </a:solidFill>
+              <a:effectLst/>
+              <a:latin typeface="+mn-lt"/>
+              <a:ea typeface="+mn-ea"/>
+              <a:cs typeface="+mn-cs"/>
+            </a:endParaRPr>
+          </a:p>
+          <a:p>
+            <a:r>
+              <a:rPr lang="en-GB" sz="1200" b="0" i="0" u="none" strike="noStrike" kern="1200" dirty="0">
+                <a:solidFill>
+                  <a:schemeClr val="tx1"/>
+                </a:solidFill>
+                <a:effectLst/>
+                <a:latin typeface="+mn-lt"/>
+                <a:ea typeface="+mn-ea"/>
+                <a:cs typeface="+mn-cs"/>
+              </a:rPr>
+              <a:t>* The term today has several visions based on its user and its use.  </a:t>
+            </a:r>
+          </a:p>
+          <a:p>
+            <a:endParaRPr lang="en-GB" sz="1200" b="0" i="0" u="none" strike="noStrike" kern="1200" dirty="0">
+              <a:solidFill>
+                <a:schemeClr val="tx1"/>
+              </a:solidFill>
+              <a:effectLst/>
+              <a:latin typeface="+mn-lt"/>
+              <a:ea typeface="+mn-ea"/>
+              <a:cs typeface="+mn-cs"/>
+            </a:endParaRPr>
+          </a:p>
+          <a:p>
+            <a:r>
+              <a:rPr lang="en-GB" sz="1200" b="0" i="0" u="none" strike="noStrike" kern="1200" dirty="0">
+                <a:solidFill>
+                  <a:schemeClr val="tx1"/>
+                </a:solidFill>
+                <a:effectLst/>
+                <a:latin typeface="+mn-lt"/>
+                <a:ea typeface="+mn-ea"/>
+                <a:cs typeface="+mn-cs"/>
+              </a:rPr>
+              <a:t>* We will be building, coding, operating our own IoT device using a range of sensors. </a:t>
+            </a:r>
+          </a:p>
+          <a:p>
             <a:endParaRPr lang="en-GB" dirty="0"/>
           </a:p>
         </p:txBody>
@@ -767,7 +855,37 @@
           <a:bodyPr/>
           <a:lstStyle/>
           <a:p>
+            <a:r>
+              <a:rPr lang="en-GB" dirty="0"/>
+              <a:t>We are Lazy, automation is everything to the world. </a:t>
+            </a:r>
+          </a:p>
+          <a:p>
             <a:endParaRPr lang="en-GB" dirty="0"/>
+          </a:p>
+          <a:p>
+            <a:r>
+              <a:rPr lang="en-GB" dirty="0"/>
+              <a:t>But we also want to control things remotely from the comfort of a chair. </a:t>
+            </a:r>
+          </a:p>
+          <a:p>
+            <a:endParaRPr lang="en-GB" dirty="0"/>
+          </a:p>
+          <a:p>
+            <a:r>
+              <a:rPr lang="en-GB" dirty="0"/>
+              <a:t>Data in </a:t>
+            </a:r>
+            <a:r>
+              <a:rPr lang="en-GB" i="1" dirty="0"/>
+              <a:t>real-time, </a:t>
+            </a:r>
+            <a:r>
+              <a:rPr lang="en-GB" i="0" dirty="0"/>
+              <a:t> this means something as close to instant as we can get, as it still takes time to sense, process, transmit, process and display the data. This could range from 10 milli-seconds to 500ms.</a:t>
+            </a:r>
+            <a:endParaRPr lang="en-GB" i="1" dirty="0"/>
           </a:p>
         </p:txBody>
       </p:sp>
@@ -851,6 +969,60 @@
           <a:bodyPr/>
           <a:lstStyle/>
           <a:p>
+            <a:r>
+              <a:rPr lang="en-GB" dirty="0"/>
+              <a:t>So there is estimated to be 50 billion IoT devices by 2020 , that is equivalent to 8 devices per person currently alive today. </a:t>
+            </a:r>
+          </a:p>
+          <a:p>
+            <a:endParaRPr lang="en-GB" dirty="0"/>
+          </a:p>
+          <a:p>
+            <a:r>
+              <a:rPr lang="en-GB" dirty="0"/>
+              <a:t>IoT devices require addresses, much like your PC or phone when they are on the internet. There are 2 standards for addressing devices they are:</a:t>
+            </a:r>
+          </a:p>
+          <a:p>
+            <a:r>
+              <a:rPr lang="en-GB" dirty="0"/>
+              <a:t>IPv4 and IPv6</a:t>
+            </a:r>
+          </a:p>
+          <a:p>
+            <a:endParaRPr lang="en-GB" dirty="0"/>
+          </a:p>
+          <a:p>
+            <a:r>
+              <a:rPr lang="en-GB" dirty="0"/>
+              <a:t>IPv4  has 4 .3 billion  addresses, but this is normally expressed as 2^32, as it is in base 2.  We are running out of addresses.</a:t>
+            </a:r>
+          </a:p>
+          <a:p>
+            <a:endParaRPr lang="en-GB" dirty="0"/>
+          </a:p>
+          <a:p>
+            <a:r>
+              <a:rPr lang="en-GB" dirty="0"/>
+              <a:t>IPv6 has 340 undecillion addresses or 2^128. Undecillion has 33 zeroes. We are not going to run out anytime soon.</a:t>
+            </a:r>
+          </a:p>
+          <a:p>
+            <a:endParaRPr lang="en-GB" dirty="0"/>
+          </a:p>
+          <a:p>
+            <a:r>
+              <a:rPr lang="en-GB" sz="1200" b="0" i="0" u="none" strike="noStrike" kern="1200" dirty="0">
+                <a:solidFill>
+                  <a:schemeClr val="tx1"/>
+                </a:solidFill>
+                <a:effectLst/>
+                <a:latin typeface="+mn-lt"/>
+                <a:ea typeface="+mn-ea"/>
+                <a:cs typeface="+mn-cs"/>
+              </a:rPr>
+              <a:t>If the current pool of 4.3 billion addresses were the size of a golf ball, the new 340 undecillion address space would be about the size of the sun. </a:t>
+            </a:r>
             <a:endParaRPr lang="en-GB" dirty="0"/>
           </a:p>
         </p:txBody>
@@ -935,7 +1107,149 @@
           <a:bodyPr/>
           <a:lstStyle/>
           <a:p>
+            <a:r>
+              <a:rPr lang="en-GB" dirty="0"/>
+              <a:t>There is almost an exhaustive list (never ending…) of applications. </a:t>
+            </a:r>
+          </a:p>
+          <a:p>
             <a:endParaRPr lang="en-GB" dirty="0"/>
+          </a:p>
+          <a:p>
+            <a:r>
+              <a:rPr lang="en-GB" dirty="0"/>
+              <a:t>Here is a list: </a:t>
+            </a:r>
+          </a:p>
+          <a:p>
+            <a:endParaRPr lang="en-GB" dirty="0"/>
+          </a:p>
+          <a:p>
+            <a:r>
+              <a:rPr lang="en-GB" u="sng" dirty="0"/>
+              <a:t>Smart/Connected Home</a:t>
+            </a:r>
+          </a:p>
+          <a:p>
+            <a:pPr marL="171450" indent="-171450">
+              <a:buFont typeface="Arial" panose="020B0604020202020204" pitchFamily="34" charset="0"/>
+              <a:buChar char="•"/>
+            </a:pPr>
+            <a:r>
+              <a:rPr lang="en-GB" u="none" dirty="0"/>
+              <a:t>Lights, atmospheric controls, voice assistances (Alexa), CCTV IP</a:t>
+            </a:r>
+          </a:p>
+          <a:p>
+            <a:pPr marL="0" indent="0">
+              <a:buFont typeface="Arial" panose="020B0604020202020204" pitchFamily="34" charset="0"/>
+              <a:buNone/>
+            </a:pPr>
+            <a:endParaRPr lang="en-GB" u="none" dirty="0"/>
+          </a:p>
+          <a:p>
+            <a:r>
+              <a:rPr lang="en-GB" u="sng" dirty="0"/>
+              <a:t>Wearables</a:t>
+            </a:r>
+          </a:p>
+          <a:p>
+            <a:pPr marL="171450" indent="-171450">
+              <a:buFont typeface="Arial" panose="020B0604020202020204" pitchFamily="34" charset="0"/>
+              <a:buChar char="•"/>
+            </a:pPr>
+            <a:r>
+              <a:rPr lang="en-GB" u="none" dirty="0"/>
+              <a:t>Smartwatches, Glucose monitor, Medical assistance clothing</a:t>
+            </a:r>
+          </a:p>
+          <a:p>
+            <a:pPr marL="171450" indent="-171450">
+              <a:buFont typeface="Arial" panose="020B0604020202020204" pitchFamily="34" charset="0"/>
+              <a:buChar char="•"/>
+            </a:pPr>
+            <a:endParaRPr lang="en-GB" u="none" dirty="0"/>
+          </a:p>
+          <a:p>
+            <a:r>
+              <a:rPr lang="en-GB" u="sng" dirty="0"/>
+              <a:t>Retail</a:t>
+            </a:r>
+          </a:p>
+          <a:p>
+            <a:pPr marL="171450" indent="-171450">
+              <a:buFont typeface="Arial" panose="020B0604020202020204" pitchFamily="34" charset="0"/>
+              <a:buChar char="•"/>
+            </a:pPr>
+            <a:r>
+              <a:rPr lang="en-GB" u="none" dirty="0"/>
+              <a:t>Wireless shopping scanners (</a:t>
+            </a:r>
+            <a:r>
+              <a:rPr lang="en-GB" u="none" dirty="0" err="1"/>
+              <a:t>ePOS</a:t>
+            </a:r>
+            <a:r>
+              <a:rPr lang="en-GB" u="none" dirty="0"/>
+              <a:t> – electronic Point-Of-Sale)</a:t>
+            </a:r>
+          </a:p>
+          <a:p>
+            <a:pPr marL="0" indent="0">
+              <a:buFont typeface="Arial" panose="020B0604020202020204" pitchFamily="34" charset="0"/>
+              <a:buNone/>
+            </a:pPr>
+            <a:endParaRPr lang="en-GB" u="none" dirty="0"/>
+          </a:p>
+          <a:p>
+            <a:r>
+              <a:rPr lang="en-GB" u="sng" dirty="0"/>
+              <a:t>Smart Cities</a:t>
+            </a:r>
+          </a:p>
+          <a:p>
+            <a:pPr marL="171450" indent="-171450">
+              <a:buFont typeface="Arial" panose="020B0604020202020204" pitchFamily="34" charset="0"/>
+              <a:buChar char="•"/>
+            </a:pPr>
+            <a:r>
+              <a:rPr lang="en-GB" u="none" dirty="0"/>
+              <a:t>Smart waste collection (Notify when it needs emptying), Smart street lamps(monitor light levels and adjust brightness accordingly), Parking space sensors (lights turn change colour when space is occupied)</a:t>
+            </a:r>
+          </a:p>
+          <a:p>
+            <a:pPr marL="0" indent="0">
+              <a:buFont typeface="Arial" panose="020B0604020202020204" pitchFamily="34" charset="0"/>
+              <a:buNone/>
+            </a:pPr>
+            <a:endParaRPr lang="en-GB" u="none" dirty="0"/>
+          </a:p>
+          <a:p>
+            <a:pPr marL="0" indent="0">
+              <a:buFont typeface="Arial" panose="020B0604020202020204" pitchFamily="34" charset="0"/>
+              <a:buNone/>
+            </a:pPr>
+            <a:endParaRPr lang="en-GB" u="none" dirty="0"/>
+          </a:p>
+          <a:p>
+            <a:pPr marL="0" indent="0">
+              <a:buFont typeface="Arial" panose="020B0604020202020204" pitchFamily="34" charset="0"/>
+              <a:buNone/>
+            </a:pPr>
+            <a:endParaRPr lang="en-GB" u="sng" dirty="0"/>
+          </a:p>
+          <a:p>
+            <a:pPr marL="0" indent="0">
+              <a:buFont typeface="Arial" panose="020B0604020202020204" pitchFamily="34" charset="0"/>
+              <a:buNone/>
+            </a:pPr>
+            <a:endParaRPr lang="en-GB" u="none" dirty="0"/>
+          </a:p>
+          <a:p>
+            <a:r>
+              <a:rPr lang="en-GB" dirty="0"/>
+              <a:t>	</a:t>
+            </a:r>
           </a:p>
         </p:txBody>
       </p:sp>
@@ -1262,7 +1576,7 @@
           <a:p>
             <a:fld id="{35DBDC46-661E-48B2-857C-F62253F6C9C2}" type="datetimeFigureOut">
               <a:rPr lang="en-GB" smtClean="0"/>
-              <a:t>01/09/2019</a:t>
+              <a:t>02/09/2019</a:t>
             </a:fld>
             <a:endParaRPr lang="en-GB"/>
           </a:p>
@@ -1462,7 +1776,7 @@
           <a:p>
             <a:fld id="{35DBDC46-661E-48B2-857C-F62253F6C9C2}" type="datetimeFigureOut">
               <a:rPr lang="en-GB" smtClean="0"/>
-              <a:t>01/09/2019</a:t>
+              <a:t>02/09/2019</a:t>
             </a:fld>
             <a:endParaRPr lang="en-GB"/>
           </a:p>
@@ -1672,7 +1986,7 @@
           <a:p>
             <a:fld id="{35DBDC46-661E-48B2-857C-F62253F6C9C2}" type="datetimeFigureOut">
               <a:rPr lang="en-GB" smtClean="0"/>
-              <a:t>01/09/2019</a:t>
+              <a:t>02/09/2019</a:t>
             </a:fld>
             <a:endParaRPr lang="en-GB"/>
           </a:p>
@@ -1872,7 +2186,7 @@
           <a:p>
             <a:fld id="{35DBDC46-661E-48B2-857C-F62253F6C9C2}" type="datetimeFigureOut">
               <a:rPr lang="en-GB" smtClean="0"/>
-              <a:t>01/09/2019</a:t>
+              <a:t>02/09/2019</a:t>
             </a:fld>
             <a:endParaRPr lang="en-GB"/>
           </a:p>
@@ -2148,7 +2462,7 @@
           <a:p>
             <a:fld id="{35DBDC46-661E-48B2-857C-F62253F6C9C2}" type="datetimeFigureOut">
               <a:rPr lang="en-GB" smtClean="0"/>
-              <a:t>01/09/2019</a:t>
+              <a:t>02/09/2019</a:t>
             </a:fld>
             <a:endParaRPr lang="en-GB"/>
           </a:p>
@@ -2416,7 +2730,7 @@
           <a:p>
             <a:fld id="{35DBDC46-661E-48B2-857C-F62253F6C9C2}" type="datetimeFigureOut">
               <a:rPr lang="en-GB" smtClean="0"/>
-              <a:t>01/09/2019</a:t>
+              <a:t>02/09/2019</a:t>
             </a:fld>
             <a:endParaRPr lang="en-GB"/>
           </a:p>
@@ -2831,7 +3145,7 @@
           <a:p>
             <a:fld id="{35DBDC46-661E-48B2-857C-F62253F6C9C2}" type="datetimeFigureOut">
               <a:rPr lang="en-GB" smtClean="0"/>
-              <a:t>01/09/2019</a:t>
+              <a:t>02/09/2019</a:t>
             </a:fld>
             <a:endParaRPr lang="en-GB"/>
           </a:p>
@@ -2973,7 +3287,7 @@
           <a:p>
             <a:fld id="{35DBDC46-661E-48B2-857C-F62253F6C9C2}" type="datetimeFigureOut">
               <a:rPr lang="en-GB" smtClean="0"/>
-              <a:t>01/09/2019</a:t>
+              <a:t>02/09/2019</a:t>
             </a:fld>
             <a:endParaRPr lang="en-GB"/>
           </a:p>
@@ -3086,7 +3400,7 @@
           <a:p>
             <a:fld id="{35DBDC46-661E-48B2-857C-F62253F6C9C2}" type="datetimeFigureOut">
               <a:rPr lang="en-GB" smtClean="0"/>
-              <a:t>01/09/2019</a:t>
+              <a:t>02/09/2019</a:t>
             </a:fld>
             <a:endParaRPr lang="en-GB"/>
           </a:p>
@@ -3399,7 +3713,7 @@
           <a:p>
             <a:fld id="{35DBDC46-661E-48B2-857C-F62253F6C9C2}" type="datetimeFigureOut">
               <a:rPr lang="en-GB" smtClean="0"/>
-              <a:t>01/09/2019</a:t>
+              <a:t>02/09/2019</a:t>
             </a:fld>
             <a:endParaRPr lang="en-GB"/>
           </a:p>
@@ -3688,7 +4002,7 @@
           <a:p>
             <a:fld id="{35DBDC46-661E-48B2-857C-F62253F6C9C2}" type="datetimeFigureOut">
               <a:rPr lang="en-GB" smtClean="0"/>
-              <a:t>01/09/2019</a:t>
+              <a:t>02/09/2019</a:t>
             </a:fld>
             <a:endParaRPr lang="en-GB"/>
           </a:p>
@@ -3931,7 +4245,7 @@
           <a:p>
             <a:fld id="{35DBDC46-661E-48B2-857C-F62253F6C9C2}" type="datetimeFigureOut">
               <a:rPr lang="en-GB" smtClean="0"/>
-              <a:t>01/09/2019</a:t>
+              <a:t>02/09/2019</a:t>
             </a:fld>
             <a:endParaRPr lang="en-GB"/>
           </a:p>
@@ -4501,6 +4815,7 @@
             </a:r>
           </a:p>
           <a:p>
+            <a:pPr algn="ctr"/>
             <a:r>
               <a:rPr lang="en-GB" sz="3600" dirty="0">
                 <a:solidFill>
@@ -4510,7 +4825,27 @@
                 </a:solidFill>
                 <a:latin typeface="3ds" panose="02000503020000020004" pitchFamily="2" charset="0"/>
               </a:rPr>
-              <a:t>What is the IoT?</a:t>
+              <a:t>What is the </a:t>
+            </a:r>
+            <a:r>
+              <a:rPr lang="en-GB" sz="3600" dirty="0">
+                <a:solidFill>
+                  <a:srgbClr val="0070C0"/>
+                </a:solidFill>
+                <a:latin typeface="3ds" panose="02000503020000020004" pitchFamily="2" charset="0"/>
+              </a:rPr>
+              <a:t>IoT</a:t>
+            </a:r>
+            <a:r>
+              <a:rPr lang="en-GB" sz="3600" dirty="0">
+                <a:solidFill>
+                  <a:schemeClr val="bg2">
+                    <a:lumMod val="25000"/>
+                  </a:schemeClr>
+                </a:solidFill>
+                <a:latin typeface="3ds" panose="02000503020000020004" pitchFamily="2" charset="0"/>
+              </a:rPr>
+              <a:t>?</a:t>
             </a:r>
           </a:p>
         </p:txBody>
@@ -4545,6 +4880,49 @@
           <a:xfrm>
             <a:off x="9968410" y="6010630"/>
             <a:ext cx="1847267" cy="847370"/>
+          </a:xfrm>
+          <a:prstGeom prst="rect">
+            <a:avLst/>
+          </a:prstGeom>
+        </p:spPr>
+      </p:pic>
+      <p:pic>
+        <p:nvPicPr>
+          <p:cNvPr id="6" name="Picture 5" descr="A picture containing vector graphics&#10;&#10;Description automatically generated">
+            <a:extLst>
+              <a:ext uri="{FF2B5EF4-FFF2-40B4-BE49-F238E27FC236}">
+                <a16:creationId xmlns:a16="http://schemas.microsoft.com/office/drawing/2014/main" id="{1F29DC54-0C90-4146-A795-DDE528B3A239}"/>
+              </a:ext>
+            </a:extLst>
+          </p:cNvPr>
+          <p:cNvPicPr>
+            <a:picLocks noChangeAspect="1"/>
+          </p:cNvPicPr>
+          <p:nvPr/>
+        </p:nvPicPr>
+        <p:blipFill>
+          <a:blip r:embed="rId5">
+            <a:duotone>
+              <a:schemeClr val="accent1">
+                <a:shade val="45000"/>
+                <a:satMod val="135000"/>
+              </a:schemeClr>
+              <a:prstClr val="white"/>
+            </a:duotone>
+            <a:extLst>
+              <a:ext uri="{28A0092B-C50C-407E-A947-70E740481C1C}">
+                <a14:useLocalDpi xmlns:a14="http://schemas.microsoft.com/office/drawing/2010/main" val="0"/>
+              </a:ext>
+            </a:extLst>
+          </a:blip>
+          <a:stretch>
+            <a:fillRect/>
+          </a:stretch>
+        </p:blipFill>
+        <p:spPr>
+          <a:xfrm>
+            <a:off x="5198183" y="3989915"/>
+            <a:ext cx="1754327" cy="1754327"/>
           </a:xfrm>
           <a:prstGeom prst="rect">
             <a:avLst/>
@@ -4743,8 +5121,8 @@
         </p:nvSpPr>
         <p:spPr>
           <a:xfrm>
-            <a:off x="1949824" y="1640541"/>
-            <a:ext cx="8189258" cy="1754326"/>
+            <a:off x="1660432" y="2245659"/>
+            <a:ext cx="8189258" cy="1477328"/>
           </a:xfrm>
           <a:prstGeom prst="rect">
             <a:avLst/>
@@ -4801,7 +5179,7 @@
               <a:rPr lang="en-GB" dirty="0">
                 <a:latin typeface="HelveticaNeue"/>
               </a:rPr>
-              <a:t>Applications</a:t>
+              <a:t>What is the range?</a:t>
             </a:r>
           </a:p>
           <a:p>
@@ -4813,13 +5191,8 @@
               <a:rPr lang="en-GB" dirty="0">
                 <a:latin typeface="HelveticaNeue"/>
               </a:rPr>
-              <a:t>Examples of IoT</a:t>
-            </a:r>
-          </a:p>
-          <a:p>
-            <a:endParaRPr lang="en-GB" dirty="0">
-              <a:latin typeface="HelveticaNeue"/>
-            </a:endParaRPr>
+              <a:t>Applications</a:t>
+            </a:r>
           </a:p>
         </p:txBody>
       </p:sp>
@@ -5053,7 +5426,7 @@
         <p:spPr>
           <a:xfrm>
             <a:off x="1949824" y="1640541"/>
-            <a:ext cx="8189258" cy="3139321"/>
+            <a:ext cx="8189258" cy="3416320"/>
           </a:xfrm>
           <a:prstGeom prst="rect">
             <a:avLst/>
@@ -5173,8 +5546,29 @@
               <a:rPr lang="en-GB" dirty="0">
                 <a:latin typeface="HelveticaNeue"/>
               </a:rPr>
-              <a:t> like a; smart refrigerator, a smart air conditioner, household light system, connected security system or even a person with a heart monitor or an automobile.</a:t>
-            </a:r>
+              <a:t> like a; smart refrigerator, a smart air conditioner, household light system, connected security system or even a person with a heart monitor or an automobile. In our case an </a:t>
+            </a:r>
+            <a:r>
+              <a:rPr lang="en-GB" dirty="0">
+                <a:solidFill>
+                  <a:srgbClr val="0070C0"/>
+                </a:solidFill>
+                <a:latin typeface="HelveticaNeue"/>
+              </a:rPr>
+              <a:t>environmental sensing kit</a:t>
+            </a:r>
+            <a:r>
+              <a:rPr lang="en-GB" dirty="0">
+                <a:latin typeface="HelveticaNeue"/>
+              </a:rPr>
+              <a:t>.</a:t>
+            </a:r>
+            <a:endParaRPr lang="en-GB" dirty="0">
+              <a:solidFill>
+                <a:srgbClr val="0070C0"/>
+              </a:solidFill>
+              <a:latin typeface="HelveticaNeue"/>
+            </a:endParaRPr>
           </a:p>
         </p:txBody>
       </p:sp>
@@ -6122,7 +6516,7 @@
         </p:nvSpPr>
         <p:spPr>
           <a:xfrm>
-            <a:off x="841665" y="751584"/>
+            <a:off x="559278" y="751584"/>
             <a:ext cx="9126745" cy="923330"/>
           </a:xfrm>
           <a:prstGeom prst="rect">
@@ -6241,7 +6635,7 @@
         </p:blipFill>
         <p:spPr>
           <a:xfrm>
-            <a:off x="9711856" y="629662"/>
+            <a:off x="9099657" y="654990"/>
             <a:ext cx="2066925" cy="978165"/>
           </a:xfrm>
           <a:prstGeom prst="rect">
@@ -6293,7 +6687,7 @@
         </p:blipFill>
         <p:spPr>
           <a:xfrm>
-            <a:off x="10461548" y="2939917"/>
+            <a:off x="1421375" y="2931583"/>
             <a:ext cx="978166" cy="978166"/>
           </a:xfrm>
           <a:prstGeom prst="rect">
@@ -6317,8 +6711,8 @@
             </p:nvSpPr>
             <p:spPr>
               <a:xfrm>
-                <a:off x="841665" y="1607828"/>
-                <a:ext cx="11114137" cy="5644750"/>
+                <a:off x="559278" y="1820307"/>
+                <a:ext cx="11114137" cy="4213589"/>
               </a:xfrm>
               <a:prstGeom prst="rect">
                 <a:avLst/>
@@ -6384,7 +6778,7 @@
                   <a:rPr lang="en-GB" dirty="0">
                     <a:latin typeface="HelveticaNeue"/>
                   </a:rPr>
-                  <a:t>    v for version. IPv4 has </a:t>
+                  <a:t>     v for version. IPv4 has </a:t>
                 </a:r>
                 <a14:m>
                   <m:oMath xmlns:m="http://schemas.openxmlformats.org/officeDocument/2006/math">
@@ -6469,6 +6863,13 @@
                   </a:rPr>
                   <a:t>and we are running out of space. </a:t>
                 </a:r>
+              </a:p>
+              <a:p>
+                <a:pPr>
+                  <a:buClr>
+                    <a:schemeClr val="tx1"/>
+                  </a:buClr>
+                </a:pPr>
                 <a:r>
                   <a:rPr lang="en-GB" dirty="0">
                     <a:solidFill>
@@ -6476,7 +6877,7 @@
                     </a:solidFill>
                     <a:latin typeface="HelveticaNeue"/>
                   </a:rPr>
-                  <a:t>IPv6</a:t>
+                  <a:t>     IPv6</a:t>
                 </a:r>
                 <a:r>
                   <a:rPr lang="en-GB" dirty="0">
@@ -6544,9 +6945,9 @@
                     <a:schemeClr val="tx1"/>
                   </a:buClr>
                 </a:pPr>
-                <a:endParaRPr lang="en-GB" b="1" u="sng" dirty="0">
+                <a:endParaRPr lang="en-GB" sz="1000" b="1" u="sng" dirty="0">
                   <a:solidFill>
-                    <a:srgbClr val="0070C0"/>
+                    <a:srgbClr val="FF0000"/>
                   </a:solidFill>
                   <a:latin typeface="HelveticaNeue"/>
                 </a:endParaRPr>
@@ -6573,7 +6974,7 @@
                     <a:schemeClr val="tx1"/>
                   </a:buClr>
                 </a:pPr>
-                <a:endParaRPr lang="en-GB" dirty="0">
+                <a:endParaRPr lang="en-GB" sz="700" dirty="0">
                   <a:latin typeface="HelveticaNeue"/>
                 </a:endParaRPr>
               </a:p>
@@ -6596,7 +6997,7 @@
                     <a:schemeClr val="tx1"/>
                   </a:buClr>
                 </a:pPr>
-                <a:endParaRPr lang="en-GB" b="1" u="sng" dirty="0">
+                <a:endParaRPr lang="en-GB" sz="600" b="1" u="sng" dirty="0">
                   <a:solidFill>
                     <a:srgbClr val="0070C0"/>
                   </a:solidFill>
@@ -6625,7 +7026,7 @@
                     <a:schemeClr val="tx1"/>
                   </a:buClr>
                 </a:pPr>
-                <a:endParaRPr lang="en-GB" dirty="0">
+                <a:endParaRPr lang="en-GB" sz="1000" dirty="0">
                   <a:latin typeface="HelveticaNeue"/>
                 </a:endParaRPr>
               </a:p>
@@ -6914,40 +7315,6 @@
                   <a:t> in the known universe</a:t>
                 </a:r>
               </a:p>
-              <a:p>
-                <a:pPr marL="285750" indent="-285750">
-                  <a:buClr>
-                    <a:schemeClr val="tx1"/>
-                  </a:buClr>
-                  <a:buFont typeface="Arial" panose="020B0604020202020204" pitchFamily="34" charset="0"/>
-                  <a:buChar char="•"/>
-                </a:pPr>
-                <a:endParaRPr lang="en-GB" dirty="0">
-                  <a:latin typeface="HelveticaNeue"/>
-                </a:endParaRPr>
-              </a:p>
-              <a:p>
-                <a:pPr marL="285750" indent="-285750">
-                  <a:buClr>
-                    <a:schemeClr val="tx1"/>
-                  </a:buClr>
-                  <a:buFont typeface="Arial" panose="020B0604020202020204" pitchFamily="34" charset="0"/>
-                  <a:buChar char="•"/>
-                </a:pPr>
-                <a:endParaRPr lang="en-GB" dirty="0">
-                  <a:latin typeface="HelveticaNeue"/>
-                </a:endParaRPr>
-              </a:p>
-              <a:p>
-                <a:pPr>
-                  <a:buClr>
-                    <a:schemeClr val="tx1"/>
-                  </a:buClr>
-                </a:pPr>
-                <a:endParaRPr lang="en-GB" dirty="0">
-                  <a:latin typeface="HelveticaNeue"/>
-                </a:endParaRPr>
-              </a:p>
             </p:txBody>
           </p:sp>
         </mc:Choice>
@@ -6968,8 +7335,8 @@
             </p:nvSpPr>
             <p:spPr>
               <a:xfrm>
-                <a:off x="841665" y="1607828"/>
-                <a:ext cx="11114137" cy="5644750"/>
+                <a:off x="559278" y="1820307"/>
+                <a:ext cx="11114137" cy="4213589"/>
               </a:xfrm>
               <a:prstGeom prst="rect">
                 <a:avLst/>
@@ -6977,7 +7344,7 @@
               <a:blipFill>
                 <a:blip r:embed="rId9"/>
                 <a:stretch>
-                  <a:fillRect l="-439" t="-648"/>
+                  <a:fillRect l="-384" t="-868" b="-1447"/>
                 </a:stretch>
               </a:blipFill>
             </p:spPr>
@@ -7606,8 +7973,8 @@
         </p:nvSpPr>
         <p:spPr>
           <a:xfrm>
-            <a:off x="3314245" y="5132447"/>
-            <a:ext cx="6535272" cy="646331"/>
+            <a:off x="2729753" y="5132447"/>
+            <a:ext cx="7119764" cy="646331"/>
           </a:xfrm>
           <a:prstGeom prst="rect">
             <a:avLst/>
@@ -7624,7 +7991,7 @@
               <a:rPr lang="en-GB" dirty="0">
                 <a:latin typeface="HelveticaNeue"/>
               </a:rPr>
-              <a:t>The School Environment is the surroundings or conditions in which you, animals and plants live or operate.</a:t>
+              <a:t>The environment in this context is the surroundings or conditions in which you, animals and plants live or operate in your school setting.</a:t>
             </a:r>
           </a:p>
         </p:txBody>

--- a/Lessons/Introduction.pptx
+++ b/Lessons/Introduction.pptx
@@ -5,7 +5,7 @@
     <p:sldMasterId id="2147483648" r:id="rId1"/>
   </p:sldMasterIdLst>
   <p:notesMasterIdLst>
-    <p:notesMasterId r:id="rId9"/>
+    <p:notesMasterId r:id="rId10"/>
   </p:notesMasterIdLst>
   <p:sldIdLst>
     <p:sldId id="256" r:id="rId2"/>
@@ -14,7 +14,8 @@
     <p:sldId id="261" r:id="rId5"/>
     <p:sldId id="262" r:id="rId6"/>
     <p:sldId id="263" r:id="rId7"/>
-    <p:sldId id="257" r:id="rId8"/>
+    <p:sldId id="264" r:id="rId8"/>
+    <p:sldId id="257" r:id="rId9"/>
   </p:sldIdLst>
   <p:sldSz cx="12192000" cy="6858000"/>
   <p:notesSz cx="6858000" cy="9144000"/>
@@ -203,7 +204,7 @@
           <a:p>
             <a:fld id="{DF0B6E1B-3DE4-4082-8057-FA3E47C40905}" type="datetimeFigureOut">
               <a:rPr lang="en-GB" smtClean="0"/>
-              <a:t>02/09/2019</a:t>
+              <a:t>09/09/2019</a:t>
             </a:fld>
             <a:endParaRPr lang="en-GB"/>
           </a:p>
@@ -1333,6 +1334,93 @@
           <a:bodyPr/>
           <a:lstStyle/>
           <a:p>
+            <a:r>
+              <a:rPr lang="en-GB" dirty="0"/>
+              <a:t>So we have our IoT device, which is made up of a microcontroller with 7 sensors, which monitors the environment and reports to a cloud(internet) and then we retrieve that data on to a screen. </a:t>
+            </a:r>
+          </a:p>
+        </p:txBody>
+      </p:sp>
+      <p:sp>
+        <p:nvSpPr>
+          <p:cNvPr id="4" name="Slide Number Placeholder 3"/>
+          <p:cNvSpPr>
+            <a:spLocks noGrp="1"/>
+          </p:cNvSpPr>
+          <p:nvPr>
+            <p:ph type="sldNum" sz="quarter" idx="5"/>
+          </p:nvPr>
+        </p:nvSpPr>
+        <p:spPr/>
+        <p:txBody>
+          <a:bodyPr/>
+          <a:lstStyle/>
+          <a:p>
+            <a:fld id="{945AE9AA-FFB8-4A6F-835D-DFF20E6952A1}" type="slidenum">
+              <a:rPr lang="en-GB" smtClean="0"/>
+              <a:t>7</a:t>
+            </a:fld>
+            <a:endParaRPr lang="en-GB"/>
+          </a:p>
+        </p:txBody>
+      </p:sp>
+    </p:spTree>
+    <p:extLst>
+      <p:ext uri="{BB962C8B-B14F-4D97-AF65-F5344CB8AC3E}">
+        <p14:creationId xmlns:p14="http://schemas.microsoft.com/office/powerpoint/2010/main" val="2386649034"/>
+      </p:ext>
+    </p:extLst>
+  </p:cSld>
+  <p:clrMapOvr>
+    <a:masterClrMapping/>
+  </p:clrMapOvr>
+</p:notes>
+</file>
+
+<file path=ppt/notesSlides/notesSlide8.xml><?xml version="1.0" encoding="utf-8"?>
+<p:notes xmlns:a="http://schemas.openxmlformats.org/drawingml/2006/main" xmlns:r="http://schemas.openxmlformats.org/officeDocument/2006/relationships" xmlns:p="http://schemas.openxmlformats.org/presentationml/2006/main">
+  <p:cSld>
+    <p:spTree>
+      <p:nvGrpSpPr>
+        <p:cNvPr id="1" name=""/>
+        <p:cNvGrpSpPr/>
+        <p:nvPr/>
+      </p:nvGrpSpPr>
+      <p:grpSpPr>
+        <a:xfrm>
+          <a:off x="0" y="0"/>
+          <a:ext cx="0" cy="0"/>
+          <a:chOff x="0" y="0"/>
+          <a:chExt cx="0" cy="0"/>
+        </a:xfrm>
+      </p:grpSpPr>
+      <p:sp>
+        <p:nvSpPr>
+          <p:cNvPr id="2" name="Slide Image Placeholder 1"/>
+          <p:cNvSpPr>
+            <a:spLocks noGrp="1" noRot="1" noChangeAspect="1"/>
+          </p:cNvSpPr>
+          <p:nvPr>
+            <p:ph type="sldImg"/>
+          </p:nvPr>
+        </p:nvSpPr>
+        <p:spPr/>
+      </p:sp>
+      <p:sp>
+        <p:nvSpPr>
+          <p:cNvPr id="3" name="Notes Placeholder 2"/>
+          <p:cNvSpPr>
+            <a:spLocks noGrp="1"/>
+          </p:cNvSpPr>
+          <p:nvPr>
+            <p:ph type="body" idx="1"/>
+          </p:nvPr>
+        </p:nvSpPr>
+        <p:spPr/>
+        <p:txBody>
+          <a:bodyPr/>
+          <a:lstStyle/>
+          <a:p>
             <a:pPr marL="171450" indent="-171450">
               <a:buFont typeface="Arial" panose="020B0604020202020204" pitchFamily="34" charset="0"/>
               <a:buChar char="•"/>
@@ -1408,7 +1496,7 @@
           <a:p>
             <a:fld id="{945AE9AA-FFB8-4A6F-835D-DFF20E6952A1}" type="slidenum">
               <a:rPr lang="en-GB" smtClean="0"/>
-              <a:t>7</a:t>
+              <a:t>8</a:t>
             </a:fld>
             <a:endParaRPr lang="en-GB"/>
           </a:p>
@@ -1576,7 +1664,7 @@
           <a:p>
             <a:fld id="{35DBDC46-661E-48B2-857C-F62253F6C9C2}" type="datetimeFigureOut">
               <a:rPr lang="en-GB" smtClean="0"/>
-              <a:t>02/09/2019</a:t>
+              <a:t>09/09/2019</a:t>
             </a:fld>
             <a:endParaRPr lang="en-GB"/>
           </a:p>
@@ -1776,7 +1864,7 @@
           <a:p>
             <a:fld id="{35DBDC46-661E-48B2-857C-F62253F6C9C2}" type="datetimeFigureOut">
               <a:rPr lang="en-GB" smtClean="0"/>
-              <a:t>02/09/2019</a:t>
+              <a:t>09/09/2019</a:t>
             </a:fld>
             <a:endParaRPr lang="en-GB"/>
           </a:p>
@@ -1986,7 +2074,7 @@
           <a:p>
             <a:fld id="{35DBDC46-661E-48B2-857C-F62253F6C9C2}" type="datetimeFigureOut">
               <a:rPr lang="en-GB" smtClean="0"/>
-              <a:t>02/09/2019</a:t>
+              <a:t>09/09/2019</a:t>
             </a:fld>
             <a:endParaRPr lang="en-GB"/>
           </a:p>
@@ -2186,7 +2274,7 @@
           <a:p>
             <a:fld id="{35DBDC46-661E-48B2-857C-F62253F6C9C2}" type="datetimeFigureOut">
               <a:rPr lang="en-GB" smtClean="0"/>
-              <a:t>02/09/2019</a:t>
+              <a:t>09/09/2019</a:t>
             </a:fld>
             <a:endParaRPr lang="en-GB"/>
           </a:p>
@@ -2462,7 +2550,7 @@
           <a:p>
             <a:fld id="{35DBDC46-661E-48B2-857C-F62253F6C9C2}" type="datetimeFigureOut">
               <a:rPr lang="en-GB" smtClean="0"/>
-              <a:t>02/09/2019</a:t>
+              <a:t>09/09/2019</a:t>
             </a:fld>
             <a:endParaRPr lang="en-GB"/>
           </a:p>
@@ -2730,7 +2818,7 @@
           <a:p>
             <a:fld id="{35DBDC46-661E-48B2-857C-F62253F6C9C2}" type="datetimeFigureOut">
               <a:rPr lang="en-GB" smtClean="0"/>
-              <a:t>02/09/2019</a:t>
+              <a:t>09/09/2019</a:t>
             </a:fld>
             <a:endParaRPr lang="en-GB"/>
           </a:p>
@@ -3145,7 +3233,7 @@
           <a:p>
             <a:fld id="{35DBDC46-661E-48B2-857C-F62253F6C9C2}" type="datetimeFigureOut">
               <a:rPr lang="en-GB" smtClean="0"/>
-              <a:t>02/09/2019</a:t>
+              <a:t>09/09/2019</a:t>
             </a:fld>
             <a:endParaRPr lang="en-GB"/>
           </a:p>
@@ -3287,7 +3375,7 @@
           <a:p>
             <a:fld id="{35DBDC46-661E-48B2-857C-F62253F6C9C2}" type="datetimeFigureOut">
               <a:rPr lang="en-GB" smtClean="0"/>
-              <a:t>02/09/2019</a:t>
+              <a:t>09/09/2019</a:t>
             </a:fld>
             <a:endParaRPr lang="en-GB"/>
           </a:p>
@@ -3400,7 +3488,7 @@
           <a:p>
             <a:fld id="{35DBDC46-661E-48B2-857C-F62253F6C9C2}" type="datetimeFigureOut">
               <a:rPr lang="en-GB" smtClean="0"/>
-              <a:t>02/09/2019</a:t>
+              <a:t>09/09/2019</a:t>
             </a:fld>
             <a:endParaRPr lang="en-GB"/>
           </a:p>
@@ -3713,7 +3801,7 @@
           <a:p>
             <a:fld id="{35DBDC46-661E-48B2-857C-F62253F6C9C2}" type="datetimeFigureOut">
               <a:rPr lang="en-GB" smtClean="0"/>
-              <a:t>02/09/2019</a:t>
+              <a:t>09/09/2019</a:t>
             </a:fld>
             <a:endParaRPr lang="en-GB"/>
           </a:p>
@@ -4002,7 +4090,7 @@
           <a:p>
             <a:fld id="{35DBDC46-661E-48B2-857C-F62253F6C9C2}" type="datetimeFigureOut">
               <a:rPr lang="en-GB" smtClean="0"/>
-              <a:t>02/09/2019</a:t>
+              <a:t>09/09/2019</a:t>
             </a:fld>
             <a:endParaRPr lang="en-GB"/>
           </a:p>
@@ -4245,7 +4333,7 @@
           <a:p>
             <a:fld id="{35DBDC46-661E-48B2-857C-F62253F6C9C2}" type="datetimeFigureOut">
               <a:rPr lang="en-GB" smtClean="0"/>
-              <a:t>02/09/2019</a:t>
+              <a:t>09/09/2019</a:t>
             </a:fld>
             <a:endParaRPr lang="en-GB"/>
           </a:p>
@@ -5122,7 +5210,7 @@
         <p:spPr>
           <a:xfrm>
             <a:off x="1660432" y="2245659"/>
-            <a:ext cx="8189258" cy="1477328"/>
+            <a:ext cx="8189258" cy="1754326"/>
           </a:xfrm>
           <a:prstGeom prst="rect">
             <a:avLst/>
@@ -5192,6 +5280,18 @@
                 <a:latin typeface="HelveticaNeue"/>
               </a:rPr>
               <a:t>Applications</a:t>
+            </a:r>
+          </a:p>
+          <a:p>
+            <a:pPr marL="342900" indent="-342900">
+              <a:buFont typeface="+mj-lt"/>
+              <a:buAutoNum type="arabicPeriod"/>
+            </a:pPr>
+            <a:r>
+              <a:rPr lang="en-GB" dirty="0">
+                <a:latin typeface="HelveticaNeue"/>
+              </a:rPr>
+              <a:t>Our Application</a:t>
             </a:r>
           </a:p>
         </p:txBody>
@@ -6695,8 +6795,8 @@
           </a:prstGeom>
         </p:spPr>
       </p:pic>
-      <mc:AlternateContent xmlns:mc="http://schemas.openxmlformats.org/markup-compatibility/2006">
-        <mc:Choice xmlns:a14="http://schemas.microsoft.com/office/drawing/2010/main" Requires="a14">
+      <mc:AlternateContent xmlns:mc="http://schemas.openxmlformats.org/markup-compatibility/2006" xmlns:a14="http://schemas.microsoft.com/office/drawing/2010/main">
+        <mc:Choice Requires="a14">
           <p:sp>
             <p:nvSpPr>
               <p:cNvPr id="17" name="Rectangle 16">
@@ -7318,7 +7418,7 @@
             </p:txBody>
           </p:sp>
         </mc:Choice>
-        <mc:Fallback>
+        <mc:Fallback xmlns="">
           <p:sp>
             <p:nvSpPr>
               <p:cNvPr id="17" name="Rectangle 16">
@@ -7621,6 +7721,770 @@
 </file>
 
 <file path=ppt/slides/slide7.xml><?xml version="1.0" encoding="utf-8"?>
+<p:sld xmlns:a="http://schemas.openxmlformats.org/drawingml/2006/main" xmlns:r="http://schemas.openxmlformats.org/officeDocument/2006/relationships" xmlns:p="http://schemas.openxmlformats.org/presentationml/2006/main">
+  <p:cSld>
+    <p:spTree>
+      <p:nvGrpSpPr>
+        <p:cNvPr id="1" name=""/>
+        <p:cNvGrpSpPr/>
+        <p:nvPr/>
+      </p:nvGrpSpPr>
+      <p:grpSpPr>
+        <a:xfrm>
+          <a:off x="0" y="0"/>
+          <a:ext cx="0" cy="0"/>
+          <a:chOff x="0" y="0"/>
+          <a:chExt cx="0" cy="0"/>
+        </a:xfrm>
+      </p:grpSpPr>
+      <p:pic>
+        <p:nvPicPr>
+          <p:cNvPr id="1030" name="Picture 6" descr="IoT Power Management">
+            <a:extLst>
+              <a:ext uri="{FF2B5EF4-FFF2-40B4-BE49-F238E27FC236}">
+                <a16:creationId xmlns:a16="http://schemas.microsoft.com/office/drawing/2014/main" id="{F9844D2D-635D-44A0-B958-1E4C39246144}"/>
+              </a:ext>
+            </a:extLst>
+          </p:cNvPr>
+          <p:cNvPicPr>
+            <a:picLocks noChangeAspect="1" noChangeArrowheads="1"/>
+          </p:cNvPicPr>
+          <p:nvPr/>
+        </p:nvPicPr>
+        <p:blipFill rotWithShape="1">
+          <a:blip r:embed="rId3">
+            <a:duotone>
+              <a:prstClr val="black"/>
+              <a:schemeClr val="accent5">
+                <a:tint val="45000"/>
+                <a:satMod val="400000"/>
+              </a:schemeClr>
+            </a:duotone>
+            <a:extLst>
+              <a:ext uri="{28A0092B-C50C-407E-A947-70E740481C1C}">
+                <a14:useLocalDpi xmlns:a14="http://schemas.microsoft.com/office/drawing/2010/main" val="0"/>
+              </a:ext>
+            </a:extLst>
+          </a:blip>
+          <a:srcRect l="17628" t="11071" r="17690" b="10896"/>
+          <a:stretch/>
+        </p:blipFill>
+        <p:spPr bwMode="auto">
+          <a:xfrm>
+            <a:off x="9525" y="5388348"/>
+            <a:ext cx="1469651" cy="1469651"/>
+          </a:xfrm>
+          <a:prstGeom prst="rect">
+            <a:avLst/>
+          </a:prstGeom>
+          <a:noFill/>
+          <a:extLst>
+            <a:ext uri="{909E8E84-426E-40DD-AFC4-6F175D3DCCD1}">
+              <a14:hiddenFill xmlns:a14="http://schemas.microsoft.com/office/drawing/2010/main">
+                <a:solidFill>
+                  <a:srgbClr val="FFFFFF"/>
+                </a:solidFill>
+              </a14:hiddenFill>
+            </a:ext>
+          </a:extLst>
+        </p:spPr>
+      </p:pic>
+      <p:sp>
+        <p:nvSpPr>
+          <p:cNvPr id="4" name="Rectangle 3">
+            <a:extLst>
+              <a:ext uri="{FF2B5EF4-FFF2-40B4-BE49-F238E27FC236}">
+                <a16:creationId xmlns:a16="http://schemas.microsoft.com/office/drawing/2014/main" id="{9D476336-A01A-47A0-975E-B9D85496F266}"/>
+              </a:ext>
+            </a:extLst>
+          </p:cNvPr>
+          <p:cNvSpPr/>
+          <p:nvPr/>
+        </p:nvSpPr>
+        <p:spPr>
+          <a:xfrm rot="5400000">
+            <a:off x="8578368" y="3220641"/>
+            <a:ext cx="6874669" cy="400050"/>
+          </a:xfrm>
+          <a:prstGeom prst="rect">
+            <a:avLst/>
+          </a:prstGeom>
+          <a:solidFill>
+            <a:srgbClr val="194B89"/>
+          </a:solidFill>
+          <a:ln>
+            <a:solidFill>
+              <a:srgbClr val="194B89"/>
+            </a:solidFill>
+          </a:ln>
+        </p:spPr>
+        <p:style>
+          <a:lnRef idx="2">
+            <a:schemeClr val="accent1">
+              <a:shade val="50000"/>
+            </a:schemeClr>
+          </a:lnRef>
+          <a:fillRef idx="1">
+            <a:schemeClr val="accent1"/>
+          </a:fillRef>
+          <a:effectRef idx="0">
+            <a:schemeClr val="accent1"/>
+          </a:effectRef>
+          <a:fontRef idx="minor">
+            <a:schemeClr val="lt1"/>
+          </a:fontRef>
+        </p:style>
+        <p:txBody>
+          <a:bodyPr rtlCol="0" anchor="ctr"/>
+          <a:lstStyle/>
+          <a:p>
+            <a:pPr algn="ctr"/>
+            <a:endParaRPr lang="en-GB"/>
+          </a:p>
+        </p:txBody>
+      </p:sp>
+      <p:sp>
+        <p:nvSpPr>
+          <p:cNvPr id="5" name="TextBox 4">
+            <a:extLst>
+              <a:ext uri="{FF2B5EF4-FFF2-40B4-BE49-F238E27FC236}">
+                <a16:creationId xmlns:a16="http://schemas.microsoft.com/office/drawing/2014/main" id="{DFBF54CF-F8EF-476F-941C-A4D2002C5A47}"/>
+              </a:ext>
+            </a:extLst>
+          </p:cNvPr>
+          <p:cNvSpPr txBox="1"/>
+          <p:nvPr/>
+        </p:nvSpPr>
+        <p:spPr>
+          <a:xfrm>
+            <a:off x="1814933" y="265400"/>
+            <a:ext cx="8189258" cy="646331"/>
+          </a:xfrm>
+          <a:prstGeom prst="rect">
+            <a:avLst/>
+          </a:prstGeom>
+          <a:noFill/>
+        </p:spPr>
+        <p:txBody>
+          <a:bodyPr wrap="square" rtlCol="0">
+            <a:spAutoFit/>
+          </a:bodyPr>
+          <a:lstStyle/>
+          <a:p>
+            <a:pPr algn="ctr"/>
+            <a:r>
+              <a:rPr lang="en-GB" sz="3600" dirty="0">
+                <a:solidFill>
+                  <a:schemeClr val="bg2">
+                    <a:lumMod val="25000"/>
+                  </a:schemeClr>
+                </a:solidFill>
+                <a:latin typeface="3ds" panose="02000503020000020004" pitchFamily="2" charset="0"/>
+              </a:rPr>
+              <a:t>Our Application</a:t>
+            </a:r>
+          </a:p>
+        </p:txBody>
+      </p:sp>
+      <p:pic>
+        <p:nvPicPr>
+          <p:cNvPr id="7" name="Picture 6">
+            <a:extLst>
+              <a:ext uri="{FF2B5EF4-FFF2-40B4-BE49-F238E27FC236}">
+                <a16:creationId xmlns:a16="http://schemas.microsoft.com/office/drawing/2014/main" id="{71D3B9A1-27CF-4E31-9333-C95F542DE9E4}"/>
+              </a:ext>
+            </a:extLst>
+          </p:cNvPr>
+          <p:cNvPicPr>
+            <a:picLocks noChangeAspect="1"/>
+          </p:cNvPicPr>
+          <p:nvPr/>
+        </p:nvPicPr>
+        <p:blipFill>
+          <a:blip r:embed="rId4">
+            <a:extLst>
+              <a:ext uri="{28A0092B-C50C-407E-A947-70E740481C1C}">
+                <a14:useLocalDpi xmlns:a14="http://schemas.microsoft.com/office/drawing/2010/main" val="0"/>
+              </a:ext>
+            </a:extLst>
+          </a:blip>
+          <a:stretch>
+            <a:fillRect/>
+          </a:stretch>
+        </p:blipFill>
+        <p:spPr>
+          <a:xfrm>
+            <a:off x="9968410" y="6010630"/>
+            <a:ext cx="1847267" cy="847370"/>
+          </a:xfrm>
+          <a:prstGeom prst="rect">
+            <a:avLst/>
+          </a:prstGeom>
+        </p:spPr>
+      </p:pic>
+      <p:grpSp>
+        <p:nvGrpSpPr>
+          <p:cNvPr id="22" name="Group 21">
+            <a:extLst>
+              <a:ext uri="{FF2B5EF4-FFF2-40B4-BE49-F238E27FC236}">
+                <a16:creationId xmlns:a16="http://schemas.microsoft.com/office/drawing/2014/main" id="{B4C2CBA9-4F9D-46C5-8C3B-8D8B96BCD746}"/>
+              </a:ext>
+            </a:extLst>
+          </p:cNvPr>
+          <p:cNvGrpSpPr/>
+          <p:nvPr/>
+        </p:nvGrpSpPr>
+        <p:grpSpPr>
+          <a:xfrm>
+            <a:off x="485004" y="1303816"/>
+            <a:ext cx="4232664" cy="3554785"/>
+            <a:chOff x="5082482" y="1309708"/>
+            <a:chExt cx="5843660" cy="4907773"/>
+          </a:xfrm>
+        </p:grpSpPr>
+        <p:pic>
+          <p:nvPicPr>
+            <p:cNvPr id="3" name="Picture 2">
+              <a:extLst>
+                <a:ext uri="{FF2B5EF4-FFF2-40B4-BE49-F238E27FC236}">
+                  <a16:creationId xmlns:a16="http://schemas.microsoft.com/office/drawing/2014/main" id="{E8D4CA60-46EE-4640-85D4-A68BD83F752E}"/>
+                </a:ext>
+              </a:extLst>
+            </p:cNvPr>
+            <p:cNvPicPr>
+              <a:picLocks noChangeAspect="1"/>
+            </p:cNvPicPr>
+            <p:nvPr/>
+          </p:nvPicPr>
+          <p:blipFill>
+            <a:blip r:embed="rId5">
+              <a:extLst>
+                <a:ext uri="{28A0092B-C50C-407E-A947-70E740481C1C}">
+                  <a14:useLocalDpi xmlns:a14="http://schemas.microsoft.com/office/drawing/2010/main" val="0"/>
+                </a:ext>
+              </a:extLst>
+            </a:blip>
+            <a:stretch>
+              <a:fillRect/>
+            </a:stretch>
+          </p:blipFill>
+          <p:spPr>
+            <a:xfrm>
+              <a:off x="9824007" y="3351892"/>
+              <a:ext cx="1102135" cy="1102135"/>
+            </a:xfrm>
+            <a:prstGeom prst="rect">
+              <a:avLst/>
+            </a:prstGeom>
+          </p:spPr>
+        </p:pic>
+        <p:pic>
+          <p:nvPicPr>
+            <p:cNvPr id="9" name="Picture 8">
+              <a:extLst>
+                <a:ext uri="{FF2B5EF4-FFF2-40B4-BE49-F238E27FC236}">
+                  <a16:creationId xmlns:a16="http://schemas.microsoft.com/office/drawing/2014/main" id="{2B107D5E-16D8-4DC1-8F27-469C22BDB6E0}"/>
+                </a:ext>
+              </a:extLst>
+            </p:cNvPr>
+            <p:cNvPicPr>
+              <a:picLocks noChangeAspect="1"/>
+            </p:cNvPicPr>
+            <p:nvPr/>
+          </p:nvPicPr>
+          <p:blipFill>
+            <a:blip r:embed="rId6">
+              <a:extLst>
+                <a:ext uri="{28A0092B-C50C-407E-A947-70E740481C1C}">
+                  <a14:useLocalDpi xmlns:a14="http://schemas.microsoft.com/office/drawing/2010/main" val="0"/>
+                </a:ext>
+              </a:extLst>
+            </a:blip>
+            <a:stretch>
+              <a:fillRect/>
+            </a:stretch>
+          </p:blipFill>
+          <p:spPr>
+            <a:xfrm>
+              <a:off x="5962558" y="1849035"/>
+              <a:ext cx="1085451" cy="1106060"/>
+            </a:xfrm>
+            <a:prstGeom prst="rect">
+              <a:avLst/>
+            </a:prstGeom>
+          </p:spPr>
+        </p:pic>
+        <p:pic>
+          <p:nvPicPr>
+            <p:cNvPr id="11" name="Picture 10">
+              <a:extLst>
+                <a:ext uri="{FF2B5EF4-FFF2-40B4-BE49-F238E27FC236}">
+                  <a16:creationId xmlns:a16="http://schemas.microsoft.com/office/drawing/2014/main" id="{4DFA6D59-4C0D-4568-99FB-E6944C93B456}"/>
+                </a:ext>
+              </a:extLst>
+            </p:cNvPr>
+            <p:cNvPicPr>
+              <a:picLocks noChangeAspect="1"/>
+            </p:cNvPicPr>
+            <p:nvPr/>
+          </p:nvPicPr>
+          <p:blipFill>
+            <a:blip r:embed="rId7">
+              <a:extLst>
+                <a:ext uri="{28A0092B-C50C-407E-A947-70E740481C1C}">
+                  <a14:useLocalDpi xmlns:a14="http://schemas.microsoft.com/office/drawing/2010/main" val="0"/>
+                </a:ext>
+              </a:extLst>
+            </a:blip>
+            <a:stretch>
+              <a:fillRect/>
+            </a:stretch>
+          </p:blipFill>
+          <p:spPr>
+            <a:xfrm>
+              <a:off x="5082482" y="3185385"/>
+              <a:ext cx="1363168" cy="1363168"/>
+            </a:xfrm>
+            <a:prstGeom prst="rect">
+              <a:avLst/>
+            </a:prstGeom>
+          </p:spPr>
+        </p:pic>
+        <p:pic>
+          <p:nvPicPr>
+            <p:cNvPr id="13" name="Picture 12" descr="A close up of a sign&#10;&#10;Description automatically generated">
+              <a:extLst>
+                <a:ext uri="{FF2B5EF4-FFF2-40B4-BE49-F238E27FC236}">
+                  <a16:creationId xmlns:a16="http://schemas.microsoft.com/office/drawing/2014/main" id="{F938D819-3E04-4423-9285-0401080953C1}"/>
+                </a:ext>
+              </a:extLst>
+            </p:cNvPr>
+            <p:cNvPicPr>
+              <a:picLocks noChangeAspect="1"/>
+            </p:cNvPicPr>
+            <p:nvPr/>
+          </p:nvPicPr>
+          <p:blipFill>
+            <a:blip r:embed="rId8">
+              <a:extLst>
+                <a:ext uri="{28A0092B-C50C-407E-A947-70E740481C1C}">
+                  <a14:useLocalDpi xmlns:a14="http://schemas.microsoft.com/office/drawing/2010/main" val="0"/>
+                </a:ext>
+              </a:extLst>
+            </a:blip>
+            <a:stretch>
+              <a:fillRect/>
+            </a:stretch>
+          </p:blipFill>
+          <p:spPr>
+            <a:xfrm>
+              <a:off x="7504576" y="1309708"/>
+              <a:ext cx="1264235" cy="1258098"/>
+            </a:xfrm>
+            <a:prstGeom prst="rect">
+              <a:avLst/>
+            </a:prstGeom>
+          </p:spPr>
+        </p:pic>
+        <p:pic>
+          <p:nvPicPr>
+            <p:cNvPr id="15" name="Picture 14" descr="A picture containing object&#10;&#10;Description automatically generated">
+              <a:extLst>
+                <a:ext uri="{FF2B5EF4-FFF2-40B4-BE49-F238E27FC236}">
+                  <a16:creationId xmlns:a16="http://schemas.microsoft.com/office/drawing/2014/main" id="{C5A422E2-F898-4749-964D-688AEFEA4B27}"/>
+                </a:ext>
+              </a:extLst>
+            </p:cNvPr>
+            <p:cNvPicPr>
+              <a:picLocks noChangeAspect="1"/>
+            </p:cNvPicPr>
+            <p:nvPr/>
+          </p:nvPicPr>
+          <p:blipFill>
+            <a:blip r:embed="rId9">
+              <a:extLst>
+                <a:ext uri="{28A0092B-C50C-407E-A947-70E740481C1C}">
+                  <a14:useLocalDpi xmlns:a14="http://schemas.microsoft.com/office/drawing/2010/main" val="0"/>
+                </a:ext>
+              </a:extLst>
+            </a:blip>
+            <a:stretch>
+              <a:fillRect/>
+            </a:stretch>
+          </p:blipFill>
+          <p:spPr>
+            <a:xfrm>
+              <a:off x="6341385" y="4778843"/>
+              <a:ext cx="1461117" cy="1438638"/>
+            </a:xfrm>
+            <a:prstGeom prst="rect">
+              <a:avLst/>
+            </a:prstGeom>
+          </p:spPr>
+        </p:pic>
+        <p:pic>
+          <p:nvPicPr>
+            <p:cNvPr id="17" name="Picture 16" descr="A close up of a logo&#10;&#10;Description automatically generated">
+              <a:extLst>
+                <a:ext uri="{FF2B5EF4-FFF2-40B4-BE49-F238E27FC236}">
+                  <a16:creationId xmlns:a16="http://schemas.microsoft.com/office/drawing/2014/main" id="{DC65BC02-5E27-4842-B230-0F5D41CF2263}"/>
+                </a:ext>
+              </a:extLst>
+            </p:cNvPr>
+            <p:cNvPicPr>
+              <a:picLocks noChangeAspect="1"/>
+            </p:cNvPicPr>
+            <p:nvPr/>
+          </p:nvPicPr>
+          <p:blipFill>
+            <a:blip r:embed="rId10">
+              <a:extLst>
+                <a:ext uri="{28A0092B-C50C-407E-A947-70E740481C1C}">
+                  <a14:useLocalDpi xmlns:a14="http://schemas.microsoft.com/office/drawing/2010/main" val="0"/>
+                </a:ext>
+              </a:extLst>
+            </a:blip>
+            <a:stretch>
+              <a:fillRect/>
+            </a:stretch>
+          </p:blipFill>
+          <p:spPr>
+            <a:xfrm>
+              <a:off x="9286320" y="1682746"/>
+              <a:ext cx="1483147" cy="1438638"/>
+            </a:xfrm>
+            <a:prstGeom prst="rect">
+              <a:avLst/>
+            </a:prstGeom>
+          </p:spPr>
+        </p:pic>
+        <p:pic>
+          <p:nvPicPr>
+            <p:cNvPr id="19" name="Picture 18" descr="A close up of a logo&#10;&#10;Description automatically generated">
+              <a:extLst>
+                <a:ext uri="{FF2B5EF4-FFF2-40B4-BE49-F238E27FC236}">
+                  <a16:creationId xmlns:a16="http://schemas.microsoft.com/office/drawing/2014/main" id="{CFD118B5-5AF5-496A-B09A-EF05E7E10A38}"/>
+                </a:ext>
+              </a:extLst>
+            </p:cNvPr>
+            <p:cNvPicPr>
+              <a:picLocks noChangeAspect="1"/>
+            </p:cNvPicPr>
+            <p:nvPr/>
+          </p:nvPicPr>
+          <p:blipFill>
+            <a:blip r:embed="rId11">
+              <a:extLst>
+                <a:ext uri="{28A0092B-C50C-407E-A947-70E740481C1C}">
+                  <a14:useLocalDpi xmlns:a14="http://schemas.microsoft.com/office/drawing/2010/main" val="0"/>
+                </a:ext>
+              </a:extLst>
+            </a:blip>
+            <a:stretch>
+              <a:fillRect/>
+            </a:stretch>
+          </p:blipFill>
+          <p:spPr>
+            <a:xfrm>
+              <a:off x="8595376" y="4743517"/>
+              <a:ext cx="1438638" cy="1438638"/>
+            </a:xfrm>
+            <a:prstGeom prst="rect">
+              <a:avLst/>
+            </a:prstGeom>
+          </p:spPr>
+        </p:pic>
+        <p:pic>
+          <p:nvPicPr>
+            <p:cNvPr id="21" name="Picture 20" descr="A close up of a logo&#10;&#10;Description automatically generated">
+              <a:extLst>
+                <a:ext uri="{FF2B5EF4-FFF2-40B4-BE49-F238E27FC236}">
+                  <a16:creationId xmlns:a16="http://schemas.microsoft.com/office/drawing/2014/main" id="{D5E1625A-09F1-4C11-88A2-9FD0E7E51D5F}"/>
+                </a:ext>
+              </a:extLst>
+            </p:cNvPr>
+            <p:cNvPicPr>
+              <a:picLocks noChangeAspect="1"/>
+            </p:cNvPicPr>
+            <p:nvPr/>
+          </p:nvPicPr>
+          <p:blipFill>
+            <a:blip r:embed="rId12">
+              <a:duotone>
+                <a:schemeClr val="accent1">
+                  <a:shade val="45000"/>
+                  <a:satMod val="135000"/>
+                </a:schemeClr>
+                <a:prstClr val="white"/>
+              </a:duotone>
+              <a:extLst>
+                <a:ext uri="{28A0092B-C50C-407E-A947-70E740481C1C}">
+                  <a14:useLocalDpi xmlns:a14="http://schemas.microsoft.com/office/drawing/2010/main" val="0"/>
+                </a:ext>
+              </a:extLst>
+            </a:blip>
+            <a:stretch>
+              <a:fillRect/>
+            </a:stretch>
+          </p:blipFill>
+          <p:spPr>
+            <a:xfrm>
+              <a:off x="7287499" y="2942380"/>
+              <a:ext cx="1742155" cy="1742155"/>
+            </a:xfrm>
+            <a:prstGeom prst="rect">
+              <a:avLst/>
+            </a:prstGeom>
+          </p:spPr>
+        </p:pic>
+      </p:grpSp>
+      <p:pic>
+        <p:nvPicPr>
+          <p:cNvPr id="1028" name="Picture 4" descr="Related image">
+            <a:extLst>
+              <a:ext uri="{FF2B5EF4-FFF2-40B4-BE49-F238E27FC236}">
+                <a16:creationId xmlns:a16="http://schemas.microsoft.com/office/drawing/2014/main" id="{C5FC07A2-8187-4833-91EC-0F71A221440B}"/>
+              </a:ext>
+            </a:extLst>
+          </p:cNvPr>
+          <p:cNvPicPr>
+            <a:picLocks noChangeAspect="1" noChangeArrowheads="1"/>
+          </p:cNvPicPr>
+          <p:nvPr/>
+        </p:nvPicPr>
+        <p:blipFill>
+          <a:blip r:embed="rId13">
+            <a:extLst>
+              <a:ext uri="{BEBA8EAE-BF5A-486C-A8C5-ECC9F3942E4B}">
+                <a14:imgProps xmlns:a14="http://schemas.microsoft.com/office/drawing/2010/main">
+                  <a14:imgLayer r:embed="rId14">
+                    <a14:imgEffect>
+                      <a14:brightnessContrast contrast="-40000"/>
+                    </a14:imgEffect>
+                  </a14:imgLayer>
+                </a14:imgProps>
+              </a:ext>
+              <a:ext uri="{28A0092B-C50C-407E-A947-70E740481C1C}">
+                <a14:useLocalDpi xmlns:a14="http://schemas.microsoft.com/office/drawing/2010/main" val="0"/>
+              </a:ext>
+            </a:extLst>
+          </a:blip>
+          <a:srcRect/>
+          <a:stretch>
+            <a:fillRect/>
+          </a:stretch>
+        </p:blipFill>
+        <p:spPr bwMode="auto">
+          <a:xfrm>
+            <a:off x="5876179" y="2171769"/>
+            <a:ext cx="1648111" cy="1648111"/>
+          </a:xfrm>
+          <a:prstGeom prst="rect">
+            <a:avLst/>
+          </a:prstGeom>
+          <a:noFill/>
+          <a:extLst>
+            <a:ext uri="{909E8E84-426E-40DD-AFC4-6F175D3DCCD1}">
+              <a14:hiddenFill xmlns:a14="http://schemas.microsoft.com/office/drawing/2010/main">
+                <a:solidFill>
+                  <a:srgbClr val="FFFFFF"/>
+                </a:solidFill>
+              </a14:hiddenFill>
+            </a:ext>
+          </a:extLst>
+        </p:spPr>
+      </p:pic>
+      <p:pic>
+        <p:nvPicPr>
+          <p:cNvPr id="26" name="Picture 6" descr="Image result for screen icon">
+            <a:extLst>
+              <a:ext uri="{FF2B5EF4-FFF2-40B4-BE49-F238E27FC236}">
+                <a16:creationId xmlns:a16="http://schemas.microsoft.com/office/drawing/2014/main" id="{0B8CB6F7-9A7B-49C5-990B-E2C987986116}"/>
+              </a:ext>
+            </a:extLst>
+          </p:cNvPr>
+          <p:cNvPicPr>
+            <a:picLocks noChangeAspect="1" noChangeArrowheads="1"/>
+          </p:cNvPicPr>
+          <p:nvPr/>
+        </p:nvPicPr>
+        <p:blipFill>
+          <a:blip r:embed="rId15">
+            <a:duotone>
+              <a:schemeClr val="accent1">
+                <a:shade val="45000"/>
+                <a:satMod val="135000"/>
+              </a:schemeClr>
+              <a:prstClr val="white"/>
+            </a:duotone>
+            <a:extLst>
+              <a:ext uri="{28A0092B-C50C-407E-A947-70E740481C1C}">
+                <a14:useLocalDpi xmlns:a14="http://schemas.microsoft.com/office/drawing/2010/main" val="0"/>
+              </a:ext>
+            </a:extLst>
+          </a:blip>
+          <a:srcRect/>
+          <a:stretch>
+            <a:fillRect/>
+          </a:stretch>
+        </p:blipFill>
+        <p:spPr bwMode="auto">
+          <a:xfrm>
+            <a:off x="9522957" y="2298587"/>
+            <a:ext cx="1565245" cy="1565245"/>
+          </a:xfrm>
+          <a:prstGeom prst="rect">
+            <a:avLst/>
+          </a:prstGeom>
+          <a:noFill/>
+          <a:extLst>
+            <a:ext uri="{909E8E84-426E-40DD-AFC4-6F175D3DCCD1}">
+              <a14:hiddenFill xmlns:a14="http://schemas.microsoft.com/office/drawing/2010/main">
+                <a:solidFill>
+                  <a:srgbClr val="FFFFFF"/>
+                </a:solidFill>
+              </a14:hiddenFill>
+            </a:ext>
+          </a:extLst>
+        </p:spPr>
+      </p:pic>
+      <p:sp>
+        <p:nvSpPr>
+          <p:cNvPr id="27" name="Rectangle 26">
+            <a:extLst>
+              <a:ext uri="{FF2B5EF4-FFF2-40B4-BE49-F238E27FC236}">
+                <a16:creationId xmlns:a16="http://schemas.microsoft.com/office/drawing/2014/main" id="{7DDE289D-D31D-47A5-B8AC-5048098B1B2B}"/>
+              </a:ext>
+            </a:extLst>
+          </p:cNvPr>
+          <p:cNvSpPr/>
+          <p:nvPr/>
+        </p:nvSpPr>
+        <p:spPr>
+          <a:xfrm>
+            <a:off x="6324983" y="3790983"/>
+            <a:ext cx="922982" cy="369332"/>
+          </a:xfrm>
+          <a:prstGeom prst="rect">
+            <a:avLst/>
+          </a:prstGeom>
+        </p:spPr>
+        <p:txBody>
+          <a:bodyPr wrap="square">
+            <a:spAutoFit/>
+          </a:bodyPr>
+          <a:lstStyle/>
+          <a:p>
+            <a:pPr>
+              <a:buClr>
+                <a:schemeClr val="tx1"/>
+              </a:buClr>
+            </a:pPr>
+            <a:r>
+              <a:rPr lang="en-GB" dirty="0">
+                <a:latin typeface="HelveticaNeue"/>
+              </a:rPr>
+              <a:t>Cloud</a:t>
+            </a:r>
+          </a:p>
+        </p:txBody>
+      </p:sp>
+      <p:sp>
+        <p:nvSpPr>
+          <p:cNvPr id="30" name="Rectangle 29">
+            <a:extLst>
+              <a:ext uri="{FF2B5EF4-FFF2-40B4-BE49-F238E27FC236}">
+                <a16:creationId xmlns:a16="http://schemas.microsoft.com/office/drawing/2014/main" id="{7D0DB8EB-B577-42F6-AA45-52F91E04DC24}"/>
+              </a:ext>
+            </a:extLst>
+          </p:cNvPr>
+          <p:cNvSpPr/>
+          <p:nvPr/>
+        </p:nvSpPr>
+        <p:spPr>
+          <a:xfrm>
+            <a:off x="9467651" y="3863832"/>
+            <a:ext cx="1648111" cy="369332"/>
+          </a:xfrm>
+          <a:prstGeom prst="rect">
+            <a:avLst/>
+          </a:prstGeom>
+        </p:spPr>
+        <p:txBody>
+          <a:bodyPr wrap="square">
+            <a:spAutoFit/>
+          </a:bodyPr>
+          <a:lstStyle/>
+          <a:p>
+            <a:pPr>
+              <a:buClr>
+                <a:schemeClr val="tx1"/>
+              </a:buClr>
+            </a:pPr>
+            <a:r>
+              <a:rPr lang="en-GB" dirty="0">
+                <a:latin typeface="HelveticaNeue"/>
+              </a:rPr>
+              <a:t>Retrieve Data</a:t>
+            </a:r>
+          </a:p>
+        </p:txBody>
+      </p:sp>
+      <p:sp>
+        <p:nvSpPr>
+          <p:cNvPr id="31" name="Rectangle 30">
+            <a:extLst>
+              <a:ext uri="{FF2B5EF4-FFF2-40B4-BE49-F238E27FC236}">
+                <a16:creationId xmlns:a16="http://schemas.microsoft.com/office/drawing/2014/main" id="{91572D4E-94EC-4004-9F5C-ED124B6902F6}"/>
+              </a:ext>
+            </a:extLst>
+          </p:cNvPr>
+          <p:cNvSpPr/>
+          <p:nvPr/>
+        </p:nvSpPr>
+        <p:spPr>
+          <a:xfrm>
+            <a:off x="2082136" y="5184852"/>
+            <a:ext cx="1261873" cy="369332"/>
+          </a:xfrm>
+          <a:prstGeom prst="rect">
+            <a:avLst/>
+          </a:prstGeom>
+        </p:spPr>
+        <p:txBody>
+          <a:bodyPr wrap="square">
+            <a:spAutoFit/>
+          </a:bodyPr>
+          <a:lstStyle/>
+          <a:p>
+            <a:pPr>
+              <a:buClr>
+                <a:schemeClr val="tx1"/>
+              </a:buClr>
+            </a:pPr>
+            <a:r>
+              <a:rPr lang="en-GB" dirty="0">
+                <a:latin typeface="HelveticaNeue"/>
+              </a:rPr>
+              <a:t>IoT device</a:t>
+            </a:r>
+          </a:p>
+        </p:txBody>
+      </p:sp>
+    </p:spTree>
+    <p:extLst>
+      <p:ext uri="{BB962C8B-B14F-4D97-AF65-F5344CB8AC3E}">
+        <p14:creationId xmlns:p14="http://schemas.microsoft.com/office/powerpoint/2010/main" val="1626944702"/>
+      </p:ext>
+    </p:extLst>
+  </p:cSld>
+  <p:clrMapOvr>
+    <a:masterClrMapping/>
+  </p:clrMapOvr>
+</p:sld>
+</file>
+
+<file path=ppt/slides/slide8.xml><?xml version="1.0" encoding="utf-8"?>
 <p:sld xmlns:a="http://schemas.openxmlformats.org/drawingml/2006/main" xmlns:r="http://schemas.openxmlformats.org/officeDocument/2006/relationships" xmlns:p="http://schemas.openxmlformats.org/presentationml/2006/main">
   <p:cSld>
     <p:spTree>
